--- a/multilayer-template/Documentation/Multilayer applications.pptx
+++ b/multilayer-template/Documentation/Multilayer applications.pptx
@@ -3537,338 +3537,313 @@
           </a:p>
         </p:txBody>
       </p:sp>
-      <p:sp>
-        <p:nvSpPr>
-          <p:cNvPr id="6" name="Rectangle 5">
-            <a:extLst>
-              <a:ext uri="{FF2B5EF4-FFF2-40B4-BE49-F238E27FC236}">
-                <a16:creationId xmlns:a16="http://schemas.microsoft.com/office/drawing/2014/main" id="{6B20244E-E961-4F66-857C-57B6C41DD522}"/>
-              </a:ext>
-            </a:extLst>
-          </p:cNvPr>
-          <p:cNvSpPr/>
+      <p:grpSp>
+        <p:nvGrpSpPr>
+          <p:cNvPr id="7" name="Group 6">
+            <a:extLst>
+              <a:ext uri="{FF2B5EF4-FFF2-40B4-BE49-F238E27FC236}">
+                <a16:creationId xmlns:a16="http://schemas.microsoft.com/office/drawing/2014/main" id="{86C62E8E-122C-42BC-BCB5-611426788041}"/>
+              </a:ext>
+            </a:extLst>
+          </p:cNvPr>
+          <p:cNvGrpSpPr/>
           <p:nvPr/>
-        </p:nvSpPr>
-        <p:spPr>
+        </p:nvGrpSpPr>
+        <p:grpSpPr>
           <a:xfrm>
             <a:off x="838200" y="1901825"/>
-            <a:ext cx="4832059" cy="790575"/>
+            <a:ext cx="4832059" cy="4114133"/>
+            <a:chOff x="838200" y="1901825"/>
+            <a:chExt cx="4832059" cy="4114133"/>
           </a:xfrm>
-          <a:prstGeom prst="rect">
-            <a:avLst/>
-          </a:prstGeom>
-        </p:spPr>
-        <p:style>
-          <a:lnRef idx="2">
-            <a:schemeClr val="accent1">
-              <a:shade val="50000"/>
-            </a:schemeClr>
-          </a:lnRef>
-          <a:fillRef idx="1">
-            <a:schemeClr val="accent1"/>
-          </a:fillRef>
-          <a:effectRef idx="0">
-            <a:schemeClr val="accent1"/>
-          </a:effectRef>
-          <a:fontRef idx="minor">
-            <a:schemeClr val="lt1"/>
-          </a:fontRef>
-        </p:style>
-        <p:txBody>
-          <a:bodyPr rtlCol="0" anchor="ctr"/>
-          <a:lstStyle/>
-          <a:p>
-            <a:pPr algn="ctr"/>
-            <a:r>
-              <a:rPr lang="en-GB" dirty="0"/>
-              <a:t>Data Access Layer</a:t>
-            </a:r>
-            <a:endParaRPr lang="pt-PT" dirty="0"/>
-          </a:p>
-        </p:txBody>
-      </p:sp>
-      <p:pic>
-        <p:nvPicPr>
-          <p:cNvPr id="3074" name="Picture 2" descr="Image result for ADO.NET">
-            <a:extLst>
-              <a:ext uri="{FF2B5EF4-FFF2-40B4-BE49-F238E27FC236}">
-                <a16:creationId xmlns:a16="http://schemas.microsoft.com/office/drawing/2014/main" id="{F4CD945F-1069-48D5-A72C-AA0CDD7715CA}"/>
-              </a:ext>
-            </a:extLst>
-          </p:cNvPr>
-          <p:cNvPicPr>
-            <a:picLocks noChangeAspect="1" noChangeArrowheads="1"/>
-          </p:cNvPicPr>
-          <p:nvPr/>
-        </p:nvPicPr>
-        <p:blipFill>
-          <a:blip r:embed="rId2">
-            <a:extLst>
-              <a:ext uri="{28A0092B-C50C-407E-A947-70E740481C1C}">
-                <a14:useLocalDpi xmlns:a14="http://schemas.microsoft.com/office/drawing/2010/main" val="0"/>
-              </a:ext>
-            </a:extLst>
-          </a:blip>
-          <a:srcRect/>
-          <a:stretch>
-            <a:fillRect/>
-          </a:stretch>
-        </p:blipFill>
-        <p:spPr bwMode="auto">
-          <a:xfrm>
-            <a:off x="809002" y="3302912"/>
-            <a:ext cx="1186543" cy="1180640"/>
-          </a:xfrm>
-          <a:prstGeom prst="rect">
-            <a:avLst/>
-          </a:prstGeom>
-          <a:noFill/>
-          <a:extLst>
-            <a:ext uri="{909E8E84-426E-40DD-AFC4-6F175D3DCCD1}">
-              <a14:hiddenFill xmlns:a14="http://schemas.microsoft.com/office/drawing/2010/main">
-                <a:solidFill>
-                  <a:srgbClr val="FFFFFF"/>
-                </a:solidFill>
-              </a14:hiddenFill>
-            </a:ext>
-          </a:extLst>
-        </p:spPr>
-      </p:pic>
-      <p:pic>
-        <p:nvPicPr>
-          <p:cNvPr id="3076" name="Picture 4" descr="Image result for hibernate">
-            <a:extLst>
-              <a:ext uri="{FF2B5EF4-FFF2-40B4-BE49-F238E27FC236}">
-                <a16:creationId xmlns:a16="http://schemas.microsoft.com/office/drawing/2014/main" id="{3EE6293D-6B85-4D9C-A164-5AFC65E97B47}"/>
-              </a:ext>
-            </a:extLst>
-          </p:cNvPr>
-          <p:cNvPicPr>
-            <a:picLocks noChangeAspect="1" noChangeArrowheads="1"/>
-          </p:cNvPicPr>
-          <p:nvPr/>
-        </p:nvPicPr>
-        <p:blipFill>
-          <a:blip r:embed="rId3">
-            <a:extLst>
-              <a:ext uri="{28A0092B-C50C-407E-A947-70E740481C1C}">
-                <a14:useLocalDpi xmlns:a14="http://schemas.microsoft.com/office/drawing/2010/main" val="0"/>
-              </a:ext>
-            </a:extLst>
-          </a:blip>
-          <a:srcRect/>
-          <a:stretch>
-            <a:fillRect/>
-          </a:stretch>
-        </p:blipFill>
-        <p:spPr bwMode="auto">
-          <a:xfrm>
-            <a:off x="923801" y="5210745"/>
-            <a:ext cx="948206" cy="782270"/>
-          </a:xfrm>
-          <a:prstGeom prst="rect">
-            <a:avLst/>
-          </a:prstGeom>
-          <a:noFill/>
-          <a:extLst>
-            <a:ext uri="{909E8E84-426E-40DD-AFC4-6F175D3DCCD1}">
-              <a14:hiddenFill xmlns:a14="http://schemas.microsoft.com/office/drawing/2010/main">
-                <a:solidFill>
-                  <a:srgbClr val="FFFFFF"/>
-                </a:solidFill>
-              </a14:hiddenFill>
-            </a:ext>
-          </a:extLst>
-        </p:spPr>
-      </p:pic>
-      <p:pic>
-        <p:nvPicPr>
-          <p:cNvPr id="3078" name="Picture 6" descr="Image result for mybatis">
-            <a:extLst>
-              <a:ext uri="{FF2B5EF4-FFF2-40B4-BE49-F238E27FC236}">
-                <a16:creationId xmlns:a16="http://schemas.microsoft.com/office/drawing/2014/main" id="{B61EB891-B961-4BAF-AE89-E658EF9C4E55}"/>
-              </a:ext>
-            </a:extLst>
-          </p:cNvPr>
-          <p:cNvPicPr>
-            <a:picLocks noChangeAspect="1" noChangeArrowheads="1"/>
-          </p:cNvPicPr>
-          <p:nvPr/>
-        </p:nvPicPr>
-        <p:blipFill>
-          <a:blip r:embed="rId4">
-            <a:extLst>
-              <a:ext uri="{28A0092B-C50C-407E-A947-70E740481C1C}">
-                <a14:useLocalDpi xmlns:a14="http://schemas.microsoft.com/office/drawing/2010/main" val="0"/>
-              </a:ext>
-            </a:extLst>
-          </a:blip>
-          <a:srcRect/>
-          <a:stretch>
-            <a:fillRect/>
-          </a:stretch>
-        </p:blipFill>
-        <p:spPr bwMode="auto">
-          <a:xfrm>
-            <a:off x="3927733" y="5210746"/>
-            <a:ext cx="1220890" cy="916709"/>
-          </a:xfrm>
-          <a:prstGeom prst="rect">
-            <a:avLst/>
-          </a:prstGeom>
-          <a:noFill/>
-          <a:extLst>
-            <a:ext uri="{909E8E84-426E-40DD-AFC4-6F175D3DCCD1}">
-              <a14:hiddenFill xmlns:a14="http://schemas.microsoft.com/office/drawing/2010/main">
-                <a:solidFill>
-                  <a:srgbClr val="FFFFFF"/>
-                </a:solidFill>
-              </a14:hiddenFill>
-            </a:ext>
-          </a:extLst>
-        </p:spPr>
-      </p:pic>
-      <p:pic>
-        <p:nvPicPr>
-          <p:cNvPr id="3080" name="Picture 8" descr="Image result for Linq to sql">
-            <a:extLst>
-              <a:ext uri="{FF2B5EF4-FFF2-40B4-BE49-F238E27FC236}">
-                <a16:creationId xmlns:a16="http://schemas.microsoft.com/office/drawing/2014/main" id="{98C51ABB-0A8D-4A8D-9588-54A8955090E3}"/>
-              </a:ext>
-            </a:extLst>
-          </p:cNvPr>
-          <p:cNvPicPr>
-            <a:picLocks noChangeAspect="1" noChangeArrowheads="1"/>
-          </p:cNvPicPr>
-          <p:nvPr/>
-        </p:nvPicPr>
-        <p:blipFill>
-          <a:blip r:embed="rId5">
-            <a:extLst>
-              <a:ext uri="{28A0092B-C50C-407E-A947-70E740481C1C}">
-                <a14:useLocalDpi xmlns:a14="http://schemas.microsoft.com/office/drawing/2010/main" val="0"/>
-              </a:ext>
-            </a:extLst>
-          </a:blip>
-          <a:srcRect/>
-          <a:stretch>
-            <a:fillRect/>
-          </a:stretch>
-        </p:blipFill>
-        <p:spPr bwMode="auto">
-          <a:xfrm>
-            <a:off x="3708027" y="3206632"/>
-            <a:ext cx="1622436" cy="1021534"/>
-          </a:xfrm>
-          <a:prstGeom prst="rect">
-            <a:avLst/>
-          </a:prstGeom>
-          <a:noFill/>
-          <a:extLst>
-            <a:ext uri="{909E8E84-426E-40DD-AFC4-6F175D3DCCD1}">
-              <a14:hiddenFill xmlns:a14="http://schemas.microsoft.com/office/drawing/2010/main">
-                <a:solidFill>
-                  <a:srgbClr val="FFFFFF"/>
-                </a:solidFill>
-              </a14:hiddenFill>
-            </a:ext>
-          </a:extLst>
-        </p:spPr>
-      </p:pic>
-      <p:pic>
-        <p:nvPicPr>
-          <p:cNvPr id="9" name="Picture 10" descr="Image result for java">
-            <a:extLst>
-              <a:ext uri="{FF2B5EF4-FFF2-40B4-BE49-F238E27FC236}">
-                <a16:creationId xmlns:a16="http://schemas.microsoft.com/office/drawing/2014/main" id="{A34F4058-5523-411D-B3EB-921E61D678D6}"/>
-              </a:ext>
-            </a:extLst>
-          </p:cNvPr>
-          <p:cNvPicPr>
-            <a:picLocks noChangeAspect="1" noChangeArrowheads="1"/>
-          </p:cNvPicPr>
-          <p:nvPr/>
-        </p:nvPicPr>
-        <p:blipFill>
-          <a:blip r:embed="rId6">
-            <a:extLst>
-              <a:ext uri="{28A0092B-C50C-407E-A947-70E740481C1C}">
-                <a14:useLocalDpi xmlns:a14="http://schemas.microsoft.com/office/drawing/2010/main" val="0"/>
-              </a:ext>
-            </a:extLst>
-          </a:blip>
-          <a:srcRect/>
-          <a:stretch>
-            <a:fillRect/>
-          </a:stretch>
-        </p:blipFill>
-        <p:spPr bwMode="auto">
-          <a:xfrm>
-            <a:off x="2433577" y="4515615"/>
-            <a:ext cx="758207" cy="1390261"/>
-          </a:xfrm>
-          <a:prstGeom prst="rect">
-            <a:avLst/>
-          </a:prstGeom>
-          <a:noFill/>
-          <a:extLst>
-            <a:ext uri="{909E8E84-426E-40DD-AFC4-6F175D3DCCD1}">
-              <a14:hiddenFill xmlns:a14="http://schemas.microsoft.com/office/drawing/2010/main">
-                <a:solidFill>
-                  <a:srgbClr val="FFFFFF"/>
-                </a:solidFill>
-              </a14:hiddenFill>
-            </a:ext>
-          </a:extLst>
-        </p:spPr>
-      </p:pic>
-      <p:pic>
-        <p:nvPicPr>
-          <p:cNvPr id="10" name="Picture 14" descr="Image result for .net">
-            <a:extLst>
-              <a:ext uri="{FF2B5EF4-FFF2-40B4-BE49-F238E27FC236}">
-                <a16:creationId xmlns:a16="http://schemas.microsoft.com/office/drawing/2014/main" id="{9763FFEC-A1F8-412C-97C9-9DB5E940FF05}"/>
-              </a:ext>
-            </a:extLst>
-          </p:cNvPr>
-          <p:cNvPicPr>
-            <a:picLocks noChangeAspect="1" noChangeArrowheads="1"/>
-          </p:cNvPicPr>
-          <p:nvPr/>
-        </p:nvPicPr>
-        <p:blipFill>
-          <a:blip r:embed="rId7">
-            <a:extLst>
-              <a:ext uri="{28A0092B-C50C-407E-A947-70E740481C1C}">
-                <a14:useLocalDpi xmlns:a14="http://schemas.microsoft.com/office/drawing/2010/main" val="0"/>
-              </a:ext>
-            </a:extLst>
-          </a:blip>
-          <a:srcRect/>
-          <a:stretch>
-            <a:fillRect/>
-          </a:stretch>
-        </p:blipFill>
-        <p:spPr bwMode="auto">
-          <a:xfrm>
-            <a:off x="1905509" y="2869024"/>
-            <a:ext cx="1814345" cy="725738"/>
-          </a:xfrm>
-          <a:prstGeom prst="rect">
-            <a:avLst/>
-          </a:prstGeom>
-          <a:noFill/>
-          <a:extLst>
-            <a:ext uri="{909E8E84-426E-40DD-AFC4-6F175D3DCCD1}">
-              <a14:hiddenFill xmlns:a14="http://schemas.microsoft.com/office/drawing/2010/main">
-                <a:solidFill>
-                  <a:srgbClr val="FFFFFF"/>
-                </a:solidFill>
-              </a14:hiddenFill>
-            </a:ext>
-          </a:extLst>
-        </p:spPr>
-      </p:pic>
+        </p:grpSpPr>
+        <p:sp>
+          <p:nvSpPr>
+            <p:cNvPr id="6" name="Rectangle 5">
+              <a:extLst>
+                <a:ext uri="{FF2B5EF4-FFF2-40B4-BE49-F238E27FC236}">
+                  <a16:creationId xmlns:a16="http://schemas.microsoft.com/office/drawing/2014/main" id="{6B20244E-E961-4F66-857C-57B6C41DD522}"/>
+                </a:ext>
+              </a:extLst>
+            </p:cNvPr>
+            <p:cNvSpPr/>
+            <p:nvPr/>
+          </p:nvSpPr>
+          <p:spPr>
+            <a:xfrm>
+              <a:off x="838200" y="1901825"/>
+              <a:ext cx="4832059" cy="790575"/>
+            </a:xfrm>
+            <a:prstGeom prst="rect">
+              <a:avLst/>
+            </a:prstGeom>
+          </p:spPr>
+          <p:style>
+            <a:lnRef idx="2">
+              <a:schemeClr val="accent1">
+                <a:shade val="50000"/>
+              </a:schemeClr>
+            </a:lnRef>
+            <a:fillRef idx="1">
+              <a:schemeClr val="accent1"/>
+            </a:fillRef>
+            <a:effectRef idx="0">
+              <a:schemeClr val="accent1"/>
+            </a:effectRef>
+            <a:fontRef idx="minor">
+              <a:schemeClr val="lt1"/>
+            </a:fontRef>
+          </p:style>
+          <p:txBody>
+            <a:bodyPr rtlCol="0" anchor="ctr"/>
+            <a:lstStyle/>
+            <a:p>
+              <a:pPr algn="ctr"/>
+              <a:r>
+                <a:rPr lang="en-GB" dirty="0"/>
+                <a:t>Data Access Layer</a:t>
+              </a:r>
+              <a:endParaRPr lang="pt-PT" dirty="0"/>
+            </a:p>
+          </p:txBody>
+        </p:sp>
+        <p:pic>
+          <p:nvPicPr>
+            <p:cNvPr id="3076" name="Picture 4" descr="Image result for hibernate">
+              <a:extLst>
+                <a:ext uri="{FF2B5EF4-FFF2-40B4-BE49-F238E27FC236}">
+                  <a16:creationId xmlns:a16="http://schemas.microsoft.com/office/drawing/2014/main" id="{3EE6293D-6B85-4D9C-A164-5AFC65E97B47}"/>
+                </a:ext>
+              </a:extLst>
+            </p:cNvPr>
+            <p:cNvPicPr>
+              <a:picLocks noChangeAspect="1" noChangeArrowheads="1"/>
+            </p:cNvPicPr>
+            <p:nvPr/>
+          </p:nvPicPr>
+          <p:blipFill>
+            <a:blip r:embed="rId2">
+              <a:extLst>
+                <a:ext uri="{28A0092B-C50C-407E-A947-70E740481C1C}">
+                  <a14:useLocalDpi xmlns:a14="http://schemas.microsoft.com/office/drawing/2010/main" val="0"/>
+                </a:ext>
+              </a:extLst>
+            </a:blip>
+            <a:srcRect/>
+            <a:stretch>
+              <a:fillRect/>
+            </a:stretch>
+          </p:blipFill>
+          <p:spPr bwMode="auto">
+            <a:xfrm>
+              <a:off x="1091581" y="3598667"/>
+              <a:ext cx="948206" cy="782270"/>
+            </a:xfrm>
+            <a:prstGeom prst="rect">
+              <a:avLst/>
+            </a:prstGeom>
+            <a:noFill/>
+            <a:extLst>
+              <a:ext uri="{909E8E84-426E-40DD-AFC4-6F175D3DCCD1}">
+                <a14:hiddenFill xmlns:a14="http://schemas.microsoft.com/office/drawing/2010/main">
+                  <a:solidFill>
+                    <a:srgbClr val="FFFFFF"/>
+                  </a:solidFill>
+                </a14:hiddenFill>
+              </a:ext>
+            </a:extLst>
+          </p:spPr>
+        </p:pic>
+        <p:pic>
+          <p:nvPicPr>
+            <p:cNvPr id="3078" name="Picture 6" descr="Image result for mybatis">
+              <a:extLst>
+                <a:ext uri="{FF2B5EF4-FFF2-40B4-BE49-F238E27FC236}">
+                  <a16:creationId xmlns:a16="http://schemas.microsoft.com/office/drawing/2014/main" id="{B61EB891-B961-4BAF-AE89-E658EF9C4E55}"/>
+                </a:ext>
+              </a:extLst>
+            </p:cNvPr>
+            <p:cNvPicPr>
+              <a:picLocks noChangeAspect="1" noChangeArrowheads="1"/>
+            </p:cNvPicPr>
+            <p:nvPr/>
+          </p:nvPicPr>
+          <p:blipFill>
+            <a:blip r:embed="rId3">
+              <a:extLst>
+                <a:ext uri="{28A0092B-C50C-407E-A947-70E740481C1C}">
+                  <a14:useLocalDpi xmlns:a14="http://schemas.microsoft.com/office/drawing/2010/main" val="0"/>
+                </a:ext>
+              </a:extLst>
+            </a:blip>
+            <a:srcRect/>
+            <a:stretch>
+              <a:fillRect/>
+            </a:stretch>
+          </p:blipFill>
+          <p:spPr bwMode="auto">
+            <a:xfrm>
+              <a:off x="4095513" y="3598668"/>
+              <a:ext cx="1220890" cy="916709"/>
+            </a:xfrm>
+            <a:prstGeom prst="rect">
+              <a:avLst/>
+            </a:prstGeom>
+            <a:noFill/>
+            <a:extLst>
+              <a:ext uri="{909E8E84-426E-40DD-AFC4-6F175D3DCCD1}">
+                <a14:hiddenFill xmlns:a14="http://schemas.microsoft.com/office/drawing/2010/main">
+                  <a:solidFill>
+                    <a:srgbClr val="FFFFFF"/>
+                  </a:solidFill>
+                </a14:hiddenFill>
+              </a:ext>
+            </a:extLst>
+          </p:spPr>
+        </p:pic>
+        <p:pic>
+          <p:nvPicPr>
+            <p:cNvPr id="9" name="Picture 10" descr="Image result for java">
+              <a:extLst>
+                <a:ext uri="{FF2B5EF4-FFF2-40B4-BE49-F238E27FC236}">
+                  <a16:creationId xmlns:a16="http://schemas.microsoft.com/office/drawing/2014/main" id="{A34F4058-5523-411D-B3EB-921E61D678D6}"/>
+                </a:ext>
+              </a:extLst>
+            </p:cNvPr>
+            <p:cNvPicPr>
+              <a:picLocks noChangeAspect="1" noChangeArrowheads="1"/>
+            </p:cNvPicPr>
+            <p:nvPr/>
+          </p:nvPicPr>
+          <p:blipFill>
+            <a:blip r:embed="rId4">
+              <a:extLst>
+                <a:ext uri="{28A0092B-C50C-407E-A947-70E740481C1C}">
+                  <a14:useLocalDpi xmlns:a14="http://schemas.microsoft.com/office/drawing/2010/main" val="0"/>
+                </a:ext>
+              </a:extLst>
+            </a:blip>
+            <a:srcRect/>
+            <a:stretch>
+              <a:fillRect/>
+            </a:stretch>
+          </p:blipFill>
+          <p:spPr bwMode="auto">
+            <a:xfrm>
+              <a:off x="2601357" y="2903537"/>
+              <a:ext cx="758207" cy="1390261"/>
+            </a:xfrm>
+            <a:prstGeom prst="rect">
+              <a:avLst/>
+            </a:prstGeom>
+            <a:noFill/>
+            <a:extLst>
+              <a:ext uri="{909E8E84-426E-40DD-AFC4-6F175D3DCCD1}">
+                <a14:hiddenFill xmlns:a14="http://schemas.microsoft.com/office/drawing/2010/main">
+                  <a:solidFill>
+                    <a:srgbClr val="FFFFFF"/>
+                  </a:solidFill>
+                </a14:hiddenFill>
+              </a:ext>
+            </a:extLst>
+          </p:spPr>
+        </p:pic>
+        <p:pic>
+          <p:nvPicPr>
+            <p:cNvPr id="4" name="Picture 2" descr="Image result for spring data">
+              <a:extLst>
+                <a:ext uri="{FF2B5EF4-FFF2-40B4-BE49-F238E27FC236}">
+                  <a16:creationId xmlns:a16="http://schemas.microsoft.com/office/drawing/2014/main" id="{17857286-73CF-4798-A145-996A853F7C73}"/>
+                </a:ext>
+              </a:extLst>
+            </p:cNvPr>
+            <p:cNvPicPr>
+              <a:picLocks noChangeAspect="1" noChangeArrowheads="1"/>
+            </p:cNvPicPr>
+            <p:nvPr/>
+          </p:nvPicPr>
+          <p:blipFill>
+            <a:blip r:embed="rId5">
+              <a:extLst>
+                <a:ext uri="{28A0092B-C50C-407E-A947-70E740481C1C}">
+                  <a14:useLocalDpi xmlns:a14="http://schemas.microsoft.com/office/drawing/2010/main" val="0"/>
+                </a:ext>
+              </a:extLst>
+            </a:blip>
+            <a:srcRect/>
+            <a:stretch>
+              <a:fillRect/>
+            </a:stretch>
+          </p:blipFill>
+          <p:spPr bwMode="auto">
+            <a:xfrm>
+              <a:off x="2614788" y="4714782"/>
+              <a:ext cx="920232" cy="920232"/>
+            </a:xfrm>
+            <a:prstGeom prst="rect">
+              <a:avLst/>
+            </a:prstGeom>
+            <a:noFill/>
+            <a:extLst>
+              <a:ext uri="{909E8E84-426E-40DD-AFC4-6F175D3DCCD1}">
+                <a14:hiddenFill xmlns:a14="http://schemas.microsoft.com/office/drawing/2010/main">
+                  <a:solidFill>
+                    <a:srgbClr val="FFFFFF"/>
+                  </a:solidFill>
+                </a14:hiddenFill>
+              </a:ext>
+            </a:extLst>
+          </p:spPr>
+        </p:pic>
+        <p:sp>
+          <p:nvSpPr>
+            <p:cNvPr id="5" name="Rectangle 4">
+              <a:extLst>
+                <a:ext uri="{FF2B5EF4-FFF2-40B4-BE49-F238E27FC236}">
+                  <a16:creationId xmlns:a16="http://schemas.microsoft.com/office/drawing/2014/main" id="{E63BDEE8-64D4-4686-82E8-539783B32C85}"/>
+                </a:ext>
+              </a:extLst>
+            </p:cNvPr>
+            <p:cNvSpPr/>
+            <p:nvPr/>
+          </p:nvSpPr>
+          <p:spPr>
+            <a:xfrm>
+              <a:off x="2338692" y="5615848"/>
+              <a:ext cx="1491127" cy="400110"/>
+            </a:xfrm>
+            <a:prstGeom prst="rect">
+              <a:avLst/>
+            </a:prstGeom>
+            <a:noFill/>
+          </p:spPr>
+          <p:txBody>
+            <a:bodyPr wrap="square" lIns="91440" tIns="45720" rIns="91440" bIns="45720">
+              <a:spAutoFit/>
+            </a:bodyPr>
+            <a:lstStyle/>
+            <a:p>
+              <a:pPr algn="ctr"/>
+              <a:r>
+                <a:rPr lang="en-US" sz="2000" b="0" cap="none" spc="0" dirty="0">
+                  <a:ln w="0"/>
+                  <a:solidFill>
+                    <a:srgbClr val="6DB33F"/>
+                  </a:solidFill>
+                  <a:effectLst>
+                    <a:outerShdw blurRad="38100" dist="19050" dir="2700000" algn="tl" rotWithShape="0">
+                      <a:schemeClr val="dk1">
+                        <a:alpha val="40000"/>
+                      </a:schemeClr>
+                    </a:outerShdw>
+                  </a:effectLst>
+                </a:rPr>
+                <a:t>Spring Data</a:t>
+              </a:r>
+            </a:p>
+          </p:txBody>
+        </p:sp>
+      </p:grpSp>
     </p:spTree>
     <p:extLst>
       <p:ext uri="{BB962C8B-B14F-4D97-AF65-F5344CB8AC3E}">
@@ -5730,10 +5705,10 @@
       </p:sp>
       <p:grpSp>
         <p:nvGrpSpPr>
-          <p:cNvPr id="5" name="Group 4">
-            <a:extLst>
-              <a:ext uri="{FF2B5EF4-FFF2-40B4-BE49-F238E27FC236}">
-                <a16:creationId xmlns:a16="http://schemas.microsoft.com/office/drawing/2014/main" id="{9C5F7ACA-DFA3-4E4A-984F-E8175A6C1804}"/>
+          <p:cNvPr id="12" name="Group 11">
+            <a:extLst>
+              <a:ext uri="{FF2B5EF4-FFF2-40B4-BE49-F238E27FC236}">
+                <a16:creationId xmlns:a16="http://schemas.microsoft.com/office/drawing/2014/main" id="{67DBDC9B-7A27-4711-9A30-48B3ACBC8F30}"/>
               </a:ext>
             </a:extLst>
           </p:cNvPr>
@@ -5743,159 +5718,180 @@
         <p:grpSpPr>
           <a:xfrm>
             <a:off x="6521741" y="1825625"/>
-            <a:ext cx="4832059" cy="3121278"/>
+            <a:ext cx="4832059" cy="3010695"/>
             <a:chOff x="6521741" y="1825625"/>
-            <a:chExt cx="4832059" cy="3121278"/>
+            <a:chExt cx="4832059" cy="3010695"/>
           </a:xfrm>
         </p:grpSpPr>
-        <p:sp>
-          <p:nvSpPr>
-            <p:cNvPr id="4" name="Rectangle 3">
+        <p:grpSp>
+          <p:nvGrpSpPr>
+            <p:cNvPr id="5" name="Group 4">
               <a:extLst>
                 <a:ext uri="{FF2B5EF4-FFF2-40B4-BE49-F238E27FC236}">
-                  <a16:creationId xmlns:a16="http://schemas.microsoft.com/office/drawing/2014/main" id="{BA3BDB9F-F9E0-46F0-8359-A69006016268}"/>
+                  <a16:creationId xmlns:a16="http://schemas.microsoft.com/office/drawing/2014/main" id="{9C5F7ACA-DFA3-4E4A-984F-E8175A6C1804}"/>
                 </a:ext>
               </a:extLst>
             </p:cNvPr>
-            <p:cNvSpPr/>
+            <p:cNvGrpSpPr/>
             <p:nvPr/>
-          </p:nvSpPr>
-          <p:spPr>
+          </p:nvGrpSpPr>
+          <p:grpSpPr>
             <a:xfrm>
               <a:off x="6521741" y="1825625"/>
-              <a:ext cx="4832059" cy="830510"/>
+              <a:ext cx="4832059" cy="1937504"/>
+              <a:chOff x="6521741" y="1825625"/>
+              <a:chExt cx="4832059" cy="1937504"/>
             </a:xfrm>
-            <a:prstGeom prst="rect">
-              <a:avLst/>
-            </a:prstGeom>
-          </p:spPr>
-          <p:style>
-            <a:lnRef idx="2">
-              <a:schemeClr val="accent1">
-                <a:shade val="50000"/>
-              </a:schemeClr>
-            </a:lnRef>
-            <a:fillRef idx="1">
-              <a:schemeClr val="accent1"/>
-            </a:fillRef>
-            <a:effectRef idx="0">
-              <a:schemeClr val="accent1"/>
-            </a:effectRef>
-            <a:fontRef idx="minor">
-              <a:schemeClr val="lt1"/>
-            </a:fontRef>
-          </p:style>
-          <p:txBody>
-            <a:bodyPr rtlCol="0" anchor="ctr"/>
-            <a:lstStyle/>
-            <a:p>
-              <a:pPr algn="ctr"/>
-              <a:r>
-                <a:rPr lang="en-GB" dirty="0"/>
-                <a:t>Presentation Layer</a:t>
-              </a:r>
-              <a:endParaRPr lang="pt-PT" dirty="0"/>
-            </a:p>
-          </p:txBody>
-        </p:sp>
+          </p:grpSpPr>
+          <p:sp>
+            <p:nvSpPr>
+              <p:cNvPr id="4" name="Rectangle 3">
+                <a:extLst>
+                  <a:ext uri="{FF2B5EF4-FFF2-40B4-BE49-F238E27FC236}">
+                    <a16:creationId xmlns:a16="http://schemas.microsoft.com/office/drawing/2014/main" id="{BA3BDB9F-F9E0-46F0-8359-A69006016268}"/>
+                  </a:ext>
+                </a:extLst>
+              </p:cNvPr>
+              <p:cNvSpPr/>
+              <p:nvPr/>
+            </p:nvSpPr>
+            <p:spPr>
+              <a:xfrm>
+                <a:off x="6521741" y="1825625"/>
+                <a:ext cx="4832059" cy="830510"/>
+              </a:xfrm>
+              <a:prstGeom prst="rect">
+                <a:avLst/>
+              </a:prstGeom>
+            </p:spPr>
+            <p:style>
+              <a:lnRef idx="2">
+                <a:schemeClr val="accent1">
+                  <a:shade val="50000"/>
+                </a:schemeClr>
+              </a:lnRef>
+              <a:fillRef idx="1">
+                <a:schemeClr val="accent1"/>
+              </a:fillRef>
+              <a:effectRef idx="0">
+                <a:schemeClr val="accent1"/>
+              </a:effectRef>
+              <a:fontRef idx="minor">
+                <a:schemeClr val="lt1"/>
+              </a:fontRef>
+            </p:style>
+            <p:txBody>
+              <a:bodyPr rtlCol="0" anchor="ctr"/>
+              <a:lstStyle/>
+              <a:p>
+                <a:pPr algn="ctr"/>
+                <a:r>
+                  <a:rPr lang="en-GB" dirty="0"/>
+                  <a:t>Presentation Layer</a:t>
+                </a:r>
+                <a:endParaRPr lang="pt-PT" dirty="0"/>
+              </a:p>
+            </p:txBody>
+          </p:sp>
+          <p:pic>
+            <p:nvPicPr>
+              <p:cNvPr id="1028" name="Picture 4" descr="Image result for java server faces">
+                <a:extLst>
+                  <a:ext uri="{FF2B5EF4-FFF2-40B4-BE49-F238E27FC236}">
+                    <a16:creationId xmlns:a16="http://schemas.microsoft.com/office/drawing/2014/main" id="{65AD4EC3-8EE8-4381-8418-2C2E0BFD0339}"/>
+                  </a:ext>
+                </a:extLst>
+              </p:cNvPr>
+              <p:cNvPicPr>
+                <a:picLocks noChangeAspect="1" noChangeArrowheads="1"/>
+              </p:cNvPicPr>
+              <p:nvPr/>
+            </p:nvPicPr>
+            <p:blipFill rotWithShape="1">
+              <a:blip r:embed="rId2" cstate="hqprint">
+                <a:extLst>
+                  <a:ext uri="{28A0092B-C50C-407E-A947-70E740481C1C}">
+                    <a14:useLocalDpi xmlns:a14="http://schemas.microsoft.com/office/drawing/2010/main"/>
+                  </a:ext>
+                </a:extLst>
+              </a:blip>
+              <a:srcRect l="15854" t="12176" r="13821" b="22745"/>
+              <a:stretch/>
+            </p:blipFill>
+            <p:spPr bwMode="auto">
+              <a:xfrm>
+                <a:off x="9770515" y="2790577"/>
+                <a:ext cx="1451296" cy="671508"/>
+              </a:xfrm>
+              <a:prstGeom prst="rect">
+                <a:avLst/>
+              </a:prstGeom>
+              <a:noFill/>
+              <a:extLst>
+                <a:ext uri="{909E8E84-426E-40DD-AFC4-6F175D3DCCD1}">
+                  <a14:hiddenFill xmlns:a14="http://schemas.microsoft.com/office/drawing/2010/main">
+                    <a:solidFill>
+                      <a:srgbClr val="FFFFFF"/>
+                    </a:solidFill>
+                  </a14:hiddenFill>
+                </a:ext>
+              </a:extLst>
+            </p:spPr>
+          </p:pic>
+          <p:pic>
+            <p:nvPicPr>
+              <p:cNvPr id="1034" name="Picture 10" descr="Image result for angular">
+                <a:extLst>
+                  <a:ext uri="{FF2B5EF4-FFF2-40B4-BE49-F238E27FC236}">
+                    <a16:creationId xmlns:a16="http://schemas.microsoft.com/office/drawing/2014/main" id="{0A158C55-3BF8-40E2-8F41-6195F608E897}"/>
+                  </a:ext>
+                </a:extLst>
+              </p:cNvPr>
+              <p:cNvPicPr>
+                <a:picLocks noChangeAspect="1" noChangeArrowheads="1"/>
+              </p:cNvPicPr>
+              <p:nvPr/>
+            </p:nvPicPr>
+            <p:blipFill>
+              <a:blip r:embed="rId3">
+                <a:extLst>
+                  <a:ext uri="{28A0092B-C50C-407E-A947-70E740481C1C}">
+                    <a14:useLocalDpi xmlns:a14="http://schemas.microsoft.com/office/drawing/2010/main"/>
+                  </a:ext>
+                </a:extLst>
+              </a:blip>
+              <a:srcRect/>
+              <a:stretch>
+                <a:fillRect/>
+              </a:stretch>
+            </p:blipFill>
+            <p:spPr bwMode="auto">
+              <a:xfrm>
+                <a:off x="7811204" y="2790577"/>
+                <a:ext cx="972552" cy="972552"/>
+              </a:xfrm>
+              <a:prstGeom prst="rect">
+                <a:avLst/>
+              </a:prstGeom>
+              <a:noFill/>
+              <a:extLst>
+                <a:ext uri="{909E8E84-426E-40DD-AFC4-6F175D3DCCD1}">
+                  <a14:hiddenFill xmlns:a14="http://schemas.microsoft.com/office/drawing/2010/main">
+                    <a:solidFill>
+                      <a:srgbClr val="FFFFFF"/>
+                    </a:solidFill>
+                  </a14:hiddenFill>
+                </a:ext>
+              </a:extLst>
+            </p:spPr>
+          </p:pic>
+        </p:grpSp>
         <p:pic>
           <p:nvPicPr>
-            <p:cNvPr id="1026" name="Picture 2" descr="Image result for drupal">
+            <p:cNvPr id="1030" name="Picture 6" descr="Image result">
               <a:extLst>
                 <a:ext uri="{FF2B5EF4-FFF2-40B4-BE49-F238E27FC236}">
-                  <a16:creationId xmlns:a16="http://schemas.microsoft.com/office/drawing/2014/main" id="{E533AB24-06C2-495A-B73A-2F92B088518B}"/>
-                </a:ext>
-              </a:extLst>
-            </p:cNvPr>
-            <p:cNvPicPr>
-              <a:picLocks noChangeAspect="1" noChangeArrowheads="1"/>
-            </p:cNvPicPr>
-            <p:nvPr/>
-          </p:nvPicPr>
-          <p:blipFill>
-            <a:blip r:embed="rId2">
-              <a:extLst>
-                <a:ext uri="{28A0092B-C50C-407E-A947-70E740481C1C}">
-                  <a14:useLocalDpi xmlns:a14="http://schemas.microsoft.com/office/drawing/2010/main"/>
-                </a:ext>
-              </a:extLst>
-            </a:blip>
-            <a:srcRect/>
-            <a:stretch>
-              <a:fillRect/>
-            </a:stretch>
-          </p:blipFill>
-          <p:spPr bwMode="auto">
-            <a:xfrm>
-              <a:off x="6900984" y="2977704"/>
-              <a:ext cx="590385" cy="674726"/>
-            </a:xfrm>
-            <a:prstGeom prst="rect">
-              <a:avLst/>
-            </a:prstGeom>
-            <a:noFill/>
-            <a:extLst>
-              <a:ext uri="{909E8E84-426E-40DD-AFC4-6F175D3DCCD1}">
-                <a14:hiddenFill xmlns:a14="http://schemas.microsoft.com/office/drawing/2010/main">
-                  <a:solidFill>
-                    <a:srgbClr val="FFFFFF"/>
-                  </a:solidFill>
-                </a14:hiddenFill>
-              </a:ext>
-            </a:extLst>
-          </p:spPr>
-        </p:pic>
-        <p:pic>
-          <p:nvPicPr>
-            <p:cNvPr id="1028" name="Picture 4" descr="Image result for java server faces">
-              <a:extLst>
-                <a:ext uri="{FF2B5EF4-FFF2-40B4-BE49-F238E27FC236}">
-                  <a16:creationId xmlns:a16="http://schemas.microsoft.com/office/drawing/2014/main" id="{65AD4EC3-8EE8-4381-8418-2C2E0BFD0339}"/>
-                </a:ext>
-              </a:extLst>
-            </p:cNvPr>
-            <p:cNvPicPr>
-              <a:picLocks noChangeAspect="1" noChangeArrowheads="1"/>
-            </p:cNvPicPr>
-            <p:nvPr/>
-          </p:nvPicPr>
-          <p:blipFill rotWithShape="1">
-            <a:blip r:embed="rId3" cstate="hqprint">
-              <a:extLst>
-                <a:ext uri="{28A0092B-C50C-407E-A947-70E740481C1C}">
-                  <a14:useLocalDpi xmlns:a14="http://schemas.microsoft.com/office/drawing/2010/main"/>
-                </a:ext>
-              </a:extLst>
-            </a:blip>
-            <a:srcRect l="15854" t="12176" r="13821" b="22745"/>
-            <a:stretch/>
-          </p:blipFill>
-          <p:spPr bwMode="auto">
-            <a:xfrm>
-              <a:off x="9464289" y="2977703"/>
-              <a:ext cx="1451296" cy="671508"/>
-            </a:xfrm>
-            <a:prstGeom prst="rect">
-              <a:avLst/>
-            </a:prstGeom>
-            <a:noFill/>
-            <a:extLst>
-              <a:ext uri="{909E8E84-426E-40DD-AFC4-6F175D3DCCD1}">
-                <a14:hiddenFill xmlns:a14="http://schemas.microsoft.com/office/drawing/2010/main">
-                  <a:solidFill>
-                    <a:srgbClr val="FFFFFF"/>
-                  </a:solidFill>
-                </a14:hiddenFill>
-              </a:ext>
-            </a:extLst>
-          </p:spPr>
-        </p:pic>
-        <p:pic>
-          <p:nvPicPr>
-            <p:cNvPr id="1032" name="Picture 8" descr="Image result for asp .net">
-              <a:extLst>
-                <a:ext uri="{FF2B5EF4-FFF2-40B4-BE49-F238E27FC236}">
-                  <a16:creationId xmlns:a16="http://schemas.microsoft.com/office/drawing/2014/main" id="{01668D64-FEA2-4E1C-8CC6-E3E51A0DB667}"/>
+                  <a16:creationId xmlns:a16="http://schemas.microsoft.com/office/drawing/2014/main" id="{3677AF7F-E9C4-4764-BB66-7379AFEB168B}"/>
                 </a:ext>
               </a:extLst>
             </p:cNvPr>
@@ -5908,7 +5904,7 @@
             <a:blip r:embed="rId4">
               <a:extLst>
                 <a:ext uri="{28A0092B-C50C-407E-A947-70E740481C1C}">
-                  <a14:useLocalDpi xmlns:a14="http://schemas.microsoft.com/office/drawing/2010/main"/>
+                  <a14:useLocalDpi xmlns:a14="http://schemas.microsoft.com/office/drawing/2010/main" val="0"/>
                 </a:ext>
               </a:extLst>
             </a:blip>
@@ -5919,8 +5915,8 @@
           </p:blipFill>
           <p:spPr bwMode="auto">
             <a:xfrm>
-              <a:off x="9003906" y="4246468"/>
-              <a:ext cx="1704392" cy="700435"/>
+              <a:off x="7021723" y="3911770"/>
+              <a:ext cx="789481" cy="789481"/>
             </a:xfrm>
             <a:prstGeom prst="rect">
               <a:avLst/>
@@ -5939,10 +5935,10 @@
         </p:pic>
         <p:pic>
           <p:nvPicPr>
-            <p:cNvPr id="1034" name="Picture 10" descr="Image result for angular">
+            <p:cNvPr id="1040" name="Picture 16" descr="Image result for reactjs">
               <a:extLst>
                 <a:ext uri="{FF2B5EF4-FFF2-40B4-BE49-F238E27FC236}">
-                  <a16:creationId xmlns:a16="http://schemas.microsoft.com/office/drawing/2014/main" id="{0A158C55-3BF8-40E2-8F41-6195F608E897}"/>
+                  <a16:creationId xmlns:a16="http://schemas.microsoft.com/office/drawing/2014/main" id="{C97ACC9B-6CFA-4675-BF2C-868ADF2FB162}"/>
                 </a:ext>
               </a:extLst>
             </p:cNvPr>
@@ -5955,7 +5951,7 @@
             <a:blip r:embed="rId5">
               <a:extLst>
                 <a:ext uri="{28A0092B-C50C-407E-A947-70E740481C1C}">
-                  <a14:useLocalDpi xmlns:a14="http://schemas.microsoft.com/office/drawing/2010/main"/>
+                  <a14:useLocalDpi xmlns:a14="http://schemas.microsoft.com/office/drawing/2010/main" val="0"/>
                 </a:ext>
               </a:extLst>
             </a:blip>
@@ -5966,55 +5962,8 @@
           </p:blipFill>
           <p:spPr bwMode="auto">
             <a:xfrm>
-              <a:off x="7991553" y="2977703"/>
-              <a:ext cx="972552" cy="972552"/>
-            </a:xfrm>
-            <a:prstGeom prst="rect">
-              <a:avLst/>
-            </a:prstGeom>
-            <a:noFill/>
-            <a:extLst>
-              <a:ext uri="{909E8E84-426E-40DD-AFC4-6F175D3DCCD1}">
-                <a14:hiddenFill xmlns:a14="http://schemas.microsoft.com/office/drawing/2010/main">
-                  <a:solidFill>
-                    <a:srgbClr val="FFFFFF"/>
-                  </a:solidFill>
-                </a14:hiddenFill>
-              </a:ext>
-            </a:extLst>
-          </p:spPr>
-        </p:pic>
-        <p:pic>
-          <p:nvPicPr>
-            <p:cNvPr id="1036" name="Picture 12" descr="Image result for php">
-              <a:extLst>
-                <a:ext uri="{FF2B5EF4-FFF2-40B4-BE49-F238E27FC236}">
-                  <a16:creationId xmlns:a16="http://schemas.microsoft.com/office/drawing/2014/main" id="{D53E74BF-8006-408B-BF58-B60223E52057}"/>
-                </a:ext>
-              </a:extLst>
-            </p:cNvPr>
-            <p:cNvPicPr>
-              <a:picLocks noChangeAspect="1" noChangeArrowheads="1"/>
-            </p:cNvPicPr>
-            <p:nvPr/>
-          </p:nvPicPr>
-          <p:blipFill>
-            <a:blip r:embed="rId6" cstate="hqprint">
-              <a:extLst>
-                <a:ext uri="{28A0092B-C50C-407E-A947-70E740481C1C}">
-                  <a14:useLocalDpi xmlns:a14="http://schemas.microsoft.com/office/drawing/2010/main"/>
-                </a:ext>
-              </a:extLst>
-            </a:blip>
-            <a:srcRect/>
-            <a:stretch>
-              <a:fillRect/>
-            </a:stretch>
-          </p:blipFill>
-          <p:spPr bwMode="auto">
-            <a:xfrm>
-              <a:off x="7077279" y="4271823"/>
-              <a:ext cx="1250148" cy="675080"/>
+              <a:off x="8826574" y="3881524"/>
+              <a:ext cx="1669589" cy="954796"/>
             </a:xfrm>
             <a:prstGeom prst="rect">
               <a:avLst/>
@@ -6951,10 +6900,10 @@
         </p:nvGrpSpPr>
         <p:grpSpPr>
           <a:xfrm>
-            <a:off x="509376" y="1901825"/>
-            <a:ext cx="5133476" cy="4351338"/>
-            <a:chOff x="509376" y="1901825"/>
-            <a:chExt cx="5133476" cy="4351338"/>
+            <a:off x="553313" y="1901825"/>
+            <a:ext cx="4982722" cy="2755988"/>
+            <a:chOff x="553313" y="1901825"/>
+            <a:chExt cx="4982722" cy="2755988"/>
           </a:xfrm>
         </p:grpSpPr>
         <p:sp>
@@ -7021,7 +6970,7 @@
           </p:nvSpPr>
           <p:spPr>
             <a:xfrm>
-              <a:off x="509376" y="2891662"/>
+              <a:off x="553313" y="3353327"/>
               <a:ext cx="1710982" cy="923330"/>
             </a:xfrm>
             <a:prstGeom prst="rect">
@@ -7069,7 +7018,7 @@
           </p:nvSpPr>
           <p:spPr>
             <a:xfrm>
-              <a:off x="2462023" y="2870070"/>
+              <a:off x="2505960" y="3331735"/>
               <a:ext cx="1543756" cy="923330"/>
             </a:xfrm>
             <a:prstGeom prst="rect">
@@ -7103,53 +7052,6 @@
             </a:p>
           </p:txBody>
         </p:sp>
-        <p:pic>
-          <p:nvPicPr>
-            <p:cNvPr id="10" name="Picture 8" descr="Image result for asp .net">
-              <a:extLst>
-                <a:ext uri="{FF2B5EF4-FFF2-40B4-BE49-F238E27FC236}">
-                  <a16:creationId xmlns:a16="http://schemas.microsoft.com/office/drawing/2014/main" id="{8D3F2507-29AA-4C43-A8D5-D4589A0C71FE}"/>
-                </a:ext>
-              </a:extLst>
-            </p:cNvPr>
-            <p:cNvPicPr>
-              <a:picLocks noChangeAspect="1" noChangeArrowheads="1"/>
-            </p:cNvPicPr>
-            <p:nvPr/>
-          </p:nvPicPr>
-          <p:blipFill>
-            <a:blip r:embed="rId2">
-              <a:extLst>
-                <a:ext uri="{28A0092B-C50C-407E-A947-70E740481C1C}">
-                  <a14:useLocalDpi xmlns:a14="http://schemas.microsoft.com/office/drawing/2010/main"/>
-                </a:ext>
-              </a:extLst>
-            </a:blip>
-            <a:srcRect/>
-            <a:stretch>
-              <a:fillRect/>
-            </a:stretch>
-          </p:blipFill>
-          <p:spPr bwMode="auto">
-            <a:xfrm>
-              <a:off x="1071827" y="3730852"/>
-              <a:ext cx="2297062" cy="943998"/>
-            </a:xfrm>
-            <a:prstGeom prst="rect">
-              <a:avLst/>
-            </a:prstGeom>
-            <a:noFill/>
-            <a:extLst>
-              <a:ext uri="{909E8E84-426E-40DD-AFC4-6F175D3DCCD1}">
-                <a14:hiddenFill xmlns:a14="http://schemas.microsoft.com/office/drawing/2010/main">
-                  <a:solidFill>
-                    <a:srgbClr val="FFFFFF"/>
-                  </a:solidFill>
-                </a14:hiddenFill>
-              </a:ext>
-            </a:extLst>
-          </p:spPr>
-        </p:pic>
         <p:sp>
           <p:nvSpPr>
             <p:cNvPr id="9" name="Rectangle 8">
@@ -7164,7 +7066,7 @@
           </p:nvSpPr>
           <p:spPr>
             <a:xfrm>
-              <a:off x="663919" y="5146447"/>
+              <a:off x="849051" y="4196148"/>
               <a:ext cx="1152432" cy="461665"/>
             </a:xfrm>
             <a:prstGeom prst="rect">
@@ -7217,7 +7119,7 @@
           </p:nvSpPr>
           <p:spPr>
             <a:xfrm>
-              <a:off x="2355086" y="5146447"/>
+              <a:off x="2810685" y="4193514"/>
               <a:ext cx="1043104" cy="461665"/>
             </a:xfrm>
             <a:prstGeom prst="rect">
@@ -7274,7 +7176,7 @@
             <p:nvPr/>
           </p:nvPicPr>
           <p:blipFill>
-            <a:blip r:embed="rId3">
+            <a:blip r:embed="rId2">
               <a:extLst>
                 <a:ext uri="{28A0092B-C50C-407E-A947-70E740481C1C}">
                   <a14:useLocalDpi xmlns:a14="http://schemas.microsoft.com/office/drawing/2010/main" val="0"/>
@@ -7288,55 +7190,8 @@
           </p:blipFill>
           <p:spPr bwMode="auto">
             <a:xfrm>
-              <a:off x="4356577" y="4862902"/>
+              <a:off x="4381744" y="3267552"/>
               <a:ext cx="758207" cy="1390261"/>
-            </a:xfrm>
-            <a:prstGeom prst="rect">
-              <a:avLst/>
-            </a:prstGeom>
-            <a:noFill/>
-            <a:extLst>
-              <a:ext uri="{909E8E84-426E-40DD-AFC4-6F175D3DCCD1}">
-                <a14:hiddenFill xmlns:a14="http://schemas.microsoft.com/office/drawing/2010/main">
-                  <a:solidFill>
-                    <a:srgbClr val="FFFFFF"/>
-                  </a:solidFill>
-                </a14:hiddenFill>
-              </a:ext>
-            </a:extLst>
-          </p:spPr>
-        </p:pic>
-        <p:pic>
-          <p:nvPicPr>
-            <p:cNvPr id="2062" name="Picture 14" descr="Image result for .net">
-              <a:extLst>
-                <a:ext uri="{FF2B5EF4-FFF2-40B4-BE49-F238E27FC236}">
-                  <a16:creationId xmlns:a16="http://schemas.microsoft.com/office/drawing/2014/main" id="{5A05E4E3-E2B8-4BF2-8712-F9D411A36C20}"/>
-                </a:ext>
-              </a:extLst>
-            </p:cNvPr>
-            <p:cNvPicPr>
-              <a:picLocks noChangeAspect="1" noChangeArrowheads="1"/>
-            </p:cNvPicPr>
-            <p:nvPr/>
-          </p:nvPicPr>
-          <p:blipFill>
-            <a:blip r:embed="rId4">
-              <a:extLst>
-                <a:ext uri="{28A0092B-C50C-407E-A947-70E740481C1C}">
-                  <a14:useLocalDpi xmlns:a14="http://schemas.microsoft.com/office/drawing/2010/main" val="0"/>
-                </a:ext>
-              </a:extLst>
-            </a:blip>
-            <a:srcRect/>
-            <a:stretch>
-              <a:fillRect/>
-            </a:stretch>
-          </p:blipFill>
-          <p:spPr bwMode="auto">
-            <a:xfrm>
-              <a:off x="3828507" y="3940703"/>
-              <a:ext cx="1814345" cy="725738"/>
             </a:xfrm>
             <a:prstGeom prst="rect">
               <a:avLst/>
@@ -8607,150 +8462,171 @@
           </a:p>
         </p:txBody>
       </p:sp>
-      <p:sp>
-        <p:nvSpPr>
-          <p:cNvPr id="5" name="Rectangle 4">
-            <a:extLst>
-              <a:ext uri="{FF2B5EF4-FFF2-40B4-BE49-F238E27FC236}">
-                <a16:creationId xmlns:a16="http://schemas.microsoft.com/office/drawing/2014/main" id="{E26D0DF0-AF6F-4F57-BB56-C377E947A4E6}"/>
-              </a:ext>
-            </a:extLst>
-          </p:cNvPr>
-          <p:cNvSpPr/>
+      <p:grpSp>
+        <p:nvGrpSpPr>
+          <p:cNvPr id="4" name="Group 3">
+            <a:extLst>
+              <a:ext uri="{FF2B5EF4-FFF2-40B4-BE49-F238E27FC236}">
+                <a16:creationId xmlns:a16="http://schemas.microsoft.com/office/drawing/2014/main" id="{417CA587-7055-40BD-B5AB-CD1737B65EF0}"/>
+              </a:ext>
+            </a:extLst>
+          </p:cNvPr>
+          <p:cNvGrpSpPr/>
           <p:nvPr/>
-        </p:nvSpPr>
-        <p:spPr>
+        </p:nvGrpSpPr>
+        <p:grpSpPr>
           <a:xfrm>
             <a:off x="6521741" y="1825625"/>
-            <a:ext cx="4832059" cy="838200"/>
+            <a:ext cx="4832059" cy="2659894"/>
+            <a:chOff x="6521741" y="1825625"/>
+            <a:chExt cx="4832059" cy="2659894"/>
           </a:xfrm>
-          <a:prstGeom prst="rect">
-            <a:avLst/>
-          </a:prstGeom>
-        </p:spPr>
-        <p:style>
-          <a:lnRef idx="2">
-            <a:schemeClr val="accent1">
-              <a:shade val="50000"/>
-            </a:schemeClr>
-          </a:lnRef>
-          <a:fillRef idx="1">
-            <a:schemeClr val="accent1"/>
-          </a:fillRef>
-          <a:effectRef idx="0">
-            <a:schemeClr val="accent1"/>
-          </a:effectRef>
-          <a:fontRef idx="minor">
-            <a:schemeClr val="lt1"/>
-          </a:fontRef>
-        </p:style>
-        <p:txBody>
-          <a:bodyPr rtlCol="0" anchor="ctr"/>
-          <a:lstStyle/>
-          <a:p>
-            <a:pPr algn="ctr"/>
-            <a:r>
-              <a:rPr lang="en-GB" dirty="0"/>
-              <a:t>Business layer</a:t>
-            </a:r>
-            <a:endParaRPr lang="pt-PT" dirty="0"/>
-          </a:p>
-        </p:txBody>
-      </p:sp>
-      <p:pic>
-        <p:nvPicPr>
-          <p:cNvPr id="6" name="Picture 10" descr="Image result for java">
-            <a:extLst>
-              <a:ext uri="{FF2B5EF4-FFF2-40B4-BE49-F238E27FC236}">
-                <a16:creationId xmlns:a16="http://schemas.microsoft.com/office/drawing/2014/main" id="{EFF6804F-8037-4675-91AA-DED012D95AB4}"/>
-              </a:ext>
-            </a:extLst>
-          </p:cNvPr>
-          <p:cNvPicPr>
-            <a:picLocks noChangeAspect="1" noChangeArrowheads="1"/>
-          </p:cNvPicPr>
-          <p:nvPr/>
-        </p:nvPicPr>
-        <p:blipFill>
-          <a:blip r:embed="rId2">
-            <a:extLst>
-              <a:ext uri="{28A0092B-C50C-407E-A947-70E740481C1C}">
-                <a14:useLocalDpi xmlns:a14="http://schemas.microsoft.com/office/drawing/2010/main" val="0"/>
-              </a:ext>
-            </a:extLst>
-          </a:blip>
-          <a:srcRect/>
-          <a:stretch>
-            <a:fillRect/>
-          </a:stretch>
-        </p:blipFill>
-        <p:spPr bwMode="auto">
-          <a:xfrm>
-            <a:off x="7556977" y="3095258"/>
-            <a:ext cx="758207" cy="1390261"/>
-          </a:xfrm>
-          <a:prstGeom prst="rect">
-            <a:avLst/>
-          </a:prstGeom>
-          <a:noFill/>
-          <a:extLst>
-            <a:ext uri="{909E8E84-426E-40DD-AFC4-6F175D3DCCD1}">
-              <a14:hiddenFill xmlns:a14="http://schemas.microsoft.com/office/drawing/2010/main">
-                <a:solidFill>
-                  <a:srgbClr val="FFFFFF"/>
-                </a:solidFill>
-              </a14:hiddenFill>
-            </a:ext>
-          </a:extLst>
-        </p:spPr>
-      </p:pic>
-      <p:pic>
-        <p:nvPicPr>
-          <p:cNvPr id="7" name="Picture 14" descr="Image result for .net">
-            <a:extLst>
-              <a:ext uri="{FF2B5EF4-FFF2-40B4-BE49-F238E27FC236}">
-                <a16:creationId xmlns:a16="http://schemas.microsoft.com/office/drawing/2014/main" id="{D8AC5F32-AB80-49AA-B7A7-DB4BFF43B648}"/>
-              </a:ext>
-            </a:extLst>
-          </p:cNvPr>
-          <p:cNvPicPr>
-            <a:picLocks noChangeAspect="1" noChangeArrowheads="1"/>
-          </p:cNvPicPr>
-          <p:nvPr/>
-        </p:nvPicPr>
-        <p:blipFill>
-          <a:blip r:embed="rId3">
-            <a:extLst>
-              <a:ext uri="{28A0092B-C50C-407E-A947-70E740481C1C}">
-                <a14:useLocalDpi xmlns:a14="http://schemas.microsoft.com/office/drawing/2010/main" val="0"/>
-              </a:ext>
-            </a:extLst>
-          </a:blip>
-          <a:srcRect/>
-          <a:stretch>
-            <a:fillRect/>
-          </a:stretch>
-        </p:blipFill>
-        <p:spPr bwMode="auto">
-          <a:xfrm>
-            <a:off x="9240262" y="3427519"/>
-            <a:ext cx="1814345" cy="725738"/>
-          </a:xfrm>
-          <a:prstGeom prst="rect">
-            <a:avLst/>
-          </a:prstGeom>
-          <a:noFill/>
-          <a:extLst>
-            <a:ext uri="{909E8E84-426E-40DD-AFC4-6F175D3DCCD1}">
-              <a14:hiddenFill xmlns:a14="http://schemas.microsoft.com/office/drawing/2010/main">
-                <a:solidFill>
-                  <a:srgbClr val="FFFFFF"/>
-                </a:solidFill>
-              </a14:hiddenFill>
-            </a:ext>
-          </a:extLst>
-        </p:spPr>
-      </p:pic>
+        </p:grpSpPr>
+        <p:sp>
+          <p:nvSpPr>
+            <p:cNvPr id="5" name="Rectangle 4">
+              <a:extLst>
+                <a:ext uri="{FF2B5EF4-FFF2-40B4-BE49-F238E27FC236}">
+                  <a16:creationId xmlns:a16="http://schemas.microsoft.com/office/drawing/2014/main" id="{E26D0DF0-AF6F-4F57-BB56-C377E947A4E6}"/>
+                </a:ext>
+              </a:extLst>
+            </p:cNvPr>
+            <p:cNvSpPr/>
+            <p:nvPr/>
+          </p:nvSpPr>
+          <p:spPr>
+            <a:xfrm>
+              <a:off x="6521741" y="1825625"/>
+              <a:ext cx="4832059" cy="838200"/>
+            </a:xfrm>
+            <a:prstGeom prst="rect">
+              <a:avLst/>
+            </a:prstGeom>
+          </p:spPr>
+          <p:style>
+            <a:lnRef idx="2">
+              <a:schemeClr val="accent1">
+                <a:shade val="50000"/>
+              </a:schemeClr>
+            </a:lnRef>
+            <a:fillRef idx="1">
+              <a:schemeClr val="accent1"/>
+            </a:fillRef>
+            <a:effectRef idx="0">
+              <a:schemeClr val="accent1"/>
+            </a:effectRef>
+            <a:fontRef idx="minor">
+              <a:schemeClr val="lt1"/>
+            </a:fontRef>
+          </p:style>
+          <p:txBody>
+            <a:bodyPr rtlCol="0" anchor="ctr"/>
+            <a:lstStyle/>
+            <a:p>
+              <a:pPr algn="ctr"/>
+              <a:r>
+                <a:rPr lang="en-GB" dirty="0"/>
+                <a:t>Business layer</a:t>
+              </a:r>
+              <a:endParaRPr lang="pt-PT" dirty="0"/>
+            </a:p>
+          </p:txBody>
+        </p:sp>
+        <p:pic>
+          <p:nvPicPr>
+            <p:cNvPr id="6" name="Picture 10" descr="Image result for java">
+              <a:extLst>
+                <a:ext uri="{FF2B5EF4-FFF2-40B4-BE49-F238E27FC236}">
+                  <a16:creationId xmlns:a16="http://schemas.microsoft.com/office/drawing/2014/main" id="{EFF6804F-8037-4675-91AA-DED012D95AB4}"/>
+                </a:ext>
+              </a:extLst>
+            </p:cNvPr>
+            <p:cNvPicPr>
+              <a:picLocks noChangeAspect="1" noChangeArrowheads="1"/>
+            </p:cNvPicPr>
+            <p:nvPr/>
+          </p:nvPicPr>
+          <p:blipFill>
+            <a:blip r:embed="rId2">
+              <a:extLst>
+                <a:ext uri="{28A0092B-C50C-407E-A947-70E740481C1C}">
+                  <a14:useLocalDpi xmlns:a14="http://schemas.microsoft.com/office/drawing/2010/main" val="0"/>
+                </a:ext>
+              </a:extLst>
+            </a:blip>
+            <a:srcRect/>
+            <a:stretch>
+              <a:fillRect/>
+            </a:stretch>
+          </p:blipFill>
+          <p:spPr bwMode="auto">
+            <a:xfrm>
+              <a:off x="7556977" y="3095258"/>
+              <a:ext cx="758207" cy="1390261"/>
+            </a:xfrm>
+            <a:prstGeom prst="rect">
+              <a:avLst/>
+            </a:prstGeom>
+            <a:noFill/>
+            <a:extLst>
+              <a:ext uri="{909E8E84-426E-40DD-AFC4-6F175D3DCCD1}">
+                <a14:hiddenFill xmlns:a14="http://schemas.microsoft.com/office/drawing/2010/main">
+                  <a:solidFill>
+                    <a:srgbClr val="FFFFFF"/>
+                  </a:solidFill>
+                </a14:hiddenFill>
+              </a:ext>
+            </a:extLst>
+          </p:spPr>
+        </p:pic>
+        <p:pic>
+          <p:nvPicPr>
+            <p:cNvPr id="2050" name="Picture 2" descr="Image result for spring framework">
+              <a:extLst>
+                <a:ext uri="{FF2B5EF4-FFF2-40B4-BE49-F238E27FC236}">
+                  <a16:creationId xmlns:a16="http://schemas.microsoft.com/office/drawing/2014/main" id="{84E614BF-167B-4BD1-BBFE-6E26904F1E01}"/>
+                </a:ext>
+              </a:extLst>
+            </p:cNvPr>
+            <p:cNvPicPr>
+              <a:picLocks noChangeAspect="1" noChangeArrowheads="1"/>
+            </p:cNvPicPr>
+            <p:nvPr/>
+          </p:nvPicPr>
+          <p:blipFill>
+            <a:blip r:embed="rId3">
+              <a:extLst>
+                <a:ext uri="{28A0092B-C50C-407E-A947-70E740481C1C}">
+                  <a14:useLocalDpi xmlns:a14="http://schemas.microsoft.com/office/drawing/2010/main" val="0"/>
+                </a:ext>
+              </a:extLst>
+            </a:blip>
+            <a:srcRect/>
+            <a:stretch>
+              <a:fillRect/>
+            </a:stretch>
+          </p:blipFill>
+          <p:spPr bwMode="auto">
+            <a:xfrm>
+              <a:off x="9068398" y="3550669"/>
+              <a:ext cx="1475193" cy="479438"/>
+            </a:xfrm>
+            <a:prstGeom prst="rect">
+              <a:avLst/>
+            </a:prstGeom>
+            <a:noFill/>
+            <a:extLst>
+              <a:ext uri="{909E8E84-426E-40DD-AFC4-6F175D3DCCD1}">
+                <a14:hiddenFill xmlns:a14="http://schemas.microsoft.com/office/drawing/2010/main">
+                  <a:solidFill>
+                    <a:srgbClr val="FFFFFF"/>
+                  </a:solidFill>
+                </a14:hiddenFill>
+              </a:ext>
+            </a:extLst>
+          </p:spPr>
+        </p:pic>
+      </p:grpSp>
     </p:spTree>
     <p:extLst>
       <p:ext uri="{BB962C8B-B14F-4D97-AF65-F5344CB8AC3E}">

--- a/multilayer-template/Documentation/Multilayer applications.pptx
+++ b/multilayer-template/Documentation/Multilayer applications.pptx
@@ -14,9 +14,11 @@
     <p:sldId id="267" r:id="rId8"/>
     <p:sldId id="260" r:id="rId9"/>
     <p:sldId id="268" r:id="rId10"/>
-    <p:sldId id="261" r:id="rId11"/>
-    <p:sldId id="269" r:id="rId12"/>
-    <p:sldId id="262" r:id="rId13"/>
+    <p:sldId id="270" r:id="rId11"/>
+    <p:sldId id="271" r:id="rId12"/>
+    <p:sldId id="261" r:id="rId13"/>
+    <p:sldId id="269" r:id="rId14"/>
+    <p:sldId id="262" r:id="rId15"/>
   </p:sldIdLst>
   <p:sldSz cx="12192000" cy="6858000"/>
   <p:notesSz cx="6858000" cy="9144000"/>
@@ -123,10 +125,6 @@
 </p:presentation>
 </file>
 
-<file path=ppt/revisionInfo.xml><?xml version="1.0" encoding="utf-8"?>
-<p1510:revInfo xmlns:a="http://schemas.openxmlformats.org/drawingml/2006/main" xmlns:r="http://schemas.openxmlformats.org/officeDocument/2006/relationships" xmlns:p1510="http://schemas.microsoft.com/office/powerpoint/2015/10/main"/>
-</file>
-
 <file path=ppt/slideLayouts/slideLayout1.xml><?xml version="1.0" encoding="utf-8"?>
 <p:sldLayout xmlns:a="http://schemas.openxmlformats.org/drawingml/2006/main" xmlns:r="http://schemas.openxmlformats.org/officeDocument/2006/relationships" xmlns:p="http://schemas.openxmlformats.org/presentationml/2006/main" type="title" preserve="1">
   <p:cSld name="Title Slide">
@@ -276,7 +274,7 @@
           <a:p>
             <a:fld id="{27726045-E0F6-4675-ADB1-C996C4EE9AAA}" type="datetimeFigureOut">
               <a:rPr lang="pt-PT" smtClean="0"/>
-              <a:t>30/10/2017</a:t>
+              <a:t>26/04/2018</a:t>
             </a:fld>
             <a:endParaRPr lang="pt-PT"/>
           </a:p>
@@ -476,7 +474,7 @@
           <a:p>
             <a:fld id="{27726045-E0F6-4675-ADB1-C996C4EE9AAA}" type="datetimeFigureOut">
               <a:rPr lang="pt-PT" smtClean="0"/>
-              <a:t>30/10/2017</a:t>
+              <a:t>26/04/2018</a:t>
             </a:fld>
             <a:endParaRPr lang="pt-PT"/>
           </a:p>
@@ -686,7 +684,7 @@
           <a:p>
             <a:fld id="{27726045-E0F6-4675-ADB1-C996C4EE9AAA}" type="datetimeFigureOut">
               <a:rPr lang="pt-PT" smtClean="0"/>
-              <a:t>30/10/2017</a:t>
+              <a:t>26/04/2018</a:t>
             </a:fld>
             <a:endParaRPr lang="pt-PT"/>
           </a:p>
@@ -886,7 +884,7 @@
           <a:p>
             <a:fld id="{27726045-E0F6-4675-ADB1-C996C4EE9AAA}" type="datetimeFigureOut">
               <a:rPr lang="pt-PT" smtClean="0"/>
-              <a:t>30/10/2017</a:t>
+              <a:t>26/04/2018</a:t>
             </a:fld>
             <a:endParaRPr lang="pt-PT"/>
           </a:p>
@@ -1162,7 +1160,7 @@
           <a:p>
             <a:fld id="{27726045-E0F6-4675-ADB1-C996C4EE9AAA}" type="datetimeFigureOut">
               <a:rPr lang="pt-PT" smtClean="0"/>
-              <a:t>30/10/2017</a:t>
+              <a:t>26/04/2018</a:t>
             </a:fld>
             <a:endParaRPr lang="pt-PT"/>
           </a:p>
@@ -1430,7 +1428,7 @@
           <a:p>
             <a:fld id="{27726045-E0F6-4675-ADB1-C996C4EE9AAA}" type="datetimeFigureOut">
               <a:rPr lang="pt-PT" smtClean="0"/>
-              <a:t>30/10/2017</a:t>
+              <a:t>26/04/2018</a:t>
             </a:fld>
             <a:endParaRPr lang="pt-PT"/>
           </a:p>
@@ -1845,7 +1843,7 @@
           <a:p>
             <a:fld id="{27726045-E0F6-4675-ADB1-C996C4EE9AAA}" type="datetimeFigureOut">
               <a:rPr lang="pt-PT" smtClean="0"/>
-              <a:t>30/10/2017</a:t>
+              <a:t>26/04/2018</a:t>
             </a:fld>
             <a:endParaRPr lang="pt-PT"/>
           </a:p>
@@ -1987,7 +1985,7 @@
           <a:p>
             <a:fld id="{27726045-E0F6-4675-ADB1-C996C4EE9AAA}" type="datetimeFigureOut">
               <a:rPr lang="pt-PT" smtClean="0"/>
-              <a:t>30/10/2017</a:t>
+              <a:t>26/04/2018</a:t>
             </a:fld>
             <a:endParaRPr lang="pt-PT"/>
           </a:p>
@@ -2100,7 +2098,7 @@
           <a:p>
             <a:fld id="{27726045-E0F6-4675-ADB1-C996C4EE9AAA}" type="datetimeFigureOut">
               <a:rPr lang="pt-PT" smtClean="0"/>
-              <a:t>30/10/2017</a:t>
+              <a:t>26/04/2018</a:t>
             </a:fld>
             <a:endParaRPr lang="pt-PT"/>
           </a:p>
@@ -2413,7 +2411,7 @@
           <a:p>
             <a:fld id="{27726045-E0F6-4675-ADB1-C996C4EE9AAA}" type="datetimeFigureOut">
               <a:rPr lang="pt-PT" smtClean="0"/>
-              <a:t>30/10/2017</a:t>
+              <a:t>26/04/2018</a:t>
             </a:fld>
             <a:endParaRPr lang="pt-PT"/>
           </a:p>
@@ -2702,7 +2700,7 @@
           <a:p>
             <a:fld id="{27726045-E0F6-4675-ADB1-C996C4EE9AAA}" type="datetimeFigureOut">
               <a:rPr lang="pt-PT" smtClean="0"/>
-              <a:t>30/10/2017</a:t>
+              <a:t>26/04/2018</a:t>
             </a:fld>
             <a:endParaRPr lang="pt-PT"/>
           </a:p>
@@ -2945,7 +2943,7 @@
           <a:p>
             <a:fld id="{27726045-E0F6-4675-ADB1-C996C4EE9AAA}" type="datetimeFigureOut">
               <a:rPr lang="pt-PT" smtClean="0"/>
-              <a:t>30/10/2017</a:t>
+              <a:t>26/04/2018</a:t>
             </a:fld>
             <a:endParaRPr lang="pt-PT"/>
           </a:p>
@@ -3473,6 +3471,1623 @@
           <a:p>
             <a:r>
               <a:rPr lang="en-GB" dirty="0"/>
+              <a:t>Business Layer</a:t>
+            </a:r>
+            <a:endParaRPr lang="pt-PT" dirty="0"/>
+          </a:p>
+        </p:txBody>
+      </p:sp>
+      <p:sp>
+        <p:nvSpPr>
+          <p:cNvPr id="3" name="Content Placeholder 2">
+            <a:extLst>
+              <a:ext uri="{FF2B5EF4-FFF2-40B4-BE49-F238E27FC236}">
+                <a16:creationId xmlns:a16="http://schemas.microsoft.com/office/drawing/2014/main" id="{EBEA4B03-F9D8-4075-99EB-112688C4EC56}"/>
+              </a:ext>
+            </a:extLst>
+          </p:cNvPr>
+          <p:cNvSpPr>
+            <a:spLocks noGrp="1"/>
+          </p:cNvSpPr>
+          <p:nvPr>
+            <p:ph idx="1"/>
+          </p:nvPr>
+        </p:nvSpPr>
+        <p:spPr>
+          <a:xfrm>
+            <a:off x="838199" y="1825625"/>
+            <a:ext cx="10814107" cy="1130811"/>
+          </a:xfrm>
+        </p:spPr>
+        <p:txBody>
+          <a:bodyPr>
+            <a:normAutofit/>
+          </a:bodyPr>
+          <a:lstStyle/>
+          <a:p>
+            <a:r>
+              <a:rPr lang="en-GB" sz="2000" dirty="0"/>
+              <a:t>A lot of times the business layer is divided into multiple modules, different business components, different modules. </a:t>
+            </a:r>
+          </a:p>
+          <a:p>
+            <a:r>
+              <a:rPr lang="en-GB" sz="2000" dirty="0"/>
+              <a:t>On these cases each module would then have its own façade and business functions.</a:t>
+            </a:r>
+          </a:p>
+          <a:p>
+            <a:endParaRPr lang="pt-PT" sz="2000" dirty="0"/>
+          </a:p>
+        </p:txBody>
+      </p:sp>
+      <p:grpSp>
+        <p:nvGrpSpPr>
+          <p:cNvPr id="4" name="Group 3">
+            <a:extLst>
+              <a:ext uri="{FF2B5EF4-FFF2-40B4-BE49-F238E27FC236}">
+                <a16:creationId xmlns:a16="http://schemas.microsoft.com/office/drawing/2014/main" id="{41162693-21DA-43F5-8319-5819E5F01E10}"/>
+              </a:ext>
+            </a:extLst>
+          </p:cNvPr>
+          <p:cNvGrpSpPr/>
+          <p:nvPr/>
+        </p:nvGrpSpPr>
+        <p:grpSpPr>
+          <a:xfrm>
+            <a:off x="838198" y="3050417"/>
+            <a:ext cx="10814110" cy="3365033"/>
+            <a:chOff x="838198" y="3050417"/>
+            <a:chExt cx="10814110" cy="3365033"/>
+          </a:xfrm>
+        </p:grpSpPr>
+        <p:sp>
+          <p:nvSpPr>
+            <p:cNvPr id="9" name="Rectangle 8">
+              <a:extLst>
+                <a:ext uri="{FF2B5EF4-FFF2-40B4-BE49-F238E27FC236}">
+                  <a16:creationId xmlns:a16="http://schemas.microsoft.com/office/drawing/2014/main" id="{85A92C8C-4AC7-46F8-ADE5-9AE5C4541394}"/>
+                </a:ext>
+              </a:extLst>
+            </p:cNvPr>
+            <p:cNvSpPr/>
+            <p:nvPr/>
+          </p:nvSpPr>
+          <p:spPr>
+            <a:xfrm>
+              <a:off x="838200" y="3050417"/>
+              <a:ext cx="10814108" cy="858852"/>
+            </a:xfrm>
+            <a:prstGeom prst="rect">
+              <a:avLst/>
+            </a:prstGeom>
+          </p:spPr>
+          <p:style>
+            <a:lnRef idx="2">
+              <a:schemeClr val="accent5">
+                <a:shade val="50000"/>
+              </a:schemeClr>
+            </a:lnRef>
+            <a:fillRef idx="1">
+              <a:schemeClr val="accent5"/>
+            </a:fillRef>
+            <a:effectRef idx="0">
+              <a:schemeClr val="accent5"/>
+            </a:effectRef>
+            <a:fontRef idx="minor">
+              <a:schemeClr val="lt1"/>
+            </a:fontRef>
+          </p:style>
+          <p:txBody>
+            <a:bodyPr rtlCol="0" anchor="t"/>
+            <a:lstStyle/>
+            <a:p>
+              <a:pPr algn="ctr"/>
+              <a:r>
+                <a:rPr lang="en-GB" dirty="0"/>
+                <a:t>Service Layer</a:t>
+              </a:r>
+              <a:endParaRPr lang="pt-PT" dirty="0"/>
+            </a:p>
+          </p:txBody>
+        </p:sp>
+        <p:sp>
+          <p:nvSpPr>
+            <p:cNvPr id="10" name="Rectangle: Rounded Corners 9">
+              <a:extLst>
+                <a:ext uri="{FF2B5EF4-FFF2-40B4-BE49-F238E27FC236}">
+                  <a16:creationId xmlns:a16="http://schemas.microsoft.com/office/drawing/2014/main" id="{6C7E0E3A-6EC7-48EA-B987-DF8D851DF366}"/>
+                </a:ext>
+              </a:extLst>
+            </p:cNvPr>
+            <p:cNvSpPr/>
+            <p:nvPr/>
+          </p:nvSpPr>
+          <p:spPr>
+            <a:xfrm>
+              <a:off x="1236854" y="3407877"/>
+              <a:ext cx="1141602" cy="338541"/>
+            </a:xfrm>
+            <a:prstGeom prst="roundRect">
+              <a:avLst/>
+            </a:prstGeom>
+          </p:spPr>
+          <p:style>
+            <a:lnRef idx="3">
+              <a:schemeClr val="lt1"/>
+            </a:lnRef>
+            <a:fillRef idx="1">
+              <a:schemeClr val="accent1"/>
+            </a:fillRef>
+            <a:effectRef idx="1">
+              <a:schemeClr val="accent1"/>
+            </a:effectRef>
+            <a:fontRef idx="minor">
+              <a:schemeClr val="lt1"/>
+            </a:fontRef>
+          </p:style>
+          <p:txBody>
+            <a:bodyPr rtlCol="0" anchor="ctr"/>
+            <a:lstStyle/>
+            <a:p>
+              <a:pPr algn="ctr"/>
+              <a:r>
+                <a:rPr lang="en-GB" dirty="0"/>
+                <a:t>Service 1</a:t>
+              </a:r>
+              <a:endParaRPr lang="pt-PT" dirty="0"/>
+            </a:p>
+          </p:txBody>
+        </p:sp>
+        <p:sp>
+          <p:nvSpPr>
+            <p:cNvPr id="11" name="Rectangle: Rounded Corners 10">
+              <a:extLst>
+                <a:ext uri="{FF2B5EF4-FFF2-40B4-BE49-F238E27FC236}">
+                  <a16:creationId xmlns:a16="http://schemas.microsoft.com/office/drawing/2014/main" id="{AD242B57-A5BA-4448-98CD-B2646C74B9E9}"/>
+                </a:ext>
+              </a:extLst>
+            </p:cNvPr>
+            <p:cNvSpPr/>
+            <p:nvPr/>
+          </p:nvSpPr>
+          <p:spPr>
+            <a:xfrm>
+              <a:off x="3002737" y="3407877"/>
+              <a:ext cx="1141602" cy="338541"/>
+            </a:xfrm>
+            <a:prstGeom prst="roundRect">
+              <a:avLst/>
+            </a:prstGeom>
+          </p:spPr>
+          <p:style>
+            <a:lnRef idx="3">
+              <a:schemeClr val="lt1"/>
+            </a:lnRef>
+            <a:fillRef idx="1">
+              <a:schemeClr val="accent1"/>
+            </a:fillRef>
+            <a:effectRef idx="1">
+              <a:schemeClr val="accent1"/>
+            </a:effectRef>
+            <a:fontRef idx="minor">
+              <a:schemeClr val="lt1"/>
+            </a:fontRef>
+          </p:style>
+          <p:txBody>
+            <a:bodyPr rtlCol="0" anchor="ctr"/>
+            <a:lstStyle/>
+            <a:p>
+              <a:pPr algn="ctr"/>
+              <a:r>
+                <a:rPr lang="en-GB" dirty="0"/>
+                <a:t>Service 2</a:t>
+              </a:r>
+              <a:endParaRPr lang="pt-PT" dirty="0"/>
+            </a:p>
+          </p:txBody>
+        </p:sp>
+        <p:sp>
+          <p:nvSpPr>
+            <p:cNvPr id="12" name="Rectangle: Rounded Corners 11">
+              <a:extLst>
+                <a:ext uri="{FF2B5EF4-FFF2-40B4-BE49-F238E27FC236}">
+                  <a16:creationId xmlns:a16="http://schemas.microsoft.com/office/drawing/2014/main" id="{649D01D7-7E9E-42BD-871B-375BEC414EB6}"/>
+                </a:ext>
+              </a:extLst>
+            </p:cNvPr>
+            <p:cNvSpPr/>
+            <p:nvPr/>
+          </p:nvSpPr>
+          <p:spPr>
+            <a:xfrm>
+              <a:off x="8929377" y="3366844"/>
+              <a:ext cx="1141602" cy="338542"/>
+            </a:xfrm>
+            <a:prstGeom prst="roundRect">
+              <a:avLst/>
+            </a:prstGeom>
+          </p:spPr>
+          <p:style>
+            <a:lnRef idx="3">
+              <a:schemeClr val="lt1"/>
+            </a:lnRef>
+            <a:fillRef idx="1">
+              <a:schemeClr val="accent1"/>
+            </a:fillRef>
+            <a:effectRef idx="1">
+              <a:schemeClr val="accent1"/>
+            </a:effectRef>
+            <a:fontRef idx="minor">
+              <a:schemeClr val="lt1"/>
+            </a:fontRef>
+          </p:style>
+          <p:txBody>
+            <a:bodyPr rtlCol="0" anchor="ctr"/>
+            <a:lstStyle/>
+            <a:p>
+              <a:pPr algn="ctr"/>
+              <a:r>
+                <a:rPr lang="en-GB" dirty="0"/>
+                <a:t>Service 3</a:t>
+              </a:r>
+              <a:endParaRPr lang="pt-PT" dirty="0"/>
+            </a:p>
+          </p:txBody>
+        </p:sp>
+        <p:sp>
+          <p:nvSpPr>
+            <p:cNvPr id="13" name="Rectangle 12">
+              <a:extLst>
+                <a:ext uri="{FF2B5EF4-FFF2-40B4-BE49-F238E27FC236}">
+                  <a16:creationId xmlns:a16="http://schemas.microsoft.com/office/drawing/2014/main" id="{F1301DE3-D2C9-4F33-9AE9-D386FE595C7A}"/>
+                </a:ext>
+              </a:extLst>
+            </p:cNvPr>
+            <p:cNvSpPr/>
+            <p:nvPr/>
+          </p:nvSpPr>
+          <p:spPr>
+            <a:xfrm>
+              <a:off x="838198" y="4078915"/>
+              <a:ext cx="10805709" cy="2336535"/>
+            </a:xfrm>
+            <a:prstGeom prst="rect">
+              <a:avLst/>
+            </a:prstGeom>
+          </p:spPr>
+          <p:style>
+            <a:lnRef idx="2">
+              <a:schemeClr val="accent5">
+                <a:shade val="50000"/>
+              </a:schemeClr>
+            </a:lnRef>
+            <a:fillRef idx="1">
+              <a:schemeClr val="accent5"/>
+            </a:fillRef>
+            <a:effectRef idx="0">
+              <a:schemeClr val="accent5"/>
+            </a:effectRef>
+            <a:fontRef idx="minor">
+              <a:schemeClr val="lt1"/>
+            </a:fontRef>
+          </p:style>
+          <p:txBody>
+            <a:bodyPr rtlCol="0" anchor="t"/>
+            <a:lstStyle/>
+            <a:p>
+              <a:pPr algn="ctr"/>
+              <a:r>
+                <a:rPr lang="en-GB" dirty="0"/>
+                <a:t>Business Layer</a:t>
+              </a:r>
+              <a:endParaRPr lang="pt-PT" dirty="0"/>
+            </a:p>
+          </p:txBody>
+        </p:sp>
+        <p:sp>
+          <p:nvSpPr>
+            <p:cNvPr id="23" name="Rectangle: Rounded Corners 22">
+              <a:extLst>
+                <a:ext uri="{FF2B5EF4-FFF2-40B4-BE49-F238E27FC236}">
+                  <a16:creationId xmlns:a16="http://schemas.microsoft.com/office/drawing/2014/main" id="{8AD7B8D3-0A67-47D3-83C2-4FC87979844A}"/>
+                </a:ext>
+              </a:extLst>
+            </p:cNvPr>
+            <p:cNvSpPr/>
+            <p:nvPr/>
+          </p:nvSpPr>
+          <p:spPr>
+            <a:xfrm>
+              <a:off x="1356397" y="4663233"/>
+              <a:ext cx="2841423" cy="338541"/>
+            </a:xfrm>
+            <a:prstGeom prst="roundRect">
+              <a:avLst/>
+            </a:prstGeom>
+            <a:solidFill>
+              <a:srgbClr val="7030A0"/>
+            </a:solidFill>
+          </p:spPr>
+          <p:style>
+            <a:lnRef idx="3">
+              <a:schemeClr val="lt1"/>
+            </a:lnRef>
+            <a:fillRef idx="1">
+              <a:schemeClr val="accent1"/>
+            </a:fillRef>
+            <a:effectRef idx="1">
+              <a:schemeClr val="accent1"/>
+            </a:effectRef>
+            <a:fontRef idx="minor">
+              <a:schemeClr val="lt1"/>
+            </a:fontRef>
+          </p:style>
+          <p:txBody>
+            <a:bodyPr rtlCol="0" anchor="ctr"/>
+            <a:lstStyle/>
+            <a:p>
+              <a:pPr algn="ctr"/>
+              <a:r>
+                <a:rPr lang="en-GB" dirty="0"/>
+                <a:t>Façade 1</a:t>
+              </a:r>
+              <a:endParaRPr lang="pt-PT" dirty="0"/>
+            </a:p>
+          </p:txBody>
+        </p:sp>
+        <p:sp>
+          <p:nvSpPr>
+            <p:cNvPr id="36" name="Rectangle: Rounded Corners 35">
+              <a:extLst>
+                <a:ext uri="{FF2B5EF4-FFF2-40B4-BE49-F238E27FC236}">
+                  <a16:creationId xmlns:a16="http://schemas.microsoft.com/office/drawing/2014/main" id="{E46E7185-2976-4C08-BB31-F595C8DFFCEE}"/>
+                </a:ext>
+              </a:extLst>
+            </p:cNvPr>
+            <p:cNvSpPr/>
+            <p:nvPr/>
+          </p:nvSpPr>
+          <p:spPr>
+            <a:xfrm>
+              <a:off x="1236854" y="5334811"/>
+              <a:ext cx="1141602" cy="897744"/>
+            </a:xfrm>
+            <a:prstGeom prst="roundRect">
+              <a:avLst/>
+            </a:prstGeom>
+          </p:spPr>
+          <p:style>
+            <a:lnRef idx="3">
+              <a:schemeClr val="lt1"/>
+            </a:lnRef>
+            <a:fillRef idx="1">
+              <a:schemeClr val="accent1"/>
+            </a:fillRef>
+            <a:effectRef idx="1">
+              <a:schemeClr val="accent1"/>
+            </a:effectRef>
+            <a:fontRef idx="minor">
+              <a:schemeClr val="lt1"/>
+            </a:fontRef>
+          </p:style>
+          <p:txBody>
+            <a:bodyPr rtlCol="0" anchor="ctr"/>
+            <a:lstStyle/>
+            <a:p>
+              <a:pPr algn="ctr"/>
+              <a:r>
+                <a:rPr lang="en-GB" dirty="0"/>
+                <a:t>Business functions 1</a:t>
+              </a:r>
+              <a:endParaRPr lang="pt-PT" dirty="0"/>
+            </a:p>
+          </p:txBody>
+        </p:sp>
+        <p:sp>
+          <p:nvSpPr>
+            <p:cNvPr id="37" name="Rectangle: Rounded Corners 36">
+              <a:extLst>
+                <a:ext uri="{FF2B5EF4-FFF2-40B4-BE49-F238E27FC236}">
+                  <a16:creationId xmlns:a16="http://schemas.microsoft.com/office/drawing/2014/main" id="{2B293DE6-C6B6-4EA8-8C3A-A8F656F2F8A0}"/>
+                </a:ext>
+              </a:extLst>
+            </p:cNvPr>
+            <p:cNvSpPr/>
+            <p:nvPr/>
+          </p:nvSpPr>
+          <p:spPr>
+            <a:xfrm>
+              <a:off x="3475836" y="5331703"/>
+              <a:ext cx="1141602" cy="897744"/>
+            </a:xfrm>
+            <a:prstGeom prst="roundRect">
+              <a:avLst/>
+            </a:prstGeom>
+          </p:spPr>
+          <p:style>
+            <a:lnRef idx="3">
+              <a:schemeClr val="lt1"/>
+            </a:lnRef>
+            <a:fillRef idx="1">
+              <a:schemeClr val="accent1"/>
+            </a:fillRef>
+            <a:effectRef idx="1">
+              <a:schemeClr val="accent1"/>
+            </a:effectRef>
+            <a:fontRef idx="minor">
+              <a:schemeClr val="lt1"/>
+            </a:fontRef>
+          </p:style>
+          <p:txBody>
+            <a:bodyPr rtlCol="0" anchor="ctr"/>
+            <a:lstStyle/>
+            <a:p>
+              <a:pPr algn="ctr"/>
+              <a:r>
+                <a:rPr lang="en-GB" dirty="0"/>
+                <a:t>Business functions 2</a:t>
+              </a:r>
+              <a:endParaRPr lang="pt-PT" dirty="0"/>
+            </a:p>
+          </p:txBody>
+        </p:sp>
+        <p:cxnSp>
+          <p:nvCxnSpPr>
+            <p:cNvPr id="39" name="Straight Arrow Connector 38">
+              <a:extLst>
+                <a:ext uri="{FF2B5EF4-FFF2-40B4-BE49-F238E27FC236}">
+                  <a16:creationId xmlns:a16="http://schemas.microsoft.com/office/drawing/2014/main" id="{FF010EC4-EB79-4AAF-A92D-3B1E1BF8E102}"/>
+                </a:ext>
+              </a:extLst>
+            </p:cNvPr>
+            <p:cNvCxnSpPr>
+              <a:cxnSpLocks/>
+              <a:stCxn id="23" idx="2"/>
+              <a:endCxn id="36" idx="0"/>
+            </p:cNvCxnSpPr>
+            <p:nvPr/>
+          </p:nvCxnSpPr>
+          <p:spPr>
+            <a:xfrm flipH="1">
+              <a:off x="1807655" y="5001774"/>
+              <a:ext cx="969454" cy="333037"/>
+            </a:xfrm>
+            <a:prstGeom prst="straightConnector1">
+              <a:avLst/>
+            </a:prstGeom>
+            <a:ln>
+              <a:solidFill>
+                <a:schemeClr val="tx1"/>
+              </a:solidFill>
+              <a:tailEnd type="triangle"/>
+            </a:ln>
+          </p:spPr>
+          <p:style>
+            <a:lnRef idx="1">
+              <a:schemeClr val="accent1"/>
+            </a:lnRef>
+            <a:fillRef idx="0">
+              <a:schemeClr val="accent1"/>
+            </a:fillRef>
+            <a:effectRef idx="0">
+              <a:schemeClr val="accent1"/>
+            </a:effectRef>
+            <a:fontRef idx="minor">
+              <a:schemeClr val="tx1"/>
+            </a:fontRef>
+          </p:style>
+        </p:cxnSp>
+        <p:cxnSp>
+          <p:nvCxnSpPr>
+            <p:cNvPr id="42" name="Straight Arrow Connector 41">
+              <a:extLst>
+                <a:ext uri="{FF2B5EF4-FFF2-40B4-BE49-F238E27FC236}">
+                  <a16:creationId xmlns:a16="http://schemas.microsoft.com/office/drawing/2014/main" id="{0B7BBCE7-C82A-4BFE-BF01-345A8E24C14F}"/>
+                </a:ext>
+              </a:extLst>
+            </p:cNvPr>
+            <p:cNvCxnSpPr>
+              <a:cxnSpLocks/>
+              <a:stCxn id="23" idx="2"/>
+              <a:endCxn id="37" idx="0"/>
+            </p:cNvCxnSpPr>
+            <p:nvPr/>
+          </p:nvCxnSpPr>
+          <p:spPr>
+            <a:xfrm>
+              <a:off x="2777109" y="5001774"/>
+              <a:ext cx="1269528" cy="329929"/>
+            </a:xfrm>
+            <a:prstGeom prst="straightConnector1">
+              <a:avLst/>
+            </a:prstGeom>
+            <a:ln>
+              <a:solidFill>
+                <a:schemeClr val="tx1"/>
+              </a:solidFill>
+              <a:tailEnd type="triangle"/>
+            </a:ln>
+          </p:spPr>
+          <p:style>
+            <a:lnRef idx="1">
+              <a:schemeClr val="accent1"/>
+            </a:lnRef>
+            <a:fillRef idx="0">
+              <a:schemeClr val="accent1"/>
+            </a:fillRef>
+            <a:effectRef idx="0">
+              <a:schemeClr val="accent1"/>
+            </a:effectRef>
+            <a:fontRef idx="minor">
+              <a:schemeClr val="tx1"/>
+            </a:fontRef>
+          </p:style>
+        </p:cxnSp>
+        <p:cxnSp>
+          <p:nvCxnSpPr>
+            <p:cNvPr id="14" name="Straight Arrow Connector 13">
+              <a:extLst>
+                <a:ext uri="{FF2B5EF4-FFF2-40B4-BE49-F238E27FC236}">
+                  <a16:creationId xmlns:a16="http://schemas.microsoft.com/office/drawing/2014/main" id="{E5C0F834-9909-4EE4-9693-F510E97EBD45}"/>
+                </a:ext>
+              </a:extLst>
+            </p:cNvPr>
+            <p:cNvCxnSpPr>
+              <a:cxnSpLocks/>
+              <a:stCxn id="10" idx="2"/>
+            </p:cNvCxnSpPr>
+            <p:nvPr/>
+          </p:nvCxnSpPr>
+          <p:spPr>
+            <a:xfrm>
+              <a:off x="1807655" y="3746418"/>
+              <a:ext cx="0" cy="916815"/>
+            </a:xfrm>
+            <a:prstGeom prst="straightConnector1">
+              <a:avLst/>
+            </a:prstGeom>
+            <a:ln>
+              <a:solidFill>
+                <a:schemeClr val="tx1"/>
+              </a:solidFill>
+              <a:tailEnd type="triangle"/>
+            </a:ln>
+          </p:spPr>
+          <p:style>
+            <a:lnRef idx="1">
+              <a:schemeClr val="accent1"/>
+            </a:lnRef>
+            <a:fillRef idx="0">
+              <a:schemeClr val="accent1"/>
+            </a:fillRef>
+            <a:effectRef idx="0">
+              <a:schemeClr val="accent1"/>
+            </a:effectRef>
+            <a:fontRef idx="minor">
+              <a:schemeClr val="tx1"/>
+            </a:fontRef>
+          </p:style>
+        </p:cxnSp>
+        <p:cxnSp>
+          <p:nvCxnSpPr>
+            <p:cNvPr id="15" name="Straight Arrow Connector 14">
+              <a:extLst>
+                <a:ext uri="{FF2B5EF4-FFF2-40B4-BE49-F238E27FC236}">
+                  <a16:creationId xmlns:a16="http://schemas.microsoft.com/office/drawing/2014/main" id="{02107BB7-E222-4961-B607-31F38D76952E}"/>
+                </a:ext>
+              </a:extLst>
+            </p:cNvPr>
+            <p:cNvCxnSpPr>
+              <a:cxnSpLocks/>
+              <a:stCxn id="11" idx="2"/>
+            </p:cNvCxnSpPr>
+            <p:nvPr/>
+          </p:nvCxnSpPr>
+          <p:spPr>
+            <a:xfrm>
+              <a:off x="3573538" y="3746418"/>
+              <a:ext cx="0" cy="916815"/>
+            </a:xfrm>
+            <a:prstGeom prst="straightConnector1">
+              <a:avLst/>
+            </a:prstGeom>
+            <a:ln>
+              <a:solidFill>
+                <a:schemeClr val="tx1"/>
+              </a:solidFill>
+              <a:tailEnd type="triangle"/>
+            </a:ln>
+          </p:spPr>
+          <p:style>
+            <a:lnRef idx="1">
+              <a:schemeClr val="accent1"/>
+            </a:lnRef>
+            <a:fillRef idx="0">
+              <a:schemeClr val="accent1"/>
+            </a:fillRef>
+            <a:effectRef idx="0">
+              <a:schemeClr val="accent1"/>
+            </a:effectRef>
+            <a:fontRef idx="minor">
+              <a:schemeClr val="tx1"/>
+            </a:fontRef>
+          </p:style>
+        </p:cxnSp>
+        <p:cxnSp>
+          <p:nvCxnSpPr>
+            <p:cNvPr id="16" name="Straight Arrow Connector 15">
+              <a:extLst>
+                <a:ext uri="{FF2B5EF4-FFF2-40B4-BE49-F238E27FC236}">
+                  <a16:creationId xmlns:a16="http://schemas.microsoft.com/office/drawing/2014/main" id="{A6EF8A44-99B1-4D98-A152-79F4B585B384}"/>
+                </a:ext>
+              </a:extLst>
+            </p:cNvPr>
+            <p:cNvCxnSpPr>
+              <a:cxnSpLocks/>
+              <a:stCxn id="12" idx="2"/>
+              <a:endCxn id="38" idx="0"/>
+            </p:cNvCxnSpPr>
+            <p:nvPr/>
+          </p:nvCxnSpPr>
+          <p:spPr>
+            <a:xfrm>
+              <a:off x="9500178" y="3705386"/>
+              <a:ext cx="0" cy="1011259"/>
+            </a:xfrm>
+            <a:prstGeom prst="straightConnector1">
+              <a:avLst/>
+            </a:prstGeom>
+            <a:ln>
+              <a:solidFill>
+                <a:schemeClr val="tx1"/>
+              </a:solidFill>
+              <a:tailEnd type="triangle"/>
+            </a:ln>
+          </p:spPr>
+          <p:style>
+            <a:lnRef idx="1">
+              <a:schemeClr val="accent1"/>
+            </a:lnRef>
+            <a:fillRef idx="0">
+              <a:schemeClr val="accent1"/>
+            </a:fillRef>
+            <a:effectRef idx="0">
+              <a:schemeClr val="accent1"/>
+            </a:effectRef>
+            <a:fontRef idx="minor">
+              <a:schemeClr val="tx1"/>
+            </a:fontRef>
+          </p:style>
+        </p:cxnSp>
+        <p:sp>
+          <p:nvSpPr>
+            <p:cNvPr id="38" name="Rectangle: Rounded Corners 37">
+              <a:extLst>
+                <a:ext uri="{FF2B5EF4-FFF2-40B4-BE49-F238E27FC236}">
+                  <a16:creationId xmlns:a16="http://schemas.microsoft.com/office/drawing/2014/main" id="{793FB7B9-D8DA-491C-820C-8C19A1758AD5}"/>
+                </a:ext>
+              </a:extLst>
+            </p:cNvPr>
+            <p:cNvSpPr/>
+            <p:nvPr/>
+          </p:nvSpPr>
+          <p:spPr>
+            <a:xfrm>
+              <a:off x="8079466" y="4716645"/>
+              <a:ext cx="2841423" cy="338541"/>
+            </a:xfrm>
+            <a:prstGeom prst="roundRect">
+              <a:avLst/>
+            </a:prstGeom>
+            <a:solidFill>
+              <a:srgbClr val="7030A0"/>
+            </a:solidFill>
+          </p:spPr>
+          <p:style>
+            <a:lnRef idx="3">
+              <a:schemeClr val="lt1"/>
+            </a:lnRef>
+            <a:fillRef idx="1">
+              <a:schemeClr val="accent1"/>
+            </a:fillRef>
+            <a:effectRef idx="1">
+              <a:schemeClr val="accent1"/>
+            </a:effectRef>
+            <a:fontRef idx="minor">
+              <a:schemeClr val="lt1"/>
+            </a:fontRef>
+          </p:style>
+          <p:txBody>
+            <a:bodyPr rtlCol="0" anchor="ctr"/>
+            <a:lstStyle/>
+            <a:p>
+              <a:pPr algn="ctr"/>
+              <a:r>
+                <a:rPr lang="en-GB" dirty="0"/>
+                <a:t>Façade 2</a:t>
+              </a:r>
+              <a:endParaRPr lang="pt-PT" dirty="0"/>
+            </a:p>
+          </p:txBody>
+        </p:sp>
+        <p:sp>
+          <p:nvSpPr>
+            <p:cNvPr id="43" name="Rectangle: Rounded Corners 42">
+              <a:extLst>
+                <a:ext uri="{FF2B5EF4-FFF2-40B4-BE49-F238E27FC236}">
+                  <a16:creationId xmlns:a16="http://schemas.microsoft.com/office/drawing/2014/main" id="{DB7ED7B9-973E-40F1-9F31-C892569A17B2}"/>
+                </a:ext>
+              </a:extLst>
+            </p:cNvPr>
+            <p:cNvSpPr/>
+            <p:nvPr/>
+          </p:nvSpPr>
+          <p:spPr>
+            <a:xfrm>
+              <a:off x="8929377" y="5386065"/>
+              <a:ext cx="1141602" cy="897744"/>
+            </a:xfrm>
+            <a:prstGeom prst="roundRect">
+              <a:avLst/>
+            </a:prstGeom>
+          </p:spPr>
+          <p:style>
+            <a:lnRef idx="3">
+              <a:schemeClr val="lt1"/>
+            </a:lnRef>
+            <a:fillRef idx="1">
+              <a:schemeClr val="accent1"/>
+            </a:fillRef>
+            <a:effectRef idx="1">
+              <a:schemeClr val="accent1"/>
+            </a:effectRef>
+            <a:fontRef idx="minor">
+              <a:schemeClr val="lt1"/>
+            </a:fontRef>
+          </p:style>
+          <p:txBody>
+            <a:bodyPr rtlCol="0" anchor="ctr"/>
+            <a:lstStyle/>
+            <a:p>
+              <a:pPr algn="ctr"/>
+              <a:r>
+                <a:rPr lang="en-GB" dirty="0"/>
+                <a:t>Business functions 3</a:t>
+              </a:r>
+              <a:endParaRPr lang="pt-PT" dirty="0"/>
+            </a:p>
+          </p:txBody>
+        </p:sp>
+        <p:cxnSp>
+          <p:nvCxnSpPr>
+            <p:cNvPr id="44" name="Straight Arrow Connector 43">
+              <a:extLst>
+                <a:ext uri="{FF2B5EF4-FFF2-40B4-BE49-F238E27FC236}">
+                  <a16:creationId xmlns:a16="http://schemas.microsoft.com/office/drawing/2014/main" id="{8557524C-EA0A-421C-BD62-95326D07C193}"/>
+                </a:ext>
+              </a:extLst>
+            </p:cNvPr>
+            <p:cNvCxnSpPr>
+              <a:cxnSpLocks/>
+              <a:stCxn id="38" idx="2"/>
+              <a:endCxn id="43" idx="0"/>
+            </p:cNvCxnSpPr>
+            <p:nvPr/>
+          </p:nvCxnSpPr>
+          <p:spPr>
+            <a:xfrm>
+              <a:off x="9500178" y="5055186"/>
+              <a:ext cx="0" cy="330879"/>
+            </a:xfrm>
+            <a:prstGeom prst="straightConnector1">
+              <a:avLst/>
+            </a:prstGeom>
+            <a:ln>
+              <a:solidFill>
+                <a:schemeClr val="tx1"/>
+              </a:solidFill>
+              <a:tailEnd type="triangle"/>
+            </a:ln>
+          </p:spPr>
+          <p:style>
+            <a:lnRef idx="1">
+              <a:schemeClr val="accent1"/>
+            </a:lnRef>
+            <a:fillRef idx="0">
+              <a:schemeClr val="accent1"/>
+            </a:fillRef>
+            <a:effectRef idx="0">
+              <a:schemeClr val="accent1"/>
+            </a:effectRef>
+            <a:fontRef idx="minor">
+              <a:schemeClr val="tx1"/>
+            </a:fontRef>
+          </p:style>
+        </p:cxnSp>
+        <p:sp>
+          <p:nvSpPr>
+            <p:cNvPr id="26" name="Rectangle 25">
+              <a:extLst>
+                <a:ext uri="{FF2B5EF4-FFF2-40B4-BE49-F238E27FC236}">
+                  <a16:creationId xmlns:a16="http://schemas.microsoft.com/office/drawing/2014/main" id="{A071CACB-8751-49C6-A878-4ED020EE56B0}"/>
+                </a:ext>
+              </a:extLst>
+            </p:cNvPr>
+            <p:cNvSpPr/>
+            <p:nvPr/>
+          </p:nvSpPr>
+          <p:spPr>
+            <a:xfrm>
+              <a:off x="1061206" y="4196519"/>
+              <a:ext cx="3737288" cy="2114739"/>
+            </a:xfrm>
+            <a:prstGeom prst="rect">
+              <a:avLst/>
+            </a:prstGeom>
+            <a:noFill/>
+          </p:spPr>
+          <p:style>
+            <a:lnRef idx="2">
+              <a:schemeClr val="accent1">
+                <a:shade val="50000"/>
+              </a:schemeClr>
+            </a:lnRef>
+            <a:fillRef idx="1">
+              <a:schemeClr val="accent1"/>
+            </a:fillRef>
+            <a:effectRef idx="0">
+              <a:schemeClr val="accent1"/>
+            </a:effectRef>
+            <a:fontRef idx="minor">
+              <a:schemeClr val="lt1"/>
+            </a:fontRef>
+          </p:style>
+          <p:txBody>
+            <a:bodyPr rtlCol="0" anchor="t"/>
+            <a:lstStyle/>
+            <a:p>
+              <a:pPr algn="ctr"/>
+              <a:r>
+                <a:rPr lang="en-GB" dirty="0"/>
+                <a:t>Module 1</a:t>
+              </a:r>
+              <a:endParaRPr lang="pt-PT" dirty="0"/>
+            </a:p>
+          </p:txBody>
+        </p:sp>
+        <p:sp>
+          <p:nvSpPr>
+            <p:cNvPr id="52" name="Rectangle 51">
+              <a:extLst>
+                <a:ext uri="{FF2B5EF4-FFF2-40B4-BE49-F238E27FC236}">
+                  <a16:creationId xmlns:a16="http://schemas.microsoft.com/office/drawing/2014/main" id="{7058B3B7-1ADE-46FF-9EFF-AAADD46C955E}"/>
+                </a:ext>
+              </a:extLst>
+            </p:cNvPr>
+            <p:cNvSpPr/>
+            <p:nvPr/>
+          </p:nvSpPr>
+          <p:spPr>
+            <a:xfrm>
+              <a:off x="7691314" y="4223999"/>
+              <a:ext cx="3737288" cy="2114739"/>
+            </a:xfrm>
+            <a:prstGeom prst="rect">
+              <a:avLst/>
+            </a:prstGeom>
+            <a:noFill/>
+          </p:spPr>
+          <p:style>
+            <a:lnRef idx="2">
+              <a:schemeClr val="accent1">
+                <a:shade val="50000"/>
+              </a:schemeClr>
+            </a:lnRef>
+            <a:fillRef idx="1">
+              <a:schemeClr val="accent1"/>
+            </a:fillRef>
+            <a:effectRef idx="0">
+              <a:schemeClr val="accent1"/>
+            </a:effectRef>
+            <a:fontRef idx="minor">
+              <a:schemeClr val="lt1"/>
+            </a:fontRef>
+          </p:style>
+          <p:txBody>
+            <a:bodyPr rtlCol="0" anchor="t"/>
+            <a:lstStyle/>
+            <a:p>
+              <a:pPr algn="ctr"/>
+              <a:r>
+                <a:rPr lang="en-GB" dirty="0"/>
+                <a:t>Module 2</a:t>
+              </a:r>
+              <a:endParaRPr lang="pt-PT" dirty="0"/>
+            </a:p>
+          </p:txBody>
+        </p:sp>
+      </p:grpSp>
+    </p:spTree>
+    <p:extLst>
+      <p:ext uri="{BB962C8B-B14F-4D97-AF65-F5344CB8AC3E}">
+        <p14:creationId xmlns:p14="http://schemas.microsoft.com/office/powerpoint/2010/main" val="1832258428"/>
+      </p:ext>
+    </p:extLst>
+  </p:cSld>
+  <p:clrMapOvr>
+    <a:masterClrMapping/>
+  </p:clrMapOvr>
+</p:sld>
+</file>
+
+<file path=ppt/slides/slide11.xml><?xml version="1.0" encoding="utf-8"?>
+<p:sld xmlns:a="http://schemas.openxmlformats.org/drawingml/2006/main" xmlns:r="http://schemas.openxmlformats.org/officeDocument/2006/relationships" xmlns:p="http://schemas.openxmlformats.org/presentationml/2006/main">
+  <p:cSld>
+    <p:spTree>
+      <p:nvGrpSpPr>
+        <p:cNvPr id="1" name=""/>
+        <p:cNvGrpSpPr/>
+        <p:nvPr/>
+      </p:nvGrpSpPr>
+      <p:grpSpPr>
+        <a:xfrm>
+          <a:off x="0" y="0"/>
+          <a:ext cx="0" cy="0"/>
+          <a:chOff x="0" y="0"/>
+          <a:chExt cx="0" cy="0"/>
+        </a:xfrm>
+      </p:grpSpPr>
+      <p:sp>
+        <p:nvSpPr>
+          <p:cNvPr id="2" name="Title 1">
+            <a:extLst>
+              <a:ext uri="{FF2B5EF4-FFF2-40B4-BE49-F238E27FC236}">
+                <a16:creationId xmlns:a16="http://schemas.microsoft.com/office/drawing/2014/main" id="{38A2464B-3366-4323-B8E6-8BB66B16ABD4}"/>
+              </a:ext>
+            </a:extLst>
+          </p:cNvPr>
+          <p:cNvSpPr>
+            <a:spLocks noGrp="1"/>
+          </p:cNvSpPr>
+          <p:nvPr>
+            <p:ph type="title"/>
+          </p:nvPr>
+        </p:nvSpPr>
+        <p:spPr/>
+        <p:txBody>
+          <a:bodyPr/>
+          <a:lstStyle/>
+          <a:p>
+            <a:r>
+              <a:rPr lang="en-GB" dirty="0"/>
+              <a:t>Business Layer</a:t>
+            </a:r>
+            <a:endParaRPr lang="pt-PT" dirty="0"/>
+          </a:p>
+        </p:txBody>
+      </p:sp>
+      <p:sp>
+        <p:nvSpPr>
+          <p:cNvPr id="3" name="Content Placeholder 2">
+            <a:extLst>
+              <a:ext uri="{FF2B5EF4-FFF2-40B4-BE49-F238E27FC236}">
+                <a16:creationId xmlns:a16="http://schemas.microsoft.com/office/drawing/2014/main" id="{EBEA4B03-F9D8-4075-99EB-112688C4EC56}"/>
+              </a:ext>
+            </a:extLst>
+          </p:cNvPr>
+          <p:cNvSpPr>
+            <a:spLocks noGrp="1"/>
+          </p:cNvSpPr>
+          <p:nvPr>
+            <p:ph idx="1"/>
+          </p:nvPr>
+        </p:nvSpPr>
+        <p:spPr>
+          <a:xfrm>
+            <a:off x="838200" y="1825625"/>
+            <a:ext cx="5562600" cy="4667250"/>
+          </a:xfrm>
+        </p:spPr>
+        <p:txBody>
+          <a:bodyPr>
+            <a:normAutofit fontScale="92500" lnSpcReduction="20000"/>
+          </a:bodyPr>
+          <a:lstStyle/>
+          <a:p>
+            <a:r>
+              <a:rPr lang="en-GB" sz="1600" dirty="0"/>
+              <a:t>Sometimes business function requires the call of functions outside of their module.</a:t>
+            </a:r>
+          </a:p>
+          <a:p>
+            <a:endParaRPr lang="en-GB" sz="1600" dirty="0"/>
+          </a:p>
+          <a:p>
+            <a:r>
+              <a:rPr lang="en-GB" sz="1600" dirty="0"/>
+              <a:t>For this, we use </a:t>
+            </a:r>
+            <a:r>
+              <a:rPr lang="en-GB" sz="1600" b="1" dirty="0"/>
+              <a:t>adapters</a:t>
+            </a:r>
+            <a:r>
+              <a:rPr lang="en-GB" sz="1600" dirty="0"/>
+              <a:t>.</a:t>
+            </a:r>
+          </a:p>
+          <a:p>
+            <a:endParaRPr lang="en-GB" sz="1600" dirty="0"/>
+          </a:p>
+          <a:p>
+            <a:r>
+              <a:rPr lang="en-GB" sz="1600" dirty="0"/>
+              <a:t>This adapters are similar to the façade. They map the input/output of the function/service and business objects.</a:t>
+            </a:r>
+          </a:p>
+          <a:p>
+            <a:endParaRPr lang="en-GB" sz="1600" dirty="0"/>
+          </a:p>
+          <a:p>
+            <a:r>
+              <a:rPr lang="en-GB" sz="1600" dirty="0"/>
+              <a:t>An adapter should also supply to the business functions an appropriate abstraction of the service/function being called.</a:t>
+            </a:r>
+          </a:p>
+          <a:p>
+            <a:endParaRPr lang="en-GB" sz="1600" dirty="0"/>
+          </a:p>
+          <a:p>
+            <a:r>
+              <a:rPr lang="en-GB" sz="1600" dirty="0"/>
+              <a:t>Example, supposed there is a service that provides all the information about a user (</a:t>
+            </a:r>
+            <a:r>
+              <a:rPr lang="en-GB" sz="1600" dirty="0" err="1"/>
+              <a:t>getUserData</a:t>
+            </a:r>
+            <a:r>
+              <a:rPr lang="en-GB" sz="1600" dirty="0"/>
+              <a:t>), however, the business rules only require a piece of that information (e.g., the birthdate of the user).</a:t>
+            </a:r>
+          </a:p>
+          <a:p>
+            <a:endParaRPr lang="en-GB" sz="1600" dirty="0"/>
+          </a:p>
+          <a:p>
+            <a:r>
+              <a:rPr lang="en-GB" sz="1600" dirty="0"/>
+              <a:t>The adapter should then provide a function </a:t>
+            </a:r>
+            <a:r>
+              <a:rPr lang="en-GB" sz="1600" dirty="0" err="1"/>
+              <a:t>getNameOfUser</a:t>
+            </a:r>
+            <a:r>
+              <a:rPr lang="en-GB" sz="1600" dirty="0"/>
+              <a:t> that will call </a:t>
+            </a:r>
+            <a:r>
+              <a:rPr lang="en-GB" sz="1600" dirty="0" err="1"/>
+              <a:t>getUserData</a:t>
+            </a:r>
+            <a:r>
+              <a:rPr lang="en-GB" sz="1600" dirty="0"/>
+              <a:t>, but only returns the appropriate data to the business function.</a:t>
+            </a:r>
+          </a:p>
+        </p:txBody>
+      </p:sp>
+      <p:grpSp>
+        <p:nvGrpSpPr>
+          <p:cNvPr id="4" name="Group 3">
+            <a:extLst>
+              <a:ext uri="{FF2B5EF4-FFF2-40B4-BE49-F238E27FC236}">
+                <a16:creationId xmlns:a16="http://schemas.microsoft.com/office/drawing/2014/main" id="{2C5BAFAD-1F2B-4791-BCF4-7522E464C353}"/>
+              </a:ext>
+            </a:extLst>
+          </p:cNvPr>
+          <p:cNvGrpSpPr/>
+          <p:nvPr/>
+        </p:nvGrpSpPr>
+        <p:grpSpPr>
+          <a:xfrm>
+            <a:off x="6754272" y="1782561"/>
+            <a:ext cx="5183696" cy="3745784"/>
+            <a:chOff x="6754272" y="1782561"/>
+            <a:chExt cx="5183696" cy="3745784"/>
+          </a:xfrm>
+        </p:grpSpPr>
+        <p:sp>
+          <p:nvSpPr>
+            <p:cNvPr id="13" name="Rectangle 12">
+              <a:extLst>
+                <a:ext uri="{FF2B5EF4-FFF2-40B4-BE49-F238E27FC236}">
+                  <a16:creationId xmlns:a16="http://schemas.microsoft.com/office/drawing/2014/main" id="{F1301DE3-D2C9-4F33-9AE9-D386FE595C7A}"/>
+                </a:ext>
+              </a:extLst>
+            </p:cNvPr>
+            <p:cNvSpPr/>
+            <p:nvPr/>
+          </p:nvSpPr>
+          <p:spPr>
+            <a:xfrm>
+              <a:off x="6754272" y="1782561"/>
+              <a:ext cx="5183696" cy="1568781"/>
+            </a:xfrm>
+            <a:prstGeom prst="rect">
+              <a:avLst/>
+            </a:prstGeom>
+          </p:spPr>
+          <p:style>
+            <a:lnRef idx="2">
+              <a:schemeClr val="accent5">
+                <a:shade val="50000"/>
+              </a:schemeClr>
+            </a:lnRef>
+            <a:fillRef idx="1">
+              <a:schemeClr val="accent5"/>
+            </a:fillRef>
+            <a:effectRef idx="0">
+              <a:schemeClr val="accent5"/>
+            </a:effectRef>
+            <a:fontRef idx="minor">
+              <a:schemeClr val="lt1"/>
+            </a:fontRef>
+          </p:style>
+          <p:txBody>
+            <a:bodyPr rtlCol="0" anchor="t"/>
+            <a:lstStyle/>
+            <a:p>
+              <a:pPr algn="ctr"/>
+              <a:r>
+                <a:rPr lang="en-GB" dirty="0"/>
+                <a:t>Business Layer</a:t>
+              </a:r>
+              <a:endParaRPr lang="pt-PT" dirty="0"/>
+            </a:p>
+          </p:txBody>
+        </p:sp>
+        <p:sp>
+          <p:nvSpPr>
+            <p:cNvPr id="36" name="Rectangle: Rounded Corners 35">
+              <a:extLst>
+                <a:ext uri="{FF2B5EF4-FFF2-40B4-BE49-F238E27FC236}">
+                  <a16:creationId xmlns:a16="http://schemas.microsoft.com/office/drawing/2014/main" id="{E46E7185-2976-4C08-BB31-F595C8DFFCEE}"/>
+                </a:ext>
+              </a:extLst>
+            </p:cNvPr>
+            <p:cNvSpPr/>
+            <p:nvPr/>
+          </p:nvSpPr>
+          <p:spPr>
+            <a:xfrm>
+              <a:off x="7139992" y="1919475"/>
+              <a:ext cx="1141602" cy="897744"/>
+            </a:xfrm>
+            <a:prstGeom prst="roundRect">
+              <a:avLst/>
+            </a:prstGeom>
+          </p:spPr>
+          <p:style>
+            <a:lnRef idx="3">
+              <a:schemeClr val="lt1"/>
+            </a:lnRef>
+            <a:fillRef idx="1">
+              <a:schemeClr val="accent1"/>
+            </a:fillRef>
+            <a:effectRef idx="1">
+              <a:schemeClr val="accent1"/>
+            </a:effectRef>
+            <a:fontRef idx="minor">
+              <a:schemeClr val="lt1"/>
+            </a:fontRef>
+          </p:style>
+          <p:txBody>
+            <a:bodyPr rtlCol="0" anchor="ctr"/>
+            <a:lstStyle/>
+            <a:p>
+              <a:pPr algn="ctr"/>
+              <a:r>
+                <a:rPr lang="en-GB" dirty="0"/>
+                <a:t>Business functions 1</a:t>
+              </a:r>
+              <a:endParaRPr lang="pt-PT" dirty="0"/>
+            </a:p>
+          </p:txBody>
+        </p:sp>
+        <p:sp>
+          <p:nvSpPr>
+            <p:cNvPr id="37" name="Rectangle: Rounded Corners 36">
+              <a:extLst>
+                <a:ext uri="{FF2B5EF4-FFF2-40B4-BE49-F238E27FC236}">
+                  <a16:creationId xmlns:a16="http://schemas.microsoft.com/office/drawing/2014/main" id="{2B293DE6-C6B6-4EA8-8C3A-A8F656F2F8A0}"/>
+                </a:ext>
+              </a:extLst>
+            </p:cNvPr>
+            <p:cNvSpPr/>
+            <p:nvPr/>
+          </p:nvSpPr>
+          <p:spPr>
+            <a:xfrm>
+              <a:off x="10212198" y="1944642"/>
+              <a:ext cx="1141602" cy="897744"/>
+            </a:xfrm>
+            <a:prstGeom prst="roundRect">
+              <a:avLst/>
+            </a:prstGeom>
+          </p:spPr>
+          <p:style>
+            <a:lnRef idx="3">
+              <a:schemeClr val="lt1"/>
+            </a:lnRef>
+            <a:fillRef idx="1">
+              <a:schemeClr val="accent1"/>
+            </a:fillRef>
+            <a:effectRef idx="1">
+              <a:schemeClr val="accent1"/>
+            </a:effectRef>
+            <a:fontRef idx="minor">
+              <a:schemeClr val="lt1"/>
+            </a:fontRef>
+          </p:style>
+          <p:txBody>
+            <a:bodyPr rtlCol="0" anchor="ctr"/>
+            <a:lstStyle/>
+            <a:p>
+              <a:pPr algn="ctr"/>
+              <a:r>
+                <a:rPr lang="en-GB" dirty="0"/>
+                <a:t>Business functions 2</a:t>
+              </a:r>
+              <a:endParaRPr lang="pt-PT" dirty="0"/>
+            </a:p>
+          </p:txBody>
+        </p:sp>
+        <p:sp>
+          <p:nvSpPr>
+            <p:cNvPr id="32" name="Rectangle: Rounded Corners 31">
+              <a:extLst>
+                <a:ext uri="{FF2B5EF4-FFF2-40B4-BE49-F238E27FC236}">
+                  <a16:creationId xmlns:a16="http://schemas.microsoft.com/office/drawing/2014/main" id="{371FC7F8-B651-429E-B1B9-543518FABE16}"/>
+                </a:ext>
+              </a:extLst>
+            </p:cNvPr>
+            <p:cNvSpPr/>
+            <p:nvPr/>
+          </p:nvSpPr>
+          <p:spPr>
+            <a:xfrm>
+              <a:off x="8667314" y="2980128"/>
+              <a:ext cx="1141602" cy="897744"/>
+            </a:xfrm>
+            <a:prstGeom prst="roundRect">
+              <a:avLst/>
+            </a:prstGeom>
+            <a:solidFill>
+              <a:schemeClr val="accent4">
+                <a:lumMod val="50000"/>
+              </a:schemeClr>
+            </a:solidFill>
+          </p:spPr>
+          <p:style>
+            <a:lnRef idx="3">
+              <a:schemeClr val="lt1"/>
+            </a:lnRef>
+            <a:fillRef idx="1">
+              <a:schemeClr val="accent1"/>
+            </a:fillRef>
+            <a:effectRef idx="1">
+              <a:schemeClr val="accent1"/>
+            </a:effectRef>
+            <a:fontRef idx="minor">
+              <a:schemeClr val="lt1"/>
+            </a:fontRef>
+          </p:style>
+          <p:txBody>
+            <a:bodyPr rtlCol="0" anchor="ctr"/>
+            <a:lstStyle/>
+            <a:p>
+              <a:pPr algn="ctr"/>
+              <a:r>
+                <a:rPr lang="en-GB" dirty="0"/>
+                <a:t>Adapter 1</a:t>
+              </a:r>
+              <a:endParaRPr lang="pt-PT" dirty="0"/>
+            </a:p>
+          </p:txBody>
+        </p:sp>
+        <p:cxnSp>
+          <p:nvCxnSpPr>
+            <p:cNvPr id="38" name="Straight Arrow Connector 37">
+              <a:extLst>
+                <a:ext uri="{FF2B5EF4-FFF2-40B4-BE49-F238E27FC236}">
+                  <a16:creationId xmlns:a16="http://schemas.microsoft.com/office/drawing/2014/main" id="{E292B90C-ED1B-45ED-99EE-BE02AC0186B5}"/>
+                </a:ext>
+              </a:extLst>
+            </p:cNvPr>
+            <p:cNvCxnSpPr>
+              <a:cxnSpLocks/>
+              <a:stCxn id="36" idx="3"/>
+              <a:endCxn id="32" idx="0"/>
+            </p:cNvCxnSpPr>
+            <p:nvPr/>
+          </p:nvCxnSpPr>
+          <p:spPr>
+            <a:xfrm>
+              <a:off x="8281594" y="2368347"/>
+              <a:ext cx="956521" cy="611781"/>
+            </a:xfrm>
+            <a:prstGeom prst="straightConnector1">
+              <a:avLst/>
+            </a:prstGeom>
+            <a:ln>
+              <a:solidFill>
+                <a:schemeClr val="tx1"/>
+              </a:solidFill>
+              <a:tailEnd type="triangle"/>
+            </a:ln>
+          </p:spPr>
+          <p:style>
+            <a:lnRef idx="1">
+              <a:schemeClr val="accent1"/>
+            </a:lnRef>
+            <a:fillRef idx="0">
+              <a:schemeClr val="accent1"/>
+            </a:fillRef>
+            <a:effectRef idx="0">
+              <a:schemeClr val="accent1"/>
+            </a:effectRef>
+            <a:fontRef idx="minor">
+              <a:schemeClr val="tx1"/>
+            </a:fontRef>
+          </p:style>
+        </p:cxnSp>
+        <p:cxnSp>
+          <p:nvCxnSpPr>
+            <p:cNvPr id="40" name="Straight Arrow Connector 39">
+              <a:extLst>
+                <a:ext uri="{FF2B5EF4-FFF2-40B4-BE49-F238E27FC236}">
+                  <a16:creationId xmlns:a16="http://schemas.microsoft.com/office/drawing/2014/main" id="{CB40732F-D7D8-4ED5-95DB-9BF8B95BC017}"/>
+                </a:ext>
+              </a:extLst>
+            </p:cNvPr>
+            <p:cNvCxnSpPr>
+              <a:cxnSpLocks/>
+              <a:stCxn id="37" idx="1"/>
+              <a:endCxn id="32" idx="0"/>
+            </p:cNvCxnSpPr>
+            <p:nvPr/>
+          </p:nvCxnSpPr>
+          <p:spPr>
+            <a:xfrm flipH="1">
+              <a:off x="9238115" y="2393514"/>
+              <a:ext cx="974083" cy="586614"/>
+            </a:xfrm>
+            <a:prstGeom prst="straightConnector1">
+              <a:avLst/>
+            </a:prstGeom>
+            <a:ln>
+              <a:solidFill>
+                <a:schemeClr val="tx1"/>
+              </a:solidFill>
+              <a:tailEnd type="triangle"/>
+            </a:ln>
+          </p:spPr>
+          <p:style>
+            <a:lnRef idx="1">
+              <a:schemeClr val="accent1"/>
+            </a:lnRef>
+            <a:fillRef idx="0">
+              <a:schemeClr val="accent1"/>
+            </a:fillRef>
+            <a:effectRef idx="0">
+              <a:schemeClr val="accent1"/>
+            </a:effectRef>
+            <a:fontRef idx="minor">
+              <a:schemeClr val="tx1"/>
+            </a:fontRef>
+          </p:style>
+        </p:cxnSp>
+        <p:sp>
+          <p:nvSpPr>
+            <p:cNvPr id="52" name="Rectangle 51">
+              <a:extLst>
+                <a:ext uri="{FF2B5EF4-FFF2-40B4-BE49-F238E27FC236}">
+                  <a16:creationId xmlns:a16="http://schemas.microsoft.com/office/drawing/2014/main" id="{BD663302-0FD1-4CE5-83FF-1061481A5D81}"/>
+                </a:ext>
+              </a:extLst>
+            </p:cNvPr>
+            <p:cNvSpPr/>
+            <p:nvPr/>
+          </p:nvSpPr>
+          <p:spPr>
+            <a:xfrm>
+              <a:off x="6754272" y="4669493"/>
+              <a:ext cx="5183696" cy="858852"/>
+            </a:xfrm>
+            <a:prstGeom prst="rect">
+              <a:avLst/>
+            </a:prstGeom>
+          </p:spPr>
+          <p:style>
+            <a:lnRef idx="2">
+              <a:schemeClr val="accent5">
+                <a:shade val="50000"/>
+              </a:schemeClr>
+            </a:lnRef>
+            <a:fillRef idx="1">
+              <a:schemeClr val="accent5"/>
+            </a:fillRef>
+            <a:effectRef idx="0">
+              <a:schemeClr val="accent5"/>
+            </a:effectRef>
+            <a:fontRef idx="minor">
+              <a:schemeClr val="lt1"/>
+            </a:fontRef>
+          </p:style>
+          <p:txBody>
+            <a:bodyPr rtlCol="0" anchor="t"/>
+            <a:lstStyle/>
+            <a:p>
+              <a:pPr algn="ctr"/>
+              <a:r>
+                <a:rPr lang="en-GB" dirty="0"/>
+                <a:t>Service Layer</a:t>
+              </a:r>
+              <a:endParaRPr lang="pt-PT" dirty="0"/>
+            </a:p>
+          </p:txBody>
+        </p:sp>
+        <p:sp>
+          <p:nvSpPr>
+            <p:cNvPr id="57" name="Rectangle: Rounded Corners 56">
+              <a:extLst>
+                <a:ext uri="{FF2B5EF4-FFF2-40B4-BE49-F238E27FC236}">
+                  <a16:creationId xmlns:a16="http://schemas.microsoft.com/office/drawing/2014/main" id="{02024B24-25C2-460F-9379-CAFBDE16AA52}"/>
+                </a:ext>
+              </a:extLst>
+            </p:cNvPr>
+            <p:cNvSpPr/>
+            <p:nvPr/>
+          </p:nvSpPr>
+          <p:spPr>
+            <a:xfrm>
+              <a:off x="8683040" y="5098919"/>
+              <a:ext cx="1141602" cy="338542"/>
+            </a:xfrm>
+            <a:prstGeom prst="roundRect">
+              <a:avLst/>
+            </a:prstGeom>
+          </p:spPr>
+          <p:style>
+            <a:lnRef idx="3">
+              <a:schemeClr val="lt1"/>
+            </a:lnRef>
+            <a:fillRef idx="1">
+              <a:schemeClr val="accent1"/>
+            </a:fillRef>
+            <a:effectRef idx="1">
+              <a:schemeClr val="accent1"/>
+            </a:effectRef>
+            <a:fontRef idx="minor">
+              <a:schemeClr val="lt1"/>
+            </a:fontRef>
+          </p:style>
+          <p:txBody>
+            <a:bodyPr rtlCol="0" anchor="ctr"/>
+            <a:lstStyle/>
+            <a:p>
+              <a:pPr algn="ctr"/>
+              <a:r>
+                <a:rPr lang="en-GB" dirty="0"/>
+                <a:t>Service 3</a:t>
+              </a:r>
+              <a:endParaRPr lang="pt-PT" dirty="0"/>
+            </a:p>
+          </p:txBody>
+        </p:sp>
+        <p:cxnSp>
+          <p:nvCxnSpPr>
+            <p:cNvPr id="58" name="Straight Arrow Connector 57">
+              <a:extLst>
+                <a:ext uri="{FF2B5EF4-FFF2-40B4-BE49-F238E27FC236}">
+                  <a16:creationId xmlns:a16="http://schemas.microsoft.com/office/drawing/2014/main" id="{7BEB83ED-CBE6-43C8-993A-D889EBF61BCE}"/>
+                </a:ext>
+              </a:extLst>
+            </p:cNvPr>
+            <p:cNvCxnSpPr>
+              <a:cxnSpLocks/>
+              <a:stCxn id="32" idx="2"/>
+              <a:endCxn id="57" idx="0"/>
+            </p:cNvCxnSpPr>
+            <p:nvPr/>
+          </p:nvCxnSpPr>
+          <p:spPr>
+            <a:xfrm>
+              <a:off x="9238115" y="3877872"/>
+              <a:ext cx="15726" cy="1221047"/>
+            </a:xfrm>
+            <a:prstGeom prst="straightConnector1">
+              <a:avLst/>
+            </a:prstGeom>
+            <a:ln>
+              <a:solidFill>
+                <a:schemeClr val="tx1"/>
+              </a:solidFill>
+              <a:tailEnd type="triangle"/>
+            </a:ln>
+          </p:spPr>
+          <p:style>
+            <a:lnRef idx="1">
+              <a:schemeClr val="accent1"/>
+            </a:lnRef>
+            <a:fillRef idx="0">
+              <a:schemeClr val="accent1"/>
+            </a:fillRef>
+            <a:effectRef idx="0">
+              <a:schemeClr val="accent1"/>
+            </a:effectRef>
+            <a:fontRef idx="minor">
+              <a:schemeClr val="tx1"/>
+            </a:fontRef>
+          </p:style>
+        </p:cxnSp>
+      </p:grpSp>
+    </p:spTree>
+    <p:extLst>
+      <p:ext uri="{BB962C8B-B14F-4D97-AF65-F5344CB8AC3E}">
+        <p14:creationId xmlns:p14="http://schemas.microsoft.com/office/powerpoint/2010/main" val="1706956428"/>
+      </p:ext>
+    </p:extLst>
+  </p:cSld>
+  <p:clrMapOvr>
+    <a:masterClrMapping/>
+  </p:clrMapOvr>
+</p:sld>
+</file>
+
+<file path=ppt/slides/slide12.xml><?xml version="1.0" encoding="utf-8"?>
+<p:sld xmlns:a="http://schemas.openxmlformats.org/drawingml/2006/main" xmlns:r="http://schemas.openxmlformats.org/officeDocument/2006/relationships" xmlns:p="http://schemas.openxmlformats.org/presentationml/2006/main">
+  <p:cSld>
+    <p:spTree>
+      <p:nvGrpSpPr>
+        <p:cNvPr id="1" name=""/>
+        <p:cNvGrpSpPr/>
+        <p:nvPr/>
+      </p:nvGrpSpPr>
+      <p:grpSpPr>
+        <a:xfrm>
+          <a:off x="0" y="0"/>
+          <a:ext cx="0" cy="0"/>
+          <a:chOff x="0" y="0"/>
+          <a:chExt cx="0" cy="0"/>
+        </a:xfrm>
+      </p:grpSpPr>
+      <p:sp>
+        <p:nvSpPr>
+          <p:cNvPr id="2" name="Title 1">
+            <a:extLst>
+              <a:ext uri="{FF2B5EF4-FFF2-40B4-BE49-F238E27FC236}">
+                <a16:creationId xmlns:a16="http://schemas.microsoft.com/office/drawing/2014/main" id="{38A2464B-3366-4323-B8E6-8BB66B16ABD4}"/>
+              </a:ext>
+            </a:extLst>
+          </p:cNvPr>
+          <p:cNvSpPr>
+            <a:spLocks noGrp="1"/>
+          </p:cNvSpPr>
+          <p:nvPr>
+            <p:ph type="title"/>
+          </p:nvPr>
+        </p:nvSpPr>
+        <p:spPr/>
+        <p:txBody>
+          <a:bodyPr/>
+          <a:lstStyle/>
+          <a:p>
+            <a:r>
+              <a:rPr lang="en-GB" dirty="0"/>
               <a:t>Data Access Layer</a:t>
             </a:r>
             <a:endParaRPr lang="pt-PT" dirty="0"/>
@@ -3857,7 +5472,7 @@
 </p:sld>
 </file>
 
-<file path=ppt/slides/slide11.xml><?xml version="1.0" encoding="utf-8"?>
+<file path=ppt/slides/slide13.xml><?xml version="1.0" encoding="utf-8"?>
 <p:sld xmlns:a="http://schemas.openxmlformats.org/drawingml/2006/main" xmlns:r="http://schemas.openxmlformats.org/officeDocument/2006/relationships" xmlns:p="http://schemas.openxmlformats.org/presentationml/2006/main">
   <p:cSld>
     <p:spTree>
@@ -3974,62 +5589,12 @@
           </a:p>
         </p:txBody>
       </p:sp>
-      <p:sp>
-        <p:nvSpPr>
-          <p:cNvPr id="6" name="Rectangle 5">
+      <p:grpSp>
+        <p:nvGrpSpPr>
+          <p:cNvPr id="5" name="Group 4">
             <a:extLst>
               <a:ext uri="{FF2B5EF4-FFF2-40B4-BE49-F238E27FC236}">
-                <a16:creationId xmlns:a16="http://schemas.microsoft.com/office/drawing/2014/main" id="{6B20244E-E961-4F66-857C-57B6C41DD522}"/>
-              </a:ext>
-            </a:extLst>
-          </p:cNvPr>
-          <p:cNvSpPr/>
-          <p:nvPr/>
-        </p:nvSpPr>
-        <p:spPr>
-          <a:xfrm>
-            <a:off x="369117" y="3755669"/>
-            <a:ext cx="5183696" cy="2497494"/>
-          </a:xfrm>
-          <a:prstGeom prst="rect">
-            <a:avLst/>
-          </a:prstGeom>
-        </p:spPr>
-        <p:style>
-          <a:lnRef idx="2">
-            <a:schemeClr val="accent5">
-              <a:shade val="50000"/>
-            </a:schemeClr>
-          </a:lnRef>
-          <a:fillRef idx="1">
-            <a:schemeClr val="accent5"/>
-          </a:fillRef>
-          <a:effectRef idx="0">
-            <a:schemeClr val="accent5"/>
-          </a:effectRef>
-          <a:fontRef idx="minor">
-            <a:schemeClr val="lt1"/>
-          </a:fontRef>
-        </p:style>
-        <p:txBody>
-          <a:bodyPr rtlCol="0" anchor="t"/>
-          <a:lstStyle/>
-          <a:p>
-            <a:pPr algn="ctr"/>
-            <a:r>
-              <a:rPr lang="en-GB" dirty="0"/>
-              <a:t>Data Access Layer</a:t>
-            </a:r>
-            <a:endParaRPr lang="pt-PT" dirty="0"/>
-          </a:p>
-        </p:txBody>
-      </p:sp>
-      <p:grpSp>
-        <p:nvGrpSpPr>
-          <p:cNvPr id="4" name="Group 3">
-            <a:extLst>
-              <a:ext uri="{FF2B5EF4-FFF2-40B4-BE49-F238E27FC236}">
-                <a16:creationId xmlns:a16="http://schemas.microsoft.com/office/drawing/2014/main" id="{D8B8D734-950E-4690-988C-BA62AF14D970}"/>
+                <a16:creationId xmlns:a16="http://schemas.microsoft.com/office/drawing/2014/main" id="{B8B1C675-DB7D-4BDA-B4CD-29E8AE9E9744}"/>
               </a:ext>
             </a:extLst>
           </p:cNvPr>
@@ -4039,17 +5604,17 @@
         <p:grpSpPr>
           <a:xfrm>
             <a:off x="369117" y="1901825"/>
-            <a:ext cx="5183696" cy="1065402"/>
-            <a:chOff x="6593748" y="4169328"/>
-            <a:chExt cx="5183696" cy="1065402"/>
+            <a:ext cx="5183696" cy="4351338"/>
+            <a:chOff x="369117" y="1901825"/>
+            <a:chExt cx="5183696" cy="4351338"/>
           </a:xfrm>
         </p:grpSpPr>
         <p:sp>
           <p:nvSpPr>
-            <p:cNvPr id="12" name="Rectangle 11">
+            <p:cNvPr id="6" name="Rectangle 5">
               <a:extLst>
                 <a:ext uri="{FF2B5EF4-FFF2-40B4-BE49-F238E27FC236}">
-                  <a16:creationId xmlns:a16="http://schemas.microsoft.com/office/drawing/2014/main" id="{CCFF0BA4-5D5C-4F9C-B85E-EFCE0AC1E6A8}"/>
+                  <a16:creationId xmlns:a16="http://schemas.microsoft.com/office/drawing/2014/main" id="{6B20244E-E961-4F66-857C-57B6C41DD522}"/>
                 </a:ext>
               </a:extLst>
             </p:cNvPr>
@@ -4058,8 +5623,8 @@
           </p:nvSpPr>
           <p:spPr>
             <a:xfrm>
-              <a:off x="6593748" y="4169328"/>
-              <a:ext cx="5183696" cy="1065402"/>
+              <a:off x="369117" y="3755669"/>
+              <a:ext cx="5183696" cy="2497494"/>
             </a:xfrm>
             <a:prstGeom prst="rect">
               <a:avLst/>
@@ -4087,23 +5652,190 @@
             <a:p>
               <a:pPr algn="ctr"/>
               <a:r>
-                <a:rPr lang="en-GB"/>
-                <a:t>Business </a:t>
-              </a:r>
-              <a:r>
                 <a:rPr lang="en-GB" dirty="0"/>
-                <a:t>Layer</a:t>
+                <a:t>Data Access Layer</a:t>
               </a:r>
               <a:endParaRPr lang="pt-PT" dirty="0"/>
             </a:p>
           </p:txBody>
         </p:sp>
+        <p:grpSp>
+          <p:nvGrpSpPr>
+            <p:cNvPr id="4" name="Group 3">
+              <a:extLst>
+                <a:ext uri="{FF2B5EF4-FFF2-40B4-BE49-F238E27FC236}">
+                  <a16:creationId xmlns:a16="http://schemas.microsoft.com/office/drawing/2014/main" id="{D8B8D734-950E-4690-988C-BA62AF14D970}"/>
+                </a:ext>
+              </a:extLst>
+            </p:cNvPr>
+            <p:cNvGrpSpPr/>
+            <p:nvPr/>
+          </p:nvGrpSpPr>
+          <p:grpSpPr>
+            <a:xfrm>
+              <a:off x="369117" y="1901825"/>
+              <a:ext cx="5183696" cy="1065402"/>
+              <a:chOff x="6593748" y="4169328"/>
+              <a:chExt cx="5183696" cy="1065402"/>
+            </a:xfrm>
+          </p:grpSpPr>
+          <p:sp>
+            <p:nvSpPr>
+              <p:cNvPr id="12" name="Rectangle 11">
+                <a:extLst>
+                  <a:ext uri="{FF2B5EF4-FFF2-40B4-BE49-F238E27FC236}">
+                    <a16:creationId xmlns:a16="http://schemas.microsoft.com/office/drawing/2014/main" id="{CCFF0BA4-5D5C-4F9C-B85E-EFCE0AC1E6A8}"/>
+                  </a:ext>
+                </a:extLst>
+              </p:cNvPr>
+              <p:cNvSpPr/>
+              <p:nvPr/>
+            </p:nvSpPr>
+            <p:spPr>
+              <a:xfrm>
+                <a:off x="6593748" y="4169328"/>
+                <a:ext cx="5183696" cy="1065402"/>
+              </a:xfrm>
+              <a:prstGeom prst="rect">
+                <a:avLst/>
+              </a:prstGeom>
+            </p:spPr>
+            <p:style>
+              <a:lnRef idx="2">
+                <a:schemeClr val="accent5">
+                  <a:shade val="50000"/>
+                </a:schemeClr>
+              </a:lnRef>
+              <a:fillRef idx="1">
+                <a:schemeClr val="accent5"/>
+              </a:fillRef>
+              <a:effectRef idx="0">
+                <a:schemeClr val="accent5"/>
+              </a:effectRef>
+              <a:fontRef idx="minor">
+                <a:schemeClr val="lt1"/>
+              </a:fontRef>
+            </p:style>
+            <p:txBody>
+              <a:bodyPr rtlCol="0" anchor="t"/>
+              <a:lstStyle/>
+              <a:p>
+                <a:pPr algn="ctr"/>
+                <a:r>
+                  <a:rPr lang="en-GB"/>
+                  <a:t>Business </a:t>
+                </a:r>
+                <a:r>
+                  <a:rPr lang="en-GB" dirty="0"/>
+                  <a:t>Layer</a:t>
+                </a:r>
+                <a:endParaRPr lang="pt-PT" dirty="0"/>
+              </a:p>
+            </p:txBody>
+          </p:sp>
+          <p:sp>
+            <p:nvSpPr>
+              <p:cNvPr id="14" name="Rectangle: Rounded Corners 13">
+                <a:extLst>
+                  <a:ext uri="{FF2B5EF4-FFF2-40B4-BE49-F238E27FC236}">
+                    <a16:creationId xmlns:a16="http://schemas.microsoft.com/office/drawing/2014/main" id="{556E96C9-5E90-4E7B-8C89-64E28643FBA6}"/>
+                  </a:ext>
+                </a:extLst>
+              </p:cNvPr>
+              <p:cNvSpPr/>
+              <p:nvPr/>
+            </p:nvSpPr>
+            <p:spPr>
+              <a:xfrm>
+                <a:off x="6837027" y="4504765"/>
+                <a:ext cx="1667658" cy="629297"/>
+              </a:xfrm>
+              <a:prstGeom prst="roundRect">
+                <a:avLst/>
+              </a:prstGeom>
+            </p:spPr>
+            <p:style>
+              <a:lnRef idx="3">
+                <a:schemeClr val="lt1"/>
+              </a:lnRef>
+              <a:fillRef idx="1">
+                <a:schemeClr val="accent1"/>
+              </a:fillRef>
+              <a:effectRef idx="1">
+                <a:schemeClr val="accent1"/>
+              </a:effectRef>
+              <a:fontRef idx="minor">
+                <a:schemeClr val="lt1"/>
+              </a:fontRef>
+            </p:style>
+            <p:txBody>
+              <a:bodyPr rtlCol="0" anchor="ctr"/>
+              <a:lstStyle/>
+              <a:p>
+                <a:pPr algn="ctr"/>
+                <a:r>
+                  <a:rPr lang="en-GB" dirty="0"/>
+                  <a:t>Business functions 1</a:t>
+                </a:r>
+                <a:endParaRPr lang="pt-PT" dirty="0"/>
+              </a:p>
+            </p:txBody>
+          </p:sp>
+          <p:sp>
+            <p:nvSpPr>
+              <p:cNvPr id="15" name="Rectangle: Rounded Corners 14">
+                <a:extLst>
+                  <a:ext uri="{FF2B5EF4-FFF2-40B4-BE49-F238E27FC236}">
+                    <a16:creationId xmlns:a16="http://schemas.microsoft.com/office/drawing/2014/main" id="{AD2304A7-A22E-46A1-8D61-6629A9CA3835}"/>
+                  </a:ext>
+                </a:extLst>
+              </p:cNvPr>
+              <p:cNvSpPr/>
+              <p:nvPr/>
+            </p:nvSpPr>
+            <p:spPr>
+              <a:xfrm>
+                <a:off x="9756396" y="4504765"/>
+                <a:ext cx="1597403" cy="629297"/>
+              </a:xfrm>
+              <a:prstGeom prst="roundRect">
+                <a:avLst/>
+              </a:prstGeom>
+            </p:spPr>
+            <p:style>
+              <a:lnRef idx="3">
+                <a:schemeClr val="lt1"/>
+              </a:lnRef>
+              <a:fillRef idx="1">
+                <a:schemeClr val="accent1"/>
+              </a:fillRef>
+              <a:effectRef idx="1">
+                <a:schemeClr val="accent1"/>
+              </a:effectRef>
+              <a:fontRef idx="minor">
+                <a:schemeClr val="lt1"/>
+              </a:fontRef>
+            </p:style>
+            <p:txBody>
+              <a:bodyPr rtlCol="0" anchor="ctr"/>
+              <a:lstStyle/>
+              <a:p>
+                <a:pPr algn="ctr"/>
+                <a:r>
+                  <a:rPr lang="en-GB" dirty="0"/>
+                  <a:t>Business functions 2</a:t>
+                </a:r>
+                <a:endParaRPr lang="pt-PT" dirty="0"/>
+              </a:p>
+            </p:txBody>
+          </p:sp>
+        </p:grpSp>
         <p:sp>
           <p:nvSpPr>
-            <p:cNvPr id="14" name="Rectangle: Rounded Corners 13">
+            <p:cNvPr id="17" name="Rectangle: Rounded Corners 16">
               <a:extLst>
                 <a:ext uri="{FF2B5EF4-FFF2-40B4-BE49-F238E27FC236}">
-                  <a16:creationId xmlns:a16="http://schemas.microsoft.com/office/drawing/2014/main" id="{556E96C9-5E90-4E7B-8C89-64E28643FBA6}"/>
+                  <a16:creationId xmlns:a16="http://schemas.microsoft.com/office/drawing/2014/main" id="{4F392926-A64A-4E9F-AA83-453A79A2C39C}"/>
                 </a:ext>
               </a:extLst>
             </p:cNvPr>
@@ -4112,12 +5844,15 @@
           </p:nvSpPr>
           <p:spPr>
             <a:xfrm>
-              <a:off x="6837027" y="4504765"/>
-              <a:ext cx="1667658" cy="629297"/>
+              <a:off x="721453" y="4281541"/>
+              <a:ext cx="1426129" cy="321418"/>
             </a:xfrm>
             <a:prstGeom prst="roundRect">
               <a:avLst/>
             </a:prstGeom>
+            <a:solidFill>
+              <a:srgbClr val="002060"/>
+            </a:solidFill>
           </p:spPr>
           <p:style>
             <a:lnRef idx="3">
@@ -4140,7 +5875,7 @@
               <a:pPr algn="ctr"/>
               <a:r>
                 <a:rPr lang="en-GB" dirty="0"/>
-                <a:t>Business functions 1</a:t>
+                <a:t>Repository 1</a:t>
               </a:r>
               <a:endParaRPr lang="pt-PT" dirty="0"/>
             </a:p>
@@ -4148,10 +5883,10 @@
         </p:sp>
         <p:sp>
           <p:nvSpPr>
-            <p:cNvPr id="15" name="Rectangle: Rounded Corners 14">
+            <p:cNvPr id="19" name="Rectangle: Rounded Corners 18">
               <a:extLst>
                 <a:ext uri="{FF2B5EF4-FFF2-40B4-BE49-F238E27FC236}">
-                  <a16:creationId xmlns:a16="http://schemas.microsoft.com/office/drawing/2014/main" id="{AD2304A7-A22E-46A1-8D61-6629A9CA3835}"/>
+                  <a16:creationId xmlns:a16="http://schemas.microsoft.com/office/drawing/2014/main" id="{7F964E17-B79B-4714-A505-2FD8B456AEF3}"/>
                 </a:ext>
               </a:extLst>
             </p:cNvPr>
@@ -4160,12 +5895,15 @@
           </p:nvSpPr>
           <p:spPr>
             <a:xfrm>
-              <a:off x="9756396" y="4504765"/>
-              <a:ext cx="1597403" cy="629297"/>
+              <a:off x="1830198" y="4750128"/>
+              <a:ext cx="1426129" cy="321418"/>
             </a:xfrm>
             <a:prstGeom prst="roundRect">
               <a:avLst/>
             </a:prstGeom>
+            <a:solidFill>
+              <a:srgbClr val="002060"/>
+            </a:solidFill>
           </p:spPr>
           <p:style>
             <a:lnRef idx="3">
@@ -4188,824 +5926,746 @@
               <a:pPr algn="ctr"/>
               <a:r>
                 <a:rPr lang="en-GB" dirty="0"/>
-                <a:t>Business functions 2</a:t>
+                <a:t>Repository 2</a:t>
               </a:r>
               <a:endParaRPr lang="pt-PT" dirty="0"/>
             </a:p>
           </p:txBody>
         </p:sp>
+        <p:sp>
+          <p:nvSpPr>
+            <p:cNvPr id="20" name="Rectangle: Rounded Corners 19">
+              <a:extLst>
+                <a:ext uri="{FF2B5EF4-FFF2-40B4-BE49-F238E27FC236}">
+                  <a16:creationId xmlns:a16="http://schemas.microsoft.com/office/drawing/2014/main" id="{D6EDD91B-BFAE-4B6D-A7DD-245CCB392CF8}"/>
+                </a:ext>
+              </a:extLst>
+            </p:cNvPr>
+            <p:cNvSpPr/>
+            <p:nvPr/>
+          </p:nvSpPr>
+          <p:spPr>
+            <a:xfrm>
+              <a:off x="2818700" y="4281541"/>
+              <a:ext cx="1426129" cy="321418"/>
+            </a:xfrm>
+            <a:prstGeom prst="roundRect">
+              <a:avLst/>
+            </a:prstGeom>
+            <a:solidFill>
+              <a:srgbClr val="002060"/>
+            </a:solidFill>
+          </p:spPr>
+          <p:style>
+            <a:lnRef idx="3">
+              <a:schemeClr val="lt1"/>
+            </a:lnRef>
+            <a:fillRef idx="1">
+              <a:schemeClr val="accent1"/>
+            </a:fillRef>
+            <a:effectRef idx="1">
+              <a:schemeClr val="accent1"/>
+            </a:effectRef>
+            <a:fontRef idx="minor">
+              <a:schemeClr val="lt1"/>
+            </a:fontRef>
+          </p:style>
+          <p:txBody>
+            <a:bodyPr rtlCol="0" anchor="ctr"/>
+            <a:lstStyle/>
+            <a:p>
+              <a:pPr algn="ctr"/>
+              <a:r>
+                <a:rPr lang="en-GB" dirty="0"/>
+                <a:t>Repository 3</a:t>
+              </a:r>
+              <a:endParaRPr lang="pt-PT" dirty="0"/>
+            </a:p>
+          </p:txBody>
+        </p:sp>
+        <p:sp>
+          <p:nvSpPr>
+            <p:cNvPr id="21" name="Rectangle: Rounded Corners 20">
+              <a:extLst>
+                <a:ext uri="{FF2B5EF4-FFF2-40B4-BE49-F238E27FC236}">
+                  <a16:creationId xmlns:a16="http://schemas.microsoft.com/office/drawing/2014/main" id="{95A9FFC2-B0AB-4364-AE95-E48FF93FA02B}"/>
+                </a:ext>
+              </a:extLst>
+            </p:cNvPr>
+            <p:cNvSpPr/>
+            <p:nvPr/>
+          </p:nvSpPr>
+          <p:spPr>
+            <a:xfrm>
+              <a:off x="3844954" y="4750128"/>
+              <a:ext cx="1426129" cy="321418"/>
+            </a:xfrm>
+            <a:prstGeom prst="roundRect">
+              <a:avLst/>
+            </a:prstGeom>
+            <a:solidFill>
+              <a:srgbClr val="002060"/>
+            </a:solidFill>
+          </p:spPr>
+          <p:style>
+            <a:lnRef idx="3">
+              <a:schemeClr val="lt1"/>
+            </a:lnRef>
+            <a:fillRef idx="1">
+              <a:schemeClr val="accent1"/>
+            </a:fillRef>
+            <a:effectRef idx="1">
+              <a:schemeClr val="accent1"/>
+            </a:effectRef>
+            <a:fontRef idx="minor">
+              <a:schemeClr val="lt1"/>
+            </a:fontRef>
+          </p:style>
+          <p:txBody>
+            <a:bodyPr rtlCol="0" anchor="ctr"/>
+            <a:lstStyle/>
+            <a:p>
+              <a:pPr algn="ctr"/>
+              <a:r>
+                <a:rPr lang="en-GB" dirty="0"/>
+                <a:t>Repository 4</a:t>
+              </a:r>
+              <a:endParaRPr lang="pt-PT" dirty="0"/>
+            </a:p>
+          </p:txBody>
+        </p:sp>
+        <p:sp>
+          <p:nvSpPr>
+            <p:cNvPr id="22" name="Rectangle: Rounded Corners 21">
+              <a:extLst>
+                <a:ext uri="{FF2B5EF4-FFF2-40B4-BE49-F238E27FC236}">
+                  <a16:creationId xmlns:a16="http://schemas.microsoft.com/office/drawing/2014/main" id="{F826AC76-2371-459B-99A0-B50E0FF895BC}"/>
+                </a:ext>
+              </a:extLst>
+            </p:cNvPr>
+            <p:cNvSpPr/>
+            <p:nvPr/>
+          </p:nvSpPr>
+          <p:spPr>
+            <a:xfrm>
+              <a:off x="563461" y="5350060"/>
+              <a:ext cx="1426129" cy="321418"/>
+            </a:xfrm>
+            <a:prstGeom prst="roundRect">
+              <a:avLst/>
+            </a:prstGeom>
+            <a:solidFill>
+              <a:schemeClr val="accent6"/>
+            </a:solidFill>
+          </p:spPr>
+          <p:style>
+            <a:lnRef idx="3">
+              <a:schemeClr val="lt1"/>
+            </a:lnRef>
+            <a:fillRef idx="1">
+              <a:schemeClr val="accent1"/>
+            </a:fillRef>
+            <a:effectRef idx="1">
+              <a:schemeClr val="accent1"/>
+            </a:effectRef>
+            <a:fontRef idx="minor">
+              <a:schemeClr val="lt1"/>
+            </a:fontRef>
+          </p:style>
+          <p:txBody>
+            <a:bodyPr rtlCol="0" anchor="ctr"/>
+            <a:lstStyle/>
+            <a:p>
+              <a:pPr algn="ctr"/>
+              <a:r>
+                <a:rPr lang="en-GB" dirty="0"/>
+                <a:t>Entity 1</a:t>
+              </a:r>
+              <a:endParaRPr lang="pt-PT" dirty="0"/>
+            </a:p>
+          </p:txBody>
+        </p:sp>
+        <p:sp>
+          <p:nvSpPr>
+            <p:cNvPr id="23" name="Rectangle: Rounded Corners 22">
+              <a:extLst>
+                <a:ext uri="{FF2B5EF4-FFF2-40B4-BE49-F238E27FC236}">
+                  <a16:creationId xmlns:a16="http://schemas.microsoft.com/office/drawing/2014/main" id="{49677FBB-158D-4D6B-8F29-980AA0D566AB}"/>
+                </a:ext>
+              </a:extLst>
+            </p:cNvPr>
+            <p:cNvSpPr/>
+            <p:nvPr/>
+          </p:nvSpPr>
+          <p:spPr>
+            <a:xfrm>
+              <a:off x="1830197" y="5801753"/>
+              <a:ext cx="1426129" cy="321418"/>
+            </a:xfrm>
+            <a:prstGeom prst="roundRect">
+              <a:avLst/>
+            </a:prstGeom>
+            <a:solidFill>
+              <a:schemeClr val="accent6"/>
+            </a:solidFill>
+          </p:spPr>
+          <p:style>
+            <a:lnRef idx="3">
+              <a:schemeClr val="lt1"/>
+            </a:lnRef>
+            <a:fillRef idx="1">
+              <a:schemeClr val="accent1"/>
+            </a:fillRef>
+            <a:effectRef idx="1">
+              <a:schemeClr val="accent1"/>
+            </a:effectRef>
+            <a:fontRef idx="minor">
+              <a:schemeClr val="lt1"/>
+            </a:fontRef>
+          </p:style>
+          <p:txBody>
+            <a:bodyPr rtlCol="0" anchor="ctr"/>
+            <a:lstStyle/>
+            <a:p>
+              <a:pPr algn="ctr"/>
+              <a:r>
+                <a:rPr lang="en-GB" dirty="0"/>
+                <a:t>Entity 2</a:t>
+              </a:r>
+              <a:endParaRPr lang="pt-PT" dirty="0"/>
+            </a:p>
+          </p:txBody>
+        </p:sp>
+        <p:sp>
+          <p:nvSpPr>
+            <p:cNvPr id="24" name="Rectangle: Rounded Corners 23">
+              <a:extLst>
+                <a:ext uri="{FF2B5EF4-FFF2-40B4-BE49-F238E27FC236}">
+                  <a16:creationId xmlns:a16="http://schemas.microsoft.com/office/drawing/2014/main" id="{DD32D5A8-454D-4C22-8D63-65D9771A2F19}"/>
+                </a:ext>
+              </a:extLst>
+            </p:cNvPr>
+            <p:cNvSpPr/>
+            <p:nvPr/>
+          </p:nvSpPr>
+          <p:spPr>
+            <a:xfrm>
+              <a:off x="2818700" y="5346467"/>
+              <a:ext cx="1426129" cy="321418"/>
+            </a:xfrm>
+            <a:prstGeom prst="roundRect">
+              <a:avLst/>
+            </a:prstGeom>
+            <a:solidFill>
+              <a:schemeClr val="accent6"/>
+            </a:solidFill>
+          </p:spPr>
+          <p:style>
+            <a:lnRef idx="3">
+              <a:schemeClr val="lt1"/>
+            </a:lnRef>
+            <a:fillRef idx="1">
+              <a:schemeClr val="accent1"/>
+            </a:fillRef>
+            <a:effectRef idx="1">
+              <a:schemeClr val="accent1"/>
+            </a:effectRef>
+            <a:fontRef idx="minor">
+              <a:schemeClr val="lt1"/>
+            </a:fontRef>
+          </p:style>
+          <p:txBody>
+            <a:bodyPr rtlCol="0" anchor="ctr"/>
+            <a:lstStyle/>
+            <a:p>
+              <a:pPr algn="ctr"/>
+              <a:r>
+                <a:rPr lang="en-GB" dirty="0"/>
+                <a:t>Entity 3</a:t>
+              </a:r>
+              <a:endParaRPr lang="pt-PT" dirty="0"/>
+            </a:p>
+          </p:txBody>
+        </p:sp>
+        <p:sp>
+          <p:nvSpPr>
+            <p:cNvPr id="25" name="Rectangle: Rounded Corners 24">
+              <a:extLst>
+                <a:ext uri="{FF2B5EF4-FFF2-40B4-BE49-F238E27FC236}">
+                  <a16:creationId xmlns:a16="http://schemas.microsoft.com/office/drawing/2014/main" id="{9C76C76B-7F04-4299-9F75-134604B60322}"/>
+                </a:ext>
+              </a:extLst>
+            </p:cNvPr>
+            <p:cNvSpPr/>
+            <p:nvPr/>
+          </p:nvSpPr>
+          <p:spPr>
+            <a:xfrm>
+              <a:off x="3844954" y="5789283"/>
+              <a:ext cx="1426129" cy="321418"/>
+            </a:xfrm>
+            <a:prstGeom prst="roundRect">
+              <a:avLst/>
+            </a:prstGeom>
+            <a:solidFill>
+              <a:schemeClr val="accent6"/>
+            </a:solidFill>
+          </p:spPr>
+          <p:style>
+            <a:lnRef idx="3">
+              <a:schemeClr val="lt1"/>
+            </a:lnRef>
+            <a:fillRef idx="1">
+              <a:schemeClr val="accent1"/>
+            </a:fillRef>
+            <a:effectRef idx="1">
+              <a:schemeClr val="accent1"/>
+            </a:effectRef>
+            <a:fontRef idx="minor">
+              <a:schemeClr val="lt1"/>
+            </a:fontRef>
+          </p:style>
+          <p:txBody>
+            <a:bodyPr rtlCol="0" anchor="ctr"/>
+            <a:lstStyle/>
+            <a:p>
+              <a:pPr algn="ctr"/>
+              <a:r>
+                <a:rPr lang="en-GB" dirty="0"/>
+                <a:t>Entity 4</a:t>
+              </a:r>
+              <a:endParaRPr lang="pt-PT" dirty="0"/>
+            </a:p>
+          </p:txBody>
+        </p:sp>
+        <p:cxnSp>
+          <p:nvCxnSpPr>
+            <p:cNvPr id="26" name="Straight Connector 25">
+              <a:extLst>
+                <a:ext uri="{FF2B5EF4-FFF2-40B4-BE49-F238E27FC236}">
+                  <a16:creationId xmlns:a16="http://schemas.microsoft.com/office/drawing/2014/main" id="{A7609643-10B3-4C7F-82E2-F81FEF21ED70}"/>
+                </a:ext>
+              </a:extLst>
+            </p:cNvPr>
+            <p:cNvCxnSpPr>
+              <a:cxnSpLocks/>
+              <a:stCxn id="17" idx="2"/>
+              <a:endCxn id="22" idx="0"/>
+            </p:cNvCxnSpPr>
+            <p:nvPr/>
+          </p:nvCxnSpPr>
+          <p:spPr>
+            <a:xfrm flipH="1">
+              <a:off x="1276526" y="4602959"/>
+              <a:ext cx="157992" cy="747101"/>
+            </a:xfrm>
+            <a:prstGeom prst="line">
+              <a:avLst/>
+            </a:prstGeom>
+          </p:spPr>
+          <p:style>
+            <a:lnRef idx="1">
+              <a:schemeClr val="accent1"/>
+            </a:lnRef>
+            <a:fillRef idx="0">
+              <a:schemeClr val="accent1"/>
+            </a:fillRef>
+            <a:effectRef idx="0">
+              <a:schemeClr val="accent1"/>
+            </a:effectRef>
+            <a:fontRef idx="minor">
+              <a:schemeClr val="tx1"/>
+            </a:fontRef>
+          </p:style>
+        </p:cxnSp>
+        <p:cxnSp>
+          <p:nvCxnSpPr>
+            <p:cNvPr id="29" name="Straight Connector 28">
+              <a:extLst>
+                <a:ext uri="{FF2B5EF4-FFF2-40B4-BE49-F238E27FC236}">
+                  <a16:creationId xmlns:a16="http://schemas.microsoft.com/office/drawing/2014/main" id="{6D1312A5-2273-4A46-AF68-9A4AADBA5E06}"/>
+                </a:ext>
+              </a:extLst>
+            </p:cNvPr>
+            <p:cNvCxnSpPr>
+              <a:cxnSpLocks/>
+            </p:cNvCxnSpPr>
+            <p:nvPr/>
+          </p:nvCxnSpPr>
+          <p:spPr>
+            <a:xfrm>
+              <a:off x="1434518" y="4602959"/>
+              <a:ext cx="864065" cy="1186324"/>
+            </a:xfrm>
+            <a:prstGeom prst="line">
+              <a:avLst/>
+            </a:prstGeom>
+          </p:spPr>
+          <p:style>
+            <a:lnRef idx="1">
+              <a:schemeClr val="accent1"/>
+            </a:lnRef>
+            <a:fillRef idx="0">
+              <a:schemeClr val="accent1"/>
+            </a:fillRef>
+            <a:effectRef idx="0">
+              <a:schemeClr val="accent1"/>
+            </a:effectRef>
+            <a:fontRef idx="minor">
+              <a:schemeClr val="tx1"/>
+            </a:fontRef>
+          </p:style>
+        </p:cxnSp>
+        <p:cxnSp>
+          <p:nvCxnSpPr>
+            <p:cNvPr id="33" name="Straight Connector 32">
+              <a:extLst>
+                <a:ext uri="{FF2B5EF4-FFF2-40B4-BE49-F238E27FC236}">
+                  <a16:creationId xmlns:a16="http://schemas.microsoft.com/office/drawing/2014/main" id="{541037F9-0C3F-4242-985D-E6811BB60BF0}"/>
+                </a:ext>
+              </a:extLst>
+            </p:cNvPr>
+            <p:cNvCxnSpPr>
+              <a:cxnSpLocks/>
+              <a:stCxn id="19" idx="2"/>
+              <a:endCxn id="23" idx="0"/>
+            </p:cNvCxnSpPr>
+            <p:nvPr/>
+          </p:nvCxnSpPr>
+          <p:spPr>
+            <a:xfrm flipH="1">
+              <a:off x="2543262" y="5071546"/>
+              <a:ext cx="1" cy="730207"/>
+            </a:xfrm>
+            <a:prstGeom prst="line">
+              <a:avLst/>
+            </a:prstGeom>
+          </p:spPr>
+          <p:style>
+            <a:lnRef idx="1">
+              <a:schemeClr val="accent1"/>
+            </a:lnRef>
+            <a:fillRef idx="0">
+              <a:schemeClr val="accent1"/>
+            </a:fillRef>
+            <a:effectRef idx="0">
+              <a:schemeClr val="accent1"/>
+            </a:effectRef>
+            <a:fontRef idx="minor">
+              <a:schemeClr val="tx1"/>
+            </a:fontRef>
+          </p:style>
+        </p:cxnSp>
+        <p:cxnSp>
+          <p:nvCxnSpPr>
+            <p:cNvPr id="36" name="Straight Connector 35">
+              <a:extLst>
+                <a:ext uri="{FF2B5EF4-FFF2-40B4-BE49-F238E27FC236}">
+                  <a16:creationId xmlns:a16="http://schemas.microsoft.com/office/drawing/2014/main" id="{E52C6E63-343A-4ECF-A2C1-2F3D2A251A2E}"/>
+                </a:ext>
+              </a:extLst>
+            </p:cNvPr>
+            <p:cNvCxnSpPr>
+              <a:cxnSpLocks/>
+              <a:endCxn id="24" idx="0"/>
+            </p:cNvCxnSpPr>
+            <p:nvPr/>
+          </p:nvCxnSpPr>
+          <p:spPr>
+            <a:xfrm>
+              <a:off x="3531765" y="4602959"/>
+              <a:ext cx="0" cy="743508"/>
+            </a:xfrm>
+            <a:prstGeom prst="line">
+              <a:avLst/>
+            </a:prstGeom>
+          </p:spPr>
+          <p:style>
+            <a:lnRef idx="1">
+              <a:schemeClr val="accent1"/>
+            </a:lnRef>
+            <a:fillRef idx="0">
+              <a:schemeClr val="accent1"/>
+            </a:fillRef>
+            <a:effectRef idx="0">
+              <a:schemeClr val="accent1"/>
+            </a:effectRef>
+            <a:fontRef idx="minor">
+              <a:schemeClr val="tx1"/>
+            </a:fontRef>
+          </p:style>
+        </p:cxnSp>
+        <p:cxnSp>
+          <p:nvCxnSpPr>
+            <p:cNvPr id="39" name="Straight Connector 38">
+              <a:extLst>
+                <a:ext uri="{FF2B5EF4-FFF2-40B4-BE49-F238E27FC236}">
+                  <a16:creationId xmlns:a16="http://schemas.microsoft.com/office/drawing/2014/main" id="{3DC34A6B-7745-441F-9DEB-0188BD7F98DC}"/>
+                </a:ext>
+              </a:extLst>
+            </p:cNvPr>
+            <p:cNvCxnSpPr>
+              <a:cxnSpLocks/>
+              <a:stCxn id="21" idx="2"/>
+              <a:endCxn id="25" idx="0"/>
+            </p:cNvCxnSpPr>
+            <p:nvPr/>
+          </p:nvCxnSpPr>
+          <p:spPr>
+            <a:xfrm>
+              <a:off x="4558019" y="5071546"/>
+              <a:ext cx="0" cy="717737"/>
+            </a:xfrm>
+            <a:prstGeom prst="line">
+              <a:avLst/>
+            </a:prstGeom>
+          </p:spPr>
+          <p:style>
+            <a:lnRef idx="1">
+              <a:schemeClr val="accent1"/>
+            </a:lnRef>
+            <a:fillRef idx="0">
+              <a:schemeClr val="accent1"/>
+            </a:fillRef>
+            <a:effectRef idx="0">
+              <a:schemeClr val="accent1"/>
+            </a:effectRef>
+            <a:fontRef idx="minor">
+              <a:schemeClr val="tx1"/>
+            </a:fontRef>
+          </p:style>
+        </p:cxnSp>
+        <p:cxnSp>
+          <p:nvCxnSpPr>
+            <p:cNvPr id="42" name="Straight Arrow Connector 41">
+              <a:extLst>
+                <a:ext uri="{FF2B5EF4-FFF2-40B4-BE49-F238E27FC236}">
+                  <a16:creationId xmlns:a16="http://schemas.microsoft.com/office/drawing/2014/main" id="{241E6973-2E28-4098-AE82-35A97555F7DF}"/>
+                </a:ext>
+              </a:extLst>
+            </p:cNvPr>
+            <p:cNvCxnSpPr>
+              <a:cxnSpLocks/>
+              <a:stCxn id="14" idx="2"/>
+              <a:endCxn id="17" idx="0"/>
+            </p:cNvCxnSpPr>
+            <p:nvPr/>
+          </p:nvCxnSpPr>
+          <p:spPr>
+            <a:xfrm flipH="1">
+              <a:off x="1434518" y="2866559"/>
+              <a:ext cx="11707" cy="1414982"/>
+            </a:xfrm>
+            <a:prstGeom prst="straightConnector1">
+              <a:avLst/>
+            </a:prstGeom>
+            <a:ln>
+              <a:solidFill>
+                <a:schemeClr val="tx1"/>
+              </a:solidFill>
+              <a:tailEnd type="triangle"/>
+            </a:ln>
+          </p:spPr>
+          <p:style>
+            <a:lnRef idx="1">
+              <a:schemeClr val="accent1"/>
+            </a:lnRef>
+            <a:fillRef idx="0">
+              <a:schemeClr val="accent1"/>
+            </a:fillRef>
+            <a:effectRef idx="0">
+              <a:schemeClr val="accent1"/>
+            </a:effectRef>
+            <a:fontRef idx="minor">
+              <a:schemeClr val="tx1"/>
+            </a:fontRef>
+          </p:style>
+        </p:cxnSp>
+        <p:cxnSp>
+          <p:nvCxnSpPr>
+            <p:cNvPr id="46" name="Straight Arrow Connector 45">
+              <a:extLst>
+                <a:ext uri="{FF2B5EF4-FFF2-40B4-BE49-F238E27FC236}">
+                  <a16:creationId xmlns:a16="http://schemas.microsoft.com/office/drawing/2014/main" id="{6B527F3E-3E51-4F15-89EA-639D808A2704}"/>
+                </a:ext>
+              </a:extLst>
+            </p:cNvPr>
+            <p:cNvCxnSpPr>
+              <a:cxnSpLocks/>
+              <a:stCxn id="15" idx="2"/>
+              <a:endCxn id="17" idx="0"/>
+            </p:cNvCxnSpPr>
+            <p:nvPr/>
+          </p:nvCxnSpPr>
+          <p:spPr>
+            <a:xfrm flipH="1">
+              <a:off x="1434518" y="2866559"/>
+              <a:ext cx="2895949" cy="1414982"/>
+            </a:xfrm>
+            <a:prstGeom prst="straightConnector1">
+              <a:avLst/>
+            </a:prstGeom>
+            <a:ln>
+              <a:solidFill>
+                <a:schemeClr val="tx1"/>
+              </a:solidFill>
+              <a:tailEnd type="triangle"/>
+            </a:ln>
+          </p:spPr>
+          <p:style>
+            <a:lnRef idx="1">
+              <a:schemeClr val="accent1"/>
+            </a:lnRef>
+            <a:fillRef idx="0">
+              <a:schemeClr val="accent1"/>
+            </a:fillRef>
+            <a:effectRef idx="0">
+              <a:schemeClr val="accent1"/>
+            </a:effectRef>
+            <a:fontRef idx="minor">
+              <a:schemeClr val="tx1"/>
+            </a:fontRef>
+          </p:style>
+        </p:cxnSp>
+        <p:cxnSp>
+          <p:nvCxnSpPr>
+            <p:cNvPr id="48" name="Straight Arrow Connector 47">
+              <a:extLst>
+                <a:ext uri="{FF2B5EF4-FFF2-40B4-BE49-F238E27FC236}">
+                  <a16:creationId xmlns:a16="http://schemas.microsoft.com/office/drawing/2014/main" id="{9918E5B3-2D49-42DB-83EC-8F76CCA105CA}"/>
+                </a:ext>
+              </a:extLst>
+            </p:cNvPr>
+            <p:cNvCxnSpPr>
+              <a:cxnSpLocks/>
+              <a:stCxn id="14" idx="2"/>
+              <a:endCxn id="19" idx="0"/>
+            </p:cNvCxnSpPr>
+            <p:nvPr/>
+          </p:nvCxnSpPr>
+          <p:spPr>
+            <a:xfrm>
+              <a:off x="1446225" y="2866559"/>
+              <a:ext cx="1097038" cy="1883569"/>
+            </a:xfrm>
+            <a:prstGeom prst="straightConnector1">
+              <a:avLst/>
+            </a:prstGeom>
+            <a:ln>
+              <a:solidFill>
+                <a:schemeClr val="tx1"/>
+              </a:solidFill>
+              <a:tailEnd type="triangle"/>
+            </a:ln>
+          </p:spPr>
+          <p:style>
+            <a:lnRef idx="1">
+              <a:schemeClr val="accent1"/>
+            </a:lnRef>
+            <a:fillRef idx="0">
+              <a:schemeClr val="accent1"/>
+            </a:fillRef>
+            <a:effectRef idx="0">
+              <a:schemeClr val="accent1"/>
+            </a:effectRef>
+            <a:fontRef idx="minor">
+              <a:schemeClr val="tx1"/>
+            </a:fontRef>
+          </p:style>
+        </p:cxnSp>
+        <p:cxnSp>
+          <p:nvCxnSpPr>
+            <p:cNvPr id="52" name="Straight Arrow Connector 51">
+              <a:extLst>
+                <a:ext uri="{FF2B5EF4-FFF2-40B4-BE49-F238E27FC236}">
+                  <a16:creationId xmlns:a16="http://schemas.microsoft.com/office/drawing/2014/main" id="{7FFD55BB-6A49-41D0-84FC-3522291D0852}"/>
+                </a:ext>
+              </a:extLst>
+            </p:cNvPr>
+            <p:cNvCxnSpPr>
+              <a:cxnSpLocks/>
+              <a:stCxn id="15" idx="2"/>
+              <a:endCxn id="21" idx="0"/>
+            </p:cNvCxnSpPr>
+            <p:nvPr/>
+          </p:nvCxnSpPr>
+          <p:spPr>
+            <a:xfrm>
+              <a:off x="4330467" y="2866559"/>
+              <a:ext cx="227552" cy="1883569"/>
+            </a:xfrm>
+            <a:prstGeom prst="straightConnector1">
+              <a:avLst/>
+            </a:prstGeom>
+            <a:ln>
+              <a:solidFill>
+                <a:schemeClr val="tx1"/>
+              </a:solidFill>
+              <a:tailEnd type="triangle"/>
+            </a:ln>
+          </p:spPr>
+          <p:style>
+            <a:lnRef idx="1">
+              <a:schemeClr val="accent1"/>
+            </a:lnRef>
+            <a:fillRef idx="0">
+              <a:schemeClr val="accent1"/>
+            </a:fillRef>
+            <a:effectRef idx="0">
+              <a:schemeClr val="accent1"/>
+            </a:effectRef>
+            <a:fontRef idx="minor">
+              <a:schemeClr val="tx1"/>
+            </a:fontRef>
+          </p:style>
+        </p:cxnSp>
+        <p:cxnSp>
+          <p:nvCxnSpPr>
+            <p:cNvPr id="56" name="Straight Arrow Connector 55">
+              <a:extLst>
+                <a:ext uri="{FF2B5EF4-FFF2-40B4-BE49-F238E27FC236}">
+                  <a16:creationId xmlns:a16="http://schemas.microsoft.com/office/drawing/2014/main" id="{FB6596D5-A873-4952-AB98-3E00AD13F846}"/>
+                </a:ext>
+              </a:extLst>
+            </p:cNvPr>
+            <p:cNvCxnSpPr>
+              <a:cxnSpLocks/>
+              <a:stCxn id="15" idx="2"/>
+              <a:endCxn id="20" idx="0"/>
+            </p:cNvCxnSpPr>
+            <p:nvPr/>
+          </p:nvCxnSpPr>
+          <p:spPr>
+            <a:xfrm flipH="1">
+              <a:off x="3531765" y="2866559"/>
+              <a:ext cx="798702" cy="1414982"/>
+            </a:xfrm>
+            <a:prstGeom prst="straightConnector1">
+              <a:avLst/>
+            </a:prstGeom>
+            <a:ln>
+              <a:solidFill>
+                <a:schemeClr val="tx1"/>
+              </a:solidFill>
+              <a:tailEnd type="triangle"/>
+            </a:ln>
+          </p:spPr>
+          <p:style>
+            <a:lnRef idx="1">
+              <a:schemeClr val="accent1"/>
+            </a:lnRef>
+            <a:fillRef idx="0">
+              <a:schemeClr val="accent1"/>
+            </a:fillRef>
+            <a:effectRef idx="0">
+              <a:schemeClr val="accent1"/>
+            </a:effectRef>
+            <a:fontRef idx="minor">
+              <a:schemeClr val="tx1"/>
+            </a:fontRef>
+          </p:style>
+        </p:cxnSp>
       </p:grpSp>
-      <p:sp>
-        <p:nvSpPr>
-          <p:cNvPr id="17" name="Rectangle: Rounded Corners 16">
-            <a:extLst>
-              <a:ext uri="{FF2B5EF4-FFF2-40B4-BE49-F238E27FC236}">
-                <a16:creationId xmlns:a16="http://schemas.microsoft.com/office/drawing/2014/main" id="{4F392926-A64A-4E9F-AA83-453A79A2C39C}"/>
-              </a:ext>
-            </a:extLst>
-          </p:cNvPr>
-          <p:cNvSpPr/>
-          <p:nvPr/>
-        </p:nvSpPr>
-        <p:spPr>
-          <a:xfrm>
-            <a:off x="721453" y="4281541"/>
-            <a:ext cx="1426129" cy="321418"/>
-          </a:xfrm>
-          <a:prstGeom prst="roundRect">
-            <a:avLst/>
-          </a:prstGeom>
-        </p:spPr>
-        <p:style>
-          <a:lnRef idx="3">
-            <a:schemeClr val="lt1"/>
-          </a:lnRef>
-          <a:fillRef idx="1">
-            <a:schemeClr val="accent1"/>
-          </a:fillRef>
-          <a:effectRef idx="1">
-            <a:schemeClr val="accent1"/>
-          </a:effectRef>
-          <a:fontRef idx="minor">
-            <a:schemeClr val="lt1"/>
-          </a:fontRef>
-        </p:style>
-        <p:txBody>
-          <a:bodyPr rtlCol="0" anchor="ctr"/>
-          <a:lstStyle/>
-          <a:p>
-            <a:pPr algn="ctr"/>
-            <a:r>
-              <a:rPr lang="en-GB" dirty="0"/>
-              <a:t>Repository 1</a:t>
-            </a:r>
-            <a:endParaRPr lang="pt-PT" dirty="0"/>
-          </a:p>
-        </p:txBody>
-      </p:sp>
-      <p:sp>
-        <p:nvSpPr>
-          <p:cNvPr id="19" name="Rectangle: Rounded Corners 18">
-            <a:extLst>
-              <a:ext uri="{FF2B5EF4-FFF2-40B4-BE49-F238E27FC236}">
-                <a16:creationId xmlns:a16="http://schemas.microsoft.com/office/drawing/2014/main" id="{7F964E17-B79B-4714-A505-2FD8B456AEF3}"/>
-              </a:ext>
-            </a:extLst>
-          </p:cNvPr>
-          <p:cNvSpPr/>
-          <p:nvPr/>
-        </p:nvSpPr>
-        <p:spPr>
-          <a:xfrm>
-            <a:off x="1830198" y="4750128"/>
-            <a:ext cx="1426129" cy="321418"/>
-          </a:xfrm>
-          <a:prstGeom prst="roundRect">
-            <a:avLst/>
-          </a:prstGeom>
-        </p:spPr>
-        <p:style>
-          <a:lnRef idx="3">
-            <a:schemeClr val="lt1"/>
-          </a:lnRef>
-          <a:fillRef idx="1">
-            <a:schemeClr val="accent1"/>
-          </a:fillRef>
-          <a:effectRef idx="1">
-            <a:schemeClr val="accent1"/>
-          </a:effectRef>
-          <a:fontRef idx="minor">
-            <a:schemeClr val="lt1"/>
-          </a:fontRef>
-        </p:style>
-        <p:txBody>
-          <a:bodyPr rtlCol="0" anchor="ctr"/>
-          <a:lstStyle/>
-          <a:p>
-            <a:pPr algn="ctr"/>
-            <a:r>
-              <a:rPr lang="en-GB" dirty="0"/>
-              <a:t>Repository 2</a:t>
-            </a:r>
-            <a:endParaRPr lang="pt-PT" dirty="0"/>
-          </a:p>
-        </p:txBody>
-      </p:sp>
-      <p:sp>
-        <p:nvSpPr>
-          <p:cNvPr id="20" name="Rectangle: Rounded Corners 19">
-            <a:extLst>
-              <a:ext uri="{FF2B5EF4-FFF2-40B4-BE49-F238E27FC236}">
-                <a16:creationId xmlns:a16="http://schemas.microsoft.com/office/drawing/2014/main" id="{D6EDD91B-BFAE-4B6D-A7DD-245CCB392CF8}"/>
-              </a:ext>
-            </a:extLst>
-          </p:cNvPr>
-          <p:cNvSpPr/>
-          <p:nvPr/>
-        </p:nvSpPr>
-        <p:spPr>
-          <a:xfrm>
-            <a:off x="2818700" y="4281541"/>
-            <a:ext cx="1426129" cy="321418"/>
-          </a:xfrm>
-          <a:prstGeom prst="roundRect">
-            <a:avLst/>
-          </a:prstGeom>
-        </p:spPr>
-        <p:style>
-          <a:lnRef idx="3">
-            <a:schemeClr val="lt1"/>
-          </a:lnRef>
-          <a:fillRef idx="1">
-            <a:schemeClr val="accent1"/>
-          </a:fillRef>
-          <a:effectRef idx="1">
-            <a:schemeClr val="accent1"/>
-          </a:effectRef>
-          <a:fontRef idx="minor">
-            <a:schemeClr val="lt1"/>
-          </a:fontRef>
-        </p:style>
-        <p:txBody>
-          <a:bodyPr rtlCol="0" anchor="ctr"/>
-          <a:lstStyle/>
-          <a:p>
-            <a:pPr algn="ctr"/>
-            <a:r>
-              <a:rPr lang="en-GB" dirty="0"/>
-              <a:t>Repository 3</a:t>
-            </a:r>
-            <a:endParaRPr lang="pt-PT" dirty="0"/>
-          </a:p>
-        </p:txBody>
-      </p:sp>
-      <p:sp>
-        <p:nvSpPr>
-          <p:cNvPr id="21" name="Rectangle: Rounded Corners 20">
-            <a:extLst>
-              <a:ext uri="{FF2B5EF4-FFF2-40B4-BE49-F238E27FC236}">
-                <a16:creationId xmlns:a16="http://schemas.microsoft.com/office/drawing/2014/main" id="{95A9FFC2-B0AB-4364-AE95-E48FF93FA02B}"/>
-              </a:ext>
-            </a:extLst>
-          </p:cNvPr>
-          <p:cNvSpPr/>
-          <p:nvPr/>
-        </p:nvSpPr>
-        <p:spPr>
-          <a:xfrm>
-            <a:off x="3844954" y="4750128"/>
-            <a:ext cx="1426129" cy="321418"/>
-          </a:xfrm>
-          <a:prstGeom prst="roundRect">
-            <a:avLst/>
-          </a:prstGeom>
-        </p:spPr>
-        <p:style>
-          <a:lnRef idx="3">
-            <a:schemeClr val="lt1"/>
-          </a:lnRef>
-          <a:fillRef idx="1">
-            <a:schemeClr val="accent1"/>
-          </a:fillRef>
-          <a:effectRef idx="1">
-            <a:schemeClr val="accent1"/>
-          </a:effectRef>
-          <a:fontRef idx="minor">
-            <a:schemeClr val="lt1"/>
-          </a:fontRef>
-        </p:style>
-        <p:txBody>
-          <a:bodyPr rtlCol="0" anchor="ctr"/>
-          <a:lstStyle/>
-          <a:p>
-            <a:pPr algn="ctr"/>
-            <a:r>
-              <a:rPr lang="en-GB" dirty="0"/>
-              <a:t>Repository 4</a:t>
-            </a:r>
-            <a:endParaRPr lang="pt-PT" dirty="0"/>
-          </a:p>
-        </p:txBody>
-      </p:sp>
-      <p:sp>
-        <p:nvSpPr>
-          <p:cNvPr id="22" name="Rectangle: Rounded Corners 21">
-            <a:extLst>
-              <a:ext uri="{FF2B5EF4-FFF2-40B4-BE49-F238E27FC236}">
-                <a16:creationId xmlns:a16="http://schemas.microsoft.com/office/drawing/2014/main" id="{F826AC76-2371-459B-99A0-B50E0FF895BC}"/>
-              </a:ext>
-            </a:extLst>
-          </p:cNvPr>
-          <p:cNvSpPr/>
-          <p:nvPr/>
-        </p:nvSpPr>
-        <p:spPr>
-          <a:xfrm>
-            <a:off x="563461" y="5350060"/>
-            <a:ext cx="1426129" cy="321418"/>
-          </a:xfrm>
-          <a:prstGeom prst="roundRect">
-            <a:avLst/>
-          </a:prstGeom>
-        </p:spPr>
-        <p:style>
-          <a:lnRef idx="3">
-            <a:schemeClr val="lt1"/>
-          </a:lnRef>
-          <a:fillRef idx="1">
-            <a:schemeClr val="accent1"/>
-          </a:fillRef>
-          <a:effectRef idx="1">
-            <a:schemeClr val="accent1"/>
-          </a:effectRef>
-          <a:fontRef idx="minor">
-            <a:schemeClr val="lt1"/>
-          </a:fontRef>
-        </p:style>
-        <p:txBody>
-          <a:bodyPr rtlCol="0" anchor="ctr"/>
-          <a:lstStyle/>
-          <a:p>
-            <a:pPr algn="ctr"/>
-            <a:r>
-              <a:rPr lang="en-GB" dirty="0"/>
-              <a:t>Entity 1</a:t>
-            </a:r>
-            <a:endParaRPr lang="pt-PT" dirty="0"/>
-          </a:p>
-        </p:txBody>
-      </p:sp>
-      <p:sp>
-        <p:nvSpPr>
-          <p:cNvPr id="23" name="Rectangle: Rounded Corners 22">
-            <a:extLst>
-              <a:ext uri="{FF2B5EF4-FFF2-40B4-BE49-F238E27FC236}">
-                <a16:creationId xmlns:a16="http://schemas.microsoft.com/office/drawing/2014/main" id="{49677FBB-158D-4D6B-8F29-980AA0D566AB}"/>
-              </a:ext>
-            </a:extLst>
-          </p:cNvPr>
-          <p:cNvSpPr/>
-          <p:nvPr/>
-        </p:nvSpPr>
-        <p:spPr>
-          <a:xfrm>
-            <a:off x="1830197" y="5801753"/>
-            <a:ext cx="1426129" cy="321418"/>
-          </a:xfrm>
-          <a:prstGeom prst="roundRect">
-            <a:avLst/>
-          </a:prstGeom>
-        </p:spPr>
-        <p:style>
-          <a:lnRef idx="3">
-            <a:schemeClr val="lt1"/>
-          </a:lnRef>
-          <a:fillRef idx="1">
-            <a:schemeClr val="accent1"/>
-          </a:fillRef>
-          <a:effectRef idx="1">
-            <a:schemeClr val="accent1"/>
-          </a:effectRef>
-          <a:fontRef idx="minor">
-            <a:schemeClr val="lt1"/>
-          </a:fontRef>
-        </p:style>
-        <p:txBody>
-          <a:bodyPr rtlCol="0" anchor="ctr"/>
-          <a:lstStyle/>
-          <a:p>
-            <a:pPr algn="ctr"/>
-            <a:r>
-              <a:rPr lang="en-GB" dirty="0"/>
-              <a:t>Entity 2</a:t>
-            </a:r>
-            <a:endParaRPr lang="pt-PT" dirty="0"/>
-          </a:p>
-        </p:txBody>
-      </p:sp>
-      <p:sp>
-        <p:nvSpPr>
-          <p:cNvPr id="24" name="Rectangle: Rounded Corners 23">
-            <a:extLst>
-              <a:ext uri="{FF2B5EF4-FFF2-40B4-BE49-F238E27FC236}">
-                <a16:creationId xmlns:a16="http://schemas.microsoft.com/office/drawing/2014/main" id="{DD32D5A8-454D-4C22-8D63-65D9771A2F19}"/>
-              </a:ext>
-            </a:extLst>
-          </p:cNvPr>
-          <p:cNvSpPr/>
-          <p:nvPr/>
-        </p:nvSpPr>
-        <p:spPr>
-          <a:xfrm>
-            <a:off x="2818700" y="5346467"/>
-            <a:ext cx="1426129" cy="321418"/>
-          </a:xfrm>
-          <a:prstGeom prst="roundRect">
-            <a:avLst/>
-          </a:prstGeom>
-        </p:spPr>
-        <p:style>
-          <a:lnRef idx="3">
-            <a:schemeClr val="lt1"/>
-          </a:lnRef>
-          <a:fillRef idx="1">
-            <a:schemeClr val="accent1"/>
-          </a:fillRef>
-          <a:effectRef idx="1">
-            <a:schemeClr val="accent1"/>
-          </a:effectRef>
-          <a:fontRef idx="minor">
-            <a:schemeClr val="lt1"/>
-          </a:fontRef>
-        </p:style>
-        <p:txBody>
-          <a:bodyPr rtlCol="0" anchor="ctr"/>
-          <a:lstStyle/>
-          <a:p>
-            <a:pPr algn="ctr"/>
-            <a:r>
-              <a:rPr lang="en-GB" dirty="0"/>
-              <a:t>Entity 3</a:t>
-            </a:r>
-            <a:endParaRPr lang="pt-PT" dirty="0"/>
-          </a:p>
-        </p:txBody>
-      </p:sp>
-      <p:sp>
-        <p:nvSpPr>
-          <p:cNvPr id="25" name="Rectangle: Rounded Corners 24">
-            <a:extLst>
-              <a:ext uri="{FF2B5EF4-FFF2-40B4-BE49-F238E27FC236}">
-                <a16:creationId xmlns:a16="http://schemas.microsoft.com/office/drawing/2014/main" id="{9C76C76B-7F04-4299-9F75-134604B60322}"/>
-              </a:ext>
-            </a:extLst>
-          </p:cNvPr>
-          <p:cNvSpPr/>
-          <p:nvPr/>
-        </p:nvSpPr>
-        <p:spPr>
-          <a:xfrm>
-            <a:off x="3844954" y="5789283"/>
-            <a:ext cx="1426129" cy="321418"/>
-          </a:xfrm>
-          <a:prstGeom prst="roundRect">
-            <a:avLst/>
-          </a:prstGeom>
-        </p:spPr>
-        <p:style>
-          <a:lnRef idx="3">
-            <a:schemeClr val="lt1"/>
-          </a:lnRef>
-          <a:fillRef idx="1">
-            <a:schemeClr val="accent1"/>
-          </a:fillRef>
-          <a:effectRef idx="1">
-            <a:schemeClr val="accent1"/>
-          </a:effectRef>
-          <a:fontRef idx="minor">
-            <a:schemeClr val="lt1"/>
-          </a:fontRef>
-        </p:style>
-        <p:txBody>
-          <a:bodyPr rtlCol="0" anchor="ctr"/>
-          <a:lstStyle/>
-          <a:p>
-            <a:pPr algn="ctr"/>
-            <a:r>
-              <a:rPr lang="en-GB" dirty="0"/>
-              <a:t>Entity 4</a:t>
-            </a:r>
-            <a:endParaRPr lang="pt-PT" dirty="0"/>
-          </a:p>
-        </p:txBody>
-      </p:sp>
-      <p:cxnSp>
-        <p:nvCxnSpPr>
-          <p:cNvPr id="26" name="Straight Connector 25">
-            <a:extLst>
-              <a:ext uri="{FF2B5EF4-FFF2-40B4-BE49-F238E27FC236}">
-                <a16:creationId xmlns:a16="http://schemas.microsoft.com/office/drawing/2014/main" id="{A7609643-10B3-4C7F-82E2-F81FEF21ED70}"/>
-              </a:ext>
-            </a:extLst>
-          </p:cNvPr>
-          <p:cNvCxnSpPr>
-            <a:cxnSpLocks/>
-            <a:stCxn id="17" idx="2"/>
-            <a:endCxn id="22" idx="0"/>
-          </p:cNvCxnSpPr>
-          <p:nvPr/>
-        </p:nvCxnSpPr>
-        <p:spPr>
-          <a:xfrm flipH="1">
-            <a:off x="1276526" y="4602959"/>
-            <a:ext cx="157992" cy="747101"/>
-          </a:xfrm>
-          <a:prstGeom prst="line">
-            <a:avLst/>
-          </a:prstGeom>
-        </p:spPr>
-        <p:style>
-          <a:lnRef idx="1">
-            <a:schemeClr val="accent1"/>
-          </a:lnRef>
-          <a:fillRef idx="0">
-            <a:schemeClr val="accent1"/>
-          </a:fillRef>
-          <a:effectRef idx="0">
-            <a:schemeClr val="accent1"/>
-          </a:effectRef>
-          <a:fontRef idx="minor">
-            <a:schemeClr val="tx1"/>
-          </a:fontRef>
-        </p:style>
-      </p:cxnSp>
-      <p:cxnSp>
-        <p:nvCxnSpPr>
-          <p:cNvPr id="29" name="Straight Connector 28">
-            <a:extLst>
-              <a:ext uri="{FF2B5EF4-FFF2-40B4-BE49-F238E27FC236}">
-                <a16:creationId xmlns:a16="http://schemas.microsoft.com/office/drawing/2014/main" id="{6D1312A5-2273-4A46-AF68-9A4AADBA5E06}"/>
-              </a:ext>
-            </a:extLst>
-          </p:cNvPr>
-          <p:cNvCxnSpPr>
-            <a:cxnSpLocks/>
-          </p:cNvCxnSpPr>
-          <p:nvPr/>
-        </p:nvCxnSpPr>
-        <p:spPr>
-          <a:xfrm>
-            <a:off x="1434518" y="4602959"/>
-            <a:ext cx="864065" cy="1186324"/>
-          </a:xfrm>
-          <a:prstGeom prst="line">
-            <a:avLst/>
-          </a:prstGeom>
-        </p:spPr>
-        <p:style>
-          <a:lnRef idx="1">
-            <a:schemeClr val="accent1"/>
-          </a:lnRef>
-          <a:fillRef idx="0">
-            <a:schemeClr val="accent1"/>
-          </a:fillRef>
-          <a:effectRef idx="0">
-            <a:schemeClr val="accent1"/>
-          </a:effectRef>
-          <a:fontRef idx="minor">
-            <a:schemeClr val="tx1"/>
-          </a:fontRef>
-        </p:style>
-      </p:cxnSp>
-      <p:cxnSp>
-        <p:nvCxnSpPr>
-          <p:cNvPr id="33" name="Straight Connector 32">
-            <a:extLst>
-              <a:ext uri="{FF2B5EF4-FFF2-40B4-BE49-F238E27FC236}">
-                <a16:creationId xmlns:a16="http://schemas.microsoft.com/office/drawing/2014/main" id="{541037F9-0C3F-4242-985D-E6811BB60BF0}"/>
-              </a:ext>
-            </a:extLst>
-          </p:cNvPr>
-          <p:cNvCxnSpPr>
-            <a:cxnSpLocks/>
-            <a:stCxn id="19" idx="2"/>
-            <a:endCxn id="23" idx="0"/>
-          </p:cNvCxnSpPr>
-          <p:nvPr/>
-        </p:nvCxnSpPr>
-        <p:spPr>
-          <a:xfrm flipH="1">
-            <a:off x="2543262" y="5071546"/>
-            <a:ext cx="1" cy="730207"/>
-          </a:xfrm>
-          <a:prstGeom prst="line">
-            <a:avLst/>
-          </a:prstGeom>
-        </p:spPr>
-        <p:style>
-          <a:lnRef idx="1">
-            <a:schemeClr val="accent1"/>
-          </a:lnRef>
-          <a:fillRef idx="0">
-            <a:schemeClr val="accent1"/>
-          </a:fillRef>
-          <a:effectRef idx="0">
-            <a:schemeClr val="accent1"/>
-          </a:effectRef>
-          <a:fontRef idx="minor">
-            <a:schemeClr val="tx1"/>
-          </a:fontRef>
-        </p:style>
-      </p:cxnSp>
-      <p:cxnSp>
-        <p:nvCxnSpPr>
-          <p:cNvPr id="36" name="Straight Connector 35">
-            <a:extLst>
-              <a:ext uri="{FF2B5EF4-FFF2-40B4-BE49-F238E27FC236}">
-                <a16:creationId xmlns:a16="http://schemas.microsoft.com/office/drawing/2014/main" id="{E52C6E63-343A-4ECF-A2C1-2F3D2A251A2E}"/>
-              </a:ext>
-            </a:extLst>
-          </p:cNvPr>
-          <p:cNvCxnSpPr>
-            <a:cxnSpLocks/>
-            <a:endCxn id="24" idx="0"/>
-          </p:cNvCxnSpPr>
-          <p:nvPr/>
-        </p:nvCxnSpPr>
-        <p:spPr>
-          <a:xfrm>
-            <a:off x="3531765" y="4602959"/>
-            <a:ext cx="0" cy="743508"/>
-          </a:xfrm>
-          <a:prstGeom prst="line">
-            <a:avLst/>
-          </a:prstGeom>
-        </p:spPr>
-        <p:style>
-          <a:lnRef idx="1">
-            <a:schemeClr val="accent1"/>
-          </a:lnRef>
-          <a:fillRef idx="0">
-            <a:schemeClr val="accent1"/>
-          </a:fillRef>
-          <a:effectRef idx="0">
-            <a:schemeClr val="accent1"/>
-          </a:effectRef>
-          <a:fontRef idx="minor">
-            <a:schemeClr val="tx1"/>
-          </a:fontRef>
-        </p:style>
-      </p:cxnSp>
-      <p:cxnSp>
-        <p:nvCxnSpPr>
-          <p:cNvPr id="39" name="Straight Connector 38">
-            <a:extLst>
-              <a:ext uri="{FF2B5EF4-FFF2-40B4-BE49-F238E27FC236}">
-                <a16:creationId xmlns:a16="http://schemas.microsoft.com/office/drawing/2014/main" id="{3DC34A6B-7745-441F-9DEB-0188BD7F98DC}"/>
-              </a:ext>
-            </a:extLst>
-          </p:cNvPr>
-          <p:cNvCxnSpPr>
-            <a:cxnSpLocks/>
-            <a:stCxn id="21" idx="2"/>
-            <a:endCxn id="25" idx="0"/>
-          </p:cNvCxnSpPr>
-          <p:nvPr/>
-        </p:nvCxnSpPr>
-        <p:spPr>
-          <a:xfrm>
-            <a:off x="4558019" y="5071546"/>
-            <a:ext cx="0" cy="717737"/>
-          </a:xfrm>
-          <a:prstGeom prst="line">
-            <a:avLst/>
-          </a:prstGeom>
-        </p:spPr>
-        <p:style>
-          <a:lnRef idx="1">
-            <a:schemeClr val="accent1"/>
-          </a:lnRef>
-          <a:fillRef idx="0">
-            <a:schemeClr val="accent1"/>
-          </a:fillRef>
-          <a:effectRef idx="0">
-            <a:schemeClr val="accent1"/>
-          </a:effectRef>
-          <a:fontRef idx="minor">
-            <a:schemeClr val="tx1"/>
-          </a:fontRef>
-        </p:style>
-      </p:cxnSp>
-      <p:cxnSp>
-        <p:nvCxnSpPr>
-          <p:cNvPr id="42" name="Straight Arrow Connector 41">
-            <a:extLst>
-              <a:ext uri="{FF2B5EF4-FFF2-40B4-BE49-F238E27FC236}">
-                <a16:creationId xmlns:a16="http://schemas.microsoft.com/office/drawing/2014/main" id="{241E6973-2E28-4098-AE82-35A97555F7DF}"/>
-              </a:ext>
-            </a:extLst>
-          </p:cNvPr>
-          <p:cNvCxnSpPr>
-            <a:cxnSpLocks/>
-            <a:stCxn id="14" idx="2"/>
-            <a:endCxn id="17" idx="0"/>
-          </p:cNvCxnSpPr>
-          <p:nvPr/>
-        </p:nvCxnSpPr>
-        <p:spPr>
-          <a:xfrm flipH="1">
-            <a:off x="1434518" y="2866559"/>
-            <a:ext cx="11707" cy="1414982"/>
-          </a:xfrm>
-          <a:prstGeom prst="straightConnector1">
-            <a:avLst/>
-          </a:prstGeom>
-          <a:ln>
-            <a:solidFill>
-              <a:schemeClr val="tx1"/>
-            </a:solidFill>
-            <a:tailEnd type="triangle"/>
-          </a:ln>
-        </p:spPr>
-        <p:style>
-          <a:lnRef idx="1">
-            <a:schemeClr val="accent1"/>
-          </a:lnRef>
-          <a:fillRef idx="0">
-            <a:schemeClr val="accent1"/>
-          </a:fillRef>
-          <a:effectRef idx="0">
-            <a:schemeClr val="accent1"/>
-          </a:effectRef>
-          <a:fontRef idx="minor">
-            <a:schemeClr val="tx1"/>
-          </a:fontRef>
-        </p:style>
-      </p:cxnSp>
-      <p:cxnSp>
-        <p:nvCxnSpPr>
-          <p:cNvPr id="46" name="Straight Arrow Connector 45">
-            <a:extLst>
-              <a:ext uri="{FF2B5EF4-FFF2-40B4-BE49-F238E27FC236}">
-                <a16:creationId xmlns:a16="http://schemas.microsoft.com/office/drawing/2014/main" id="{6B527F3E-3E51-4F15-89EA-639D808A2704}"/>
-              </a:ext>
-            </a:extLst>
-          </p:cNvPr>
-          <p:cNvCxnSpPr>
-            <a:cxnSpLocks/>
-            <a:stCxn id="15" idx="2"/>
-            <a:endCxn id="17" idx="0"/>
-          </p:cNvCxnSpPr>
-          <p:nvPr/>
-        </p:nvCxnSpPr>
-        <p:spPr>
-          <a:xfrm flipH="1">
-            <a:off x="1434518" y="2866559"/>
-            <a:ext cx="2895949" cy="1414982"/>
-          </a:xfrm>
-          <a:prstGeom prst="straightConnector1">
-            <a:avLst/>
-          </a:prstGeom>
-          <a:ln>
-            <a:solidFill>
-              <a:schemeClr val="tx1"/>
-            </a:solidFill>
-            <a:tailEnd type="triangle"/>
-          </a:ln>
-        </p:spPr>
-        <p:style>
-          <a:lnRef idx="1">
-            <a:schemeClr val="accent1"/>
-          </a:lnRef>
-          <a:fillRef idx="0">
-            <a:schemeClr val="accent1"/>
-          </a:fillRef>
-          <a:effectRef idx="0">
-            <a:schemeClr val="accent1"/>
-          </a:effectRef>
-          <a:fontRef idx="minor">
-            <a:schemeClr val="tx1"/>
-          </a:fontRef>
-        </p:style>
-      </p:cxnSp>
-      <p:cxnSp>
-        <p:nvCxnSpPr>
-          <p:cNvPr id="48" name="Straight Arrow Connector 47">
-            <a:extLst>
-              <a:ext uri="{FF2B5EF4-FFF2-40B4-BE49-F238E27FC236}">
-                <a16:creationId xmlns:a16="http://schemas.microsoft.com/office/drawing/2014/main" id="{9918E5B3-2D49-42DB-83EC-8F76CCA105CA}"/>
-              </a:ext>
-            </a:extLst>
-          </p:cNvPr>
-          <p:cNvCxnSpPr>
-            <a:cxnSpLocks/>
-            <a:stCxn id="14" idx="2"/>
-            <a:endCxn id="19" idx="0"/>
-          </p:cNvCxnSpPr>
-          <p:nvPr/>
-        </p:nvCxnSpPr>
-        <p:spPr>
-          <a:xfrm>
-            <a:off x="1446225" y="2866559"/>
-            <a:ext cx="1097038" cy="1883569"/>
-          </a:xfrm>
-          <a:prstGeom prst="straightConnector1">
-            <a:avLst/>
-          </a:prstGeom>
-          <a:ln>
-            <a:solidFill>
-              <a:schemeClr val="tx1"/>
-            </a:solidFill>
-            <a:tailEnd type="triangle"/>
-          </a:ln>
-        </p:spPr>
-        <p:style>
-          <a:lnRef idx="1">
-            <a:schemeClr val="accent1"/>
-          </a:lnRef>
-          <a:fillRef idx="0">
-            <a:schemeClr val="accent1"/>
-          </a:fillRef>
-          <a:effectRef idx="0">
-            <a:schemeClr val="accent1"/>
-          </a:effectRef>
-          <a:fontRef idx="minor">
-            <a:schemeClr val="tx1"/>
-          </a:fontRef>
-        </p:style>
-      </p:cxnSp>
-      <p:cxnSp>
-        <p:nvCxnSpPr>
-          <p:cNvPr id="52" name="Straight Arrow Connector 51">
-            <a:extLst>
-              <a:ext uri="{FF2B5EF4-FFF2-40B4-BE49-F238E27FC236}">
-                <a16:creationId xmlns:a16="http://schemas.microsoft.com/office/drawing/2014/main" id="{7FFD55BB-6A49-41D0-84FC-3522291D0852}"/>
-              </a:ext>
-            </a:extLst>
-          </p:cNvPr>
-          <p:cNvCxnSpPr>
-            <a:cxnSpLocks/>
-            <a:stCxn id="15" idx="2"/>
-            <a:endCxn id="21" idx="0"/>
-          </p:cNvCxnSpPr>
-          <p:nvPr/>
-        </p:nvCxnSpPr>
-        <p:spPr>
-          <a:xfrm>
-            <a:off x="4330467" y="2866559"/>
-            <a:ext cx="227552" cy="1883569"/>
-          </a:xfrm>
-          <a:prstGeom prst="straightConnector1">
-            <a:avLst/>
-          </a:prstGeom>
-          <a:ln>
-            <a:solidFill>
-              <a:schemeClr val="tx1"/>
-            </a:solidFill>
-            <a:tailEnd type="triangle"/>
-          </a:ln>
-        </p:spPr>
-        <p:style>
-          <a:lnRef idx="1">
-            <a:schemeClr val="accent1"/>
-          </a:lnRef>
-          <a:fillRef idx="0">
-            <a:schemeClr val="accent1"/>
-          </a:fillRef>
-          <a:effectRef idx="0">
-            <a:schemeClr val="accent1"/>
-          </a:effectRef>
-          <a:fontRef idx="minor">
-            <a:schemeClr val="tx1"/>
-          </a:fontRef>
-        </p:style>
-      </p:cxnSp>
-      <p:cxnSp>
-        <p:nvCxnSpPr>
-          <p:cNvPr id="56" name="Straight Arrow Connector 55">
-            <a:extLst>
-              <a:ext uri="{FF2B5EF4-FFF2-40B4-BE49-F238E27FC236}">
-                <a16:creationId xmlns:a16="http://schemas.microsoft.com/office/drawing/2014/main" id="{FB6596D5-A873-4952-AB98-3E00AD13F846}"/>
-              </a:ext>
-            </a:extLst>
-          </p:cNvPr>
-          <p:cNvCxnSpPr>
-            <a:cxnSpLocks/>
-            <a:stCxn id="15" idx="2"/>
-            <a:endCxn id="20" idx="0"/>
-          </p:cNvCxnSpPr>
-          <p:nvPr/>
-        </p:nvCxnSpPr>
-        <p:spPr>
-          <a:xfrm flipH="1">
-            <a:off x="3531765" y="2866559"/>
-            <a:ext cx="798702" cy="1414982"/>
-          </a:xfrm>
-          <a:prstGeom prst="straightConnector1">
-            <a:avLst/>
-          </a:prstGeom>
-          <a:ln>
-            <a:solidFill>
-              <a:schemeClr val="tx1"/>
-            </a:solidFill>
-            <a:tailEnd type="triangle"/>
-          </a:ln>
-        </p:spPr>
-        <p:style>
-          <a:lnRef idx="1">
-            <a:schemeClr val="accent1"/>
-          </a:lnRef>
-          <a:fillRef idx="0">
-            <a:schemeClr val="accent1"/>
-          </a:fillRef>
-          <a:effectRef idx="0">
-            <a:schemeClr val="accent1"/>
-          </a:effectRef>
-          <a:fontRef idx="minor">
-            <a:schemeClr val="tx1"/>
-          </a:fontRef>
-        </p:style>
-      </p:cxnSp>
     </p:spTree>
     <p:extLst>
       <p:ext uri="{BB962C8B-B14F-4D97-AF65-F5344CB8AC3E}">
@@ -5019,7 +6679,7 @@
 </p:sld>
 </file>
 
-<file path=ppt/slides/slide12.xml><?xml version="1.0" encoding="utf-8"?>
+<file path=ppt/slides/slide14.xml><?xml version="1.0" encoding="utf-8"?>
 <p:sld xmlns:a="http://schemas.openxmlformats.org/drawingml/2006/main" xmlns:r="http://schemas.openxmlformats.org/officeDocument/2006/relationships" xmlns:p="http://schemas.openxmlformats.org/presentationml/2006/main">
   <p:cSld>
     <p:spTree>
@@ -6064,7 +7724,7 @@
         </p:spPr>
         <p:txBody>
           <a:bodyPr>
-            <a:normAutofit fontScale="77500" lnSpcReduction="20000"/>
+            <a:normAutofit fontScale="70000" lnSpcReduction="20000"/>
           </a:bodyPr>
           <a:lstStyle/>
           <a:p>
@@ -6146,10 +7806,10 @@
       </p:sp>
       <p:grpSp>
         <p:nvGrpSpPr>
-          <p:cNvPr id="20" name="Group 19">
+          <p:cNvPr id="18" name="Group 17">
             <a:extLst>
               <a:ext uri="{FF2B5EF4-FFF2-40B4-BE49-F238E27FC236}">
-                <a16:creationId xmlns:a16="http://schemas.microsoft.com/office/drawing/2014/main" id="{B34214BC-E1E3-456F-AB01-938CB297EB81}"/>
+                <a16:creationId xmlns:a16="http://schemas.microsoft.com/office/drawing/2014/main" id="{21E99A4B-2EC8-40FD-9FC2-A6D32CC8129F}"/>
               </a:ext>
             </a:extLst>
           </p:cNvPr>
@@ -6158,60 +7818,18 @@
         </p:nvGrpSpPr>
         <p:grpSpPr>
           <a:xfrm>
-            <a:off x="6096000" y="2157288"/>
-            <a:ext cx="5480572" cy="3688011"/>
-            <a:chOff x="1986744" y="2726557"/>
-            <a:chExt cx="5480572" cy="3688011"/>
+            <a:off x="6096000" y="1922396"/>
+            <a:ext cx="5357909" cy="4553432"/>
+            <a:chOff x="6096000" y="1922396"/>
+            <a:chExt cx="5357909" cy="4553432"/>
           </a:xfrm>
         </p:grpSpPr>
-        <p:cxnSp>
-          <p:nvCxnSpPr>
-            <p:cNvPr id="8" name="Elbow Connector 12">
-              <a:extLst>
-                <a:ext uri="{FF2B5EF4-FFF2-40B4-BE49-F238E27FC236}">
-                  <a16:creationId xmlns:a16="http://schemas.microsoft.com/office/drawing/2014/main" id="{F0EADA98-318A-4271-8CCA-F50A5966DE0A}"/>
-                </a:ext>
-              </a:extLst>
-            </p:cNvPr>
-            <p:cNvCxnSpPr>
-              <a:stCxn id="4" idx="0"/>
-              <a:endCxn id="5" idx="2"/>
-            </p:cNvCxnSpPr>
-            <p:nvPr/>
-          </p:nvCxnSpPr>
-          <p:spPr>
-            <a:xfrm flipV="1">
-              <a:off x="4407333" y="3288124"/>
-              <a:ext cx="0" cy="691547"/>
-            </a:xfrm>
-            <a:prstGeom prst="straightConnector1">
-              <a:avLst/>
-            </a:prstGeom>
-            <a:ln>
-              <a:tailEnd type="triangle"/>
-            </a:ln>
-          </p:spPr>
-          <p:style>
-            <a:lnRef idx="1">
-              <a:schemeClr val="accent1"/>
-            </a:lnRef>
-            <a:fillRef idx="0">
-              <a:schemeClr val="accent1"/>
-            </a:fillRef>
-            <a:effectRef idx="0">
-              <a:schemeClr val="accent1"/>
-            </a:effectRef>
-            <a:fontRef idx="minor">
-              <a:schemeClr val="tx1"/>
-            </a:fontRef>
-          </p:style>
-        </p:cxnSp>
         <p:grpSp>
           <p:nvGrpSpPr>
-            <p:cNvPr id="19" name="Group 18">
+            <p:cNvPr id="20" name="Group 19">
               <a:extLst>
                 <a:ext uri="{FF2B5EF4-FFF2-40B4-BE49-F238E27FC236}">
-                  <a16:creationId xmlns:a16="http://schemas.microsoft.com/office/drawing/2014/main" id="{CE9D0E05-14C8-4963-B559-55EF2344D395}"/>
+                  <a16:creationId xmlns:a16="http://schemas.microsoft.com/office/drawing/2014/main" id="{B34214BC-E1E3-456F-AB01-938CB297EB81}"/>
                 </a:ext>
               </a:extLst>
             </p:cNvPr>
@@ -6220,178 +7838,31 @@
           </p:nvGrpSpPr>
           <p:grpSpPr>
             <a:xfrm>
-              <a:off x="1986744" y="2726557"/>
-              <a:ext cx="5480572" cy="3688011"/>
+              <a:off x="6096000" y="1922396"/>
+              <a:ext cx="5357909" cy="3688011"/>
               <a:chOff x="1986744" y="2726557"/>
-              <a:chExt cx="5480572" cy="3688011"/>
+              <a:chExt cx="5357909" cy="3688011"/>
             </a:xfrm>
           </p:grpSpPr>
-          <p:sp>
-            <p:nvSpPr>
-              <p:cNvPr id="4" name="Rounded Rectangle 6">
+          <p:cxnSp>
+            <p:nvCxnSpPr>
+              <p:cNvPr id="8" name="Elbow Connector 12">
                 <a:extLst>
                   <a:ext uri="{FF2B5EF4-FFF2-40B4-BE49-F238E27FC236}">
-                    <a16:creationId xmlns:a16="http://schemas.microsoft.com/office/drawing/2014/main" id="{A226EF8C-23AC-41CC-B02B-28BA57CDBE37}"/>
-                  </a:ext>
-                </a:extLst>
-              </p:cNvPr>
-              <p:cNvSpPr/>
-              <p:nvPr/>
-            </p:nvSpPr>
-            <p:spPr>
-              <a:xfrm>
-                <a:off x="3585386" y="3979671"/>
-                <a:ext cx="1643894" cy="561567"/>
-              </a:xfrm>
-              <a:prstGeom prst="roundRect">
-                <a:avLst/>
-              </a:prstGeom>
-            </p:spPr>
-            <p:style>
-              <a:lnRef idx="2">
-                <a:schemeClr val="accent1">
-                  <a:shade val="50000"/>
-                </a:schemeClr>
-              </a:lnRef>
-              <a:fillRef idx="1">
-                <a:schemeClr val="accent1"/>
-              </a:fillRef>
-              <a:effectRef idx="0">
-                <a:schemeClr val="accent1"/>
-              </a:effectRef>
-              <a:fontRef idx="minor">
-                <a:schemeClr val="lt1"/>
-              </a:fontRef>
-            </p:style>
-            <p:txBody>
-              <a:bodyPr rtlCol="0" anchor="ctr"/>
-              <a:lstStyle/>
-              <a:p>
-                <a:pPr algn="ctr"/>
-                <a:r>
-                  <a:rPr lang="en-US" dirty="0"/>
-                  <a:t>Controller</a:t>
-                </a:r>
-              </a:p>
-            </p:txBody>
-          </p:sp>
-          <p:sp>
-            <p:nvSpPr>
-              <p:cNvPr id="5" name="Rounded Rectangle 7">
-                <a:extLst>
-                  <a:ext uri="{FF2B5EF4-FFF2-40B4-BE49-F238E27FC236}">
-                    <a16:creationId xmlns:a16="http://schemas.microsoft.com/office/drawing/2014/main" id="{5D9CE958-A309-4081-8358-C9D10AE191F1}"/>
-                  </a:ext>
-                </a:extLst>
-              </p:cNvPr>
-              <p:cNvSpPr/>
-              <p:nvPr/>
-            </p:nvSpPr>
-            <p:spPr>
-              <a:xfrm>
-                <a:off x="3585386" y="2726557"/>
-                <a:ext cx="1643894" cy="561567"/>
-              </a:xfrm>
-              <a:prstGeom prst="roundRect">
-                <a:avLst/>
-              </a:prstGeom>
-            </p:spPr>
-            <p:style>
-              <a:lnRef idx="2">
-                <a:schemeClr val="accent1">
-                  <a:shade val="50000"/>
-                </a:schemeClr>
-              </a:lnRef>
-              <a:fillRef idx="1">
-                <a:schemeClr val="accent1"/>
-              </a:fillRef>
-              <a:effectRef idx="0">
-                <a:schemeClr val="accent1"/>
-              </a:effectRef>
-              <a:fontRef idx="minor">
-                <a:schemeClr val="lt1"/>
-              </a:fontRef>
-            </p:style>
-            <p:txBody>
-              <a:bodyPr rtlCol="0" anchor="ctr"/>
-              <a:lstStyle/>
-              <a:p>
-                <a:pPr algn="ctr"/>
-                <a:r>
-                  <a:rPr lang="en-US" dirty="0"/>
-                  <a:t>Model</a:t>
-                </a:r>
-              </a:p>
-            </p:txBody>
-          </p:sp>
-          <p:sp>
-            <p:nvSpPr>
-              <p:cNvPr id="6" name="Rounded Rectangle 8">
-                <a:extLst>
-                  <a:ext uri="{FF2B5EF4-FFF2-40B4-BE49-F238E27FC236}">
-                    <a16:creationId xmlns:a16="http://schemas.microsoft.com/office/drawing/2014/main" id="{FFDE7770-B572-4D96-B03B-A675141FBBA7}"/>
-                  </a:ext>
-                </a:extLst>
-              </p:cNvPr>
-              <p:cNvSpPr/>
-              <p:nvPr/>
-            </p:nvSpPr>
-            <p:spPr>
-              <a:xfrm>
-                <a:off x="1986744" y="4789876"/>
-                <a:ext cx="1643894" cy="561567"/>
-              </a:xfrm>
-              <a:prstGeom prst="roundRect">
-                <a:avLst/>
-              </a:prstGeom>
-            </p:spPr>
-            <p:style>
-              <a:lnRef idx="2">
-                <a:schemeClr val="accent1">
-                  <a:shade val="50000"/>
-                </a:schemeClr>
-              </a:lnRef>
-              <a:fillRef idx="1">
-                <a:schemeClr val="accent1"/>
-              </a:fillRef>
-              <a:effectRef idx="0">
-                <a:schemeClr val="accent1"/>
-              </a:effectRef>
-              <a:fontRef idx="minor">
-                <a:schemeClr val="lt1"/>
-              </a:fontRef>
-            </p:style>
-            <p:txBody>
-              <a:bodyPr rtlCol="0" anchor="ctr"/>
-              <a:lstStyle/>
-              <a:p>
-                <a:pPr algn="ctr"/>
-                <a:r>
-                  <a:rPr lang="en-US" dirty="0"/>
-                  <a:t>View</a:t>
-                </a:r>
-              </a:p>
-            </p:txBody>
-          </p:sp>
-          <p:cxnSp>
-            <p:nvCxnSpPr>
-              <p:cNvPr id="7" name="Elbow Connector 9">
-                <a:extLst>
-                  <a:ext uri="{FF2B5EF4-FFF2-40B4-BE49-F238E27FC236}">
-                    <a16:creationId xmlns:a16="http://schemas.microsoft.com/office/drawing/2014/main" id="{C6582FC7-4C83-45F1-B4F6-7155969F884F}"/>
+                    <a16:creationId xmlns:a16="http://schemas.microsoft.com/office/drawing/2014/main" id="{F0EADA98-318A-4271-8CCA-F50A5966DE0A}"/>
                   </a:ext>
                 </a:extLst>
               </p:cNvPr>
               <p:cNvCxnSpPr>
-                <a:stCxn id="4" idx="1"/>
-                <a:endCxn id="6" idx="0"/>
+                <a:stCxn id="4" idx="0"/>
+                <a:endCxn id="5" idx="2"/>
               </p:cNvCxnSpPr>
               <p:nvPr/>
             </p:nvCxnSpPr>
             <p:spPr>
-              <a:xfrm flipH="1">
-                <a:off x="2808691" y="4260455"/>
-                <a:ext cx="776695" cy="529421"/>
+              <a:xfrm flipV="1">
+                <a:off x="4407333" y="3288124"/>
+                <a:ext cx="0" cy="691547"/>
               </a:xfrm>
               <a:prstGeom prst="straightConnector1">
                 <a:avLst/>
@@ -6415,364 +7886,610 @@
               </a:fontRef>
             </p:style>
           </p:cxnSp>
-          <p:sp>
-            <p:nvSpPr>
-              <p:cNvPr id="9" name="Oval 8">
+          <p:grpSp>
+            <p:nvGrpSpPr>
+              <p:cNvPr id="19" name="Group 18">
                 <a:extLst>
                   <a:ext uri="{FF2B5EF4-FFF2-40B4-BE49-F238E27FC236}">
-                    <a16:creationId xmlns:a16="http://schemas.microsoft.com/office/drawing/2014/main" id="{63448D69-CF03-4E0F-BC0C-22AF39D30A5E}"/>
+                    <a16:creationId xmlns:a16="http://schemas.microsoft.com/office/drawing/2014/main" id="{CE9D0E05-14C8-4963-B559-55EF2344D395}"/>
                   </a:ext>
                 </a:extLst>
               </p:cNvPr>
-              <p:cNvSpPr/>
+              <p:cNvGrpSpPr/>
               <p:nvPr/>
-            </p:nvSpPr>
-            <p:spPr>
+            </p:nvGrpSpPr>
+            <p:grpSpPr>
               <a:xfrm>
-                <a:off x="3915381" y="5502479"/>
-                <a:ext cx="982827" cy="912089"/>
+                <a:off x="1986744" y="2726557"/>
+                <a:ext cx="5357909" cy="3688011"/>
+                <a:chOff x="1986744" y="2726557"/>
+                <a:chExt cx="5357909" cy="3688011"/>
               </a:xfrm>
-              <a:prstGeom prst="ellipse">
-                <a:avLst/>
-              </a:prstGeom>
-              <a:solidFill>
-                <a:schemeClr val="bg2">
-                  <a:lumMod val="50000"/>
-                </a:schemeClr>
-              </a:solidFill>
-            </p:spPr>
-            <p:style>
-              <a:lnRef idx="2">
-                <a:schemeClr val="accent3">
-                  <a:shade val="50000"/>
-                </a:schemeClr>
-              </a:lnRef>
-              <a:fillRef idx="1">
-                <a:schemeClr val="accent3"/>
-              </a:fillRef>
-              <a:effectRef idx="0">
-                <a:schemeClr val="accent3"/>
-              </a:effectRef>
-              <a:fontRef idx="minor">
-                <a:schemeClr val="lt1"/>
-              </a:fontRef>
-            </p:style>
-            <p:txBody>
-              <a:bodyPr rtlCol="0" anchor="ctr"/>
-              <a:lstStyle/>
-              <a:p>
-                <a:pPr algn="ctr"/>
-                <a:r>
-                  <a:rPr lang="en-US" dirty="0"/>
-                  <a:t>User</a:t>
-                </a:r>
-              </a:p>
-            </p:txBody>
-          </p:sp>
-          <p:cxnSp>
-            <p:nvCxnSpPr>
-              <p:cNvPr id="10" name="Straight Arrow Connector 9">
-                <a:extLst>
-                  <a:ext uri="{FF2B5EF4-FFF2-40B4-BE49-F238E27FC236}">
-                    <a16:creationId xmlns:a16="http://schemas.microsoft.com/office/drawing/2014/main" id="{91B92F09-1A1D-4B65-AEC6-651BAEE0CB8F}"/>
-                  </a:ext>
-                </a:extLst>
-              </p:cNvPr>
-              <p:cNvCxnSpPr>
-                <a:stCxn id="9" idx="2"/>
-                <a:endCxn id="6" idx="2"/>
-              </p:cNvCxnSpPr>
-              <p:nvPr/>
-            </p:nvCxnSpPr>
-            <p:spPr>
-              <a:xfrm flipH="1" flipV="1">
-                <a:off x="2808691" y="5351443"/>
-                <a:ext cx="1106690" cy="607081"/>
-              </a:xfrm>
-              <a:prstGeom prst="straightConnector1">
-                <a:avLst/>
-              </a:prstGeom>
-              <a:ln>
-                <a:tailEnd type="triangle"/>
-              </a:ln>
-            </p:spPr>
-            <p:style>
-              <a:lnRef idx="1">
-                <a:schemeClr val="accent1"/>
-              </a:lnRef>
-              <a:fillRef idx="0">
-                <a:schemeClr val="accent1"/>
-              </a:fillRef>
-              <a:effectRef idx="0">
-                <a:schemeClr val="accent1"/>
-              </a:effectRef>
-              <a:fontRef idx="minor">
-                <a:schemeClr val="tx1"/>
-              </a:fontRef>
-            </p:style>
-          </p:cxnSp>
-          <p:cxnSp>
-            <p:nvCxnSpPr>
-              <p:cNvPr id="11" name="Straight Arrow Connector 10">
-                <a:extLst>
-                  <a:ext uri="{FF2B5EF4-FFF2-40B4-BE49-F238E27FC236}">
-                    <a16:creationId xmlns:a16="http://schemas.microsoft.com/office/drawing/2014/main" id="{14372F4B-24D9-43FB-8DA7-61E2245601D9}"/>
-                  </a:ext>
-                </a:extLst>
-              </p:cNvPr>
-              <p:cNvCxnSpPr>
-                <a:stCxn id="9" idx="0"/>
-                <a:endCxn id="4" idx="2"/>
-              </p:cNvCxnSpPr>
-              <p:nvPr/>
-            </p:nvCxnSpPr>
-            <p:spPr>
-              <a:xfrm flipV="1">
-                <a:off x="4406795" y="4541238"/>
-                <a:ext cx="538" cy="961241"/>
-              </a:xfrm>
-              <a:prstGeom prst="straightConnector1">
-                <a:avLst/>
-              </a:prstGeom>
-              <a:ln>
-                <a:tailEnd type="triangle"/>
-              </a:ln>
-            </p:spPr>
-            <p:style>
-              <a:lnRef idx="1">
-                <a:schemeClr val="accent1"/>
-              </a:lnRef>
-              <a:fillRef idx="0">
-                <a:schemeClr val="accent1"/>
-              </a:fillRef>
-              <a:effectRef idx="0">
-                <a:schemeClr val="accent1"/>
-              </a:effectRef>
-              <a:fontRef idx="minor">
-                <a:schemeClr val="tx1"/>
-              </a:fontRef>
-            </p:style>
-          </p:cxnSp>
-          <p:sp>
-            <p:nvSpPr>
-              <p:cNvPr id="12" name="TextBox 11">
-                <a:extLst>
-                  <a:ext uri="{FF2B5EF4-FFF2-40B4-BE49-F238E27FC236}">
-                    <a16:creationId xmlns:a16="http://schemas.microsoft.com/office/drawing/2014/main" id="{688578B9-54E3-487F-A7AF-48691677CE40}"/>
-                  </a:ext>
-                </a:extLst>
-              </p:cNvPr>
-              <p:cNvSpPr txBox="1"/>
-              <p:nvPr/>
-            </p:nvSpPr>
-            <p:spPr>
-              <a:xfrm>
-                <a:off x="4406794" y="3472057"/>
-                <a:ext cx="1050288" cy="307777"/>
-              </a:xfrm>
-              <a:prstGeom prst="rect">
-                <a:avLst/>
-              </a:prstGeom>
-              <a:noFill/>
-            </p:spPr>
-            <p:txBody>
-              <a:bodyPr wrap="none" rtlCol="0">
-                <a:spAutoFit/>
-              </a:bodyPr>
-              <a:lstStyle/>
-              <a:p>
-                <a:r>
-                  <a:rPr lang="en-US" sz="1400" dirty="0"/>
-                  <a:t>4. Updates</a:t>
-                </a:r>
-              </a:p>
-            </p:txBody>
-          </p:sp>
-          <p:sp>
-            <p:nvSpPr>
-              <p:cNvPr id="13" name="TextBox 12">
-                <a:extLst>
-                  <a:ext uri="{FF2B5EF4-FFF2-40B4-BE49-F238E27FC236}">
-                    <a16:creationId xmlns:a16="http://schemas.microsoft.com/office/drawing/2014/main" id="{1A7ADEA0-C376-4A48-9D9B-78C8715B5A9C}"/>
-                  </a:ext>
-                </a:extLst>
-              </p:cNvPr>
-              <p:cNvSpPr txBox="1"/>
-              <p:nvPr/>
-            </p:nvSpPr>
-            <p:spPr>
-              <a:xfrm>
-                <a:off x="2335806" y="4193926"/>
-                <a:ext cx="1050288" cy="307777"/>
-              </a:xfrm>
-              <a:prstGeom prst="rect">
-                <a:avLst/>
-              </a:prstGeom>
-              <a:noFill/>
-            </p:spPr>
-            <p:txBody>
-              <a:bodyPr wrap="none" rtlCol="0">
-                <a:spAutoFit/>
-              </a:bodyPr>
-              <a:lstStyle/>
-              <a:p>
-                <a:r>
-                  <a:rPr lang="en-US" sz="1400" dirty="0"/>
-                  <a:t>5. Updates</a:t>
-                </a:r>
-              </a:p>
-            </p:txBody>
-          </p:sp>
-          <p:sp>
-            <p:nvSpPr>
-              <p:cNvPr id="14" name="TextBox 13">
-                <a:extLst>
-                  <a:ext uri="{FF2B5EF4-FFF2-40B4-BE49-F238E27FC236}">
-                    <a16:creationId xmlns:a16="http://schemas.microsoft.com/office/drawing/2014/main" id="{DB28FAFB-EFF4-4493-B3A8-386DDF352E55}"/>
-                  </a:ext>
-                </a:extLst>
-              </p:cNvPr>
-              <p:cNvSpPr txBox="1"/>
-              <p:nvPr/>
-            </p:nvSpPr>
-            <p:spPr>
-              <a:xfrm>
-                <a:off x="2860950" y="5691715"/>
-                <a:ext cx="792205" cy="307777"/>
-              </a:xfrm>
-              <a:prstGeom prst="rect">
-                <a:avLst/>
-              </a:prstGeom>
-              <a:noFill/>
-            </p:spPr>
-            <p:txBody>
-              <a:bodyPr wrap="none" rtlCol="0">
-                <a:spAutoFit/>
-              </a:bodyPr>
-              <a:lstStyle/>
-              <a:p>
-                <a:r>
-                  <a:rPr lang="en-US" sz="1400" dirty="0"/>
-                  <a:t>1. Sees</a:t>
-                </a:r>
-              </a:p>
-            </p:txBody>
-          </p:sp>
-          <p:sp>
-            <p:nvSpPr>
-              <p:cNvPr id="15" name="TextBox 14">
-                <a:extLst>
-                  <a:ext uri="{FF2B5EF4-FFF2-40B4-BE49-F238E27FC236}">
-                    <a16:creationId xmlns:a16="http://schemas.microsoft.com/office/drawing/2014/main" id="{9C1B4CAE-A229-4015-9BEB-FF37A8D120F6}"/>
-                  </a:ext>
-                </a:extLst>
-              </p:cNvPr>
-              <p:cNvSpPr txBox="1"/>
-              <p:nvPr/>
-            </p:nvSpPr>
-            <p:spPr>
-              <a:xfrm>
-                <a:off x="4406794" y="4960762"/>
-                <a:ext cx="1646605" cy="307777"/>
-              </a:xfrm>
-              <a:prstGeom prst="rect">
-                <a:avLst/>
-              </a:prstGeom>
-              <a:noFill/>
-            </p:spPr>
-            <p:txBody>
-              <a:bodyPr wrap="none" rtlCol="0">
-                <a:spAutoFit/>
-              </a:bodyPr>
-              <a:lstStyle/>
-              <a:p>
-                <a:r>
-                  <a:rPr lang="en-US" sz="1400" dirty="0"/>
-                  <a:t>2. Makes requests</a:t>
-                </a:r>
-              </a:p>
-            </p:txBody>
-          </p:sp>
-          <p:cxnSp>
-            <p:nvCxnSpPr>
-              <p:cNvPr id="16" name="Curved Connector 1065">
-                <a:extLst>
-                  <a:ext uri="{FF2B5EF4-FFF2-40B4-BE49-F238E27FC236}">
-                    <a16:creationId xmlns:a16="http://schemas.microsoft.com/office/drawing/2014/main" id="{B298822A-DD97-42E8-B96C-D48520C09E3F}"/>
-                  </a:ext>
-                </a:extLst>
-              </p:cNvPr>
-              <p:cNvCxnSpPr>
-                <a:endCxn id="4" idx="3"/>
-              </p:cNvCxnSpPr>
-              <p:nvPr/>
-            </p:nvCxnSpPr>
-            <p:spPr>
-              <a:xfrm rot="5400000" flipH="1" flipV="1">
-                <a:off x="5149123" y="4340074"/>
-                <a:ext cx="159776" cy="538"/>
-              </a:xfrm>
-              <a:prstGeom prst="curvedConnector4">
-                <a:avLst>
-                  <a:gd name="adj1" fmla="val -7715"/>
-                  <a:gd name="adj2" fmla="val 53814684"/>
-                </a:avLst>
-              </a:prstGeom>
-              <a:ln>
-                <a:tailEnd type="triangle"/>
-              </a:ln>
-            </p:spPr>
-            <p:style>
-              <a:lnRef idx="1">
-                <a:schemeClr val="accent1"/>
-              </a:lnRef>
-              <a:fillRef idx="0">
-                <a:schemeClr val="accent1"/>
-              </a:fillRef>
-              <a:effectRef idx="0">
-                <a:schemeClr val="accent1"/>
-              </a:effectRef>
-              <a:fontRef idx="minor">
-                <a:schemeClr val="tx1"/>
-              </a:fontRef>
-            </p:style>
-          </p:cxnSp>
-          <p:sp>
-            <p:nvSpPr>
-              <p:cNvPr id="17" name="TextBox 16">
-                <a:extLst>
-                  <a:ext uri="{FF2B5EF4-FFF2-40B4-BE49-F238E27FC236}">
-                    <a16:creationId xmlns:a16="http://schemas.microsoft.com/office/drawing/2014/main" id="{EDDCF429-3F78-4E7F-A3DD-6E66F35B9818}"/>
-                  </a:ext>
-                </a:extLst>
-              </p:cNvPr>
-              <p:cNvSpPr txBox="1"/>
-              <p:nvPr/>
-            </p:nvSpPr>
-            <p:spPr>
-              <a:xfrm>
-                <a:off x="5511331" y="4233050"/>
-                <a:ext cx="1955985" cy="307777"/>
-              </a:xfrm>
-              <a:prstGeom prst="rect">
-                <a:avLst/>
-              </a:prstGeom>
-              <a:noFill/>
-            </p:spPr>
-            <p:txBody>
-              <a:bodyPr wrap="none" rtlCol="0">
-                <a:spAutoFit/>
-              </a:bodyPr>
-              <a:lstStyle/>
-              <a:p>
-                <a:r>
-                  <a:rPr lang="en-US" sz="1400" dirty="0"/>
-                  <a:t>3. Processes requests</a:t>
-                </a:r>
-              </a:p>
-            </p:txBody>
-          </p:sp>
+            </p:grpSpPr>
+            <p:sp>
+              <p:nvSpPr>
+                <p:cNvPr id="4" name="Rounded Rectangle 6">
+                  <a:extLst>
+                    <a:ext uri="{FF2B5EF4-FFF2-40B4-BE49-F238E27FC236}">
+                      <a16:creationId xmlns:a16="http://schemas.microsoft.com/office/drawing/2014/main" id="{A226EF8C-23AC-41CC-B02B-28BA57CDBE37}"/>
+                    </a:ext>
+                  </a:extLst>
+                </p:cNvPr>
+                <p:cNvSpPr/>
+                <p:nvPr/>
+              </p:nvSpPr>
+              <p:spPr>
+                <a:xfrm>
+                  <a:off x="3585386" y="3979671"/>
+                  <a:ext cx="1643894" cy="561567"/>
+                </a:xfrm>
+                <a:prstGeom prst="roundRect">
+                  <a:avLst/>
+                </a:prstGeom>
+              </p:spPr>
+              <p:style>
+                <a:lnRef idx="2">
+                  <a:schemeClr val="accent4">
+                    <a:shade val="50000"/>
+                  </a:schemeClr>
+                </a:lnRef>
+                <a:fillRef idx="1">
+                  <a:schemeClr val="accent4"/>
+                </a:fillRef>
+                <a:effectRef idx="0">
+                  <a:schemeClr val="accent4"/>
+                </a:effectRef>
+                <a:fontRef idx="minor">
+                  <a:schemeClr val="lt1"/>
+                </a:fontRef>
+              </p:style>
+              <p:txBody>
+                <a:bodyPr rtlCol="0" anchor="ctr"/>
+                <a:lstStyle/>
+                <a:p>
+                  <a:pPr algn="ctr"/>
+                  <a:r>
+                    <a:rPr lang="en-US" dirty="0"/>
+                    <a:t>Controller</a:t>
+                  </a:r>
+                </a:p>
+              </p:txBody>
+            </p:sp>
+            <p:sp>
+              <p:nvSpPr>
+                <p:cNvPr id="5" name="Rounded Rectangle 7">
+                  <a:extLst>
+                    <a:ext uri="{FF2B5EF4-FFF2-40B4-BE49-F238E27FC236}">
+                      <a16:creationId xmlns:a16="http://schemas.microsoft.com/office/drawing/2014/main" id="{5D9CE958-A309-4081-8358-C9D10AE191F1}"/>
+                    </a:ext>
+                  </a:extLst>
+                </p:cNvPr>
+                <p:cNvSpPr/>
+                <p:nvPr/>
+              </p:nvSpPr>
+              <p:spPr>
+                <a:xfrm>
+                  <a:off x="3585386" y="2726557"/>
+                  <a:ext cx="1643894" cy="561567"/>
+                </a:xfrm>
+                <a:prstGeom prst="roundRect">
+                  <a:avLst/>
+                </a:prstGeom>
+              </p:spPr>
+              <p:style>
+                <a:lnRef idx="2">
+                  <a:schemeClr val="accent6">
+                    <a:shade val="50000"/>
+                  </a:schemeClr>
+                </a:lnRef>
+                <a:fillRef idx="1">
+                  <a:schemeClr val="accent6"/>
+                </a:fillRef>
+                <a:effectRef idx="0">
+                  <a:schemeClr val="accent6"/>
+                </a:effectRef>
+                <a:fontRef idx="minor">
+                  <a:schemeClr val="lt1"/>
+                </a:fontRef>
+              </p:style>
+              <p:txBody>
+                <a:bodyPr rtlCol="0" anchor="ctr"/>
+                <a:lstStyle/>
+                <a:p>
+                  <a:pPr algn="ctr"/>
+                  <a:r>
+                    <a:rPr lang="en-US" dirty="0"/>
+                    <a:t>Model</a:t>
+                  </a:r>
+                </a:p>
+              </p:txBody>
+            </p:sp>
+            <p:sp>
+              <p:nvSpPr>
+                <p:cNvPr id="6" name="Rounded Rectangle 8">
+                  <a:extLst>
+                    <a:ext uri="{FF2B5EF4-FFF2-40B4-BE49-F238E27FC236}">
+                      <a16:creationId xmlns:a16="http://schemas.microsoft.com/office/drawing/2014/main" id="{FFDE7770-B572-4D96-B03B-A675141FBBA7}"/>
+                    </a:ext>
+                  </a:extLst>
+                </p:cNvPr>
+                <p:cNvSpPr/>
+                <p:nvPr/>
+              </p:nvSpPr>
+              <p:spPr>
+                <a:xfrm>
+                  <a:off x="1986744" y="4789876"/>
+                  <a:ext cx="1643894" cy="561567"/>
+                </a:xfrm>
+                <a:prstGeom prst="roundRect">
+                  <a:avLst/>
+                </a:prstGeom>
+              </p:spPr>
+              <p:style>
+                <a:lnRef idx="2">
+                  <a:schemeClr val="accent5">
+                    <a:shade val="50000"/>
+                  </a:schemeClr>
+                </a:lnRef>
+                <a:fillRef idx="1">
+                  <a:schemeClr val="accent5"/>
+                </a:fillRef>
+                <a:effectRef idx="0">
+                  <a:schemeClr val="accent5"/>
+                </a:effectRef>
+                <a:fontRef idx="minor">
+                  <a:schemeClr val="lt1"/>
+                </a:fontRef>
+              </p:style>
+              <p:txBody>
+                <a:bodyPr rtlCol="0" anchor="ctr"/>
+                <a:lstStyle/>
+                <a:p>
+                  <a:pPr algn="ctr"/>
+                  <a:r>
+                    <a:rPr lang="en-US" dirty="0"/>
+                    <a:t>View</a:t>
+                  </a:r>
+                </a:p>
+              </p:txBody>
+            </p:sp>
+            <p:cxnSp>
+              <p:nvCxnSpPr>
+                <p:cNvPr id="7" name="Elbow Connector 9">
+                  <a:extLst>
+                    <a:ext uri="{FF2B5EF4-FFF2-40B4-BE49-F238E27FC236}">
+                      <a16:creationId xmlns:a16="http://schemas.microsoft.com/office/drawing/2014/main" id="{C6582FC7-4C83-45F1-B4F6-7155969F884F}"/>
+                    </a:ext>
+                  </a:extLst>
+                </p:cNvPr>
+                <p:cNvCxnSpPr>
+                  <a:stCxn id="4" idx="1"/>
+                  <a:endCxn id="6" idx="0"/>
+                </p:cNvCxnSpPr>
+                <p:nvPr/>
+              </p:nvCxnSpPr>
+              <p:spPr>
+                <a:xfrm flipH="1">
+                  <a:off x="2808691" y="4260455"/>
+                  <a:ext cx="776695" cy="529421"/>
+                </a:xfrm>
+                <a:prstGeom prst="straightConnector1">
+                  <a:avLst/>
+                </a:prstGeom>
+                <a:ln>
+                  <a:tailEnd type="triangle"/>
+                </a:ln>
+              </p:spPr>
+              <p:style>
+                <a:lnRef idx="1">
+                  <a:schemeClr val="accent1"/>
+                </a:lnRef>
+                <a:fillRef idx="0">
+                  <a:schemeClr val="accent1"/>
+                </a:fillRef>
+                <a:effectRef idx="0">
+                  <a:schemeClr val="accent1"/>
+                </a:effectRef>
+                <a:fontRef idx="minor">
+                  <a:schemeClr val="tx1"/>
+                </a:fontRef>
+              </p:style>
+            </p:cxnSp>
+            <p:sp>
+              <p:nvSpPr>
+                <p:cNvPr id="9" name="Oval 8">
+                  <a:extLst>
+                    <a:ext uri="{FF2B5EF4-FFF2-40B4-BE49-F238E27FC236}">
+                      <a16:creationId xmlns:a16="http://schemas.microsoft.com/office/drawing/2014/main" id="{63448D69-CF03-4E0F-BC0C-22AF39D30A5E}"/>
+                    </a:ext>
+                  </a:extLst>
+                </p:cNvPr>
+                <p:cNvSpPr/>
+                <p:nvPr/>
+              </p:nvSpPr>
+              <p:spPr>
+                <a:xfrm>
+                  <a:off x="3915381" y="5502479"/>
+                  <a:ext cx="982827" cy="912089"/>
+                </a:xfrm>
+                <a:prstGeom prst="ellipse">
+                  <a:avLst/>
+                </a:prstGeom>
+                <a:solidFill>
+                  <a:schemeClr val="bg2">
+                    <a:lumMod val="50000"/>
+                  </a:schemeClr>
+                </a:solidFill>
+              </p:spPr>
+              <p:style>
+                <a:lnRef idx="2">
+                  <a:schemeClr val="accent3">
+                    <a:shade val="50000"/>
+                  </a:schemeClr>
+                </a:lnRef>
+                <a:fillRef idx="1">
+                  <a:schemeClr val="accent3"/>
+                </a:fillRef>
+                <a:effectRef idx="0">
+                  <a:schemeClr val="accent3"/>
+                </a:effectRef>
+                <a:fontRef idx="minor">
+                  <a:schemeClr val="lt1"/>
+                </a:fontRef>
+              </p:style>
+              <p:txBody>
+                <a:bodyPr rtlCol="0" anchor="ctr"/>
+                <a:lstStyle/>
+                <a:p>
+                  <a:pPr algn="ctr"/>
+                  <a:r>
+                    <a:rPr lang="en-US" dirty="0"/>
+                    <a:t>User</a:t>
+                  </a:r>
+                </a:p>
+              </p:txBody>
+            </p:sp>
+            <p:cxnSp>
+              <p:nvCxnSpPr>
+                <p:cNvPr id="10" name="Straight Arrow Connector 9">
+                  <a:extLst>
+                    <a:ext uri="{FF2B5EF4-FFF2-40B4-BE49-F238E27FC236}">
+                      <a16:creationId xmlns:a16="http://schemas.microsoft.com/office/drawing/2014/main" id="{91B92F09-1A1D-4B65-AEC6-651BAEE0CB8F}"/>
+                    </a:ext>
+                  </a:extLst>
+                </p:cNvPr>
+                <p:cNvCxnSpPr>
+                  <a:stCxn id="9" idx="2"/>
+                  <a:endCxn id="6" idx="2"/>
+                </p:cNvCxnSpPr>
+                <p:nvPr/>
+              </p:nvCxnSpPr>
+              <p:spPr>
+                <a:xfrm flipH="1" flipV="1">
+                  <a:off x="2808691" y="5351443"/>
+                  <a:ext cx="1106690" cy="607081"/>
+                </a:xfrm>
+                <a:prstGeom prst="straightConnector1">
+                  <a:avLst/>
+                </a:prstGeom>
+                <a:ln>
+                  <a:tailEnd type="triangle"/>
+                </a:ln>
+              </p:spPr>
+              <p:style>
+                <a:lnRef idx="1">
+                  <a:schemeClr val="accent1"/>
+                </a:lnRef>
+                <a:fillRef idx="0">
+                  <a:schemeClr val="accent1"/>
+                </a:fillRef>
+                <a:effectRef idx="0">
+                  <a:schemeClr val="accent1"/>
+                </a:effectRef>
+                <a:fontRef idx="minor">
+                  <a:schemeClr val="tx1"/>
+                </a:fontRef>
+              </p:style>
+            </p:cxnSp>
+            <p:cxnSp>
+              <p:nvCxnSpPr>
+                <p:cNvPr id="11" name="Straight Arrow Connector 10">
+                  <a:extLst>
+                    <a:ext uri="{FF2B5EF4-FFF2-40B4-BE49-F238E27FC236}">
+                      <a16:creationId xmlns:a16="http://schemas.microsoft.com/office/drawing/2014/main" id="{14372F4B-24D9-43FB-8DA7-61E2245601D9}"/>
+                    </a:ext>
+                  </a:extLst>
+                </p:cNvPr>
+                <p:cNvCxnSpPr>
+                  <a:stCxn id="9" idx="0"/>
+                  <a:endCxn id="4" idx="2"/>
+                </p:cNvCxnSpPr>
+                <p:nvPr/>
+              </p:nvCxnSpPr>
+              <p:spPr>
+                <a:xfrm flipV="1">
+                  <a:off x="4406795" y="4541238"/>
+                  <a:ext cx="538" cy="961241"/>
+                </a:xfrm>
+                <a:prstGeom prst="straightConnector1">
+                  <a:avLst/>
+                </a:prstGeom>
+                <a:ln>
+                  <a:tailEnd type="triangle"/>
+                </a:ln>
+              </p:spPr>
+              <p:style>
+                <a:lnRef idx="1">
+                  <a:schemeClr val="accent1"/>
+                </a:lnRef>
+                <a:fillRef idx="0">
+                  <a:schemeClr val="accent1"/>
+                </a:fillRef>
+                <a:effectRef idx="0">
+                  <a:schemeClr val="accent1"/>
+                </a:effectRef>
+                <a:fontRef idx="minor">
+                  <a:schemeClr val="tx1"/>
+                </a:fontRef>
+              </p:style>
+            </p:cxnSp>
+            <p:sp>
+              <p:nvSpPr>
+                <p:cNvPr id="12" name="TextBox 11">
+                  <a:extLst>
+                    <a:ext uri="{FF2B5EF4-FFF2-40B4-BE49-F238E27FC236}">
+                      <a16:creationId xmlns:a16="http://schemas.microsoft.com/office/drawing/2014/main" id="{688578B9-54E3-487F-A7AF-48691677CE40}"/>
+                    </a:ext>
+                  </a:extLst>
+                </p:cNvPr>
+                <p:cNvSpPr txBox="1"/>
+                <p:nvPr/>
+              </p:nvSpPr>
+              <p:spPr>
+                <a:xfrm>
+                  <a:off x="4406794" y="3472057"/>
+                  <a:ext cx="1050288" cy="307777"/>
+                </a:xfrm>
+                <a:prstGeom prst="rect">
+                  <a:avLst/>
+                </a:prstGeom>
+                <a:noFill/>
+              </p:spPr>
+              <p:txBody>
+                <a:bodyPr wrap="none" rtlCol="0">
+                  <a:spAutoFit/>
+                </a:bodyPr>
+                <a:lstStyle/>
+                <a:p>
+                  <a:r>
+                    <a:rPr lang="en-US" sz="1400" dirty="0"/>
+                    <a:t>4. Updates</a:t>
+                  </a:r>
+                </a:p>
+              </p:txBody>
+            </p:sp>
+            <p:sp>
+              <p:nvSpPr>
+                <p:cNvPr id="13" name="TextBox 12">
+                  <a:extLst>
+                    <a:ext uri="{FF2B5EF4-FFF2-40B4-BE49-F238E27FC236}">
+                      <a16:creationId xmlns:a16="http://schemas.microsoft.com/office/drawing/2014/main" id="{1A7ADEA0-C376-4A48-9D9B-78C8715B5A9C}"/>
+                    </a:ext>
+                  </a:extLst>
+                </p:cNvPr>
+                <p:cNvSpPr txBox="1"/>
+                <p:nvPr/>
+              </p:nvSpPr>
+              <p:spPr>
+                <a:xfrm>
+                  <a:off x="2335806" y="4193926"/>
+                  <a:ext cx="1050288" cy="307777"/>
+                </a:xfrm>
+                <a:prstGeom prst="rect">
+                  <a:avLst/>
+                </a:prstGeom>
+                <a:noFill/>
+              </p:spPr>
+              <p:txBody>
+                <a:bodyPr wrap="none" rtlCol="0">
+                  <a:spAutoFit/>
+                </a:bodyPr>
+                <a:lstStyle/>
+                <a:p>
+                  <a:r>
+                    <a:rPr lang="en-US" sz="1400" dirty="0"/>
+                    <a:t>5. Updates</a:t>
+                  </a:r>
+                </a:p>
+              </p:txBody>
+            </p:sp>
+            <p:sp>
+              <p:nvSpPr>
+                <p:cNvPr id="14" name="TextBox 13">
+                  <a:extLst>
+                    <a:ext uri="{FF2B5EF4-FFF2-40B4-BE49-F238E27FC236}">
+                      <a16:creationId xmlns:a16="http://schemas.microsoft.com/office/drawing/2014/main" id="{DB28FAFB-EFF4-4493-B3A8-386DDF352E55}"/>
+                    </a:ext>
+                  </a:extLst>
+                </p:cNvPr>
+                <p:cNvSpPr txBox="1"/>
+                <p:nvPr/>
+              </p:nvSpPr>
+              <p:spPr>
+                <a:xfrm>
+                  <a:off x="2860950" y="5691715"/>
+                  <a:ext cx="792205" cy="307777"/>
+                </a:xfrm>
+                <a:prstGeom prst="rect">
+                  <a:avLst/>
+                </a:prstGeom>
+                <a:noFill/>
+              </p:spPr>
+              <p:txBody>
+                <a:bodyPr wrap="none" rtlCol="0">
+                  <a:spAutoFit/>
+                </a:bodyPr>
+                <a:lstStyle/>
+                <a:p>
+                  <a:r>
+                    <a:rPr lang="en-US" sz="1400" dirty="0"/>
+                    <a:t>1. Sees</a:t>
+                  </a:r>
+                </a:p>
+              </p:txBody>
+            </p:sp>
+            <p:sp>
+              <p:nvSpPr>
+                <p:cNvPr id="15" name="TextBox 14">
+                  <a:extLst>
+                    <a:ext uri="{FF2B5EF4-FFF2-40B4-BE49-F238E27FC236}">
+                      <a16:creationId xmlns:a16="http://schemas.microsoft.com/office/drawing/2014/main" id="{9C1B4CAE-A229-4015-9BEB-FF37A8D120F6}"/>
+                    </a:ext>
+                  </a:extLst>
+                </p:cNvPr>
+                <p:cNvSpPr txBox="1"/>
+                <p:nvPr/>
+              </p:nvSpPr>
+              <p:spPr>
+                <a:xfrm>
+                  <a:off x="4406794" y="4960762"/>
+                  <a:ext cx="1646605" cy="307777"/>
+                </a:xfrm>
+                <a:prstGeom prst="rect">
+                  <a:avLst/>
+                </a:prstGeom>
+                <a:noFill/>
+              </p:spPr>
+              <p:txBody>
+                <a:bodyPr wrap="none" rtlCol="0">
+                  <a:spAutoFit/>
+                </a:bodyPr>
+                <a:lstStyle/>
+                <a:p>
+                  <a:r>
+                    <a:rPr lang="en-US" sz="1400" dirty="0"/>
+                    <a:t>2. Makes requests</a:t>
+                  </a:r>
+                </a:p>
+              </p:txBody>
+            </p:sp>
+            <p:cxnSp>
+              <p:nvCxnSpPr>
+                <p:cNvPr id="16" name="Curved Connector 1065">
+                  <a:extLst>
+                    <a:ext uri="{FF2B5EF4-FFF2-40B4-BE49-F238E27FC236}">
+                      <a16:creationId xmlns:a16="http://schemas.microsoft.com/office/drawing/2014/main" id="{B298822A-DD97-42E8-B96C-D48520C09E3F}"/>
+                    </a:ext>
+                  </a:extLst>
+                </p:cNvPr>
+                <p:cNvCxnSpPr>
+                  <a:endCxn id="4" idx="3"/>
+                </p:cNvCxnSpPr>
+                <p:nvPr/>
+              </p:nvCxnSpPr>
+              <p:spPr>
+                <a:xfrm rot="5400000" flipH="1" flipV="1">
+                  <a:off x="5149123" y="4340074"/>
+                  <a:ext cx="159776" cy="538"/>
+                </a:xfrm>
+                <a:prstGeom prst="curvedConnector4">
+                  <a:avLst>
+                    <a:gd name="adj1" fmla="val -7715"/>
+                    <a:gd name="adj2" fmla="val 53814684"/>
+                  </a:avLst>
+                </a:prstGeom>
+                <a:ln>
+                  <a:tailEnd type="triangle"/>
+                </a:ln>
+              </p:spPr>
+              <p:style>
+                <a:lnRef idx="1">
+                  <a:schemeClr val="accent1"/>
+                </a:lnRef>
+                <a:fillRef idx="0">
+                  <a:schemeClr val="accent1"/>
+                </a:fillRef>
+                <a:effectRef idx="0">
+                  <a:schemeClr val="accent1"/>
+                </a:effectRef>
+                <a:fontRef idx="minor">
+                  <a:schemeClr val="tx1"/>
+                </a:fontRef>
+              </p:style>
+            </p:cxnSp>
+            <p:sp>
+              <p:nvSpPr>
+                <p:cNvPr id="17" name="TextBox 16">
+                  <a:extLst>
+                    <a:ext uri="{FF2B5EF4-FFF2-40B4-BE49-F238E27FC236}">
+                      <a16:creationId xmlns:a16="http://schemas.microsoft.com/office/drawing/2014/main" id="{EDDCF429-3F78-4E7F-A3DD-6E66F35B9818}"/>
+                    </a:ext>
+                  </a:extLst>
+                </p:cNvPr>
+                <p:cNvSpPr txBox="1"/>
+                <p:nvPr/>
+              </p:nvSpPr>
+              <p:spPr>
+                <a:xfrm>
+                  <a:off x="5511331" y="4233050"/>
+                  <a:ext cx="1833322" cy="307777"/>
+                </a:xfrm>
+                <a:prstGeom prst="rect">
+                  <a:avLst/>
+                </a:prstGeom>
+                <a:noFill/>
+              </p:spPr>
+              <p:txBody>
+                <a:bodyPr wrap="none" rtlCol="0">
+                  <a:spAutoFit/>
+                </a:bodyPr>
+                <a:lstStyle/>
+                <a:p>
+                  <a:r>
+                    <a:rPr lang="en-US" sz="1400" dirty="0"/>
+                    <a:t>3. Processes requests*</a:t>
+                  </a:r>
+                </a:p>
+              </p:txBody>
+            </p:sp>
+          </p:grpSp>
         </p:grpSp>
+        <p:sp>
+          <p:nvSpPr>
+            <p:cNvPr id="25" name="TextBox 24">
+              <a:extLst>
+                <a:ext uri="{FF2B5EF4-FFF2-40B4-BE49-F238E27FC236}">
+                  <a16:creationId xmlns:a16="http://schemas.microsoft.com/office/drawing/2014/main" id="{7B2EFAD3-DE83-4C3E-8CC0-CBB19A1E2386}"/>
+                </a:ext>
+              </a:extLst>
+            </p:cNvPr>
+            <p:cNvSpPr txBox="1"/>
+            <p:nvPr/>
+          </p:nvSpPr>
+          <p:spPr>
+            <a:xfrm>
+              <a:off x="6096000" y="5737164"/>
+              <a:ext cx="5357909" cy="738664"/>
+            </a:xfrm>
+            <a:prstGeom prst="rect">
+              <a:avLst/>
+            </a:prstGeom>
+            <a:noFill/>
+          </p:spPr>
+          <p:txBody>
+            <a:bodyPr wrap="square" rtlCol="0">
+              <a:spAutoFit/>
+            </a:bodyPr>
+            <a:lstStyle/>
+            <a:p>
+              <a:r>
+                <a:rPr lang="en-GB" sz="1400" dirty="0"/>
+                <a:t>* When dealing with forms, there are a lot of cases where there is no need to process the request, on these cases the controller is bypassed and the user updates directly the model</a:t>
+              </a:r>
+              <a:endParaRPr lang="pt-PT" sz="1400" dirty="0"/>
+            </a:p>
+          </p:txBody>
+        </p:sp>
       </p:grpSp>
     </p:spTree>
     <p:extLst>
@@ -7334,10 +9051,10 @@
       </p:sp>
       <p:grpSp>
         <p:nvGrpSpPr>
-          <p:cNvPr id="36" name="Group 35">
+          <p:cNvPr id="4" name="Group 3">
             <a:extLst>
               <a:ext uri="{FF2B5EF4-FFF2-40B4-BE49-F238E27FC236}">
-                <a16:creationId xmlns:a16="http://schemas.microsoft.com/office/drawing/2014/main" id="{584CF58E-6B01-4366-A47A-52BE2D16BEFD}"/>
+                <a16:creationId xmlns:a16="http://schemas.microsoft.com/office/drawing/2014/main" id="{A09ABA84-59C0-497B-B070-49F4AE241D76}"/>
               </a:ext>
             </a:extLst>
           </p:cNvPr>
@@ -7346,18 +9063,248 @@
         </p:nvGrpSpPr>
         <p:grpSpPr>
           <a:xfrm>
-            <a:off x="360728" y="3093061"/>
-            <a:ext cx="5183696" cy="1814498"/>
-            <a:chOff x="360727" y="4275909"/>
-            <a:chExt cx="5183697" cy="1579607"/>
+            <a:off x="360728" y="1901825"/>
+            <a:ext cx="5183696" cy="4204660"/>
+            <a:chOff x="360728" y="1901825"/>
+            <a:chExt cx="5183696" cy="4204660"/>
           </a:xfrm>
         </p:grpSpPr>
+        <p:grpSp>
+          <p:nvGrpSpPr>
+            <p:cNvPr id="36" name="Group 35">
+              <a:extLst>
+                <a:ext uri="{FF2B5EF4-FFF2-40B4-BE49-F238E27FC236}">
+                  <a16:creationId xmlns:a16="http://schemas.microsoft.com/office/drawing/2014/main" id="{584CF58E-6B01-4366-A47A-52BE2D16BEFD}"/>
+                </a:ext>
+              </a:extLst>
+            </p:cNvPr>
+            <p:cNvGrpSpPr/>
+            <p:nvPr/>
+          </p:nvGrpSpPr>
+          <p:grpSpPr>
+            <a:xfrm>
+              <a:off x="360728" y="3093061"/>
+              <a:ext cx="5183696" cy="1814498"/>
+              <a:chOff x="360727" y="4275909"/>
+              <a:chExt cx="5183697" cy="1579607"/>
+            </a:xfrm>
+          </p:grpSpPr>
+          <p:sp>
+            <p:nvSpPr>
+              <p:cNvPr id="22" name="Rectangle 21">
+                <a:extLst>
+                  <a:ext uri="{FF2B5EF4-FFF2-40B4-BE49-F238E27FC236}">
+                    <a16:creationId xmlns:a16="http://schemas.microsoft.com/office/drawing/2014/main" id="{C636EFAC-9900-487E-B0EE-8AE625509604}"/>
+                  </a:ext>
+                </a:extLst>
+              </p:cNvPr>
+              <p:cNvSpPr/>
+              <p:nvPr/>
+            </p:nvSpPr>
+            <p:spPr>
+              <a:xfrm>
+                <a:off x="360727" y="4275909"/>
+                <a:ext cx="5183697" cy="1579607"/>
+              </a:xfrm>
+              <a:prstGeom prst="rect">
+                <a:avLst/>
+              </a:prstGeom>
+            </p:spPr>
+            <p:style>
+              <a:lnRef idx="2">
+                <a:schemeClr val="accent5">
+                  <a:shade val="50000"/>
+                </a:schemeClr>
+              </a:lnRef>
+              <a:fillRef idx="1">
+                <a:schemeClr val="accent5"/>
+              </a:fillRef>
+              <a:effectRef idx="0">
+                <a:schemeClr val="accent5"/>
+              </a:effectRef>
+              <a:fontRef idx="minor">
+                <a:schemeClr val="lt1"/>
+              </a:fontRef>
+            </p:style>
+            <p:txBody>
+              <a:bodyPr rtlCol="0" anchor="t"/>
+              <a:lstStyle/>
+              <a:p>
+                <a:pPr algn="ctr"/>
+                <a:r>
+                  <a:rPr lang="en-GB" dirty="0"/>
+                  <a:t>Service Layer</a:t>
+                </a:r>
+                <a:endParaRPr lang="pt-PT" dirty="0"/>
+              </a:p>
+            </p:txBody>
+          </p:sp>
+          <p:sp>
+            <p:nvSpPr>
+              <p:cNvPr id="7" name="Rectangle: Rounded Corners 6">
+                <a:extLst>
+                  <a:ext uri="{FF2B5EF4-FFF2-40B4-BE49-F238E27FC236}">
+                    <a16:creationId xmlns:a16="http://schemas.microsoft.com/office/drawing/2014/main" id="{5B8DA23D-4244-4439-BC01-41477A12236C}"/>
+                  </a:ext>
+                </a:extLst>
+              </p:cNvPr>
+              <p:cNvSpPr/>
+              <p:nvPr/>
+            </p:nvSpPr>
+            <p:spPr>
+              <a:xfrm>
+                <a:off x="703976" y="4941116"/>
+                <a:ext cx="1141602" cy="662730"/>
+              </a:xfrm>
+              <a:prstGeom prst="roundRect">
+                <a:avLst/>
+              </a:prstGeom>
+              <a:solidFill>
+                <a:schemeClr val="accent4">
+                  <a:lumMod val="75000"/>
+                </a:schemeClr>
+              </a:solidFill>
+            </p:spPr>
+            <p:style>
+              <a:lnRef idx="3">
+                <a:schemeClr val="lt1"/>
+              </a:lnRef>
+              <a:fillRef idx="1">
+                <a:schemeClr val="accent1"/>
+              </a:fillRef>
+              <a:effectRef idx="1">
+                <a:schemeClr val="accent1"/>
+              </a:effectRef>
+              <a:fontRef idx="minor">
+                <a:schemeClr val="lt1"/>
+              </a:fontRef>
+            </p:style>
+            <p:txBody>
+              <a:bodyPr rtlCol="0" anchor="ctr"/>
+              <a:lstStyle/>
+              <a:p>
+                <a:pPr algn="ctr"/>
+                <a:r>
+                  <a:rPr lang="en-GB" dirty="0"/>
+                  <a:t>Service 1</a:t>
+                </a:r>
+                <a:endParaRPr lang="pt-PT" dirty="0"/>
+              </a:p>
+            </p:txBody>
+          </p:sp>
+          <p:sp>
+            <p:nvSpPr>
+              <p:cNvPr id="23" name="Rectangle: Rounded Corners 22">
+                <a:extLst>
+                  <a:ext uri="{FF2B5EF4-FFF2-40B4-BE49-F238E27FC236}">
+                    <a16:creationId xmlns:a16="http://schemas.microsoft.com/office/drawing/2014/main" id="{66C28969-CDA3-497D-925B-18C734525520}"/>
+                  </a:ext>
+                </a:extLst>
+              </p:cNvPr>
+              <p:cNvSpPr/>
+              <p:nvPr/>
+            </p:nvSpPr>
+            <p:spPr>
+              <a:xfrm>
+                <a:off x="2381774" y="5065713"/>
+                <a:ext cx="1141602" cy="662730"/>
+              </a:xfrm>
+              <a:prstGeom prst="roundRect">
+                <a:avLst/>
+              </a:prstGeom>
+              <a:solidFill>
+                <a:schemeClr val="accent4">
+                  <a:lumMod val="75000"/>
+                </a:schemeClr>
+              </a:solidFill>
+            </p:spPr>
+            <p:style>
+              <a:lnRef idx="3">
+                <a:schemeClr val="lt1"/>
+              </a:lnRef>
+              <a:fillRef idx="1">
+                <a:schemeClr val="accent1"/>
+              </a:fillRef>
+              <a:effectRef idx="1">
+                <a:schemeClr val="accent1"/>
+              </a:effectRef>
+              <a:fontRef idx="minor">
+                <a:schemeClr val="lt1"/>
+              </a:fontRef>
+            </p:style>
+            <p:txBody>
+              <a:bodyPr rtlCol="0" anchor="ctr"/>
+              <a:lstStyle/>
+              <a:p>
+                <a:pPr algn="ctr"/>
+                <a:r>
+                  <a:rPr lang="en-GB" dirty="0"/>
+                  <a:t>Service 2</a:t>
+                </a:r>
+                <a:endParaRPr lang="pt-PT" dirty="0"/>
+              </a:p>
+            </p:txBody>
+          </p:sp>
+          <p:sp>
+            <p:nvSpPr>
+              <p:cNvPr id="24" name="Rectangle: Rounded Corners 23">
+                <a:extLst>
+                  <a:ext uri="{FF2B5EF4-FFF2-40B4-BE49-F238E27FC236}">
+                    <a16:creationId xmlns:a16="http://schemas.microsoft.com/office/drawing/2014/main" id="{7F16A17A-6C39-4EFD-A5AD-08917C5CB6E6}"/>
+                  </a:ext>
+                </a:extLst>
+              </p:cNvPr>
+              <p:cNvSpPr/>
+              <p:nvPr/>
+            </p:nvSpPr>
+            <p:spPr>
+              <a:xfrm>
+                <a:off x="3984071" y="4924782"/>
+                <a:ext cx="1141602" cy="662730"/>
+              </a:xfrm>
+              <a:prstGeom prst="roundRect">
+                <a:avLst/>
+              </a:prstGeom>
+              <a:solidFill>
+                <a:schemeClr val="accent4">
+                  <a:lumMod val="75000"/>
+                </a:schemeClr>
+              </a:solidFill>
+            </p:spPr>
+            <p:style>
+              <a:lnRef idx="3">
+                <a:schemeClr val="lt1"/>
+              </a:lnRef>
+              <a:fillRef idx="1">
+                <a:schemeClr val="accent1"/>
+              </a:fillRef>
+              <a:effectRef idx="1">
+                <a:schemeClr val="accent1"/>
+              </a:effectRef>
+              <a:fontRef idx="minor">
+                <a:schemeClr val="lt1"/>
+              </a:fontRef>
+            </p:style>
+            <p:txBody>
+              <a:bodyPr rtlCol="0" anchor="ctr"/>
+              <a:lstStyle/>
+              <a:p>
+                <a:pPr algn="ctr"/>
+                <a:r>
+                  <a:rPr lang="en-GB" dirty="0"/>
+                  <a:t>Service 3</a:t>
+                </a:r>
+                <a:endParaRPr lang="pt-PT" dirty="0"/>
+              </a:p>
+            </p:txBody>
+          </p:sp>
+        </p:grpSp>
         <p:sp>
           <p:nvSpPr>
-            <p:cNvPr id="22" name="Rectangle 21">
+            <p:cNvPr id="25" name="Rectangle 24">
               <a:extLst>
                 <a:ext uri="{FF2B5EF4-FFF2-40B4-BE49-F238E27FC236}">
-                  <a16:creationId xmlns:a16="http://schemas.microsoft.com/office/drawing/2014/main" id="{C636EFAC-9900-487E-B0EE-8AE625509604}"/>
+                  <a16:creationId xmlns:a16="http://schemas.microsoft.com/office/drawing/2014/main" id="{5334D4F0-987E-4B1C-9B96-47AD620BDE0F}"/>
                 </a:ext>
               </a:extLst>
             </p:cNvPr>
@@ -7366,8 +9313,8 @@
           </p:nvSpPr>
           <p:spPr>
             <a:xfrm>
-              <a:off x="360727" y="4275909"/>
-              <a:ext cx="5183697" cy="1579607"/>
+              <a:off x="360728" y="1901825"/>
+              <a:ext cx="2424418" cy="830510"/>
             </a:xfrm>
             <a:prstGeom prst="rect">
               <a:avLst/>
@@ -7375,62 +9322,14 @@
           </p:spPr>
           <p:style>
             <a:lnRef idx="2">
-              <a:schemeClr val="accent5">
+              <a:schemeClr val="accent1">
                 <a:shade val="50000"/>
               </a:schemeClr>
             </a:lnRef>
             <a:fillRef idx="1">
-              <a:schemeClr val="accent5"/>
+              <a:schemeClr val="accent1"/>
             </a:fillRef>
             <a:effectRef idx="0">
-              <a:schemeClr val="accent5"/>
-            </a:effectRef>
-            <a:fontRef idx="minor">
-              <a:schemeClr val="lt1"/>
-            </a:fontRef>
-          </p:style>
-          <p:txBody>
-            <a:bodyPr rtlCol="0" anchor="t"/>
-            <a:lstStyle/>
-            <a:p>
-              <a:pPr algn="ctr"/>
-              <a:r>
-                <a:rPr lang="en-GB" dirty="0"/>
-                <a:t>Service Layer</a:t>
-              </a:r>
-              <a:endParaRPr lang="pt-PT" dirty="0"/>
-            </a:p>
-          </p:txBody>
-        </p:sp>
-        <p:sp>
-          <p:nvSpPr>
-            <p:cNvPr id="7" name="Rectangle: Rounded Corners 6">
-              <a:extLst>
-                <a:ext uri="{FF2B5EF4-FFF2-40B4-BE49-F238E27FC236}">
-                  <a16:creationId xmlns:a16="http://schemas.microsoft.com/office/drawing/2014/main" id="{5B8DA23D-4244-4439-BC01-41477A12236C}"/>
-                </a:ext>
-              </a:extLst>
-            </p:cNvPr>
-            <p:cNvSpPr/>
-            <p:nvPr/>
-          </p:nvSpPr>
-          <p:spPr>
-            <a:xfrm>
-              <a:off x="703976" y="4941116"/>
-              <a:ext cx="1141602" cy="662730"/>
-            </a:xfrm>
-            <a:prstGeom prst="roundRect">
-              <a:avLst/>
-            </a:prstGeom>
-          </p:spPr>
-          <p:style>
-            <a:lnRef idx="3">
-              <a:schemeClr val="lt1"/>
-            </a:lnRef>
-            <a:fillRef idx="1">
-              <a:schemeClr val="accent1"/>
-            </a:fillRef>
-            <a:effectRef idx="1">
               <a:schemeClr val="accent1"/>
             </a:effectRef>
             <a:fontRef idx="minor">
@@ -7444,7 +9343,7 @@
               <a:pPr algn="ctr"/>
               <a:r>
                 <a:rPr lang="en-GB" dirty="0"/>
-                <a:t>Service 1</a:t>
+                <a:t>Presentation Layer</a:t>
               </a:r>
               <a:endParaRPr lang="pt-PT" dirty="0"/>
             </a:p>
@@ -7452,10 +9351,10 @@
         </p:sp>
         <p:sp>
           <p:nvSpPr>
-            <p:cNvPr id="23" name="Rectangle: Rounded Corners 22">
+            <p:cNvPr id="26" name="Rectangle 25">
               <a:extLst>
                 <a:ext uri="{FF2B5EF4-FFF2-40B4-BE49-F238E27FC236}">
-                  <a16:creationId xmlns:a16="http://schemas.microsoft.com/office/drawing/2014/main" id="{66C28969-CDA3-497D-925B-18C734525520}"/>
+                  <a16:creationId xmlns:a16="http://schemas.microsoft.com/office/drawing/2014/main" id="{CD7435AE-D38A-4CD4-9765-835D1E73ECC9}"/>
                 </a:ext>
               </a:extLst>
             </p:cNvPr>
@@ -7464,21 +9363,23 @@
           </p:nvSpPr>
           <p:spPr>
             <a:xfrm>
-              <a:off x="2381774" y="5065713"/>
-              <a:ext cx="1141602" cy="662730"/>
+              <a:off x="3120006" y="1901825"/>
+              <a:ext cx="2424418" cy="830510"/>
             </a:xfrm>
-            <a:prstGeom prst="roundRect">
+            <a:prstGeom prst="rect">
               <a:avLst/>
             </a:prstGeom>
           </p:spPr>
           <p:style>
-            <a:lnRef idx="3">
-              <a:schemeClr val="lt1"/>
+            <a:lnRef idx="2">
+              <a:schemeClr val="accent1">
+                <a:shade val="50000"/>
+              </a:schemeClr>
             </a:lnRef>
             <a:fillRef idx="1">
               <a:schemeClr val="accent1"/>
             </a:fillRef>
-            <a:effectRef idx="1">
+            <a:effectRef idx="0">
               <a:schemeClr val="accent1"/>
             </a:effectRef>
             <a:fontRef idx="minor">
@@ -7492,18 +9393,155 @@
               <a:pPr algn="ctr"/>
               <a:r>
                 <a:rPr lang="en-GB" dirty="0"/>
-                <a:t>Service 2</a:t>
+                <a:t>External Applications</a:t>
               </a:r>
               <a:endParaRPr lang="pt-PT" dirty="0"/>
             </a:p>
           </p:txBody>
         </p:sp>
+        <p:cxnSp>
+          <p:nvCxnSpPr>
+            <p:cNvPr id="11" name="Straight Arrow Connector 10">
+              <a:extLst>
+                <a:ext uri="{FF2B5EF4-FFF2-40B4-BE49-F238E27FC236}">
+                  <a16:creationId xmlns:a16="http://schemas.microsoft.com/office/drawing/2014/main" id="{F0963D82-FF30-4311-ADE7-60AFFFFBA37F}"/>
+                </a:ext>
+              </a:extLst>
+            </p:cNvPr>
+            <p:cNvCxnSpPr>
+              <a:stCxn id="25" idx="2"/>
+              <a:endCxn id="7" idx="0"/>
+            </p:cNvCxnSpPr>
+            <p:nvPr/>
+          </p:nvCxnSpPr>
+          <p:spPr>
+            <a:xfrm flipH="1">
+              <a:off x="1274778" y="2732335"/>
+              <a:ext cx="298159" cy="1124851"/>
+            </a:xfrm>
+            <a:prstGeom prst="straightConnector1">
+              <a:avLst/>
+            </a:prstGeom>
+            <a:ln>
+              <a:solidFill>
+                <a:schemeClr val="tx1"/>
+              </a:solidFill>
+              <a:tailEnd type="triangle"/>
+            </a:ln>
+          </p:spPr>
+          <p:style>
+            <a:lnRef idx="1">
+              <a:schemeClr val="accent1"/>
+            </a:lnRef>
+            <a:fillRef idx="0">
+              <a:schemeClr val="accent1"/>
+            </a:fillRef>
+            <a:effectRef idx="0">
+              <a:schemeClr val="accent1"/>
+            </a:effectRef>
+            <a:fontRef idx="minor">
+              <a:schemeClr val="tx1"/>
+            </a:fontRef>
+          </p:style>
+        </p:cxnSp>
+        <p:cxnSp>
+          <p:nvCxnSpPr>
+            <p:cNvPr id="32" name="Straight Arrow Connector 31">
+              <a:extLst>
+                <a:ext uri="{FF2B5EF4-FFF2-40B4-BE49-F238E27FC236}">
+                  <a16:creationId xmlns:a16="http://schemas.microsoft.com/office/drawing/2014/main" id="{33FB5B33-BD91-4797-8342-0B09E831EAAD}"/>
+                </a:ext>
+              </a:extLst>
+            </p:cNvPr>
+            <p:cNvCxnSpPr>
+              <a:cxnSpLocks/>
+              <a:stCxn id="26" idx="2"/>
+              <a:endCxn id="23" idx="0"/>
+            </p:cNvCxnSpPr>
+            <p:nvPr/>
+          </p:nvCxnSpPr>
+          <p:spPr>
+            <a:xfrm flipH="1">
+              <a:off x="2952576" y="2732335"/>
+              <a:ext cx="1379639" cy="1267976"/>
+            </a:xfrm>
+            <a:prstGeom prst="straightConnector1">
+              <a:avLst/>
+            </a:prstGeom>
+            <a:ln>
+              <a:solidFill>
+                <a:schemeClr val="tx1"/>
+              </a:solidFill>
+              <a:tailEnd type="triangle"/>
+            </a:ln>
+          </p:spPr>
+          <p:style>
+            <a:lnRef idx="1">
+              <a:schemeClr val="accent1"/>
+            </a:lnRef>
+            <a:fillRef idx="0">
+              <a:schemeClr val="accent1"/>
+            </a:fillRef>
+            <a:effectRef idx="0">
+              <a:schemeClr val="accent1"/>
+            </a:effectRef>
+            <a:fontRef idx="minor">
+              <a:schemeClr val="tx1"/>
+            </a:fontRef>
+          </p:style>
+        </p:cxnSp>
+        <p:cxnSp>
+          <p:nvCxnSpPr>
+            <p:cNvPr id="35" name="Straight Arrow Connector 34">
+              <a:extLst>
+                <a:ext uri="{FF2B5EF4-FFF2-40B4-BE49-F238E27FC236}">
+                  <a16:creationId xmlns:a16="http://schemas.microsoft.com/office/drawing/2014/main" id="{1A36EF90-B8A1-459A-A3C0-CF2C4D25626D}"/>
+                </a:ext>
+              </a:extLst>
+            </p:cNvPr>
+            <p:cNvCxnSpPr>
+              <a:cxnSpLocks/>
+              <a:stCxn id="26" idx="2"/>
+              <a:endCxn id="24" idx="0"/>
+            </p:cNvCxnSpPr>
+            <p:nvPr/>
+          </p:nvCxnSpPr>
+          <p:spPr>
+            <a:xfrm>
+              <a:off x="4332215" y="2732335"/>
+              <a:ext cx="222657" cy="1106088"/>
+            </a:xfrm>
+            <a:prstGeom prst="straightConnector1">
+              <a:avLst/>
+            </a:prstGeom>
+            <a:ln>
+              <a:solidFill>
+                <a:schemeClr val="tx1"/>
+              </a:solidFill>
+              <a:tailEnd type="triangle"/>
+            </a:ln>
+          </p:spPr>
+          <p:style>
+            <a:lnRef idx="1">
+              <a:schemeClr val="accent1"/>
+            </a:lnRef>
+            <a:fillRef idx="0">
+              <a:schemeClr val="accent1"/>
+            </a:fillRef>
+            <a:effectRef idx="0">
+              <a:schemeClr val="accent1"/>
+            </a:effectRef>
+            <a:fontRef idx="minor">
+              <a:schemeClr val="tx1"/>
+            </a:fontRef>
+          </p:style>
+        </p:cxnSp>
         <p:sp>
           <p:nvSpPr>
-            <p:cNvPr id="24" name="Rectangle: Rounded Corners 23">
+            <p:cNvPr id="41" name="Rectangle 40">
               <a:extLst>
                 <a:ext uri="{FF2B5EF4-FFF2-40B4-BE49-F238E27FC236}">
-                  <a16:creationId xmlns:a16="http://schemas.microsoft.com/office/drawing/2014/main" id="{7F16A17A-6C39-4EFD-A5AD-08917C5CB6E6}"/>
+                  <a16:creationId xmlns:a16="http://schemas.microsoft.com/office/drawing/2014/main" id="{8EF8FFC8-9A92-457D-9BFB-28AAF802BF8A}"/>
                 </a:ext>
               </a:extLst>
             </p:cNvPr>
@@ -7512,21 +9550,23 @@
           </p:nvSpPr>
           <p:spPr>
             <a:xfrm>
-              <a:off x="3984071" y="4924782"/>
-              <a:ext cx="1141602" cy="662730"/>
+              <a:off x="369116" y="5268285"/>
+              <a:ext cx="5175308" cy="838200"/>
             </a:xfrm>
-            <a:prstGeom prst="roundRect">
+            <a:prstGeom prst="rect">
               <a:avLst/>
             </a:prstGeom>
           </p:spPr>
           <p:style>
-            <a:lnRef idx="3">
-              <a:schemeClr val="lt1"/>
+            <a:lnRef idx="2">
+              <a:schemeClr val="accent1">
+                <a:shade val="50000"/>
+              </a:schemeClr>
             </a:lnRef>
             <a:fillRef idx="1">
               <a:schemeClr val="accent1"/>
             </a:fillRef>
-            <a:effectRef idx="1">
+            <a:effectRef idx="0">
               <a:schemeClr val="accent1"/>
             </a:effectRef>
             <a:fontRef idx="minor">
@@ -7540,436 +9580,149 @@
               <a:pPr algn="ctr"/>
               <a:r>
                 <a:rPr lang="en-GB" dirty="0"/>
-                <a:t>Service 3</a:t>
+                <a:t>Business Layer</a:t>
               </a:r>
               <a:endParaRPr lang="pt-PT" dirty="0"/>
             </a:p>
           </p:txBody>
         </p:sp>
+        <p:cxnSp>
+          <p:nvCxnSpPr>
+            <p:cNvPr id="46" name="Straight Arrow Connector 45">
+              <a:extLst>
+                <a:ext uri="{FF2B5EF4-FFF2-40B4-BE49-F238E27FC236}">
+                  <a16:creationId xmlns:a16="http://schemas.microsoft.com/office/drawing/2014/main" id="{2A192C23-545D-4BA3-A7A8-AC931E6D8A63}"/>
+                </a:ext>
+              </a:extLst>
+            </p:cNvPr>
+            <p:cNvCxnSpPr>
+              <a:cxnSpLocks/>
+              <a:stCxn id="7" idx="2"/>
+            </p:cNvCxnSpPr>
+            <p:nvPr/>
+          </p:nvCxnSpPr>
+          <p:spPr>
+            <a:xfrm>
+              <a:off x="1274778" y="4618465"/>
+              <a:ext cx="0" cy="649820"/>
+            </a:xfrm>
+            <a:prstGeom prst="straightConnector1">
+              <a:avLst/>
+            </a:prstGeom>
+            <a:ln>
+              <a:solidFill>
+                <a:schemeClr val="tx1"/>
+              </a:solidFill>
+              <a:tailEnd type="triangle"/>
+            </a:ln>
+          </p:spPr>
+          <p:style>
+            <a:lnRef idx="1">
+              <a:schemeClr val="accent1"/>
+            </a:lnRef>
+            <a:fillRef idx="0">
+              <a:schemeClr val="accent1"/>
+            </a:fillRef>
+            <a:effectRef idx="0">
+              <a:schemeClr val="accent1"/>
+            </a:effectRef>
+            <a:fontRef idx="minor">
+              <a:schemeClr val="tx1"/>
+            </a:fontRef>
+          </p:style>
+        </p:cxnSp>
+        <p:cxnSp>
+          <p:nvCxnSpPr>
+            <p:cNvPr id="49" name="Straight Arrow Connector 48">
+              <a:extLst>
+                <a:ext uri="{FF2B5EF4-FFF2-40B4-BE49-F238E27FC236}">
+                  <a16:creationId xmlns:a16="http://schemas.microsoft.com/office/drawing/2014/main" id="{356EA756-7B60-4D21-89C1-459D0FC21D73}"/>
+                </a:ext>
+              </a:extLst>
+            </p:cNvPr>
+            <p:cNvCxnSpPr>
+              <a:cxnSpLocks/>
+              <a:stCxn id="23" idx="2"/>
+              <a:endCxn id="41" idx="0"/>
+            </p:cNvCxnSpPr>
+            <p:nvPr/>
+          </p:nvCxnSpPr>
+          <p:spPr>
+            <a:xfrm>
+              <a:off x="2952576" y="4761590"/>
+              <a:ext cx="4194" cy="506695"/>
+            </a:xfrm>
+            <a:prstGeom prst="straightConnector1">
+              <a:avLst/>
+            </a:prstGeom>
+            <a:ln>
+              <a:solidFill>
+                <a:schemeClr val="tx1"/>
+              </a:solidFill>
+              <a:tailEnd type="triangle"/>
+            </a:ln>
+          </p:spPr>
+          <p:style>
+            <a:lnRef idx="1">
+              <a:schemeClr val="accent1"/>
+            </a:lnRef>
+            <a:fillRef idx="0">
+              <a:schemeClr val="accent1"/>
+            </a:fillRef>
+            <a:effectRef idx="0">
+              <a:schemeClr val="accent1"/>
+            </a:effectRef>
+            <a:fontRef idx="minor">
+              <a:schemeClr val="tx1"/>
+            </a:fontRef>
+          </p:style>
+        </p:cxnSp>
+        <p:cxnSp>
+          <p:nvCxnSpPr>
+            <p:cNvPr id="52" name="Straight Arrow Connector 51">
+              <a:extLst>
+                <a:ext uri="{FF2B5EF4-FFF2-40B4-BE49-F238E27FC236}">
+                  <a16:creationId xmlns:a16="http://schemas.microsoft.com/office/drawing/2014/main" id="{403E55F8-F445-4B17-A276-2C6B5DD329F3}"/>
+                </a:ext>
+              </a:extLst>
+            </p:cNvPr>
+            <p:cNvCxnSpPr>
+              <a:cxnSpLocks/>
+              <a:stCxn id="24" idx="2"/>
+            </p:cNvCxnSpPr>
+            <p:nvPr/>
+          </p:nvCxnSpPr>
+          <p:spPr>
+            <a:xfrm>
+              <a:off x="4554872" y="4599702"/>
+              <a:ext cx="0" cy="668583"/>
+            </a:xfrm>
+            <a:prstGeom prst="straightConnector1">
+              <a:avLst/>
+            </a:prstGeom>
+            <a:ln>
+              <a:solidFill>
+                <a:schemeClr val="tx1"/>
+              </a:solidFill>
+              <a:tailEnd type="triangle"/>
+            </a:ln>
+          </p:spPr>
+          <p:style>
+            <a:lnRef idx="1">
+              <a:schemeClr val="accent1"/>
+            </a:lnRef>
+            <a:fillRef idx="0">
+              <a:schemeClr val="accent1"/>
+            </a:fillRef>
+            <a:effectRef idx="0">
+              <a:schemeClr val="accent1"/>
+            </a:effectRef>
+            <a:fontRef idx="minor">
+              <a:schemeClr val="tx1"/>
+            </a:fontRef>
+          </p:style>
+        </p:cxnSp>
       </p:grpSp>
-      <p:sp>
-        <p:nvSpPr>
-          <p:cNvPr id="25" name="Rectangle 24">
-            <a:extLst>
-              <a:ext uri="{FF2B5EF4-FFF2-40B4-BE49-F238E27FC236}">
-                <a16:creationId xmlns:a16="http://schemas.microsoft.com/office/drawing/2014/main" id="{5334D4F0-987E-4B1C-9B96-47AD620BDE0F}"/>
-              </a:ext>
-            </a:extLst>
-          </p:cNvPr>
-          <p:cNvSpPr/>
-          <p:nvPr/>
-        </p:nvSpPr>
-        <p:spPr>
-          <a:xfrm>
-            <a:off x="360728" y="1901825"/>
-            <a:ext cx="2424418" cy="830510"/>
-          </a:xfrm>
-          <a:prstGeom prst="rect">
-            <a:avLst/>
-          </a:prstGeom>
-        </p:spPr>
-        <p:style>
-          <a:lnRef idx="2">
-            <a:schemeClr val="accent1">
-              <a:shade val="50000"/>
-            </a:schemeClr>
-          </a:lnRef>
-          <a:fillRef idx="1">
-            <a:schemeClr val="accent1"/>
-          </a:fillRef>
-          <a:effectRef idx="0">
-            <a:schemeClr val="accent1"/>
-          </a:effectRef>
-          <a:fontRef idx="minor">
-            <a:schemeClr val="lt1"/>
-          </a:fontRef>
-        </p:style>
-        <p:txBody>
-          <a:bodyPr rtlCol="0" anchor="ctr"/>
-          <a:lstStyle/>
-          <a:p>
-            <a:pPr algn="ctr"/>
-            <a:r>
-              <a:rPr lang="en-GB" dirty="0"/>
-              <a:t>Presentation Layer</a:t>
-            </a:r>
-            <a:endParaRPr lang="pt-PT" dirty="0"/>
-          </a:p>
-        </p:txBody>
-      </p:sp>
-      <p:sp>
-        <p:nvSpPr>
-          <p:cNvPr id="26" name="Rectangle 25">
-            <a:extLst>
-              <a:ext uri="{FF2B5EF4-FFF2-40B4-BE49-F238E27FC236}">
-                <a16:creationId xmlns:a16="http://schemas.microsoft.com/office/drawing/2014/main" id="{CD7435AE-D38A-4CD4-9765-835D1E73ECC9}"/>
-              </a:ext>
-            </a:extLst>
-          </p:cNvPr>
-          <p:cNvSpPr/>
-          <p:nvPr/>
-        </p:nvSpPr>
-        <p:spPr>
-          <a:xfrm>
-            <a:off x="3120006" y="1901825"/>
-            <a:ext cx="2424418" cy="830510"/>
-          </a:xfrm>
-          <a:prstGeom prst="rect">
-            <a:avLst/>
-          </a:prstGeom>
-        </p:spPr>
-        <p:style>
-          <a:lnRef idx="2">
-            <a:schemeClr val="accent1">
-              <a:shade val="50000"/>
-            </a:schemeClr>
-          </a:lnRef>
-          <a:fillRef idx="1">
-            <a:schemeClr val="accent1"/>
-          </a:fillRef>
-          <a:effectRef idx="0">
-            <a:schemeClr val="accent1"/>
-          </a:effectRef>
-          <a:fontRef idx="minor">
-            <a:schemeClr val="lt1"/>
-          </a:fontRef>
-        </p:style>
-        <p:txBody>
-          <a:bodyPr rtlCol="0" anchor="ctr"/>
-          <a:lstStyle/>
-          <a:p>
-            <a:pPr algn="ctr"/>
-            <a:r>
-              <a:rPr lang="en-GB" dirty="0"/>
-              <a:t>External Applications</a:t>
-            </a:r>
-            <a:endParaRPr lang="pt-PT" dirty="0"/>
-          </a:p>
-        </p:txBody>
-      </p:sp>
-      <p:cxnSp>
-        <p:nvCxnSpPr>
-          <p:cNvPr id="11" name="Straight Arrow Connector 10">
-            <a:extLst>
-              <a:ext uri="{FF2B5EF4-FFF2-40B4-BE49-F238E27FC236}">
-                <a16:creationId xmlns:a16="http://schemas.microsoft.com/office/drawing/2014/main" id="{F0963D82-FF30-4311-ADE7-60AFFFFBA37F}"/>
-              </a:ext>
-            </a:extLst>
-          </p:cNvPr>
-          <p:cNvCxnSpPr>
-            <a:stCxn id="25" idx="2"/>
-            <a:endCxn id="7" idx="0"/>
-          </p:cNvCxnSpPr>
-          <p:nvPr/>
-        </p:nvCxnSpPr>
-        <p:spPr>
-          <a:xfrm flipH="1">
-            <a:off x="1274778" y="2732335"/>
-            <a:ext cx="298159" cy="1124851"/>
-          </a:xfrm>
-          <a:prstGeom prst="straightConnector1">
-            <a:avLst/>
-          </a:prstGeom>
-          <a:ln>
-            <a:solidFill>
-              <a:schemeClr val="tx1"/>
-            </a:solidFill>
-            <a:tailEnd type="triangle"/>
-          </a:ln>
-        </p:spPr>
-        <p:style>
-          <a:lnRef idx="1">
-            <a:schemeClr val="accent1"/>
-          </a:lnRef>
-          <a:fillRef idx="0">
-            <a:schemeClr val="accent1"/>
-          </a:fillRef>
-          <a:effectRef idx="0">
-            <a:schemeClr val="accent1"/>
-          </a:effectRef>
-          <a:fontRef idx="minor">
-            <a:schemeClr val="tx1"/>
-          </a:fontRef>
-        </p:style>
-      </p:cxnSp>
-      <p:cxnSp>
-        <p:nvCxnSpPr>
-          <p:cNvPr id="32" name="Straight Arrow Connector 31">
-            <a:extLst>
-              <a:ext uri="{FF2B5EF4-FFF2-40B4-BE49-F238E27FC236}">
-                <a16:creationId xmlns:a16="http://schemas.microsoft.com/office/drawing/2014/main" id="{33FB5B33-BD91-4797-8342-0B09E831EAAD}"/>
-              </a:ext>
-            </a:extLst>
-          </p:cNvPr>
-          <p:cNvCxnSpPr>
-            <a:cxnSpLocks/>
-            <a:stCxn id="26" idx="2"/>
-            <a:endCxn id="23" idx="0"/>
-          </p:cNvCxnSpPr>
-          <p:nvPr/>
-        </p:nvCxnSpPr>
-        <p:spPr>
-          <a:xfrm flipH="1">
-            <a:off x="2952576" y="2732335"/>
-            <a:ext cx="1379639" cy="1267976"/>
-          </a:xfrm>
-          <a:prstGeom prst="straightConnector1">
-            <a:avLst/>
-          </a:prstGeom>
-          <a:ln>
-            <a:solidFill>
-              <a:schemeClr val="tx1"/>
-            </a:solidFill>
-            <a:tailEnd type="triangle"/>
-          </a:ln>
-        </p:spPr>
-        <p:style>
-          <a:lnRef idx="1">
-            <a:schemeClr val="accent1"/>
-          </a:lnRef>
-          <a:fillRef idx="0">
-            <a:schemeClr val="accent1"/>
-          </a:fillRef>
-          <a:effectRef idx="0">
-            <a:schemeClr val="accent1"/>
-          </a:effectRef>
-          <a:fontRef idx="minor">
-            <a:schemeClr val="tx1"/>
-          </a:fontRef>
-        </p:style>
-      </p:cxnSp>
-      <p:cxnSp>
-        <p:nvCxnSpPr>
-          <p:cNvPr id="35" name="Straight Arrow Connector 34">
-            <a:extLst>
-              <a:ext uri="{FF2B5EF4-FFF2-40B4-BE49-F238E27FC236}">
-                <a16:creationId xmlns:a16="http://schemas.microsoft.com/office/drawing/2014/main" id="{1A36EF90-B8A1-459A-A3C0-CF2C4D25626D}"/>
-              </a:ext>
-            </a:extLst>
-          </p:cNvPr>
-          <p:cNvCxnSpPr>
-            <a:cxnSpLocks/>
-            <a:stCxn id="26" idx="2"/>
-            <a:endCxn id="24" idx="0"/>
-          </p:cNvCxnSpPr>
-          <p:nvPr/>
-        </p:nvCxnSpPr>
-        <p:spPr>
-          <a:xfrm>
-            <a:off x="4332215" y="2732335"/>
-            <a:ext cx="222657" cy="1106088"/>
-          </a:xfrm>
-          <a:prstGeom prst="straightConnector1">
-            <a:avLst/>
-          </a:prstGeom>
-          <a:ln>
-            <a:solidFill>
-              <a:schemeClr val="tx1"/>
-            </a:solidFill>
-            <a:tailEnd type="triangle"/>
-          </a:ln>
-        </p:spPr>
-        <p:style>
-          <a:lnRef idx="1">
-            <a:schemeClr val="accent1"/>
-          </a:lnRef>
-          <a:fillRef idx="0">
-            <a:schemeClr val="accent1"/>
-          </a:fillRef>
-          <a:effectRef idx="0">
-            <a:schemeClr val="accent1"/>
-          </a:effectRef>
-          <a:fontRef idx="minor">
-            <a:schemeClr val="tx1"/>
-          </a:fontRef>
-        </p:style>
-      </p:cxnSp>
-      <p:sp>
-        <p:nvSpPr>
-          <p:cNvPr id="41" name="Rectangle 40">
-            <a:extLst>
-              <a:ext uri="{FF2B5EF4-FFF2-40B4-BE49-F238E27FC236}">
-                <a16:creationId xmlns:a16="http://schemas.microsoft.com/office/drawing/2014/main" id="{8EF8FFC8-9A92-457D-9BFB-28AAF802BF8A}"/>
-              </a:ext>
-            </a:extLst>
-          </p:cNvPr>
-          <p:cNvSpPr/>
-          <p:nvPr/>
-        </p:nvSpPr>
-        <p:spPr>
-          <a:xfrm>
-            <a:off x="369116" y="5268285"/>
-            <a:ext cx="5175308" cy="838200"/>
-          </a:xfrm>
-          <a:prstGeom prst="rect">
-            <a:avLst/>
-          </a:prstGeom>
-        </p:spPr>
-        <p:style>
-          <a:lnRef idx="2">
-            <a:schemeClr val="accent1">
-              <a:shade val="50000"/>
-            </a:schemeClr>
-          </a:lnRef>
-          <a:fillRef idx="1">
-            <a:schemeClr val="accent1"/>
-          </a:fillRef>
-          <a:effectRef idx="0">
-            <a:schemeClr val="accent1"/>
-          </a:effectRef>
-          <a:fontRef idx="minor">
-            <a:schemeClr val="lt1"/>
-          </a:fontRef>
-        </p:style>
-        <p:txBody>
-          <a:bodyPr rtlCol="0" anchor="ctr"/>
-          <a:lstStyle/>
-          <a:p>
-            <a:pPr algn="ctr"/>
-            <a:r>
-              <a:rPr lang="en-GB" dirty="0"/>
-              <a:t>Business Layer</a:t>
-            </a:r>
-            <a:endParaRPr lang="pt-PT" dirty="0"/>
-          </a:p>
-        </p:txBody>
-      </p:sp>
-      <p:cxnSp>
-        <p:nvCxnSpPr>
-          <p:cNvPr id="46" name="Straight Arrow Connector 45">
-            <a:extLst>
-              <a:ext uri="{FF2B5EF4-FFF2-40B4-BE49-F238E27FC236}">
-                <a16:creationId xmlns:a16="http://schemas.microsoft.com/office/drawing/2014/main" id="{2A192C23-545D-4BA3-A7A8-AC931E6D8A63}"/>
-              </a:ext>
-            </a:extLst>
-          </p:cNvPr>
-          <p:cNvCxnSpPr>
-            <a:cxnSpLocks/>
-            <a:stCxn id="7" idx="2"/>
-          </p:cNvCxnSpPr>
-          <p:nvPr/>
-        </p:nvCxnSpPr>
-        <p:spPr>
-          <a:xfrm>
-            <a:off x="1274778" y="4618465"/>
-            <a:ext cx="0" cy="649820"/>
-          </a:xfrm>
-          <a:prstGeom prst="straightConnector1">
-            <a:avLst/>
-          </a:prstGeom>
-          <a:ln>
-            <a:solidFill>
-              <a:schemeClr val="tx1"/>
-            </a:solidFill>
-            <a:tailEnd type="triangle"/>
-          </a:ln>
-        </p:spPr>
-        <p:style>
-          <a:lnRef idx="1">
-            <a:schemeClr val="accent1"/>
-          </a:lnRef>
-          <a:fillRef idx="0">
-            <a:schemeClr val="accent1"/>
-          </a:fillRef>
-          <a:effectRef idx="0">
-            <a:schemeClr val="accent1"/>
-          </a:effectRef>
-          <a:fontRef idx="minor">
-            <a:schemeClr val="tx1"/>
-          </a:fontRef>
-        </p:style>
-      </p:cxnSp>
-      <p:cxnSp>
-        <p:nvCxnSpPr>
-          <p:cNvPr id="49" name="Straight Arrow Connector 48">
-            <a:extLst>
-              <a:ext uri="{FF2B5EF4-FFF2-40B4-BE49-F238E27FC236}">
-                <a16:creationId xmlns:a16="http://schemas.microsoft.com/office/drawing/2014/main" id="{356EA756-7B60-4D21-89C1-459D0FC21D73}"/>
-              </a:ext>
-            </a:extLst>
-          </p:cNvPr>
-          <p:cNvCxnSpPr>
-            <a:cxnSpLocks/>
-            <a:stCxn id="23" idx="2"/>
-            <a:endCxn id="41" idx="0"/>
-          </p:cNvCxnSpPr>
-          <p:nvPr/>
-        </p:nvCxnSpPr>
-        <p:spPr>
-          <a:xfrm>
-            <a:off x="2952576" y="4761590"/>
-            <a:ext cx="4194" cy="506695"/>
-          </a:xfrm>
-          <a:prstGeom prst="straightConnector1">
-            <a:avLst/>
-          </a:prstGeom>
-          <a:ln>
-            <a:solidFill>
-              <a:schemeClr val="tx1"/>
-            </a:solidFill>
-            <a:tailEnd type="triangle"/>
-          </a:ln>
-        </p:spPr>
-        <p:style>
-          <a:lnRef idx="1">
-            <a:schemeClr val="accent1"/>
-          </a:lnRef>
-          <a:fillRef idx="0">
-            <a:schemeClr val="accent1"/>
-          </a:fillRef>
-          <a:effectRef idx="0">
-            <a:schemeClr val="accent1"/>
-          </a:effectRef>
-          <a:fontRef idx="minor">
-            <a:schemeClr val="tx1"/>
-          </a:fontRef>
-        </p:style>
-      </p:cxnSp>
-      <p:cxnSp>
-        <p:nvCxnSpPr>
-          <p:cNvPr id="52" name="Straight Arrow Connector 51">
-            <a:extLst>
-              <a:ext uri="{FF2B5EF4-FFF2-40B4-BE49-F238E27FC236}">
-                <a16:creationId xmlns:a16="http://schemas.microsoft.com/office/drawing/2014/main" id="{403E55F8-F445-4B17-A276-2C6B5DD329F3}"/>
-              </a:ext>
-            </a:extLst>
-          </p:cNvPr>
-          <p:cNvCxnSpPr>
-            <a:cxnSpLocks/>
-            <a:stCxn id="24" idx="2"/>
-          </p:cNvCxnSpPr>
-          <p:nvPr/>
-        </p:nvCxnSpPr>
-        <p:spPr>
-          <a:xfrm>
-            <a:off x="4554872" y="4599702"/>
-            <a:ext cx="0" cy="668583"/>
-          </a:xfrm>
-          <a:prstGeom prst="straightConnector1">
-            <a:avLst/>
-          </a:prstGeom>
-          <a:ln>
-            <a:solidFill>
-              <a:schemeClr val="tx1"/>
-            </a:solidFill>
-            <a:tailEnd type="triangle"/>
-          </a:ln>
-        </p:spPr>
-        <p:style>
-          <a:lnRef idx="1">
-            <a:schemeClr val="accent1"/>
-          </a:lnRef>
-          <a:fillRef idx="0">
-            <a:schemeClr val="accent1"/>
-          </a:fillRef>
-          <a:effectRef idx="0">
-            <a:schemeClr val="accent1"/>
-          </a:effectRef>
-          <a:fontRef idx="minor">
-            <a:schemeClr val="tx1"/>
-          </a:fontRef>
-        </p:style>
-      </p:cxnSp>
     </p:spTree>
     <p:extLst>
       <p:ext uri="{BB962C8B-B14F-4D97-AF65-F5344CB8AC3E}">
@@ -8301,6 +10054,9 @@
             <a:prstGeom prst="rect">
               <a:avLst/>
             </a:prstGeom>
+            <a:solidFill>
+              <a:srgbClr val="002060"/>
+            </a:solidFill>
           </p:spPr>
           <p:style>
             <a:lnRef idx="3">
@@ -8456,7 +10212,7 @@
           <a:p>
             <a:r>
               <a:rPr lang="en-US" sz="2000" dirty="0"/>
-              <a:t>Prescribes how business objects interact with one another and enforces the routes and the methods by which business objects are accessed and updated.</a:t>
+              <a:t>It also prescribes how business objects interact with one another and enforces the routes and the methods by which business objects are accessed and updated.</a:t>
             </a:r>
             <a:endParaRPr lang="pt-PT" sz="2000" dirty="0"/>
           </a:p>
@@ -8710,13 +10466,21 @@
         </p:spPr>
         <p:txBody>
           <a:bodyPr>
-            <a:normAutofit lnSpcReduction="10000"/>
+            <a:normAutofit fontScale="92500" lnSpcReduction="20000"/>
           </a:bodyPr>
           <a:lstStyle/>
           <a:p>
             <a:r>
               <a:rPr lang="en-GB" sz="2000" dirty="0"/>
-              <a:t>Usually on the business layer we use the façade pattern.</a:t>
+              <a:t>Usually on the business layer we use the </a:t>
+            </a:r>
+            <a:r>
+              <a:rPr lang="en-GB" sz="2000" b="1" dirty="0"/>
+              <a:t>façade</a:t>
+            </a:r>
+            <a:r>
+              <a:rPr lang="en-GB" sz="2000" dirty="0"/>
+              <a:t> pattern.</a:t>
             </a:r>
           </a:p>
           <a:p>
@@ -8725,7 +10489,7 @@
           <a:p>
             <a:r>
               <a:rPr lang="en-GB" sz="2000" dirty="0"/>
-              <a:t>The façade is responsible for implementing the contracts defined on the service layer.</a:t>
+              <a:t>The façade is responsible for implementing the contracts defined on the service layer</a:t>
             </a:r>
           </a:p>
           <a:p>
@@ -8734,7 +10498,7 @@
           <a:p>
             <a:r>
               <a:rPr lang="en-GB" sz="2000" dirty="0"/>
-              <a:t>It maps the input and output defined on the contract and redirects the call to the proper business function that covers the business logic/rule for that call.</a:t>
+              <a:t>The façade does not implement business logic. It simple maps the service input and output and calls  proper business functions that cover the business logic/rule for that call.</a:t>
             </a:r>
           </a:p>
           <a:p>
@@ -8745,1242 +10509,1305 @@
               <a:rPr lang="en-GB" sz="2000" dirty="0"/>
               <a:t>The business functions do not care if the caller is a web service or a plain interface, it’s the responsibility of the façade to abstract it.</a:t>
             </a:r>
-            <a:endParaRPr lang="pt-PT" sz="2000" dirty="0"/>
+            <a:r>
+              <a:rPr lang="pt-PT" sz="2000" dirty="0"/>
+              <a:t> (</a:t>
+            </a:r>
+            <a:r>
+              <a:rPr lang="en-GB" sz="2000" dirty="0"/>
+              <a:t>i.e., business functions are not aware of the model/exceptions/interface of the service layer)</a:t>
+            </a:r>
           </a:p>
         </p:txBody>
       </p:sp>
-      <p:sp>
-        <p:nvSpPr>
-          <p:cNvPr id="9" name="Rectangle 8">
+      <p:grpSp>
+        <p:nvGrpSpPr>
+          <p:cNvPr id="4" name="Group 3">
             <a:extLst>
               <a:ext uri="{FF2B5EF4-FFF2-40B4-BE49-F238E27FC236}">
-                <a16:creationId xmlns:a16="http://schemas.microsoft.com/office/drawing/2014/main" id="{85A92C8C-4AC7-46F8-ADE5-9AE5C4541394}"/>
+                <a16:creationId xmlns:a16="http://schemas.microsoft.com/office/drawing/2014/main" id="{AAAEF2CA-C438-4316-BCC4-FAC7B532DE0E}"/>
               </a:ext>
             </a:extLst>
           </p:cNvPr>
-          <p:cNvSpPr/>
+          <p:cNvGrpSpPr/>
           <p:nvPr/>
-        </p:nvSpPr>
-        <p:spPr>
+        </p:nvGrpSpPr>
+        <p:grpSpPr>
           <a:xfrm>
             <a:off x="6593748" y="1825625"/>
-            <a:ext cx="5183696" cy="858852"/>
+            <a:ext cx="5183696" cy="4516452"/>
+            <a:chOff x="6593748" y="1825625"/>
+            <a:chExt cx="5183696" cy="4516452"/>
           </a:xfrm>
-          <a:prstGeom prst="rect">
-            <a:avLst/>
-          </a:prstGeom>
-        </p:spPr>
-        <p:style>
-          <a:lnRef idx="2">
-            <a:schemeClr val="accent5">
-              <a:shade val="50000"/>
-            </a:schemeClr>
-          </a:lnRef>
-          <a:fillRef idx="1">
-            <a:schemeClr val="accent5"/>
-          </a:fillRef>
-          <a:effectRef idx="0">
-            <a:schemeClr val="accent5"/>
-          </a:effectRef>
-          <a:fontRef idx="minor">
-            <a:schemeClr val="lt1"/>
-          </a:fontRef>
-        </p:style>
-        <p:txBody>
-          <a:bodyPr rtlCol="0" anchor="t"/>
-          <a:lstStyle/>
-          <a:p>
-            <a:pPr algn="ctr"/>
-            <a:r>
-              <a:rPr lang="en-GB" dirty="0"/>
-              <a:t>Service Layer</a:t>
-            </a:r>
-            <a:endParaRPr lang="pt-PT" dirty="0"/>
-          </a:p>
-        </p:txBody>
-      </p:sp>
-      <p:sp>
-        <p:nvSpPr>
-          <p:cNvPr id="10" name="Rectangle: Rounded Corners 9">
-            <a:extLst>
-              <a:ext uri="{FF2B5EF4-FFF2-40B4-BE49-F238E27FC236}">
-                <a16:creationId xmlns:a16="http://schemas.microsoft.com/office/drawing/2014/main" id="{6C7E0E3A-6EC7-48EA-B987-DF8D851DF366}"/>
-              </a:ext>
-            </a:extLst>
-          </p:cNvPr>
-          <p:cNvSpPr/>
-          <p:nvPr/>
-        </p:nvSpPr>
-        <p:spPr>
-          <a:xfrm>
-            <a:off x="6847861" y="2210927"/>
-            <a:ext cx="1141602" cy="338541"/>
-          </a:xfrm>
-          <a:prstGeom prst="roundRect">
-            <a:avLst/>
-          </a:prstGeom>
-        </p:spPr>
-        <p:style>
-          <a:lnRef idx="3">
-            <a:schemeClr val="lt1"/>
-          </a:lnRef>
-          <a:fillRef idx="1">
-            <a:schemeClr val="accent1"/>
-          </a:fillRef>
-          <a:effectRef idx="1">
-            <a:schemeClr val="accent1"/>
-          </a:effectRef>
-          <a:fontRef idx="minor">
-            <a:schemeClr val="lt1"/>
-          </a:fontRef>
-        </p:style>
-        <p:txBody>
-          <a:bodyPr rtlCol="0" anchor="ctr"/>
-          <a:lstStyle/>
-          <a:p>
-            <a:pPr algn="ctr"/>
-            <a:r>
-              <a:rPr lang="en-GB" dirty="0"/>
-              <a:t>Service 1</a:t>
-            </a:r>
-            <a:endParaRPr lang="pt-PT" dirty="0"/>
-          </a:p>
-        </p:txBody>
-      </p:sp>
-      <p:sp>
-        <p:nvSpPr>
-          <p:cNvPr id="11" name="Rectangle: Rounded Corners 10">
-            <a:extLst>
-              <a:ext uri="{FF2B5EF4-FFF2-40B4-BE49-F238E27FC236}">
-                <a16:creationId xmlns:a16="http://schemas.microsoft.com/office/drawing/2014/main" id="{AD242B57-A5BA-4448-98CD-B2646C74B9E9}"/>
-              </a:ext>
-            </a:extLst>
-          </p:cNvPr>
-          <p:cNvSpPr/>
-          <p:nvPr/>
-        </p:nvSpPr>
-        <p:spPr>
-          <a:xfrm>
-            <a:off x="8614795" y="2224681"/>
-            <a:ext cx="1141602" cy="338541"/>
-          </a:xfrm>
-          <a:prstGeom prst="roundRect">
-            <a:avLst/>
-          </a:prstGeom>
-        </p:spPr>
-        <p:style>
-          <a:lnRef idx="3">
-            <a:schemeClr val="lt1"/>
-          </a:lnRef>
-          <a:fillRef idx="1">
-            <a:schemeClr val="accent1"/>
-          </a:fillRef>
-          <a:effectRef idx="1">
-            <a:schemeClr val="accent1"/>
-          </a:effectRef>
-          <a:fontRef idx="minor">
-            <a:schemeClr val="lt1"/>
-          </a:fontRef>
-        </p:style>
-        <p:txBody>
-          <a:bodyPr rtlCol="0" anchor="ctr"/>
-          <a:lstStyle/>
-          <a:p>
-            <a:pPr algn="ctr"/>
-            <a:r>
-              <a:rPr lang="en-GB" dirty="0"/>
-              <a:t>Service 2</a:t>
-            </a:r>
-            <a:endParaRPr lang="pt-PT" dirty="0"/>
-          </a:p>
-        </p:txBody>
-      </p:sp>
-      <p:sp>
-        <p:nvSpPr>
-          <p:cNvPr id="12" name="Rectangle: Rounded Corners 11">
-            <a:extLst>
-              <a:ext uri="{FF2B5EF4-FFF2-40B4-BE49-F238E27FC236}">
-                <a16:creationId xmlns:a16="http://schemas.microsoft.com/office/drawing/2014/main" id="{649D01D7-7E9E-42BD-871B-375BEC414EB6}"/>
-              </a:ext>
-            </a:extLst>
-          </p:cNvPr>
-          <p:cNvSpPr/>
-          <p:nvPr/>
-        </p:nvSpPr>
-        <p:spPr>
-          <a:xfrm>
-            <a:off x="10246974" y="2210926"/>
-            <a:ext cx="1141602" cy="338542"/>
-          </a:xfrm>
-          <a:prstGeom prst="roundRect">
-            <a:avLst/>
-          </a:prstGeom>
-        </p:spPr>
-        <p:style>
-          <a:lnRef idx="3">
-            <a:schemeClr val="lt1"/>
-          </a:lnRef>
-          <a:fillRef idx="1">
-            <a:schemeClr val="accent1"/>
-          </a:fillRef>
-          <a:effectRef idx="1">
-            <a:schemeClr val="accent1"/>
-          </a:effectRef>
-          <a:fontRef idx="minor">
-            <a:schemeClr val="lt1"/>
-          </a:fontRef>
-        </p:style>
-        <p:txBody>
-          <a:bodyPr rtlCol="0" anchor="ctr"/>
-          <a:lstStyle/>
-          <a:p>
-            <a:pPr algn="ctr"/>
-            <a:r>
-              <a:rPr lang="en-GB" dirty="0"/>
-              <a:t>Service 3</a:t>
-            </a:r>
-            <a:endParaRPr lang="pt-PT" dirty="0"/>
-          </a:p>
-        </p:txBody>
-      </p:sp>
-      <p:sp>
-        <p:nvSpPr>
-          <p:cNvPr id="13" name="Rectangle 12">
-            <a:extLst>
-              <a:ext uri="{FF2B5EF4-FFF2-40B4-BE49-F238E27FC236}">
-                <a16:creationId xmlns:a16="http://schemas.microsoft.com/office/drawing/2014/main" id="{F1301DE3-D2C9-4F33-9AE9-D386FE595C7A}"/>
-              </a:ext>
-            </a:extLst>
-          </p:cNvPr>
-          <p:cNvSpPr/>
-          <p:nvPr/>
-        </p:nvSpPr>
-        <p:spPr>
-          <a:xfrm>
-            <a:off x="6593748" y="3049198"/>
-            <a:ext cx="5183696" cy="3292879"/>
-          </a:xfrm>
-          <a:prstGeom prst="rect">
-            <a:avLst/>
-          </a:prstGeom>
-        </p:spPr>
-        <p:style>
-          <a:lnRef idx="2">
-            <a:schemeClr val="accent5">
-              <a:shade val="50000"/>
-            </a:schemeClr>
-          </a:lnRef>
-          <a:fillRef idx="1">
-            <a:schemeClr val="accent5"/>
-          </a:fillRef>
-          <a:effectRef idx="0">
-            <a:schemeClr val="accent5"/>
-          </a:effectRef>
-          <a:fontRef idx="minor">
-            <a:schemeClr val="lt1"/>
-          </a:fontRef>
-        </p:style>
-        <p:txBody>
-          <a:bodyPr rtlCol="0" anchor="t"/>
-          <a:lstStyle/>
-          <a:p>
-            <a:pPr algn="ctr"/>
-            <a:r>
-              <a:rPr lang="en-GB"/>
-              <a:t>Business </a:t>
-            </a:r>
-            <a:r>
-              <a:rPr lang="en-GB" dirty="0"/>
-              <a:t>Layer</a:t>
-            </a:r>
-            <a:endParaRPr lang="pt-PT" dirty="0"/>
-          </a:p>
-        </p:txBody>
-      </p:sp>
-      <p:sp>
-        <p:nvSpPr>
-          <p:cNvPr id="23" name="Rectangle: Rounded Corners 22">
-            <a:extLst>
-              <a:ext uri="{FF2B5EF4-FFF2-40B4-BE49-F238E27FC236}">
-                <a16:creationId xmlns:a16="http://schemas.microsoft.com/office/drawing/2014/main" id="{8AD7B8D3-0A67-47D3-83C2-4FC87979844A}"/>
-              </a:ext>
-            </a:extLst>
-          </p:cNvPr>
-          <p:cNvSpPr/>
-          <p:nvPr/>
-        </p:nvSpPr>
-        <p:spPr>
-          <a:xfrm>
-            <a:off x="6847861" y="3651993"/>
-            <a:ext cx="4695390" cy="338541"/>
-          </a:xfrm>
-          <a:prstGeom prst="roundRect">
-            <a:avLst/>
-          </a:prstGeom>
-        </p:spPr>
-        <p:style>
-          <a:lnRef idx="3">
-            <a:schemeClr val="lt1"/>
-          </a:lnRef>
-          <a:fillRef idx="1">
-            <a:schemeClr val="accent1"/>
-          </a:fillRef>
-          <a:effectRef idx="1">
-            <a:schemeClr val="accent1"/>
-          </a:effectRef>
-          <a:fontRef idx="minor">
-            <a:schemeClr val="lt1"/>
-          </a:fontRef>
-        </p:style>
-        <p:txBody>
-          <a:bodyPr rtlCol="0" anchor="ctr"/>
-          <a:lstStyle/>
-          <a:p>
-            <a:pPr algn="ctr"/>
-            <a:r>
-              <a:rPr lang="en-GB" dirty="0"/>
-              <a:t>Façade</a:t>
-            </a:r>
-            <a:endParaRPr lang="pt-PT" dirty="0"/>
-          </a:p>
-        </p:txBody>
-      </p:sp>
-      <p:sp>
-        <p:nvSpPr>
-          <p:cNvPr id="36" name="Rectangle: Rounded Corners 35">
-            <a:extLst>
-              <a:ext uri="{FF2B5EF4-FFF2-40B4-BE49-F238E27FC236}">
-                <a16:creationId xmlns:a16="http://schemas.microsoft.com/office/drawing/2014/main" id="{E46E7185-2976-4C08-BB31-F595C8DFFCEE}"/>
-              </a:ext>
-            </a:extLst>
-          </p:cNvPr>
-          <p:cNvSpPr/>
-          <p:nvPr/>
-        </p:nvSpPr>
-        <p:spPr>
-          <a:xfrm>
-            <a:off x="6880107" y="4504766"/>
-            <a:ext cx="1141602" cy="897744"/>
-          </a:xfrm>
-          <a:prstGeom prst="roundRect">
-            <a:avLst/>
-          </a:prstGeom>
-        </p:spPr>
-        <p:style>
-          <a:lnRef idx="3">
-            <a:schemeClr val="lt1"/>
-          </a:lnRef>
-          <a:fillRef idx="1">
-            <a:schemeClr val="accent1"/>
-          </a:fillRef>
-          <a:effectRef idx="1">
-            <a:schemeClr val="accent1"/>
-          </a:effectRef>
-          <a:fontRef idx="minor">
-            <a:schemeClr val="lt1"/>
-          </a:fontRef>
-        </p:style>
-        <p:txBody>
-          <a:bodyPr rtlCol="0" anchor="ctr"/>
-          <a:lstStyle/>
-          <a:p>
-            <a:pPr algn="ctr"/>
-            <a:r>
-              <a:rPr lang="en-GB" dirty="0"/>
-              <a:t>Business functions 1</a:t>
-            </a:r>
-            <a:endParaRPr lang="pt-PT" dirty="0"/>
-          </a:p>
-        </p:txBody>
-      </p:sp>
-      <p:sp>
-        <p:nvSpPr>
-          <p:cNvPr id="37" name="Rectangle: Rounded Corners 36">
-            <a:extLst>
-              <a:ext uri="{FF2B5EF4-FFF2-40B4-BE49-F238E27FC236}">
-                <a16:creationId xmlns:a16="http://schemas.microsoft.com/office/drawing/2014/main" id="{2B293DE6-C6B6-4EA8-8C3A-A8F656F2F8A0}"/>
-              </a:ext>
-            </a:extLst>
-          </p:cNvPr>
-          <p:cNvSpPr/>
-          <p:nvPr/>
-        </p:nvSpPr>
-        <p:spPr>
-          <a:xfrm>
-            <a:off x="8600900" y="5279097"/>
-            <a:ext cx="1141602" cy="897744"/>
-          </a:xfrm>
-          <a:prstGeom prst="roundRect">
-            <a:avLst/>
-          </a:prstGeom>
-        </p:spPr>
-        <p:style>
-          <a:lnRef idx="3">
-            <a:schemeClr val="lt1"/>
-          </a:lnRef>
-          <a:fillRef idx="1">
-            <a:schemeClr val="accent1"/>
-          </a:fillRef>
-          <a:effectRef idx="1">
-            <a:schemeClr val="accent1"/>
-          </a:effectRef>
-          <a:fontRef idx="minor">
-            <a:schemeClr val="lt1"/>
-          </a:fontRef>
-        </p:style>
-        <p:txBody>
-          <a:bodyPr rtlCol="0" anchor="ctr"/>
-          <a:lstStyle/>
-          <a:p>
-            <a:pPr algn="ctr"/>
-            <a:r>
-              <a:rPr lang="en-GB" dirty="0"/>
-              <a:t>Business functions 2</a:t>
-            </a:r>
-            <a:endParaRPr lang="pt-PT" dirty="0"/>
-          </a:p>
-        </p:txBody>
-      </p:sp>
-      <p:cxnSp>
-        <p:nvCxnSpPr>
-          <p:cNvPr id="39" name="Straight Arrow Connector 38">
-            <a:extLst>
-              <a:ext uri="{FF2B5EF4-FFF2-40B4-BE49-F238E27FC236}">
-                <a16:creationId xmlns:a16="http://schemas.microsoft.com/office/drawing/2014/main" id="{FF010EC4-EB79-4AAF-A92D-3B1E1BF8E102}"/>
-              </a:ext>
-            </a:extLst>
-          </p:cNvPr>
-          <p:cNvCxnSpPr>
-            <a:cxnSpLocks/>
-            <a:stCxn id="23" idx="2"/>
-            <a:endCxn id="36" idx="0"/>
-          </p:cNvCxnSpPr>
-          <p:nvPr/>
-        </p:nvCxnSpPr>
-        <p:spPr>
-          <a:xfrm flipH="1">
-            <a:off x="7450908" y="3990534"/>
-            <a:ext cx="1744648" cy="514232"/>
-          </a:xfrm>
-          <a:prstGeom prst="straightConnector1">
-            <a:avLst/>
-          </a:prstGeom>
-          <a:ln>
+        </p:grpSpPr>
+        <p:sp>
+          <p:nvSpPr>
+            <p:cNvPr id="9" name="Rectangle 8">
+              <a:extLst>
+                <a:ext uri="{FF2B5EF4-FFF2-40B4-BE49-F238E27FC236}">
+                  <a16:creationId xmlns:a16="http://schemas.microsoft.com/office/drawing/2014/main" id="{85A92C8C-4AC7-46F8-ADE5-9AE5C4541394}"/>
+                </a:ext>
+              </a:extLst>
+            </p:cNvPr>
+            <p:cNvSpPr/>
+            <p:nvPr/>
+          </p:nvSpPr>
+          <p:spPr>
+            <a:xfrm>
+              <a:off x="6593748" y="1825625"/>
+              <a:ext cx="5183696" cy="858852"/>
+            </a:xfrm>
+            <a:prstGeom prst="rect">
+              <a:avLst/>
+            </a:prstGeom>
+          </p:spPr>
+          <p:style>
+            <a:lnRef idx="2">
+              <a:schemeClr val="accent5">
+                <a:shade val="50000"/>
+              </a:schemeClr>
+            </a:lnRef>
+            <a:fillRef idx="1">
+              <a:schemeClr val="accent5"/>
+            </a:fillRef>
+            <a:effectRef idx="0">
+              <a:schemeClr val="accent5"/>
+            </a:effectRef>
+            <a:fontRef idx="minor">
+              <a:schemeClr val="lt1"/>
+            </a:fontRef>
+          </p:style>
+          <p:txBody>
+            <a:bodyPr rtlCol="0" anchor="t"/>
+            <a:lstStyle/>
+            <a:p>
+              <a:pPr algn="ctr"/>
+              <a:r>
+                <a:rPr lang="en-GB" dirty="0"/>
+                <a:t>Service Layer</a:t>
+              </a:r>
+              <a:endParaRPr lang="pt-PT" dirty="0"/>
+            </a:p>
+          </p:txBody>
+        </p:sp>
+        <p:sp>
+          <p:nvSpPr>
+            <p:cNvPr id="10" name="Rectangle: Rounded Corners 9">
+              <a:extLst>
+                <a:ext uri="{FF2B5EF4-FFF2-40B4-BE49-F238E27FC236}">
+                  <a16:creationId xmlns:a16="http://schemas.microsoft.com/office/drawing/2014/main" id="{6C7E0E3A-6EC7-48EA-B987-DF8D851DF366}"/>
+                </a:ext>
+              </a:extLst>
+            </p:cNvPr>
+            <p:cNvSpPr/>
+            <p:nvPr/>
+          </p:nvSpPr>
+          <p:spPr>
+            <a:xfrm>
+              <a:off x="6847861" y="2210927"/>
+              <a:ext cx="1141602" cy="338541"/>
+            </a:xfrm>
+            <a:prstGeom prst="roundRect">
+              <a:avLst/>
+            </a:prstGeom>
+          </p:spPr>
+          <p:style>
+            <a:lnRef idx="3">
+              <a:schemeClr val="lt1"/>
+            </a:lnRef>
+            <a:fillRef idx="1">
+              <a:schemeClr val="accent1"/>
+            </a:fillRef>
+            <a:effectRef idx="1">
+              <a:schemeClr val="accent1"/>
+            </a:effectRef>
+            <a:fontRef idx="minor">
+              <a:schemeClr val="lt1"/>
+            </a:fontRef>
+          </p:style>
+          <p:txBody>
+            <a:bodyPr rtlCol="0" anchor="ctr"/>
+            <a:lstStyle/>
+            <a:p>
+              <a:pPr algn="ctr"/>
+              <a:r>
+                <a:rPr lang="en-GB" dirty="0"/>
+                <a:t>Service 1</a:t>
+              </a:r>
+              <a:endParaRPr lang="pt-PT" dirty="0"/>
+            </a:p>
+          </p:txBody>
+        </p:sp>
+        <p:sp>
+          <p:nvSpPr>
+            <p:cNvPr id="11" name="Rectangle: Rounded Corners 10">
+              <a:extLst>
+                <a:ext uri="{FF2B5EF4-FFF2-40B4-BE49-F238E27FC236}">
+                  <a16:creationId xmlns:a16="http://schemas.microsoft.com/office/drawing/2014/main" id="{AD242B57-A5BA-4448-98CD-B2646C74B9E9}"/>
+                </a:ext>
+              </a:extLst>
+            </p:cNvPr>
+            <p:cNvSpPr/>
+            <p:nvPr/>
+          </p:nvSpPr>
+          <p:spPr>
+            <a:xfrm>
+              <a:off x="8614795" y="2224681"/>
+              <a:ext cx="1141602" cy="338541"/>
+            </a:xfrm>
+            <a:prstGeom prst="roundRect">
+              <a:avLst/>
+            </a:prstGeom>
+          </p:spPr>
+          <p:style>
+            <a:lnRef idx="3">
+              <a:schemeClr val="lt1"/>
+            </a:lnRef>
+            <a:fillRef idx="1">
+              <a:schemeClr val="accent1"/>
+            </a:fillRef>
+            <a:effectRef idx="1">
+              <a:schemeClr val="accent1"/>
+            </a:effectRef>
+            <a:fontRef idx="minor">
+              <a:schemeClr val="lt1"/>
+            </a:fontRef>
+          </p:style>
+          <p:txBody>
+            <a:bodyPr rtlCol="0" anchor="ctr"/>
+            <a:lstStyle/>
+            <a:p>
+              <a:pPr algn="ctr"/>
+              <a:r>
+                <a:rPr lang="en-GB" dirty="0"/>
+                <a:t>Service 2</a:t>
+              </a:r>
+              <a:endParaRPr lang="pt-PT" dirty="0"/>
+            </a:p>
+          </p:txBody>
+        </p:sp>
+        <p:sp>
+          <p:nvSpPr>
+            <p:cNvPr id="12" name="Rectangle: Rounded Corners 11">
+              <a:extLst>
+                <a:ext uri="{FF2B5EF4-FFF2-40B4-BE49-F238E27FC236}">
+                  <a16:creationId xmlns:a16="http://schemas.microsoft.com/office/drawing/2014/main" id="{649D01D7-7E9E-42BD-871B-375BEC414EB6}"/>
+                </a:ext>
+              </a:extLst>
+            </p:cNvPr>
+            <p:cNvSpPr/>
+            <p:nvPr/>
+          </p:nvSpPr>
+          <p:spPr>
+            <a:xfrm>
+              <a:off x="10246974" y="2210926"/>
+              <a:ext cx="1141602" cy="338542"/>
+            </a:xfrm>
+            <a:prstGeom prst="roundRect">
+              <a:avLst/>
+            </a:prstGeom>
+          </p:spPr>
+          <p:style>
+            <a:lnRef idx="3">
+              <a:schemeClr val="lt1"/>
+            </a:lnRef>
+            <a:fillRef idx="1">
+              <a:schemeClr val="accent1"/>
+            </a:fillRef>
+            <a:effectRef idx="1">
+              <a:schemeClr val="accent1"/>
+            </a:effectRef>
+            <a:fontRef idx="minor">
+              <a:schemeClr val="lt1"/>
+            </a:fontRef>
+          </p:style>
+          <p:txBody>
+            <a:bodyPr rtlCol="0" anchor="ctr"/>
+            <a:lstStyle/>
+            <a:p>
+              <a:pPr algn="ctr"/>
+              <a:r>
+                <a:rPr lang="en-GB" dirty="0"/>
+                <a:t>Service 3</a:t>
+              </a:r>
+              <a:endParaRPr lang="pt-PT" dirty="0"/>
+            </a:p>
+          </p:txBody>
+        </p:sp>
+        <p:sp>
+          <p:nvSpPr>
+            <p:cNvPr id="13" name="Rectangle 12">
+              <a:extLst>
+                <a:ext uri="{FF2B5EF4-FFF2-40B4-BE49-F238E27FC236}">
+                  <a16:creationId xmlns:a16="http://schemas.microsoft.com/office/drawing/2014/main" id="{F1301DE3-D2C9-4F33-9AE9-D386FE595C7A}"/>
+                </a:ext>
+              </a:extLst>
+            </p:cNvPr>
+            <p:cNvSpPr/>
+            <p:nvPr/>
+          </p:nvSpPr>
+          <p:spPr>
+            <a:xfrm>
+              <a:off x="6593748" y="3049198"/>
+              <a:ext cx="5183696" cy="3292879"/>
+            </a:xfrm>
+            <a:prstGeom prst="rect">
+              <a:avLst/>
+            </a:prstGeom>
+          </p:spPr>
+          <p:style>
+            <a:lnRef idx="2">
+              <a:schemeClr val="accent5">
+                <a:shade val="50000"/>
+              </a:schemeClr>
+            </a:lnRef>
+            <a:fillRef idx="1">
+              <a:schemeClr val="accent5"/>
+            </a:fillRef>
+            <a:effectRef idx="0">
+              <a:schemeClr val="accent5"/>
+            </a:effectRef>
+            <a:fontRef idx="minor">
+              <a:schemeClr val="lt1"/>
+            </a:fontRef>
+          </p:style>
+          <p:txBody>
+            <a:bodyPr rtlCol="0" anchor="t"/>
+            <a:lstStyle/>
+            <a:p>
+              <a:pPr algn="ctr"/>
+              <a:r>
+                <a:rPr lang="en-GB" dirty="0"/>
+                <a:t>Business Layer</a:t>
+              </a:r>
+              <a:endParaRPr lang="pt-PT" dirty="0"/>
+            </a:p>
+          </p:txBody>
+        </p:sp>
+        <p:sp>
+          <p:nvSpPr>
+            <p:cNvPr id="23" name="Rectangle: Rounded Corners 22">
+              <a:extLst>
+                <a:ext uri="{FF2B5EF4-FFF2-40B4-BE49-F238E27FC236}">
+                  <a16:creationId xmlns:a16="http://schemas.microsoft.com/office/drawing/2014/main" id="{8AD7B8D3-0A67-47D3-83C2-4FC87979844A}"/>
+                </a:ext>
+              </a:extLst>
+            </p:cNvPr>
+            <p:cNvSpPr/>
+            <p:nvPr/>
+          </p:nvSpPr>
+          <p:spPr>
+            <a:xfrm>
+              <a:off x="6847861" y="3651993"/>
+              <a:ext cx="4695390" cy="338541"/>
+            </a:xfrm>
+            <a:prstGeom prst="roundRect">
+              <a:avLst/>
+            </a:prstGeom>
             <a:solidFill>
+              <a:srgbClr val="7030A0"/>
+            </a:solidFill>
+          </p:spPr>
+          <p:style>
+            <a:lnRef idx="3">
+              <a:schemeClr val="lt1"/>
+            </a:lnRef>
+            <a:fillRef idx="1">
+              <a:schemeClr val="accent2"/>
+            </a:fillRef>
+            <a:effectRef idx="1">
+              <a:schemeClr val="accent2"/>
+            </a:effectRef>
+            <a:fontRef idx="minor">
+              <a:schemeClr val="lt1"/>
+            </a:fontRef>
+          </p:style>
+          <p:txBody>
+            <a:bodyPr rtlCol="0" anchor="ctr"/>
+            <a:lstStyle/>
+            <a:p>
+              <a:pPr algn="ctr"/>
+              <a:r>
+                <a:rPr lang="en-GB" dirty="0"/>
+                <a:t>Façade</a:t>
+              </a:r>
+              <a:endParaRPr lang="pt-PT" dirty="0"/>
+            </a:p>
+          </p:txBody>
+        </p:sp>
+        <p:sp>
+          <p:nvSpPr>
+            <p:cNvPr id="36" name="Rectangle: Rounded Corners 35">
+              <a:extLst>
+                <a:ext uri="{FF2B5EF4-FFF2-40B4-BE49-F238E27FC236}">
+                  <a16:creationId xmlns:a16="http://schemas.microsoft.com/office/drawing/2014/main" id="{E46E7185-2976-4C08-BB31-F595C8DFFCEE}"/>
+                </a:ext>
+              </a:extLst>
+            </p:cNvPr>
+            <p:cNvSpPr/>
+            <p:nvPr/>
+          </p:nvSpPr>
+          <p:spPr>
+            <a:xfrm>
+              <a:off x="6880107" y="4504766"/>
+              <a:ext cx="1141602" cy="897744"/>
+            </a:xfrm>
+            <a:prstGeom prst="roundRect">
+              <a:avLst/>
+            </a:prstGeom>
+            <a:solidFill>
+              <a:srgbClr val="002060"/>
+            </a:solidFill>
+          </p:spPr>
+          <p:style>
+            <a:lnRef idx="3">
+              <a:schemeClr val="lt1"/>
+            </a:lnRef>
+            <a:fillRef idx="1">
+              <a:schemeClr val="accent1"/>
+            </a:fillRef>
+            <a:effectRef idx="1">
+              <a:schemeClr val="accent1"/>
+            </a:effectRef>
+            <a:fontRef idx="minor">
+              <a:schemeClr val="lt1"/>
+            </a:fontRef>
+          </p:style>
+          <p:txBody>
+            <a:bodyPr rtlCol="0" anchor="ctr"/>
+            <a:lstStyle/>
+            <a:p>
+              <a:pPr algn="ctr"/>
+              <a:r>
+                <a:rPr lang="en-GB" dirty="0"/>
+                <a:t>Business functions 1</a:t>
+              </a:r>
+              <a:endParaRPr lang="pt-PT" dirty="0"/>
+            </a:p>
+          </p:txBody>
+        </p:sp>
+        <p:sp>
+          <p:nvSpPr>
+            <p:cNvPr id="37" name="Rectangle: Rounded Corners 36">
+              <a:extLst>
+                <a:ext uri="{FF2B5EF4-FFF2-40B4-BE49-F238E27FC236}">
+                  <a16:creationId xmlns:a16="http://schemas.microsoft.com/office/drawing/2014/main" id="{2B293DE6-C6B6-4EA8-8C3A-A8F656F2F8A0}"/>
+                </a:ext>
+              </a:extLst>
+            </p:cNvPr>
+            <p:cNvSpPr/>
+            <p:nvPr/>
+          </p:nvSpPr>
+          <p:spPr>
+            <a:xfrm>
+              <a:off x="8600900" y="5279097"/>
+              <a:ext cx="1141602" cy="897744"/>
+            </a:xfrm>
+            <a:prstGeom prst="roundRect">
+              <a:avLst/>
+            </a:prstGeom>
+            <a:solidFill>
+              <a:srgbClr val="002060"/>
+            </a:solidFill>
+          </p:spPr>
+          <p:style>
+            <a:lnRef idx="3">
+              <a:schemeClr val="lt1"/>
+            </a:lnRef>
+            <a:fillRef idx="1">
+              <a:schemeClr val="accent1"/>
+            </a:fillRef>
+            <a:effectRef idx="1">
+              <a:schemeClr val="accent1"/>
+            </a:effectRef>
+            <a:fontRef idx="minor">
+              <a:schemeClr val="lt1"/>
+            </a:fontRef>
+          </p:style>
+          <p:txBody>
+            <a:bodyPr rtlCol="0" anchor="ctr"/>
+            <a:lstStyle/>
+            <a:p>
+              <a:pPr algn="ctr"/>
+              <a:r>
+                <a:rPr lang="en-GB" dirty="0"/>
+                <a:t>Business functions 2</a:t>
+              </a:r>
+              <a:endParaRPr lang="pt-PT" dirty="0"/>
+            </a:p>
+          </p:txBody>
+        </p:sp>
+        <p:cxnSp>
+          <p:nvCxnSpPr>
+            <p:cNvPr id="39" name="Straight Arrow Connector 38">
+              <a:extLst>
+                <a:ext uri="{FF2B5EF4-FFF2-40B4-BE49-F238E27FC236}">
+                  <a16:creationId xmlns:a16="http://schemas.microsoft.com/office/drawing/2014/main" id="{FF010EC4-EB79-4AAF-A92D-3B1E1BF8E102}"/>
+                </a:ext>
+              </a:extLst>
+            </p:cNvPr>
+            <p:cNvCxnSpPr>
+              <a:cxnSpLocks/>
+              <a:stCxn id="23" idx="2"/>
+              <a:endCxn id="36" idx="0"/>
+            </p:cNvCxnSpPr>
+            <p:nvPr/>
+          </p:nvCxnSpPr>
+          <p:spPr>
+            <a:xfrm flipH="1">
+              <a:off x="7450908" y="3990534"/>
+              <a:ext cx="1744648" cy="514232"/>
+            </a:xfrm>
+            <a:prstGeom prst="straightConnector1">
+              <a:avLst/>
+            </a:prstGeom>
+            <a:ln>
+              <a:solidFill>
+                <a:schemeClr val="tx1"/>
+              </a:solidFill>
+              <a:tailEnd type="triangle"/>
+            </a:ln>
+          </p:spPr>
+          <p:style>
+            <a:lnRef idx="1">
+              <a:schemeClr val="accent1"/>
+            </a:lnRef>
+            <a:fillRef idx="0">
+              <a:schemeClr val="accent1"/>
+            </a:fillRef>
+            <a:effectRef idx="0">
+              <a:schemeClr val="accent1"/>
+            </a:effectRef>
+            <a:fontRef idx="minor">
               <a:schemeClr val="tx1"/>
-            </a:solidFill>
-            <a:tailEnd type="triangle"/>
-          </a:ln>
-        </p:spPr>
-        <p:style>
-          <a:lnRef idx="1">
-            <a:schemeClr val="accent1"/>
-          </a:lnRef>
-          <a:fillRef idx="0">
-            <a:schemeClr val="accent1"/>
-          </a:fillRef>
-          <a:effectRef idx="0">
-            <a:schemeClr val="accent1"/>
-          </a:effectRef>
-          <a:fontRef idx="minor">
-            <a:schemeClr val="tx1"/>
-          </a:fontRef>
-        </p:style>
-      </p:cxnSp>
-      <p:cxnSp>
-        <p:nvCxnSpPr>
-          <p:cNvPr id="42" name="Straight Arrow Connector 41">
-            <a:extLst>
-              <a:ext uri="{FF2B5EF4-FFF2-40B4-BE49-F238E27FC236}">
-                <a16:creationId xmlns:a16="http://schemas.microsoft.com/office/drawing/2014/main" id="{0B7BBCE7-C82A-4BFE-BF01-345A8E24C14F}"/>
-              </a:ext>
-            </a:extLst>
-          </p:cNvPr>
-          <p:cNvCxnSpPr>
-            <a:cxnSpLocks/>
-            <a:stCxn id="23" idx="2"/>
-            <a:endCxn id="37" idx="0"/>
-          </p:cNvCxnSpPr>
-          <p:nvPr/>
-        </p:nvCxnSpPr>
-        <p:spPr>
-          <a:xfrm flipH="1">
-            <a:off x="9171701" y="3990534"/>
-            <a:ext cx="23855" cy="1288563"/>
-          </a:xfrm>
-          <a:prstGeom prst="straightConnector1">
-            <a:avLst/>
-          </a:prstGeom>
-          <a:ln>
-            <a:solidFill>
+            </a:fontRef>
+          </p:style>
+        </p:cxnSp>
+        <p:cxnSp>
+          <p:nvCxnSpPr>
+            <p:cNvPr id="42" name="Straight Arrow Connector 41">
+              <a:extLst>
+                <a:ext uri="{FF2B5EF4-FFF2-40B4-BE49-F238E27FC236}">
+                  <a16:creationId xmlns:a16="http://schemas.microsoft.com/office/drawing/2014/main" id="{0B7BBCE7-C82A-4BFE-BF01-345A8E24C14F}"/>
+                </a:ext>
+              </a:extLst>
+            </p:cNvPr>
+            <p:cNvCxnSpPr>
+              <a:cxnSpLocks/>
+              <a:stCxn id="23" idx="2"/>
+              <a:endCxn id="37" idx="0"/>
+            </p:cNvCxnSpPr>
+            <p:nvPr/>
+          </p:nvCxnSpPr>
+          <p:spPr>
+            <a:xfrm flipH="1">
+              <a:off x="9171701" y="3990534"/>
+              <a:ext cx="23855" cy="1288563"/>
+            </a:xfrm>
+            <a:prstGeom prst="straightConnector1">
+              <a:avLst/>
+            </a:prstGeom>
+            <a:ln>
+              <a:solidFill>
+                <a:schemeClr val="tx1"/>
+              </a:solidFill>
+              <a:tailEnd type="triangle"/>
+            </a:ln>
+          </p:spPr>
+          <p:style>
+            <a:lnRef idx="1">
+              <a:schemeClr val="accent1"/>
+            </a:lnRef>
+            <a:fillRef idx="0">
+              <a:schemeClr val="accent1"/>
+            </a:fillRef>
+            <a:effectRef idx="0">
+              <a:schemeClr val="accent1"/>
+            </a:effectRef>
+            <a:fontRef idx="minor">
               <a:schemeClr val="tx1"/>
-            </a:solidFill>
-            <a:tailEnd type="triangle"/>
-          </a:ln>
-        </p:spPr>
-        <p:style>
-          <a:lnRef idx="1">
-            <a:schemeClr val="accent1"/>
-          </a:lnRef>
-          <a:fillRef idx="0">
-            <a:schemeClr val="accent1"/>
-          </a:fillRef>
-          <a:effectRef idx="0">
-            <a:schemeClr val="accent1"/>
-          </a:effectRef>
-          <a:fontRef idx="minor">
-            <a:schemeClr val="tx1"/>
-          </a:fontRef>
-        </p:style>
-      </p:cxnSp>
-      <p:cxnSp>
-        <p:nvCxnSpPr>
-          <p:cNvPr id="14" name="Straight Arrow Connector 13">
-            <a:extLst>
-              <a:ext uri="{FF2B5EF4-FFF2-40B4-BE49-F238E27FC236}">
-                <a16:creationId xmlns:a16="http://schemas.microsoft.com/office/drawing/2014/main" id="{E5C0F834-9909-4EE4-9693-F510E97EBD45}"/>
-              </a:ext>
-            </a:extLst>
-          </p:cNvPr>
-          <p:cNvCxnSpPr>
-            <a:cxnSpLocks/>
-            <a:stCxn id="10" idx="2"/>
-          </p:cNvCxnSpPr>
-          <p:nvPr/>
-        </p:nvCxnSpPr>
-        <p:spPr>
-          <a:xfrm>
-            <a:off x="7418662" y="2549468"/>
-            <a:ext cx="0" cy="1102525"/>
-          </a:xfrm>
-          <a:prstGeom prst="straightConnector1">
-            <a:avLst/>
-          </a:prstGeom>
-          <a:ln>
-            <a:solidFill>
+            </a:fontRef>
+          </p:style>
+        </p:cxnSp>
+        <p:cxnSp>
+          <p:nvCxnSpPr>
+            <p:cNvPr id="14" name="Straight Arrow Connector 13">
+              <a:extLst>
+                <a:ext uri="{FF2B5EF4-FFF2-40B4-BE49-F238E27FC236}">
+                  <a16:creationId xmlns:a16="http://schemas.microsoft.com/office/drawing/2014/main" id="{E5C0F834-9909-4EE4-9693-F510E97EBD45}"/>
+                </a:ext>
+              </a:extLst>
+            </p:cNvPr>
+            <p:cNvCxnSpPr>
+              <a:cxnSpLocks/>
+              <a:stCxn id="10" idx="2"/>
+            </p:cNvCxnSpPr>
+            <p:nvPr/>
+          </p:nvCxnSpPr>
+          <p:spPr>
+            <a:xfrm>
+              <a:off x="7418662" y="2549468"/>
+              <a:ext cx="0" cy="1102525"/>
+            </a:xfrm>
+            <a:prstGeom prst="straightConnector1">
+              <a:avLst/>
+            </a:prstGeom>
+            <a:ln>
+              <a:solidFill>
+                <a:schemeClr val="tx1"/>
+              </a:solidFill>
+              <a:tailEnd type="triangle"/>
+            </a:ln>
+          </p:spPr>
+          <p:style>
+            <a:lnRef idx="1">
+              <a:schemeClr val="accent1"/>
+            </a:lnRef>
+            <a:fillRef idx="0">
+              <a:schemeClr val="accent1"/>
+            </a:fillRef>
+            <a:effectRef idx="0">
+              <a:schemeClr val="accent1"/>
+            </a:effectRef>
+            <a:fontRef idx="minor">
               <a:schemeClr val="tx1"/>
-            </a:solidFill>
-            <a:tailEnd type="triangle"/>
-          </a:ln>
-        </p:spPr>
-        <p:style>
-          <a:lnRef idx="1">
-            <a:schemeClr val="accent1"/>
-          </a:lnRef>
-          <a:fillRef idx="0">
-            <a:schemeClr val="accent1"/>
-          </a:fillRef>
-          <a:effectRef idx="0">
-            <a:schemeClr val="accent1"/>
-          </a:effectRef>
-          <a:fontRef idx="minor">
-            <a:schemeClr val="tx1"/>
-          </a:fontRef>
-        </p:style>
-      </p:cxnSp>
-      <p:cxnSp>
-        <p:nvCxnSpPr>
-          <p:cNvPr id="15" name="Straight Arrow Connector 14">
-            <a:extLst>
-              <a:ext uri="{FF2B5EF4-FFF2-40B4-BE49-F238E27FC236}">
-                <a16:creationId xmlns:a16="http://schemas.microsoft.com/office/drawing/2014/main" id="{02107BB7-E222-4961-B607-31F38D76952E}"/>
-              </a:ext>
-            </a:extLst>
-          </p:cNvPr>
-          <p:cNvCxnSpPr>
-            <a:cxnSpLocks/>
-            <a:stCxn id="11" idx="2"/>
-            <a:endCxn id="23" idx="0"/>
-          </p:cNvCxnSpPr>
-          <p:nvPr/>
-        </p:nvCxnSpPr>
-        <p:spPr>
-          <a:xfrm>
-            <a:off x="9185596" y="2563222"/>
-            <a:ext cx="9960" cy="1088771"/>
-          </a:xfrm>
-          <a:prstGeom prst="straightConnector1">
-            <a:avLst/>
-          </a:prstGeom>
-          <a:ln>
-            <a:solidFill>
+            </a:fontRef>
+          </p:style>
+        </p:cxnSp>
+        <p:cxnSp>
+          <p:nvCxnSpPr>
+            <p:cNvPr id="15" name="Straight Arrow Connector 14">
+              <a:extLst>
+                <a:ext uri="{FF2B5EF4-FFF2-40B4-BE49-F238E27FC236}">
+                  <a16:creationId xmlns:a16="http://schemas.microsoft.com/office/drawing/2014/main" id="{02107BB7-E222-4961-B607-31F38D76952E}"/>
+                </a:ext>
+              </a:extLst>
+            </p:cNvPr>
+            <p:cNvCxnSpPr>
+              <a:cxnSpLocks/>
+              <a:stCxn id="11" idx="2"/>
+              <a:endCxn id="23" idx="0"/>
+            </p:cNvCxnSpPr>
+            <p:nvPr/>
+          </p:nvCxnSpPr>
+          <p:spPr>
+            <a:xfrm>
+              <a:off x="9185596" y="2563222"/>
+              <a:ext cx="9960" cy="1088771"/>
+            </a:xfrm>
+            <a:prstGeom prst="straightConnector1">
+              <a:avLst/>
+            </a:prstGeom>
+            <a:ln>
+              <a:solidFill>
+                <a:schemeClr val="tx1"/>
+              </a:solidFill>
+              <a:tailEnd type="triangle"/>
+            </a:ln>
+          </p:spPr>
+          <p:style>
+            <a:lnRef idx="1">
+              <a:schemeClr val="accent1"/>
+            </a:lnRef>
+            <a:fillRef idx="0">
+              <a:schemeClr val="accent1"/>
+            </a:fillRef>
+            <a:effectRef idx="0">
+              <a:schemeClr val="accent1"/>
+            </a:effectRef>
+            <a:fontRef idx="minor">
               <a:schemeClr val="tx1"/>
-            </a:solidFill>
-            <a:tailEnd type="triangle"/>
-          </a:ln>
-        </p:spPr>
-        <p:style>
-          <a:lnRef idx="1">
-            <a:schemeClr val="accent1"/>
-          </a:lnRef>
-          <a:fillRef idx="0">
-            <a:schemeClr val="accent1"/>
-          </a:fillRef>
-          <a:effectRef idx="0">
-            <a:schemeClr val="accent1"/>
-          </a:effectRef>
-          <a:fontRef idx="minor">
-            <a:schemeClr val="tx1"/>
-          </a:fontRef>
-        </p:style>
-      </p:cxnSp>
-      <p:cxnSp>
-        <p:nvCxnSpPr>
-          <p:cNvPr id="16" name="Straight Arrow Connector 15">
-            <a:extLst>
-              <a:ext uri="{FF2B5EF4-FFF2-40B4-BE49-F238E27FC236}">
-                <a16:creationId xmlns:a16="http://schemas.microsoft.com/office/drawing/2014/main" id="{A6EF8A44-99B1-4D98-A152-79F4B585B384}"/>
-              </a:ext>
-            </a:extLst>
-          </p:cNvPr>
-          <p:cNvCxnSpPr>
-            <a:cxnSpLocks/>
-            <a:stCxn id="12" idx="2"/>
-          </p:cNvCxnSpPr>
-          <p:nvPr/>
-        </p:nvCxnSpPr>
-        <p:spPr>
-          <a:xfrm>
-            <a:off x="10817775" y="2549468"/>
-            <a:ext cx="0" cy="1102525"/>
-          </a:xfrm>
-          <a:prstGeom prst="straightConnector1">
-            <a:avLst/>
-          </a:prstGeom>
-          <a:ln>
-            <a:solidFill>
+            </a:fontRef>
+          </p:style>
+        </p:cxnSp>
+        <p:cxnSp>
+          <p:nvCxnSpPr>
+            <p:cNvPr id="16" name="Straight Arrow Connector 15">
+              <a:extLst>
+                <a:ext uri="{FF2B5EF4-FFF2-40B4-BE49-F238E27FC236}">
+                  <a16:creationId xmlns:a16="http://schemas.microsoft.com/office/drawing/2014/main" id="{A6EF8A44-99B1-4D98-A152-79F4B585B384}"/>
+                </a:ext>
+              </a:extLst>
+            </p:cNvPr>
+            <p:cNvCxnSpPr>
+              <a:cxnSpLocks/>
+              <a:stCxn id="12" idx="2"/>
+            </p:cNvCxnSpPr>
+            <p:nvPr/>
+          </p:nvCxnSpPr>
+          <p:spPr>
+            <a:xfrm>
+              <a:off x="10817775" y="2549468"/>
+              <a:ext cx="0" cy="1102525"/>
+            </a:xfrm>
+            <a:prstGeom prst="straightConnector1">
+              <a:avLst/>
+            </a:prstGeom>
+            <a:ln>
+              <a:solidFill>
+                <a:schemeClr val="tx1"/>
+              </a:solidFill>
+              <a:tailEnd type="triangle"/>
+            </a:ln>
+          </p:spPr>
+          <p:style>
+            <a:lnRef idx="1">
+              <a:schemeClr val="accent1"/>
+            </a:lnRef>
+            <a:fillRef idx="0">
+              <a:schemeClr val="accent1"/>
+            </a:fillRef>
+            <a:effectRef idx="0">
+              <a:schemeClr val="accent1"/>
+            </a:effectRef>
+            <a:fontRef idx="minor">
               <a:schemeClr val="tx1"/>
-            </a:solidFill>
-            <a:tailEnd type="triangle"/>
-          </a:ln>
-        </p:spPr>
-        <p:style>
-          <a:lnRef idx="1">
-            <a:schemeClr val="accent1"/>
-          </a:lnRef>
-          <a:fillRef idx="0">
-            <a:schemeClr val="accent1"/>
-          </a:fillRef>
-          <a:effectRef idx="0">
-            <a:schemeClr val="accent1"/>
-          </a:effectRef>
-          <a:fontRef idx="minor">
-            <a:schemeClr val="tx1"/>
-          </a:fontRef>
-        </p:style>
-      </p:cxnSp>
-      <p:sp>
-        <p:nvSpPr>
-          <p:cNvPr id="48" name="Rectangle 47">
-            <a:extLst>
-              <a:ext uri="{FF2B5EF4-FFF2-40B4-BE49-F238E27FC236}">
-                <a16:creationId xmlns:a16="http://schemas.microsoft.com/office/drawing/2014/main" id="{BF7BCD08-E2B7-4D73-A88C-A5AE58BEE211}"/>
-              </a:ext>
-            </a:extLst>
-          </p:cNvPr>
-          <p:cNvSpPr/>
-          <p:nvPr/>
-        </p:nvSpPr>
-        <p:spPr>
-          <a:xfrm>
-            <a:off x="10072506" y="4113382"/>
-            <a:ext cx="1490535" cy="249978"/>
-          </a:xfrm>
-          <a:prstGeom prst="rect">
-            <a:avLst/>
-          </a:prstGeom>
-        </p:spPr>
-        <p:style>
-          <a:lnRef idx="2">
-            <a:schemeClr val="accent1">
-              <a:shade val="50000"/>
-            </a:schemeClr>
-          </a:lnRef>
-          <a:fillRef idx="1">
-            <a:schemeClr val="accent1"/>
-          </a:fillRef>
-          <a:effectRef idx="0">
-            <a:schemeClr val="accent1"/>
-          </a:effectRef>
-          <a:fontRef idx="minor">
-            <a:schemeClr val="lt1"/>
-          </a:fontRef>
-        </p:style>
-        <p:txBody>
-          <a:bodyPr rtlCol="0" anchor="ctr"/>
-          <a:lstStyle/>
-          <a:p>
-            <a:pPr algn="ctr"/>
-            <a:r>
-              <a:rPr lang="en-GB" sz="1400" dirty="0"/>
-              <a:t>Domain Object 1</a:t>
-            </a:r>
-            <a:endParaRPr lang="pt-PT" sz="1400" dirty="0"/>
-          </a:p>
-        </p:txBody>
-      </p:sp>
-      <p:sp>
-        <p:nvSpPr>
-          <p:cNvPr id="49" name="Rectangle 48">
-            <a:extLst>
-              <a:ext uri="{FF2B5EF4-FFF2-40B4-BE49-F238E27FC236}">
-                <a16:creationId xmlns:a16="http://schemas.microsoft.com/office/drawing/2014/main" id="{C6370906-068C-4323-99C2-80E8EC23F046}"/>
-              </a:ext>
-            </a:extLst>
-          </p:cNvPr>
-          <p:cNvSpPr/>
-          <p:nvPr/>
-        </p:nvSpPr>
-        <p:spPr>
-          <a:xfrm>
-            <a:off x="10072506" y="4486208"/>
-            <a:ext cx="1490535" cy="249978"/>
-          </a:xfrm>
-          <a:prstGeom prst="rect">
-            <a:avLst/>
-          </a:prstGeom>
-        </p:spPr>
-        <p:style>
-          <a:lnRef idx="2">
-            <a:schemeClr val="accent1">
-              <a:shade val="50000"/>
-            </a:schemeClr>
-          </a:lnRef>
-          <a:fillRef idx="1">
-            <a:schemeClr val="accent1"/>
-          </a:fillRef>
-          <a:effectRef idx="0">
-            <a:schemeClr val="accent1"/>
-          </a:effectRef>
-          <a:fontRef idx="minor">
-            <a:schemeClr val="lt1"/>
-          </a:fontRef>
-        </p:style>
-        <p:txBody>
-          <a:bodyPr rtlCol="0" anchor="ctr"/>
-          <a:lstStyle/>
-          <a:p>
-            <a:pPr algn="ctr"/>
-            <a:r>
-              <a:rPr lang="en-GB" sz="1400" dirty="0"/>
-              <a:t>Domain Object 2</a:t>
-            </a:r>
-            <a:endParaRPr lang="pt-PT" sz="1400" dirty="0"/>
-          </a:p>
-        </p:txBody>
-      </p:sp>
-      <p:sp>
-        <p:nvSpPr>
-          <p:cNvPr id="50" name="Rectangle 49">
-            <a:extLst>
-              <a:ext uri="{FF2B5EF4-FFF2-40B4-BE49-F238E27FC236}">
-                <a16:creationId xmlns:a16="http://schemas.microsoft.com/office/drawing/2014/main" id="{AAAD2925-A3AB-4D9D-9B26-8BB19ED6D187}"/>
-              </a:ext>
-            </a:extLst>
-          </p:cNvPr>
-          <p:cNvSpPr/>
-          <p:nvPr/>
-        </p:nvSpPr>
-        <p:spPr>
-          <a:xfrm>
-            <a:off x="10072506" y="4860842"/>
-            <a:ext cx="1490535" cy="249978"/>
-          </a:xfrm>
-          <a:prstGeom prst="rect">
-            <a:avLst/>
-          </a:prstGeom>
-        </p:spPr>
-        <p:style>
-          <a:lnRef idx="2">
-            <a:schemeClr val="accent1">
-              <a:shade val="50000"/>
-            </a:schemeClr>
-          </a:lnRef>
-          <a:fillRef idx="1">
-            <a:schemeClr val="accent1"/>
-          </a:fillRef>
-          <a:effectRef idx="0">
-            <a:schemeClr val="accent1"/>
-          </a:effectRef>
-          <a:fontRef idx="minor">
-            <a:schemeClr val="lt1"/>
-          </a:fontRef>
-        </p:style>
-        <p:txBody>
-          <a:bodyPr rtlCol="0" anchor="ctr"/>
-          <a:lstStyle/>
-          <a:p>
-            <a:pPr algn="ctr"/>
-            <a:r>
-              <a:rPr lang="en-GB" sz="1400" dirty="0"/>
-              <a:t>Domain Object 3</a:t>
-            </a:r>
-            <a:endParaRPr lang="pt-PT" sz="1400" dirty="0"/>
-          </a:p>
-        </p:txBody>
-      </p:sp>
-      <p:sp>
-        <p:nvSpPr>
-          <p:cNvPr id="51" name="Rectangle 50">
-            <a:extLst>
-              <a:ext uri="{FF2B5EF4-FFF2-40B4-BE49-F238E27FC236}">
-                <a16:creationId xmlns:a16="http://schemas.microsoft.com/office/drawing/2014/main" id="{D35F5AC9-722F-4C61-8021-0ED76B07C78D}"/>
-              </a:ext>
-            </a:extLst>
-          </p:cNvPr>
-          <p:cNvSpPr/>
-          <p:nvPr/>
-        </p:nvSpPr>
-        <p:spPr>
-          <a:xfrm>
-            <a:off x="10072506" y="5190398"/>
-            <a:ext cx="1490535" cy="249978"/>
-          </a:xfrm>
-          <a:prstGeom prst="rect">
-            <a:avLst/>
-          </a:prstGeom>
-        </p:spPr>
-        <p:style>
-          <a:lnRef idx="2">
-            <a:schemeClr val="accent1">
-              <a:shade val="50000"/>
-            </a:schemeClr>
-          </a:lnRef>
-          <a:fillRef idx="1">
-            <a:schemeClr val="accent1"/>
-          </a:fillRef>
-          <a:effectRef idx="0">
-            <a:schemeClr val="accent1"/>
-          </a:effectRef>
-          <a:fontRef idx="minor">
-            <a:schemeClr val="lt1"/>
-          </a:fontRef>
-        </p:style>
-        <p:txBody>
-          <a:bodyPr rtlCol="0" anchor="ctr"/>
-          <a:lstStyle/>
-          <a:p>
-            <a:pPr algn="ctr"/>
-            <a:r>
-              <a:rPr lang="en-GB" sz="1400" dirty="0"/>
-              <a:t>Domain Object 4</a:t>
-            </a:r>
-            <a:endParaRPr lang="pt-PT" sz="1400" dirty="0"/>
-          </a:p>
-        </p:txBody>
-      </p:sp>
-      <p:cxnSp>
-        <p:nvCxnSpPr>
-          <p:cNvPr id="54" name="Straight Connector 53">
-            <a:extLst>
-              <a:ext uri="{FF2B5EF4-FFF2-40B4-BE49-F238E27FC236}">
-                <a16:creationId xmlns:a16="http://schemas.microsoft.com/office/drawing/2014/main" id="{EB1A70B1-078F-4561-9F2F-04D8DC5A2456}"/>
-              </a:ext>
-            </a:extLst>
-          </p:cNvPr>
-          <p:cNvCxnSpPr>
-            <a:cxnSpLocks/>
-            <a:endCxn id="48" idx="1"/>
-          </p:cNvCxnSpPr>
-          <p:nvPr/>
-        </p:nvCxnSpPr>
-        <p:spPr>
-          <a:xfrm flipV="1">
-            <a:off x="7989463" y="4238371"/>
-            <a:ext cx="2083043" cy="345973"/>
-          </a:xfrm>
-          <a:prstGeom prst="line">
-            <a:avLst/>
-          </a:prstGeom>
-        </p:spPr>
-        <p:style>
-          <a:lnRef idx="1">
-            <a:schemeClr val="accent1"/>
-          </a:lnRef>
-          <a:fillRef idx="0">
-            <a:schemeClr val="accent1"/>
-          </a:fillRef>
-          <a:effectRef idx="0">
-            <a:schemeClr val="accent1"/>
-          </a:effectRef>
-          <a:fontRef idx="minor">
-            <a:schemeClr val="tx1"/>
-          </a:fontRef>
-        </p:style>
-      </p:cxnSp>
-      <p:cxnSp>
-        <p:nvCxnSpPr>
-          <p:cNvPr id="56" name="Straight Connector 55">
-            <a:extLst>
-              <a:ext uri="{FF2B5EF4-FFF2-40B4-BE49-F238E27FC236}">
-                <a16:creationId xmlns:a16="http://schemas.microsoft.com/office/drawing/2014/main" id="{32FA951E-0816-4373-9A5B-2C16CBC7BF89}"/>
-              </a:ext>
-            </a:extLst>
-          </p:cNvPr>
-          <p:cNvCxnSpPr>
-            <a:cxnSpLocks/>
-            <a:endCxn id="49" idx="1"/>
-          </p:cNvCxnSpPr>
-          <p:nvPr/>
-        </p:nvCxnSpPr>
-        <p:spPr>
-          <a:xfrm flipV="1">
-            <a:off x="8021709" y="4611197"/>
-            <a:ext cx="2050797" cy="116886"/>
-          </a:xfrm>
-          <a:prstGeom prst="line">
-            <a:avLst/>
-          </a:prstGeom>
-        </p:spPr>
-        <p:style>
-          <a:lnRef idx="1">
-            <a:schemeClr val="accent1"/>
-          </a:lnRef>
-          <a:fillRef idx="0">
-            <a:schemeClr val="accent1"/>
-          </a:fillRef>
-          <a:effectRef idx="0">
-            <a:schemeClr val="accent1"/>
-          </a:effectRef>
-          <a:fontRef idx="minor">
-            <a:schemeClr val="tx1"/>
-          </a:fontRef>
-        </p:style>
-      </p:cxnSp>
-      <p:cxnSp>
-        <p:nvCxnSpPr>
-          <p:cNvPr id="59" name="Straight Connector 58">
-            <a:extLst>
-              <a:ext uri="{FF2B5EF4-FFF2-40B4-BE49-F238E27FC236}">
-                <a16:creationId xmlns:a16="http://schemas.microsoft.com/office/drawing/2014/main" id="{93D5AC45-0499-4ED5-99B4-6826C82EF0CC}"/>
-              </a:ext>
-            </a:extLst>
-          </p:cNvPr>
-          <p:cNvCxnSpPr>
-            <a:cxnSpLocks/>
-            <a:endCxn id="50" idx="1"/>
-          </p:cNvCxnSpPr>
-          <p:nvPr/>
-        </p:nvCxnSpPr>
-        <p:spPr>
-          <a:xfrm>
-            <a:off x="8021709" y="4922885"/>
-            <a:ext cx="2050797" cy="62946"/>
-          </a:xfrm>
-          <a:prstGeom prst="line">
-            <a:avLst/>
-          </a:prstGeom>
-        </p:spPr>
-        <p:style>
-          <a:lnRef idx="1">
-            <a:schemeClr val="accent1"/>
-          </a:lnRef>
-          <a:fillRef idx="0">
-            <a:schemeClr val="accent1"/>
-          </a:fillRef>
-          <a:effectRef idx="0">
-            <a:schemeClr val="accent1"/>
-          </a:effectRef>
-          <a:fontRef idx="minor">
-            <a:schemeClr val="tx1"/>
-          </a:fontRef>
-        </p:style>
-      </p:cxnSp>
-      <p:cxnSp>
-        <p:nvCxnSpPr>
-          <p:cNvPr id="63" name="Straight Connector 62">
-            <a:extLst>
-              <a:ext uri="{FF2B5EF4-FFF2-40B4-BE49-F238E27FC236}">
-                <a16:creationId xmlns:a16="http://schemas.microsoft.com/office/drawing/2014/main" id="{31460E11-102E-4226-AA1D-880668DA6BA3}"/>
-              </a:ext>
-            </a:extLst>
-          </p:cNvPr>
-          <p:cNvCxnSpPr>
-            <a:cxnSpLocks/>
-            <a:endCxn id="49" idx="1"/>
-          </p:cNvCxnSpPr>
-          <p:nvPr/>
-        </p:nvCxnSpPr>
-        <p:spPr>
-          <a:xfrm flipV="1">
-            <a:off x="9471171" y="4611197"/>
-            <a:ext cx="601335" cy="667900"/>
-          </a:xfrm>
-          <a:prstGeom prst="line">
-            <a:avLst/>
-          </a:prstGeom>
-        </p:spPr>
-        <p:style>
-          <a:lnRef idx="1">
-            <a:schemeClr val="accent1"/>
-          </a:lnRef>
-          <a:fillRef idx="0">
-            <a:schemeClr val="accent1"/>
-          </a:fillRef>
-          <a:effectRef idx="0">
-            <a:schemeClr val="accent1"/>
-          </a:effectRef>
-          <a:fontRef idx="minor">
-            <a:schemeClr val="tx1"/>
-          </a:fontRef>
-        </p:style>
-      </p:cxnSp>
-      <p:cxnSp>
-        <p:nvCxnSpPr>
-          <p:cNvPr id="66" name="Straight Connector 65">
-            <a:extLst>
-              <a:ext uri="{FF2B5EF4-FFF2-40B4-BE49-F238E27FC236}">
-                <a16:creationId xmlns:a16="http://schemas.microsoft.com/office/drawing/2014/main" id="{827DBAD3-8136-45DA-A42C-88A34DDC9CA8}"/>
-              </a:ext>
-            </a:extLst>
-          </p:cNvPr>
-          <p:cNvCxnSpPr>
-            <a:cxnSpLocks/>
-            <a:endCxn id="51" idx="1"/>
-          </p:cNvCxnSpPr>
-          <p:nvPr/>
-        </p:nvCxnSpPr>
-        <p:spPr>
-          <a:xfrm flipV="1">
-            <a:off x="9724648" y="5315387"/>
-            <a:ext cx="347858" cy="43288"/>
-          </a:xfrm>
-          <a:prstGeom prst="line">
-            <a:avLst/>
-          </a:prstGeom>
-        </p:spPr>
-        <p:style>
-          <a:lnRef idx="1">
-            <a:schemeClr val="accent1"/>
-          </a:lnRef>
-          <a:fillRef idx="0">
-            <a:schemeClr val="accent1"/>
-          </a:fillRef>
-          <a:effectRef idx="0">
-            <a:schemeClr val="accent1"/>
-          </a:effectRef>
-          <a:fontRef idx="minor">
-            <a:schemeClr val="tx1"/>
-          </a:fontRef>
-        </p:style>
-      </p:cxnSp>
-      <p:sp>
-        <p:nvSpPr>
-          <p:cNvPr id="71" name="Rectangle 70">
-            <a:extLst>
-              <a:ext uri="{FF2B5EF4-FFF2-40B4-BE49-F238E27FC236}">
-                <a16:creationId xmlns:a16="http://schemas.microsoft.com/office/drawing/2014/main" id="{6E3BB5F3-45DE-43C4-9380-77B476D92620}"/>
-              </a:ext>
-            </a:extLst>
-          </p:cNvPr>
-          <p:cNvSpPr/>
-          <p:nvPr/>
-        </p:nvSpPr>
-        <p:spPr>
-          <a:xfrm>
-            <a:off x="10072667" y="5548363"/>
-            <a:ext cx="1490535" cy="249978"/>
-          </a:xfrm>
-          <a:prstGeom prst="rect">
-            <a:avLst/>
-          </a:prstGeom>
-        </p:spPr>
-        <p:style>
-          <a:lnRef idx="2">
-            <a:schemeClr val="accent1">
-              <a:shade val="50000"/>
-            </a:schemeClr>
-          </a:lnRef>
-          <a:fillRef idx="1">
-            <a:schemeClr val="accent1"/>
-          </a:fillRef>
-          <a:effectRef idx="0">
-            <a:schemeClr val="accent1"/>
-          </a:effectRef>
-          <a:fontRef idx="minor">
-            <a:schemeClr val="lt1"/>
-          </a:fontRef>
-        </p:style>
-        <p:txBody>
-          <a:bodyPr rtlCol="0" anchor="ctr"/>
-          <a:lstStyle/>
-          <a:p>
-            <a:pPr algn="ctr"/>
-            <a:r>
-              <a:rPr lang="en-GB" sz="1400" dirty="0"/>
-              <a:t>Domain Object 5</a:t>
-            </a:r>
-            <a:endParaRPr lang="pt-PT" sz="1400" dirty="0"/>
-          </a:p>
-        </p:txBody>
-      </p:sp>
-      <p:sp>
-        <p:nvSpPr>
-          <p:cNvPr id="72" name="Rectangle 71">
-            <a:extLst>
-              <a:ext uri="{FF2B5EF4-FFF2-40B4-BE49-F238E27FC236}">
-                <a16:creationId xmlns:a16="http://schemas.microsoft.com/office/drawing/2014/main" id="{BBB752D0-9DE8-469F-AFA5-D3F5BF7FE8EA}"/>
-              </a:ext>
-            </a:extLst>
-          </p:cNvPr>
-          <p:cNvSpPr/>
-          <p:nvPr/>
-        </p:nvSpPr>
-        <p:spPr>
-          <a:xfrm>
-            <a:off x="10072506" y="5926863"/>
-            <a:ext cx="1490535" cy="249978"/>
-          </a:xfrm>
-          <a:prstGeom prst="rect">
-            <a:avLst/>
-          </a:prstGeom>
-        </p:spPr>
-        <p:style>
-          <a:lnRef idx="2">
-            <a:schemeClr val="accent1">
-              <a:shade val="50000"/>
-            </a:schemeClr>
-          </a:lnRef>
-          <a:fillRef idx="1">
-            <a:schemeClr val="accent1"/>
-          </a:fillRef>
-          <a:effectRef idx="0">
-            <a:schemeClr val="accent1"/>
-          </a:effectRef>
-          <a:fontRef idx="minor">
-            <a:schemeClr val="lt1"/>
-          </a:fontRef>
-        </p:style>
-        <p:txBody>
-          <a:bodyPr rtlCol="0" anchor="ctr"/>
-          <a:lstStyle/>
-          <a:p>
-            <a:pPr algn="ctr"/>
-            <a:r>
-              <a:rPr lang="en-GB" sz="1400" dirty="0"/>
-              <a:t>Domain Object 6</a:t>
-            </a:r>
-            <a:endParaRPr lang="pt-PT" sz="1400" dirty="0"/>
-          </a:p>
-        </p:txBody>
-      </p:sp>
-      <p:cxnSp>
-        <p:nvCxnSpPr>
-          <p:cNvPr id="73" name="Straight Connector 72">
-            <a:extLst>
-              <a:ext uri="{FF2B5EF4-FFF2-40B4-BE49-F238E27FC236}">
-                <a16:creationId xmlns:a16="http://schemas.microsoft.com/office/drawing/2014/main" id="{C784583D-4E2F-40E3-931A-546D7B2AF4E1}"/>
-              </a:ext>
-            </a:extLst>
-          </p:cNvPr>
-          <p:cNvCxnSpPr>
-            <a:cxnSpLocks/>
-            <a:endCxn id="71" idx="1"/>
-          </p:cNvCxnSpPr>
-          <p:nvPr/>
-        </p:nvCxnSpPr>
-        <p:spPr>
-          <a:xfrm>
-            <a:off x="9742502" y="5482993"/>
-            <a:ext cx="330165" cy="190359"/>
-          </a:xfrm>
-          <a:prstGeom prst="line">
-            <a:avLst/>
-          </a:prstGeom>
-        </p:spPr>
-        <p:style>
-          <a:lnRef idx="1">
-            <a:schemeClr val="accent1"/>
-          </a:lnRef>
-          <a:fillRef idx="0">
-            <a:schemeClr val="accent1"/>
-          </a:fillRef>
-          <a:effectRef idx="0">
-            <a:schemeClr val="accent1"/>
-          </a:effectRef>
-          <a:fontRef idx="minor">
-            <a:schemeClr val="tx1"/>
-          </a:fontRef>
-        </p:style>
-      </p:cxnSp>
-      <p:cxnSp>
-        <p:nvCxnSpPr>
-          <p:cNvPr id="76" name="Straight Connector 75">
-            <a:extLst>
-              <a:ext uri="{FF2B5EF4-FFF2-40B4-BE49-F238E27FC236}">
-                <a16:creationId xmlns:a16="http://schemas.microsoft.com/office/drawing/2014/main" id="{22EB9DA2-7B60-4CE6-AC49-5315770476B3}"/>
-              </a:ext>
-            </a:extLst>
-          </p:cNvPr>
-          <p:cNvCxnSpPr>
-            <a:cxnSpLocks/>
-            <a:endCxn id="72" idx="1"/>
-          </p:cNvCxnSpPr>
-          <p:nvPr/>
-        </p:nvCxnSpPr>
-        <p:spPr>
-          <a:xfrm>
-            <a:off x="9733575" y="5608899"/>
-            <a:ext cx="338931" cy="442953"/>
-          </a:xfrm>
-          <a:prstGeom prst="line">
-            <a:avLst/>
-          </a:prstGeom>
-        </p:spPr>
-        <p:style>
-          <a:lnRef idx="1">
-            <a:schemeClr val="accent1"/>
-          </a:lnRef>
-          <a:fillRef idx="0">
-            <a:schemeClr val="accent1"/>
-          </a:fillRef>
-          <a:effectRef idx="0">
-            <a:schemeClr val="accent1"/>
-          </a:effectRef>
-          <a:fontRef idx="minor">
-            <a:schemeClr val="tx1"/>
-          </a:fontRef>
-        </p:style>
-      </p:cxnSp>
-      <p:cxnSp>
-        <p:nvCxnSpPr>
-          <p:cNvPr id="79" name="Straight Connector 78">
-            <a:extLst>
-              <a:ext uri="{FF2B5EF4-FFF2-40B4-BE49-F238E27FC236}">
-                <a16:creationId xmlns:a16="http://schemas.microsoft.com/office/drawing/2014/main" id="{A3284221-BE31-4E79-B666-BEB0BE251AE2}"/>
-              </a:ext>
-            </a:extLst>
-          </p:cNvPr>
-          <p:cNvCxnSpPr>
-            <a:cxnSpLocks/>
-            <a:endCxn id="50" idx="1"/>
-          </p:cNvCxnSpPr>
-          <p:nvPr/>
-        </p:nvCxnSpPr>
-        <p:spPr>
-          <a:xfrm flipV="1">
-            <a:off x="9640310" y="4985831"/>
-            <a:ext cx="432196" cy="309021"/>
-          </a:xfrm>
-          <a:prstGeom prst="line">
-            <a:avLst/>
-          </a:prstGeom>
-        </p:spPr>
-        <p:style>
-          <a:lnRef idx="1">
-            <a:schemeClr val="accent1"/>
-          </a:lnRef>
-          <a:fillRef idx="0">
-            <a:schemeClr val="accent1"/>
-          </a:fillRef>
-          <a:effectRef idx="0">
-            <a:schemeClr val="accent1"/>
-          </a:effectRef>
-          <a:fontRef idx="minor">
-            <a:schemeClr val="tx1"/>
-          </a:fontRef>
-        </p:style>
-      </p:cxnSp>
+            </a:fontRef>
+          </p:style>
+        </p:cxnSp>
+        <p:sp>
+          <p:nvSpPr>
+            <p:cNvPr id="48" name="Rectangle 47">
+              <a:extLst>
+                <a:ext uri="{FF2B5EF4-FFF2-40B4-BE49-F238E27FC236}">
+                  <a16:creationId xmlns:a16="http://schemas.microsoft.com/office/drawing/2014/main" id="{BF7BCD08-E2B7-4D73-A88C-A5AE58BEE211}"/>
+                </a:ext>
+              </a:extLst>
+            </p:cNvPr>
+            <p:cNvSpPr/>
+            <p:nvPr/>
+          </p:nvSpPr>
+          <p:spPr>
+            <a:xfrm>
+              <a:off x="10072506" y="4113382"/>
+              <a:ext cx="1490535" cy="249978"/>
+            </a:xfrm>
+            <a:prstGeom prst="rect">
+              <a:avLst/>
+            </a:prstGeom>
+          </p:spPr>
+          <p:style>
+            <a:lnRef idx="2">
+              <a:schemeClr val="accent6">
+                <a:shade val="50000"/>
+              </a:schemeClr>
+            </a:lnRef>
+            <a:fillRef idx="1">
+              <a:schemeClr val="accent6"/>
+            </a:fillRef>
+            <a:effectRef idx="0">
+              <a:schemeClr val="accent6"/>
+            </a:effectRef>
+            <a:fontRef idx="minor">
+              <a:schemeClr val="lt1"/>
+            </a:fontRef>
+          </p:style>
+          <p:txBody>
+            <a:bodyPr rtlCol="0" anchor="ctr"/>
+            <a:lstStyle/>
+            <a:p>
+              <a:pPr algn="ctr"/>
+              <a:r>
+                <a:rPr lang="en-GB" sz="1400" dirty="0"/>
+                <a:t>Domain Object 1</a:t>
+              </a:r>
+              <a:endParaRPr lang="pt-PT" sz="1400" dirty="0"/>
+            </a:p>
+          </p:txBody>
+        </p:sp>
+        <p:sp>
+          <p:nvSpPr>
+            <p:cNvPr id="49" name="Rectangle 48">
+              <a:extLst>
+                <a:ext uri="{FF2B5EF4-FFF2-40B4-BE49-F238E27FC236}">
+                  <a16:creationId xmlns:a16="http://schemas.microsoft.com/office/drawing/2014/main" id="{C6370906-068C-4323-99C2-80E8EC23F046}"/>
+                </a:ext>
+              </a:extLst>
+            </p:cNvPr>
+            <p:cNvSpPr/>
+            <p:nvPr/>
+          </p:nvSpPr>
+          <p:spPr>
+            <a:xfrm>
+              <a:off x="10072506" y="4486208"/>
+              <a:ext cx="1490535" cy="249978"/>
+            </a:xfrm>
+            <a:prstGeom prst="rect">
+              <a:avLst/>
+            </a:prstGeom>
+          </p:spPr>
+          <p:style>
+            <a:lnRef idx="2">
+              <a:schemeClr val="accent6">
+                <a:shade val="50000"/>
+              </a:schemeClr>
+            </a:lnRef>
+            <a:fillRef idx="1">
+              <a:schemeClr val="accent6"/>
+            </a:fillRef>
+            <a:effectRef idx="0">
+              <a:schemeClr val="accent6"/>
+            </a:effectRef>
+            <a:fontRef idx="minor">
+              <a:schemeClr val="lt1"/>
+            </a:fontRef>
+          </p:style>
+          <p:txBody>
+            <a:bodyPr rtlCol="0" anchor="ctr"/>
+            <a:lstStyle/>
+            <a:p>
+              <a:pPr algn="ctr"/>
+              <a:r>
+                <a:rPr lang="en-GB" sz="1400" dirty="0"/>
+                <a:t>Domain Object 2</a:t>
+              </a:r>
+              <a:endParaRPr lang="pt-PT" sz="1400" dirty="0"/>
+            </a:p>
+          </p:txBody>
+        </p:sp>
+        <p:sp>
+          <p:nvSpPr>
+            <p:cNvPr id="50" name="Rectangle 49">
+              <a:extLst>
+                <a:ext uri="{FF2B5EF4-FFF2-40B4-BE49-F238E27FC236}">
+                  <a16:creationId xmlns:a16="http://schemas.microsoft.com/office/drawing/2014/main" id="{AAAD2925-A3AB-4D9D-9B26-8BB19ED6D187}"/>
+                </a:ext>
+              </a:extLst>
+            </p:cNvPr>
+            <p:cNvSpPr/>
+            <p:nvPr/>
+          </p:nvSpPr>
+          <p:spPr>
+            <a:xfrm>
+              <a:off x="10072506" y="4860842"/>
+              <a:ext cx="1490535" cy="249978"/>
+            </a:xfrm>
+            <a:prstGeom prst="rect">
+              <a:avLst/>
+            </a:prstGeom>
+          </p:spPr>
+          <p:style>
+            <a:lnRef idx="2">
+              <a:schemeClr val="accent6">
+                <a:shade val="50000"/>
+              </a:schemeClr>
+            </a:lnRef>
+            <a:fillRef idx="1">
+              <a:schemeClr val="accent6"/>
+            </a:fillRef>
+            <a:effectRef idx="0">
+              <a:schemeClr val="accent6"/>
+            </a:effectRef>
+            <a:fontRef idx="minor">
+              <a:schemeClr val="lt1"/>
+            </a:fontRef>
+          </p:style>
+          <p:txBody>
+            <a:bodyPr rtlCol="0" anchor="ctr"/>
+            <a:lstStyle/>
+            <a:p>
+              <a:pPr algn="ctr"/>
+              <a:r>
+                <a:rPr lang="en-GB" sz="1400" dirty="0"/>
+                <a:t>Domain Object 3</a:t>
+              </a:r>
+              <a:endParaRPr lang="pt-PT" sz="1400" dirty="0"/>
+            </a:p>
+          </p:txBody>
+        </p:sp>
+        <p:sp>
+          <p:nvSpPr>
+            <p:cNvPr id="51" name="Rectangle 50">
+              <a:extLst>
+                <a:ext uri="{FF2B5EF4-FFF2-40B4-BE49-F238E27FC236}">
+                  <a16:creationId xmlns:a16="http://schemas.microsoft.com/office/drawing/2014/main" id="{D35F5AC9-722F-4C61-8021-0ED76B07C78D}"/>
+                </a:ext>
+              </a:extLst>
+            </p:cNvPr>
+            <p:cNvSpPr/>
+            <p:nvPr/>
+          </p:nvSpPr>
+          <p:spPr>
+            <a:xfrm>
+              <a:off x="10072506" y="5190398"/>
+              <a:ext cx="1490535" cy="249978"/>
+            </a:xfrm>
+            <a:prstGeom prst="rect">
+              <a:avLst/>
+            </a:prstGeom>
+          </p:spPr>
+          <p:style>
+            <a:lnRef idx="2">
+              <a:schemeClr val="accent6">
+                <a:shade val="50000"/>
+              </a:schemeClr>
+            </a:lnRef>
+            <a:fillRef idx="1">
+              <a:schemeClr val="accent6"/>
+            </a:fillRef>
+            <a:effectRef idx="0">
+              <a:schemeClr val="accent6"/>
+            </a:effectRef>
+            <a:fontRef idx="minor">
+              <a:schemeClr val="lt1"/>
+            </a:fontRef>
+          </p:style>
+          <p:txBody>
+            <a:bodyPr rtlCol="0" anchor="ctr"/>
+            <a:lstStyle/>
+            <a:p>
+              <a:pPr algn="ctr"/>
+              <a:r>
+                <a:rPr lang="en-GB" sz="1400" dirty="0"/>
+                <a:t>Domain Object 4</a:t>
+              </a:r>
+              <a:endParaRPr lang="pt-PT" sz="1400" dirty="0"/>
+            </a:p>
+          </p:txBody>
+        </p:sp>
+        <p:cxnSp>
+          <p:nvCxnSpPr>
+            <p:cNvPr id="54" name="Straight Connector 53">
+              <a:extLst>
+                <a:ext uri="{FF2B5EF4-FFF2-40B4-BE49-F238E27FC236}">
+                  <a16:creationId xmlns:a16="http://schemas.microsoft.com/office/drawing/2014/main" id="{EB1A70B1-078F-4561-9F2F-04D8DC5A2456}"/>
+                </a:ext>
+              </a:extLst>
+            </p:cNvPr>
+            <p:cNvCxnSpPr>
+              <a:cxnSpLocks/>
+              <a:endCxn id="48" idx="1"/>
+            </p:cNvCxnSpPr>
+            <p:nvPr/>
+          </p:nvCxnSpPr>
+          <p:spPr>
+            <a:xfrm flipV="1">
+              <a:off x="7989463" y="4238371"/>
+              <a:ext cx="2083043" cy="345973"/>
+            </a:xfrm>
+            <a:prstGeom prst="line">
+              <a:avLst/>
+            </a:prstGeom>
+            <a:ln>
+              <a:solidFill>
+                <a:srgbClr val="70AD47"/>
+              </a:solidFill>
+            </a:ln>
+          </p:spPr>
+          <p:style>
+            <a:lnRef idx="1">
+              <a:schemeClr val="accent1"/>
+            </a:lnRef>
+            <a:fillRef idx="0">
+              <a:schemeClr val="accent1"/>
+            </a:fillRef>
+            <a:effectRef idx="0">
+              <a:schemeClr val="accent1"/>
+            </a:effectRef>
+            <a:fontRef idx="minor">
+              <a:schemeClr val="tx1"/>
+            </a:fontRef>
+          </p:style>
+        </p:cxnSp>
+        <p:cxnSp>
+          <p:nvCxnSpPr>
+            <p:cNvPr id="56" name="Straight Connector 55">
+              <a:extLst>
+                <a:ext uri="{FF2B5EF4-FFF2-40B4-BE49-F238E27FC236}">
+                  <a16:creationId xmlns:a16="http://schemas.microsoft.com/office/drawing/2014/main" id="{32FA951E-0816-4373-9A5B-2C16CBC7BF89}"/>
+                </a:ext>
+              </a:extLst>
+            </p:cNvPr>
+            <p:cNvCxnSpPr>
+              <a:cxnSpLocks/>
+              <a:endCxn id="49" idx="1"/>
+            </p:cNvCxnSpPr>
+            <p:nvPr/>
+          </p:nvCxnSpPr>
+          <p:spPr>
+            <a:xfrm flipV="1">
+              <a:off x="8021709" y="4611197"/>
+              <a:ext cx="2050797" cy="116886"/>
+            </a:xfrm>
+            <a:prstGeom prst="line">
+              <a:avLst/>
+            </a:prstGeom>
+            <a:ln>
+              <a:solidFill>
+                <a:srgbClr val="70AD47"/>
+              </a:solidFill>
+            </a:ln>
+          </p:spPr>
+          <p:style>
+            <a:lnRef idx="1">
+              <a:schemeClr val="accent1"/>
+            </a:lnRef>
+            <a:fillRef idx="0">
+              <a:schemeClr val="accent1"/>
+            </a:fillRef>
+            <a:effectRef idx="0">
+              <a:schemeClr val="accent1"/>
+            </a:effectRef>
+            <a:fontRef idx="minor">
+              <a:schemeClr val="tx1"/>
+            </a:fontRef>
+          </p:style>
+        </p:cxnSp>
+        <p:cxnSp>
+          <p:nvCxnSpPr>
+            <p:cNvPr id="59" name="Straight Connector 58">
+              <a:extLst>
+                <a:ext uri="{FF2B5EF4-FFF2-40B4-BE49-F238E27FC236}">
+                  <a16:creationId xmlns:a16="http://schemas.microsoft.com/office/drawing/2014/main" id="{93D5AC45-0499-4ED5-99B4-6826C82EF0CC}"/>
+                </a:ext>
+              </a:extLst>
+            </p:cNvPr>
+            <p:cNvCxnSpPr>
+              <a:cxnSpLocks/>
+              <a:endCxn id="50" idx="1"/>
+            </p:cNvCxnSpPr>
+            <p:nvPr/>
+          </p:nvCxnSpPr>
+          <p:spPr>
+            <a:xfrm>
+              <a:off x="8021709" y="4922885"/>
+              <a:ext cx="2050797" cy="62946"/>
+            </a:xfrm>
+            <a:prstGeom prst="line">
+              <a:avLst/>
+            </a:prstGeom>
+            <a:ln>
+              <a:solidFill>
+                <a:srgbClr val="70AD47"/>
+              </a:solidFill>
+            </a:ln>
+          </p:spPr>
+          <p:style>
+            <a:lnRef idx="1">
+              <a:schemeClr val="accent1"/>
+            </a:lnRef>
+            <a:fillRef idx="0">
+              <a:schemeClr val="accent1"/>
+            </a:fillRef>
+            <a:effectRef idx="0">
+              <a:schemeClr val="accent1"/>
+            </a:effectRef>
+            <a:fontRef idx="minor">
+              <a:schemeClr val="tx1"/>
+            </a:fontRef>
+          </p:style>
+        </p:cxnSp>
+        <p:cxnSp>
+          <p:nvCxnSpPr>
+            <p:cNvPr id="63" name="Straight Connector 62">
+              <a:extLst>
+                <a:ext uri="{FF2B5EF4-FFF2-40B4-BE49-F238E27FC236}">
+                  <a16:creationId xmlns:a16="http://schemas.microsoft.com/office/drawing/2014/main" id="{31460E11-102E-4226-AA1D-880668DA6BA3}"/>
+                </a:ext>
+              </a:extLst>
+            </p:cNvPr>
+            <p:cNvCxnSpPr>
+              <a:cxnSpLocks/>
+              <a:endCxn id="49" idx="1"/>
+            </p:cNvCxnSpPr>
+            <p:nvPr/>
+          </p:nvCxnSpPr>
+          <p:spPr>
+            <a:xfrm flipV="1">
+              <a:off x="9471171" y="4611197"/>
+              <a:ext cx="601335" cy="667900"/>
+            </a:xfrm>
+            <a:prstGeom prst="line">
+              <a:avLst/>
+            </a:prstGeom>
+          </p:spPr>
+          <p:style>
+            <a:lnRef idx="1">
+              <a:schemeClr val="accent6"/>
+            </a:lnRef>
+            <a:fillRef idx="0">
+              <a:schemeClr val="accent6"/>
+            </a:fillRef>
+            <a:effectRef idx="0">
+              <a:schemeClr val="accent6"/>
+            </a:effectRef>
+            <a:fontRef idx="minor">
+              <a:schemeClr val="tx1"/>
+            </a:fontRef>
+          </p:style>
+        </p:cxnSp>
+        <p:cxnSp>
+          <p:nvCxnSpPr>
+            <p:cNvPr id="66" name="Straight Connector 65">
+              <a:extLst>
+                <a:ext uri="{FF2B5EF4-FFF2-40B4-BE49-F238E27FC236}">
+                  <a16:creationId xmlns:a16="http://schemas.microsoft.com/office/drawing/2014/main" id="{827DBAD3-8136-45DA-A42C-88A34DDC9CA8}"/>
+                </a:ext>
+              </a:extLst>
+            </p:cNvPr>
+            <p:cNvCxnSpPr>
+              <a:cxnSpLocks/>
+              <a:endCxn id="51" idx="1"/>
+            </p:cNvCxnSpPr>
+            <p:nvPr/>
+          </p:nvCxnSpPr>
+          <p:spPr>
+            <a:xfrm flipV="1">
+              <a:off x="9724648" y="5315387"/>
+              <a:ext cx="347858" cy="43288"/>
+            </a:xfrm>
+            <a:prstGeom prst="line">
+              <a:avLst/>
+            </a:prstGeom>
+            <a:ln>
+              <a:solidFill>
+                <a:srgbClr val="70AD47"/>
+              </a:solidFill>
+            </a:ln>
+          </p:spPr>
+          <p:style>
+            <a:lnRef idx="1">
+              <a:schemeClr val="accent1"/>
+            </a:lnRef>
+            <a:fillRef idx="0">
+              <a:schemeClr val="accent1"/>
+            </a:fillRef>
+            <a:effectRef idx="0">
+              <a:schemeClr val="accent1"/>
+            </a:effectRef>
+            <a:fontRef idx="minor">
+              <a:schemeClr val="tx1"/>
+            </a:fontRef>
+          </p:style>
+        </p:cxnSp>
+        <p:sp>
+          <p:nvSpPr>
+            <p:cNvPr id="71" name="Rectangle 70">
+              <a:extLst>
+                <a:ext uri="{FF2B5EF4-FFF2-40B4-BE49-F238E27FC236}">
+                  <a16:creationId xmlns:a16="http://schemas.microsoft.com/office/drawing/2014/main" id="{6E3BB5F3-45DE-43C4-9380-77B476D92620}"/>
+                </a:ext>
+              </a:extLst>
+            </p:cNvPr>
+            <p:cNvSpPr/>
+            <p:nvPr/>
+          </p:nvSpPr>
+          <p:spPr>
+            <a:xfrm>
+              <a:off x="10072667" y="5548363"/>
+              <a:ext cx="1490535" cy="249978"/>
+            </a:xfrm>
+            <a:prstGeom prst="rect">
+              <a:avLst/>
+            </a:prstGeom>
+          </p:spPr>
+          <p:style>
+            <a:lnRef idx="2">
+              <a:schemeClr val="accent6">
+                <a:shade val="50000"/>
+              </a:schemeClr>
+            </a:lnRef>
+            <a:fillRef idx="1">
+              <a:schemeClr val="accent6"/>
+            </a:fillRef>
+            <a:effectRef idx="0">
+              <a:schemeClr val="accent6"/>
+            </a:effectRef>
+            <a:fontRef idx="minor">
+              <a:schemeClr val="lt1"/>
+            </a:fontRef>
+          </p:style>
+          <p:txBody>
+            <a:bodyPr rtlCol="0" anchor="ctr"/>
+            <a:lstStyle/>
+            <a:p>
+              <a:pPr algn="ctr"/>
+              <a:r>
+                <a:rPr lang="en-GB" sz="1400" dirty="0"/>
+                <a:t>Domain Object 5</a:t>
+              </a:r>
+              <a:endParaRPr lang="pt-PT" sz="1400" dirty="0"/>
+            </a:p>
+          </p:txBody>
+        </p:sp>
+        <p:sp>
+          <p:nvSpPr>
+            <p:cNvPr id="72" name="Rectangle 71">
+              <a:extLst>
+                <a:ext uri="{FF2B5EF4-FFF2-40B4-BE49-F238E27FC236}">
+                  <a16:creationId xmlns:a16="http://schemas.microsoft.com/office/drawing/2014/main" id="{BBB752D0-9DE8-469F-AFA5-D3F5BF7FE8EA}"/>
+                </a:ext>
+              </a:extLst>
+            </p:cNvPr>
+            <p:cNvSpPr/>
+            <p:nvPr/>
+          </p:nvSpPr>
+          <p:spPr>
+            <a:xfrm>
+              <a:off x="10072506" y="5926863"/>
+              <a:ext cx="1490535" cy="249978"/>
+            </a:xfrm>
+            <a:prstGeom prst="rect">
+              <a:avLst/>
+            </a:prstGeom>
+          </p:spPr>
+          <p:style>
+            <a:lnRef idx="2">
+              <a:schemeClr val="accent6">
+                <a:shade val="50000"/>
+              </a:schemeClr>
+            </a:lnRef>
+            <a:fillRef idx="1">
+              <a:schemeClr val="accent6"/>
+            </a:fillRef>
+            <a:effectRef idx="0">
+              <a:schemeClr val="accent6"/>
+            </a:effectRef>
+            <a:fontRef idx="minor">
+              <a:schemeClr val="lt1"/>
+            </a:fontRef>
+          </p:style>
+          <p:txBody>
+            <a:bodyPr rtlCol="0" anchor="ctr"/>
+            <a:lstStyle/>
+            <a:p>
+              <a:pPr algn="ctr"/>
+              <a:r>
+                <a:rPr lang="en-GB" sz="1400" dirty="0"/>
+                <a:t>Domain Object 6</a:t>
+              </a:r>
+              <a:endParaRPr lang="pt-PT" sz="1400" dirty="0"/>
+            </a:p>
+          </p:txBody>
+        </p:sp>
+        <p:cxnSp>
+          <p:nvCxnSpPr>
+            <p:cNvPr id="73" name="Straight Connector 72">
+              <a:extLst>
+                <a:ext uri="{FF2B5EF4-FFF2-40B4-BE49-F238E27FC236}">
+                  <a16:creationId xmlns:a16="http://schemas.microsoft.com/office/drawing/2014/main" id="{C784583D-4E2F-40E3-931A-546D7B2AF4E1}"/>
+                </a:ext>
+              </a:extLst>
+            </p:cNvPr>
+            <p:cNvCxnSpPr>
+              <a:cxnSpLocks/>
+              <a:endCxn id="71" idx="1"/>
+            </p:cNvCxnSpPr>
+            <p:nvPr/>
+          </p:nvCxnSpPr>
+          <p:spPr>
+            <a:xfrm>
+              <a:off x="9742502" y="5482993"/>
+              <a:ext cx="330165" cy="190359"/>
+            </a:xfrm>
+            <a:prstGeom prst="line">
+              <a:avLst/>
+            </a:prstGeom>
+            <a:ln>
+              <a:solidFill>
+                <a:srgbClr val="70AD47"/>
+              </a:solidFill>
+            </a:ln>
+          </p:spPr>
+          <p:style>
+            <a:lnRef idx="1">
+              <a:schemeClr val="accent1"/>
+            </a:lnRef>
+            <a:fillRef idx="0">
+              <a:schemeClr val="accent1"/>
+            </a:fillRef>
+            <a:effectRef idx="0">
+              <a:schemeClr val="accent1"/>
+            </a:effectRef>
+            <a:fontRef idx="minor">
+              <a:schemeClr val="tx1"/>
+            </a:fontRef>
+          </p:style>
+        </p:cxnSp>
+        <p:cxnSp>
+          <p:nvCxnSpPr>
+            <p:cNvPr id="76" name="Straight Connector 75">
+              <a:extLst>
+                <a:ext uri="{FF2B5EF4-FFF2-40B4-BE49-F238E27FC236}">
+                  <a16:creationId xmlns:a16="http://schemas.microsoft.com/office/drawing/2014/main" id="{22EB9DA2-7B60-4CE6-AC49-5315770476B3}"/>
+                </a:ext>
+              </a:extLst>
+            </p:cNvPr>
+            <p:cNvCxnSpPr>
+              <a:cxnSpLocks/>
+              <a:endCxn id="72" idx="1"/>
+            </p:cNvCxnSpPr>
+            <p:nvPr/>
+          </p:nvCxnSpPr>
+          <p:spPr>
+            <a:xfrm>
+              <a:off x="9733575" y="5608899"/>
+              <a:ext cx="338931" cy="442953"/>
+            </a:xfrm>
+            <a:prstGeom prst="line">
+              <a:avLst/>
+            </a:prstGeom>
+            <a:ln>
+              <a:solidFill>
+                <a:srgbClr val="70AD47"/>
+              </a:solidFill>
+            </a:ln>
+          </p:spPr>
+          <p:style>
+            <a:lnRef idx="1">
+              <a:schemeClr val="accent1"/>
+            </a:lnRef>
+            <a:fillRef idx="0">
+              <a:schemeClr val="accent1"/>
+            </a:fillRef>
+            <a:effectRef idx="0">
+              <a:schemeClr val="accent1"/>
+            </a:effectRef>
+            <a:fontRef idx="minor">
+              <a:schemeClr val="tx1"/>
+            </a:fontRef>
+          </p:style>
+        </p:cxnSp>
+        <p:cxnSp>
+          <p:nvCxnSpPr>
+            <p:cNvPr id="79" name="Straight Connector 78">
+              <a:extLst>
+                <a:ext uri="{FF2B5EF4-FFF2-40B4-BE49-F238E27FC236}">
+                  <a16:creationId xmlns:a16="http://schemas.microsoft.com/office/drawing/2014/main" id="{A3284221-BE31-4E79-B666-BEB0BE251AE2}"/>
+                </a:ext>
+              </a:extLst>
+            </p:cNvPr>
+            <p:cNvCxnSpPr>
+              <a:cxnSpLocks/>
+              <a:endCxn id="50" idx="1"/>
+            </p:cNvCxnSpPr>
+            <p:nvPr/>
+          </p:nvCxnSpPr>
+          <p:spPr>
+            <a:xfrm flipV="1">
+              <a:off x="9640310" y="4985831"/>
+              <a:ext cx="432196" cy="309021"/>
+            </a:xfrm>
+            <a:prstGeom prst="line">
+              <a:avLst/>
+            </a:prstGeom>
+          </p:spPr>
+          <p:style>
+            <a:lnRef idx="1">
+              <a:schemeClr val="accent6"/>
+            </a:lnRef>
+            <a:fillRef idx="0">
+              <a:schemeClr val="accent6"/>
+            </a:fillRef>
+            <a:effectRef idx="0">
+              <a:schemeClr val="accent6"/>
+            </a:effectRef>
+            <a:fontRef idx="minor">
+              <a:schemeClr val="tx1"/>
+            </a:fontRef>
+          </p:style>
+        </p:cxnSp>
+      </p:grpSp>
     </p:spTree>
     <p:extLst>
       <p:ext uri="{BB962C8B-B14F-4D97-AF65-F5344CB8AC3E}">
